--- a/POWERPOINT/GraduationThesis_pp.pptx
+++ b/POWERPOINT/GraduationThesis_pp.pptx
@@ -5,10 +5,10 @@
     <p:sldMasterId id="2147483648" r:id="rId1"/>
   </p:sldMasterIdLst>
   <p:notesMasterIdLst>
-    <p:notesMasterId r:id="rId34"/>
+    <p:notesMasterId r:id="rId19"/>
   </p:notesMasterIdLst>
   <p:handoutMasterIdLst>
-    <p:handoutMasterId r:id="rId35"/>
+    <p:handoutMasterId r:id="rId20"/>
   </p:handoutMasterIdLst>
   <p:sldIdLst>
     <p:sldId id="259" r:id="rId2"/>
@@ -27,22 +27,7 @@
     <p:sldId id="294" r:id="rId15"/>
     <p:sldId id="281" r:id="rId16"/>
     <p:sldId id="282" r:id="rId17"/>
-    <p:sldId id="269" r:id="rId18"/>
-    <p:sldId id="267" r:id="rId19"/>
-    <p:sldId id="270" r:id="rId20"/>
-    <p:sldId id="271" r:id="rId21"/>
-    <p:sldId id="286" r:id="rId22"/>
-    <p:sldId id="287" r:id="rId23"/>
-    <p:sldId id="288" r:id="rId24"/>
-    <p:sldId id="289" r:id="rId25"/>
-    <p:sldId id="290" r:id="rId26"/>
-    <p:sldId id="273" r:id="rId27"/>
-    <p:sldId id="274" r:id="rId28"/>
-    <p:sldId id="272" r:id="rId29"/>
-    <p:sldId id="266" r:id="rId30"/>
-    <p:sldId id="258" r:id="rId31"/>
-    <p:sldId id="265" r:id="rId32"/>
-    <p:sldId id="262" r:id="rId33"/>
+    <p:sldId id="262" r:id="rId18"/>
   </p:sldIdLst>
   <p:sldSz cx="12192000" cy="6858000"/>
   <p:notesSz cx="6858000" cy="9144000"/>
@@ -243,7 +228,7 @@
           <a:p>
             <a:fld id="{48B45424-6BAC-416C-8F6C-5F9DE854A36B}" type="datetimeFigureOut">
               <a:rPr lang="en-US" smtClean="0"/>
-              <a:t>8/14/2022</a:t>
+              <a:t>8/15/2022</a:t>
             </a:fld>
             <a:endParaRPr lang="en-US"/>
           </a:p>
@@ -421,7 +406,7 @@
           <a:p>
             <a:fld id="{6B733702-C25A-40B9-9167-54BAA79B29B0}" type="datetimeFigureOut">
               <a:rPr lang="en-US" smtClean="0"/>
-              <a:t>8/14/2022</a:t>
+              <a:t>8/15/2022</a:t>
             </a:fld>
             <a:endParaRPr lang="en-US"/>
           </a:p>
@@ -765,7 +750,7 @@
             <a:fld id="{58E92B09-5AF4-4E86-A8BE-E866F0E2C017}" type="datetime1">
               <a:rPr lang="en-US" smtClean="0"/>
               <a:pPr/>
-              <a:t>8/14/2022</a:t>
+              <a:t>8/15/2022</a:t>
             </a:fld>
             <a:endParaRPr lang="en-US"/>
           </a:p>
@@ -957,7 +942,7 @@
             <a:fld id="{F70EAA40-3A53-4A3D-924A-D38F1059C7D5}" type="datetime1">
               <a:rPr lang="en-US" smtClean="0"/>
               <a:pPr/>
-              <a:t>8/14/2022</a:t>
+              <a:t>8/15/2022</a:t>
             </a:fld>
             <a:endParaRPr lang="en-US"/>
           </a:p>
@@ -1297,7 +1282,7 @@
             <a:fld id="{B3ACFEBC-8634-4116-B617-2BE5C2034C2C}" type="datetime1">
               <a:rPr lang="en-US" smtClean="0"/>
               <a:pPr/>
-              <a:t>8/14/2022</a:t>
+              <a:t>8/15/2022</a:t>
             </a:fld>
             <a:endParaRPr lang="en-US"/>
           </a:p>
@@ -1772,7 +1757,7 @@
             <a:fld id="{8CDB0C24-DFE0-41C5-B02D-FC32F5C22F7C}" type="datetime1">
               <a:rPr lang="en-US" smtClean="0"/>
               <a:pPr/>
-              <a:t>8/14/2022</a:t>
+              <a:t>8/15/2022</a:t>
             </a:fld>
             <a:endParaRPr lang="en-US"/>
           </a:p>
@@ -1962,7 +1947,7 @@
             <a:fld id="{EEBFCEF3-2DDE-476B-8A96-303EC557333C}" type="datetime1">
               <a:rPr lang="en-US" smtClean="0"/>
               <a:pPr/>
-              <a:t>8/14/2022</a:t>
+              <a:t>8/15/2022</a:t>
             </a:fld>
             <a:endParaRPr lang="en-US"/>
           </a:p>
@@ -2302,7 +2287,7 @@
             <a:fld id="{19A9EFEF-A194-4819-82D7-1112425D0E86}" type="datetime1">
               <a:rPr lang="en-US" smtClean="0"/>
               <a:pPr/>
-              <a:t>8/14/2022</a:t>
+              <a:t>8/15/2022</a:t>
             </a:fld>
             <a:endParaRPr lang="en-US"/>
           </a:p>
@@ -2627,7 +2612,7 @@
             <a:fld id="{82F65D4C-DEE4-4C7B-91C4-D6D57A523E98}" type="datetime1">
               <a:rPr lang="en-US" smtClean="0"/>
               <a:pPr/>
-              <a:t>8/14/2022</a:t>
+              <a:t>8/15/2022</a:t>
             </a:fld>
             <a:endParaRPr lang="en-US"/>
           </a:p>
@@ -3303,100 +3288,12 @@
           </a:p>
         </p:txBody>
       </p:sp>
-      <p:sp>
-        <p:nvSpPr>
-          <p:cNvPr id="4" name="Content Placeholder 3">
-            <a:extLst>
-              <a:ext uri="{FF2B5EF4-FFF2-40B4-BE49-F238E27FC236}">
-                <a16:creationId xmlns:a16="http://schemas.microsoft.com/office/drawing/2014/main" id="{521FAEAE-6358-E913-8748-B673030FA625}"/>
-              </a:ext>
-            </a:extLst>
-          </p:cNvPr>
-          <p:cNvSpPr>
-            <a:spLocks noGrp="1"/>
-          </p:cNvSpPr>
-          <p:nvPr>
-            <p:ph sz="quarter" idx="13"/>
-          </p:nvPr>
-        </p:nvSpPr>
-        <p:spPr/>
-        <p:txBody>
-          <a:bodyPr/>
-          <a:lstStyle/>
-          <a:p>
-            <a:pPr marL="514350" indent="-514350">
-              <a:buAutoNum type="arabicPeriod"/>
-            </a:pPr>
-            <a:r>
-              <a:rPr lang="en-US" dirty="0"/>
-              <a:t>Living Room</a:t>
-            </a:r>
-          </a:p>
-          <a:p>
-            <a:pPr>
-              <a:buFontTx/>
-              <a:buChar char="-"/>
-            </a:pPr>
-            <a:r>
-              <a:rPr lang="en-US" dirty="0"/>
-              <a:t>Turn on/off the light, fan, door, </a:t>
-            </a:r>
-          </a:p>
-          <a:p>
-            <a:pPr marL="0" indent="0">
-              <a:buNone/>
-            </a:pPr>
-            <a:r>
-              <a:rPr lang="en-US" dirty="0"/>
-              <a:t>   alarm system by using button.</a:t>
-            </a:r>
-          </a:p>
-          <a:p>
-            <a:pPr>
-              <a:buFontTx/>
-              <a:buChar char="-"/>
-            </a:pPr>
-            <a:r>
-              <a:rPr lang="en-US" dirty="0"/>
-              <a:t>Display the temperature and humidity</a:t>
-            </a:r>
-          </a:p>
-          <a:p>
-            <a:pPr marL="0" indent="0">
-              <a:buNone/>
-            </a:pPr>
-            <a:r>
-              <a:rPr lang="en-US" dirty="0"/>
-              <a:t>   in the LCD.</a:t>
-            </a:r>
-          </a:p>
-          <a:p>
-            <a:pPr>
-              <a:buFontTx/>
-              <a:buChar char="-"/>
-            </a:pPr>
-            <a:r>
-              <a:rPr lang="en-US" dirty="0"/>
-              <a:t>Turn on the light automatically when</a:t>
-            </a:r>
-          </a:p>
-          <a:p>
-            <a:pPr marL="0" indent="0">
-              <a:buNone/>
-            </a:pPr>
-            <a:r>
-              <a:rPr lang="en-US" dirty="0"/>
-              <a:t>   someone is in the stair.</a:t>
-            </a:r>
-          </a:p>
-        </p:txBody>
-      </p:sp>
       <p:pic>
         <p:nvPicPr>
-          <p:cNvPr id="5" name="Picture 4" descr="Diagram&#10;&#10;Description automatically generated">
-            <a:extLst>
-              <a:ext uri="{FF2B5EF4-FFF2-40B4-BE49-F238E27FC236}">
-                <a16:creationId xmlns:a16="http://schemas.microsoft.com/office/drawing/2014/main" id="{2D86A62D-E4A5-0DC9-B7F3-F6F8F456D6AF}"/>
+          <p:cNvPr id="6" name="Picture 5" descr="Diagram&#10;&#10;Description automatically generated">
+            <a:extLst>
+              <a:ext uri="{FF2B5EF4-FFF2-40B4-BE49-F238E27FC236}">
+                <a16:creationId xmlns:a16="http://schemas.microsoft.com/office/drawing/2014/main" id="{5E45C01D-8F11-4075-EA0E-FF2123E0A0FB}"/>
               </a:ext>
             </a:extLst>
           </p:cNvPr>
@@ -3413,25 +3310,113 @@
               </a:ext>
             </a:extLst>
           </a:blip>
-          <a:srcRect/>
           <a:stretch>
             <a:fillRect/>
           </a:stretch>
         </p:blipFill>
-        <p:spPr bwMode="auto">
+        <p:spPr>
           <a:xfrm>
-            <a:off x="7314366" y="890032"/>
-            <a:ext cx="4137296" cy="5216706"/>
+            <a:off x="7864902" y="1058844"/>
+            <a:ext cx="3882338" cy="5181843"/>
+          </a:xfrm>
+          <a:prstGeom prst="rect">
+            <a:avLst/>
+          </a:prstGeom>
+        </p:spPr>
+      </p:pic>
+      <p:sp>
+        <p:nvSpPr>
+          <p:cNvPr id="9" name="TextBox 8">
+            <a:extLst>
+              <a:ext uri="{FF2B5EF4-FFF2-40B4-BE49-F238E27FC236}">
+                <a16:creationId xmlns:a16="http://schemas.microsoft.com/office/drawing/2014/main" id="{EEA1A176-880C-187A-F1AE-ED6C4E8801C0}"/>
+              </a:ext>
+            </a:extLst>
+          </p:cNvPr>
+          <p:cNvSpPr txBox="1"/>
+          <p:nvPr/>
+        </p:nvSpPr>
+        <p:spPr>
+          <a:xfrm>
+            <a:off x="234892" y="890032"/>
+            <a:ext cx="6920917" cy="2246769"/>
           </a:xfrm>
           <a:prstGeom prst="rect">
             <a:avLst/>
           </a:prstGeom>
           <a:noFill/>
-          <a:ln>
-            <a:noFill/>
-          </a:ln>
         </p:spPr>
-      </p:pic>
+        <p:txBody>
+          <a:bodyPr wrap="square" rtlCol="0">
+            <a:spAutoFit/>
+          </a:bodyPr>
+          <a:lstStyle/>
+          <a:p>
+            <a:pPr marL="0" indent="0">
+              <a:buNone/>
+            </a:pPr>
+            <a:r>
+              <a:rPr lang="en-US" sz="2000" b="1" dirty="0">
+                <a:latin typeface="Arial" panose="020B0604020202020204" pitchFamily="34" charset="0"/>
+                <a:cs typeface="Arial" panose="020B0604020202020204" pitchFamily="34" charset="0"/>
+              </a:rPr>
+              <a:t>1. Living Room</a:t>
+            </a:r>
+          </a:p>
+          <a:p>
+            <a:pPr>
+              <a:buFontTx/>
+              <a:buChar char="-"/>
+            </a:pPr>
+            <a:r>
+              <a:rPr lang="en-US" sz="2000" dirty="0">
+                <a:latin typeface="Arial" panose="020B0604020202020204" pitchFamily="34" charset="0"/>
+                <a:cs typeface="Arial" panose="020B0604020202020204" pitchFamily="34" charset="0"/>
+              </a:rPr>
+              <a:t> Turn on/off the light, fan, door, alarm system by using button.</a:t>
+            </a:r>
+          </a:p>
+          <a:p>
+            <a:pPr>
+              <a:buFontTx/>
+              <a:buChar char="-"/>
+            </a:pPr>
+            <a:r>
+              <a:rPr lang="en-US" sz="2000" dirty="0">
+                <a:latin typeface="Arial" panose="020B0604020202020204" pitchFamily="34" charset="0"/>
+                <a:cs typeface="Arial" panose="020B0604020202020204" pitchFamily="34" charset="0"/>
+              </a:rPr>
+              <a:t> Monitor the temperature and humidity</a:t>
+            </a:r>
+          </a:p>
+          <a:p>
+            <a:pPr>
+              <a:buFontTx/>
+              <a:buChar char="-"/>
+            </a:pPr>
+            <a:r>
+              <a:rPr lang="en-US" sz="2000" dirty="0">
+                <a:latin typeface="Arial" panose="020B0604020202020204" pitchFamily="34" charset="0"/>
+                <a:cs typeface="Arial" panose="020B0604020202020204" pitchFamily="34" charset="0"/>
+              </a:rPr>
+              <a:t> Display the temperature and humidity in the LCD.</a:t>
+            </a:r>
+          </a:p>
+          <a:p>
+            <a:pPr>
+              <a:buFontTx/>
+              <a:buChar char="-"/>
+            </a:pPr>
+            <a:r>
+              <a:rPr lang="en-US" sz="2000" dirty="0">
+                <a:latin typeface="Arial" panose="020B0604020202020204" pitchFamily="34" charset="0"/>
+                <a:cs typeface="Arial" panose="020B0604020202020204" pitchFamily="34" charset="0"/>
+              </a:rPr>
+              <a:t> Turn on the light automatically when someone is in the stair.</a:t>
+            </a:r>
+          </a:p>
+        </p:txBody>
+      </p:sp>
     </p:spTree>
     <p:extLst>
       <p:ext uri="{BB962C8B-B14F-4D97-AF65-F5344CB8AC3E}">
@@ -3576,7 +3561,7 @@
         <p:spPr>
           <a:xfrm>
             <a:off x="234892" y="890032"/>
-            <a:ext cx="6920917" cy="6463308"/>
+            <a:ext cx="6920917" cy="2246769"/>
           </a:xfrm>
           <a:prstGeom prst="rect">
             <a:avLst/>
@@ -3593,15 +3578,28 @@
               <a:buNone/>
             </a:pPr>
             <a:r>
+              <a:rPr lang="en-US" sz="2000" b="1" dirty="0">
+                <a:latin typeface="Arial" panose="020B0604020202020204" pitchFamily="34" charset="0"/>
+                <a:cs typeface="Arial" panose="020B0604020202020204" pitchFamily="34" charset="0"/>
+              </a:rPr>
+              <a:t>2. Bedroom</a:t>
+            </a:r>
+          </a:p>
+          <a:p>
+            <a:pPr marL="342900" indent="-342900">
+              <a:buFontTx/>
+              <a:buChar char="-"/>
+            </a:pPr>
+            <a:r>
               <a:rPr lang="en-US" sz="2000" dirty="0">
                 <a:latin typeface="Arial" panose="020B0604020202020204" pitchFamily="34" charset="0"/>
                 <a:cs typeface="Arial" panose="020B0604020202020204" pitchFamily="34" charset="0"/>
               </a:rPr>
-              <a:t>2. Bedroom</a:t>
-            </a:r>
-          </a:p>
-          <a:p>
-            <a:pPr>
+              <a:t>Turn on/off the light and air conditioning system by using button.</a:t>
+            </a:r>
+          </a:p>
+          <a:p>
+            <a:pPr marL="342900" indent="-342900">
               <a:buFontTx/>
               <a:buChar char="-"/>
             </a:pPr>
@@ -3610,11 +3608,11 @@
                 <a:latin typeface="Arial" panose="020B0604020202020204" pitchFamily="34" charset="0"/>
                 <a:cs typeface="Arial" panose="020B0604020202020204" pitchFamily="34" charset="0"/>
               </a:rPr>
-              <a:t> Turn on/off the light and air conditioning system by using button.</a:t>
-            </a:r>
-          </a:p>
-          <a:p>
-            <a:pPr>
+              <a:t>Display the temperature and humidity  in the LCD.</a:t>
+            </a:r>
+          </a:p>
+          <a:p>
+            <a:pPr marL="342900" indent="-342900">
               <a:buFontTx/>
               <a:buChar char="-"/>
             </a:pPr>
@@ -3623,11 +3621,11 @@
                 <a:latin typeface="Arial" panose="020B0604020202020204" pitchFamily="34" charset="0"/>
                 <a:cs typeface="Arial" panose="020B0604020202020204" pitchFamily="34" charset="0"/>
               </a:rPr>
-              <a:t> Display the temperature and humidity  in the LCD.</a:t>
-            </a:r>
-          </a:p>
-          <a:p>
-            <a:pPr>
+              <a:t>Turn on/off the light by using Blynk application.</a:t>
+            </a:r>
+          </a:p>
+          <a:p>
+            <a:pPr marL="342900" indent="-342900">
               <a:buFontTx/>
               <a:buChar char="-"/>
             </a:pPr>
@@ -3636,11 +3634,11 @@
                 <a:latin typeface="Arial" panose="020B0604020202020204" pitchFamily="34" charset="0"/>
                 <a:cs typeface="Arial" panose="020B0604020202020204" pitchFamily="34" charset="0"/>
               </a:rPr>
-              <a:t> Turn on/off the light by using Blynk application.</a:t>
-            </a:r>
-          </a:p>
-          <a:p>
-            <a:pPr>
+              <a:t>Control the curtain automatically by the light sensor.</a:t>
+            </a:r>
+          </a:p>
+          <a:p>
+            <a:pPr marL="342900" indent="-342900">
               <a:buFontTx/>
               <a:buChar char="-"/>
             </a:pPr>
@@ -3649,112 +3647,8 @@
                 <a:latin typeface="Arial" panose="020B0604020202020204" pitchFamily="34" charset="0"/>
                 <a:cs typeface="Arial" panose="020B0604020202020204" pitchFamily="34" charset="0"/>
               </a:rPr>
-              <a:t> Control the curtain automatically by the light sensor.</a:t>
-            </a:r>
-          </a:p>
-          <a:p>
-            <a:pPr>
-              <a:buFontTx/>
-              <a:buChar char="-"/>
-            </a:pPr>
-            <a:r>
-              <a:rPr lang="en-US" sz="2000" dirty="0">
-                <a:latin typeface="Arial" panose="020B0604020202020204" pitchFamily="34" charset="0"/>
-                <a:cs typeface="Arial" panose="020B0604020202020204" pitchFamily="34" charset="0"/>
-              </a:rPr>
-              <a:t> Control the curtain system by using Blynk application.</a:t>
-            </a:r>
-          </a:p>
-          <a:p>
-            <a:endParaRPr lang="en-US" sz="2000" dirty="0">
-              <a:latin typeface="Arial" panose="020B0604020202020204" pitchFamily="34" charset="0"/>
-              <a:cs typeface="Arial" panose="020B0604020202020204" pitchFamily="34" charset="0"/>
-            </a:endParaRPr>
-          </a:p>
-          <a:p>
-            <a:pPr>
-              <a:buFontTx/>
-              <a:buChar char="-"/>
-            </a:pPr>
-            <a:endParaRPr lang="en-US" sz="2000" dirty="0">
-              <a:latin typeface="Arial" panose="020B0604020202020204" pitchFamily="34" charset="0"/>
-              <a:cs typeface="Arial" panose="020B0604020202020204" pitchFamily="34" charset="0"/>
-            </a:endParaRPr>
-          </a:p>
-          <a:p>
-            <a:pPr marL="0" indent="0">
-              <a:buNone/>
-            </a:pPr>
-            <a:endParaRPr lang="en-US" dirty="0"/>
-          </a:p>
-          <a:p>
-            <a:pPr marL="0" indent="0">
-              <a:buNone/>
-            </a:pPr>
-            <a:endParaRPr lang="en-US" dirty="0"/>
-          </a:p>
-          <a:p>
-            <a:pPr marL="0" indent="0">
-              <a:buNone/>
-            </a:pPr>
-            <a:endParaRPr lang="en-US" dirty="0"/>
-          </a:p>
-          <a:p>
-            <a:pPr marL="0" indent="0">
-              <a:buNone/>
-            </a:pPr>
-            <a:endParaRPr lang="en-US" dirty="0"/>
-          </a:p>
-          <a:p>
-            <a:pPr marL="0" indent="0">
-              <a:buNone/>
-            </a:pPr>
-            <a:endParaRPr lang="en-US" dirty="0"/>
-          </a:p>
-          <a:p>
-            <a:pPr marL="0" indent="0">
-              <a:buNone/>
-            </a:pPr>
-            <a:endParaRPr lang="en-US" dirty="0"/>
-          </a:p>
-          <a:p>
-            <a:pPr marL="0" indent="0">
-              <a:buNone/>
-            </a:pPr>
-            <a:endParaRPr lang="en-US" dirty="0"/>
-          </a:p>
-          <a:p>
-            <a:pPr marL="0" indent="0">
-              <a:buNone/>
-            </a:pPr>
-            <a:endParaRPr lang="en-US" dirty="0"/>
-          </a:p>
-          <a:p>
-            <a:pPr marL="0" indent="0">
-              <a:buNone/>
-            </a:pPr>
-            <a:endParaRPr lang="en-US" dirty="0"/>
-          </a:p>
-          <a:p>
-            <a:pPr marL="0" indent="0">
-              <a:buNone/>
-            </a:pPr>
-            <a:endParaRPr lang="en-US" dirty="0"/>
-          </a:p>
-          <a:p>
-            <a:pPr marL="0" indent="0">
-              <a:buNone/>
-            </a:pPr>
-            <a:endParaRPr lang="en-US" dirty="0"/>
-          </a:p>
-          <a:p>
-            <a:pPr marL="0" indent="0">
-              <a:buNone/>
-            </a:pPr>
-            <a:endParaRPr lang="en-US" dirty="0"/>
-          </a:p>
-          <a:p>
-            <a:endParaRPr lang="en-US" dirty="0"/>
+              <a:t>Control the curtain system by using Blynk application.</a:t>
+            </a:r>
           </a:p>
         </p:txBody>
       </p:sp>
@@ -3846,12 +3740,119 @@
           </a:p>
         </p:txBody>
       </p:sp>
+      <p:sp>
+        <p:nvSpPr>
+          <p:cNvPr id="6" name="TextBox 5">
+            <a:extLst>
+              <a:ext uri="{FF2B5EF4-FFF2-40B4-BE49-F238E27FC236}">
+                <a16:creationId xmlns:a16="http://schemas.microsoft.com/office/drawing/2014/main" id="{F5E377C1-8F5E-4DFF-4392-63815A465CF3}"/>
+              </a:ext>
+            </a:extLst>
+          </p:cNvPr>
+          <p:cNvSpPr txBox="1"/>
+          <p:nvPr/>
+        </p:nvSpPr>
+        <p:spPr>
+          <a:xfrm>
+            <a:off x="234892" y="890032"/>
+            <a:ext cx="6920917" cy="2862322"/>
+          </a:xfrm>
+          <a:prstGeom prst="rect">
+            <a:avLst/>
+          </a:prstGeom>
+          <a:noFill/>
+        </p:spPr>
+        <p:txBody>
+          <a:bodyPr wrap="square" rtlCol="0">
+            <a:spAutoFit/>
+          </a:bodyPr>
+          <a:lstStyle/>
+          <a:p>
+            <a:pPr marL="0" indent="0">
+              <a:buNone/>
+            </a:pPr>
+            <a:r>
+              <a:rPr lang="en-US" sz="2000" b="1" dirty="0">
+                <a:latin typeface="Arial" panose="020B0604020202020204" pitchFamily="34" charset="0"/>
+                <a:cs typeface="Arial" panose="020B0604020202020204" pitchFamily="34" charset="0"/>
+              </a:rPr>
+              <a:t>3. Kitchen</a:t>
+            </a:r>
+          </a:p>
+          <a:p>
+            <a:pPr marL="342900" indent="-342900">
+              <a:buFontTx/>
+              <a:buChar char="-"/>
+            </a:pPr>
+            <a:r>
+              <a:rPr lang="en-US" sz="2000" dirty="0">
+                <a:latin typeface="Arial" panose="020B0604020202020204" pitchFamily="34" charset="0"/>
+                <a:cs typeface="Arial" panose="020B0604020202020204" pitchFamily="34" charset="0"/>
+              </a:rPr>
+              <a:t>Turn on/off the fan by using button. </a:t>
+            </a:r>
+          </a:p>
+          <a:p>
+            <a:pPr marL="342900" indent="-342900">
+              <a:buFontTx/>
+              <a:buChar char="-"/>
+            </a:pPr>
+            <a:r>
+              <a:rPr lang="en-US" sz="2000" dirty="0">
+                <a:latin typeface="Arial" panose="020B0604020202020204" pitchFamily="34" charset="0"/>
+                <a:cs typeface="Arial" panose="020B0604020202020204" pitchFamily="34" charset="0"/>
+              </a:rPr>
+              <a:t>Alarm system activates if the gas level over the set value.</a:t>
+            </a:r>
+          </a:p>
+          <a:p>
+            <a:pPr marL="342900" indent="-342900">
+              <a:buFontTx/>
+              <a:buChar char="-"/>
+            </a:pPr>
+            <a:r>
+              <a:rPr lang="en-US" sz="2000" dirty="0">
+                <a:latin typeface="Arial" panose="020B0604020202020204" pitchFamily="34" charset="0"/>
+                <a:cs typeface="Arial" panose="020B0604020202020204" pitchFamily="34" charset="0"/>
+              </a:rPr>
+              <a:t>Alarm system activates if the motion sensor detects motion.</a:t>
+            </a:r>
+          </a:p>
+          <a:p>
+            <a:pPr marL="342900" indent="-342900">
+              <a:buFontTx/>
+              <a:buChar char="-"/>
+            </a:pPr>
+            <a:r>
+              <a:rPr lang="en-US" sz="2000" dirty="0">
+                <a:latin typeface="Arial" panose="020B0604020202020204" pitchFamily="34" charset="0"/>
+                <a:cs typeface="Arial" panose="020B0604020202020204" pitchFamily="34" charset="0"/>
+              </a:rPr>
+              <a:t>Clothesline system is control automatically by the weather.</a:t>
+            </a:r>
+          </a:p>
+          <a:p>
+            <a:pPr marL="342900" indent="-342900">
+              <a:buFontTx/>
+              <a:buChar char="-"/>
+            </a:pPr>
+            <a:r>
+              <a:rPr lang="en-US" sz="2000" dirty="0">
+                <a:latin typeface="Arial" panose="020B0604020202020204" pitchFamily="34" charset="0"/>
+                <a:cs typeface="Arial" panose="020B0604020202020204" pitchFamily="34" charset="0"/>
+              </a:rPr>
+              <a:t>Turn on/off the light and fan by using Blynk application.</a:t>
+            </a:r>
+            <a:endParaRPr lang="en-US" dirty="0"/>
+          </a:p>
+        </p:txBody>
+      </p:sp>
       <p:pic>
         <p:nvPicPr>
-          <p:cNvPr id="5" name="Picture 4" descr="Diagram&#10;&#10;Description automatically generated">
-            <a:extLst>
-              <a:ext uri="{FF2B5EF4-FFF2-40B4-BE49-F238E27FC236}">
-                <a16:creationId xmlns:a16="http://schemas.microsoft.com/office/drawing/2014/main" id="{2D86A62D-E4A5-0DC9-B7F3-F6F8F456D6AF}"/>
+          <p:cNvPr id="4" name="Picture 3" descr="Chart, diagram&#10;&#10;Description automatically generated">
+            <a:extLst>
+              <a:ext uri="{FF2B5EF4-FFF2-40B4-BE49-F238E27FC236}">
+                <a16:creationId xmlns:a16="http://schemas.microsoft.com/office/drawing/2014/main" id="{C9CA9C2D-A00D-416D-0088-E58A53107A71}"/>
               </a:ext>
             </a:extLst>
           </p:cNvPr>
@@ -3875,8 +3876,8 @@
         </p:blipFill>
         <p:spPr bwMode="auto">
           <a:xfrm>
-            <a:off x="7314366" y="890032"/>
-            <a:ext cx="4137296" cy="5216706"/>
+            <a:off x="7362288" y="1221406"/>
+            <a:ext cx="4103480" cy="4415187"/>
           </a:xfrm>
           <a:prstGeom prst="rect">
             <a:avLst/>
@@ -3887,178 +3888,6 @@
           </a:ln>
         </p:spPr>
       </p:pic>
-      <p:sp>
-        <p:nvSpPr>
-          <p:cNvPr id="6" name="TextBox 5">
-            <a:extLst>
-              <a:ext uri="{FF2B5EF4-FFF2-40B4-BE49-F238E27FC236}">
-                <a16:creationId xmlns:a16="http://schemas.microsoft.com/office/drawing/2014/main" id="{F5E377C1-8F5E-4DFF-4392-63815A465CF3}"/>
-              </a:ext>
-            </a:extLst>
-          </p:cNvPr>
-          <p:cNvSpPr txBox="1"/>
-          <p:nvPr/>
-        </p:nvSpPr>
-        <p:spPr>
-          <a:xfrm>
-            <a:off x="234892" y="890032"/>
-            <a:ext cx="6920917" cy="5570756"/>
-          </a:xfrm>
-          <a:prstGeom prst="rect">
-            <a:avLst/>
-          </a:prstGeom>
-          <a:noFill/>
-        </p:spPr>
-        <p:txBody>
-          <a:bodyPr wrap="square" rtlCol="0">
-            <a:spAutoFit/>
-          </a:bodyPr>
-          <a:lstStyle/>
-          <a:p>
-            <a:pPr marL="0" indent="0">
-              <a:buNone/>
-            </a:pPr>
-            <a:r>
-              <a:rPr lang="en-US" sz="2000" dirty="0">
-                <a:latin typeface="Arial" panose="020B0604020202020204" pitchFamily="34" charset="0"/>
-                <a:cs typeface="Arial" panose="020B0604020202020204" pitchFamily="34" charset="0"/>
-              </a:rPr>
-              <a:t>3. Kitchen</a:t>
-            </a:r>
-          </a:p>
-          <a:p>
-            <a:pPr>
-              <a:buFontTx/>
-              <a:buChar char="-"/>
-            </a:pPr>
-            <a:r>
-              <a:rPr lang="en-US" sz="2000" dirty="0">
-                <a:latin typeface="Arial" panose="020B0604020202020204" pitchFamily="34" charset="0"/>
-                <a:cs typeface="Arial" panose="020B0604020202020204" pitchFamily="34" charset="0"/>
-              </a:rPr>
-              <a:t> Turn on/off the fan by using button.</a:t>
-            </a:r>
-          </a:p>
-          <a:p>
-            <a:pPr>
-              <a:buFontTx/>
-              <a:buChar char="-"/>
-            </a:pPr>
-            <a:r>
-              <a:rPr lang="en-US" sz="2000" dirty="0">
-                <a:latin typeface="Arial" panose="020B0604020202020204" pitchFamily="34" charset="0"/>
-                <a:cs typeface="Arial" panose="020B0604020202020204" pitchFamily="34" charset="0"/>
-              </a:rPr>
-              <a:t> Alarm system activates if the gas level over the set value.</a:t>
-            </a:r>
-          </a:p>
-          <a:p>
-            <a:pPr>
-              <a:buFontTx/>
-              <a:buChar char="-"/>
-            </a:pPr>
-            <a:r>
-              <a:rPr lang="en-US" sz="2000" dirty="0">
-                <a:latin typeface="Arial" panose="020B0604020202020204" pitchFamily="34" charset="0"/>
-                <a:cs typeface="Arial" panose="020B0604020202020204" pitchFamily="34" charset="0"/>
-              </a:rPr>
-              <a:t> Alarm system activates if the motion sensor detects motion.</a:t>
-            </a:r>
-          </a:p>
-          <a:p>
-            <a:pPr>
-              <a:buFontTx/>
-              <a:buChar char="-"/>
-            </a:pPr>
-            <a:r>
-              <a:rPr lang="en-US" sz="2000" dirty="0">
-                <a:latin typeface="Arial" panose="020B0604020202020204" pitchFamily="34" charset="0"/>
-                <a:cs typeface="Arial" panose="020B0604020202020204" pitchFamily="34" charset="0"/>
-              </a:rPr>
-              <a:t> Clothesline system is control automatically by the weather.</a:t>
-            </a:r>
-          </a:p>
-          <a:p>
-            <a:r>
-              <a:rPr lang="en-US" sz="2000" dirty="0">
-                <a:latin typeface="Arial" panose="020B0604020202020204" pitchFamily="34" charset="0"/>
-                <a:cs typeface="Arial" panose="020B0604020202020204" pitchFamily="34" charset="0"/>
-              </a:rPr>
-              <a:t>- Turn on/off the light and fan by using Blynk application.</a:t>
-            </a:r>
-            <a:endParaRPr lang="en-US" dirty="0"/>
-          </a:p>
-          <a:p>
-            <a:pPr marL="0" indent="0">
-              <a:buNone/>
-            </a:pPr>
-            <a:endParaRPr lang="en-US" dirty="0"/>
-          </a:p>
-          <a:p>
-            <a:pPr marL="0" indent="0">
-              <a:buNone/>
-            </a:pPr>
-            <a:endParaRPr lang="en-US" dirty="0"/>
-          </a:p>
-          <a:p>
-            <a:pPr marL="0" indent="0">
-              <a:buNone/>
-            </a:pPr>
-            <a:endParaRPr lang="en-US" dirty="0"/>
-          </a:p>
-          <a:p>
-            <a:pPr marL="0" indent="0">
-              <a:buNone/>
-            </a:pPr>
-            <a:endParaRPr lang="en-US" dirty="0"/>
-          </a:p>
-          <a:p>
-            <a:pPr marL="0" indent="0">
-              <a:buNone/>
-            </a:pPr>
-            <a:endParaRPr lang="en-US" dirty="0"/>
-          </a:p>
-          <a:p>
-            <a:pPr marL="0" indent="0">
-              <a:buNone/>
-            </a:pPr>
-            <a:endParaRPr lang="en-US" dirty="0"/>
-          </a:p>
-          <a:p>
-            <a:pPr marL="0" indent="0">
-              <a:buNone/>
-            </a:pPr>
-            <a:endParaRPr lang="en-US" dirty="0"/>
-          </a:p>
-          <a:p>
-            <a:pPr marL="0" indent="0">
-              <a:buNone/>
-            </a:pPr>
-            <a:endParaRPr lang="en-US" dirty="0"/>
-          </a:p>
-          <a:p>
-            <a:pPr marL="0" indent="0">
-              <a:buNone/>
-            </a:pPr>
-            <a:endParaRPr lang="en-US" dirty="0"/>
-          </a:p>
-          <a:p>
-            <a:pPr marL="0" indent="0">
-              <a:buNone/>
-            </a:pPr>
-            <a:endParaRPr lang="en-US" dirty="0"/>
-          </a:p>
-          <a:p>
-            <a:pPr marL="0" indent="0">
-              <a:buNone/>
-            </a:pPr>
-            <a:endParaRPr lang="en-US" dirty="0"/>
-          </a:p>
-          <a:p>
-            <a:endParaRPr lang="en-US" dirty="0"/>
-          </a:p>
-        </p:txBody>
-      </p:sp>
     </p:spTree>
     <p:extLst>
       <p:ext uri="{BB962C8B-B14F-4D97-AF65-F5344CB8AC3E}">
@@ -4147,12 +3976,106 @@
           </a:p>
         </p:txBody>
       </p:sp>
+      <p:sp>
+        <p:nvSpPr>
+          <p:cNvPr id="6" name="TextBox 5">
+            <a:extLst>
+              <a:ext uri="{FF2B5EF4-FFF2-40B4-BE49-F238E27FC236}">
+                <a16:creationId xmlns:a16="http://schemas.microsoft.com/office/drawing/2014/main" id="{F5E377C1-8F5E-4DFF-4392-63815A465CF3}"/>
+              </a:ext>
+            </a:extLst>
+          </p:cNvPr>
+          <p:cNvSpPr txBox="1"/>
+          <p:nvPr/>
+        </p:nvSpPr>
+        <p:spPr>
+          <a:xfrm>
+            <a:off x="234892" y="890032"/>
+            <a:ext cx="6920917" cy="2246769"/>
+          </a:xfrm>
+          <a:prstGeom prst="rect">
+            <a:avLst/>
+          </a:prstGeom>
+          <a:noFill/>
+        </p:spPr>
+        <p:txBody>
+          <a:bodyPr wrap="square" rtlCol="0">
+            <a:spAutoFit/>
+          </a:bodyPr>
+          <a:lstStyle/>
+          <a:p>
+            <a:pPr marL="0" indent="0">
+              <a:buNone/>
+            </a:pPr>
+            <a:r>
+              <a:rPr lang="en-US" sz="2000" b="1" dirty="0">
+                <a:latin typeface="Arial" panose="020B0604020202020204" pitchFamily="34" charset="0"/>
+                <a:cs typeface="Arial" panose="020B0604020202020204" pitchFamily="34" charset="0"/>
+              </a:rPr>
+              <a:t>4. Entertainment room</a:t>
+            </a:r>
+          </a:p>
+          <a:p>
+            <a:pPr marL="342900" indent="-342900">
+              <a:buFontTx/>
+              <a:buChar char="-"/>
+            </a:pPr>
+            <a:r>
+              <a:rPr lang="en-US" sz="2000" dirty="0">
+                <a:latin typeface="Arial" panose="020B0604020202020204" pitchFamily="34" charset="0"/>
+                <a:cs typeface="Arial" panose="020B0604020202020204" pitchFamily="34" charset="0"/>
+              </a:rPr>
+              <a:t>Turn on/off the “movie mode” by using button.</a:t>
+            </a:r>
+          </a:p>
+          <a:p>
+            <a:pPr marL="342900" indent="-342900">
+              <a:buFontTx/>
+              <a:buChar char="-"/>
+            </a:pPr>
+            <a:r>
+              <a:rPr lang="en-US" sz="2000" dirty="0">
+                <a:latin typeface="Arial" panose="020B0604020202020204" pitchFamily="34" charset="0"/>
+                <a:cs typeface="Arial" panose="020B0604020202020204" pitchFamily="34" charset="0"/>
+              </a:rPr>
+              <a:t>The curtain closes and the light, fan turns on when the “movie mode” is on</a:t>
+            </a:r>
+          </a:p>
+          <a:p>
+            <a:pPr marL="342900" indent="-342900">
+              <a:buFontTx/>
+              <a:buChar char="-"/>
+            </a:pPr>
+            <a:r>
+              <a:rPr lang="en-US" sz="2000" dirty="0">
+                <a:latin typeface="Arial" panose="020B0604020202020204" pitchFamily="34" charset="0"/>
+                <a:cs typeface="Arial" panose="020B0604020202020204" pitchFamily="34" charset="0"/>
+              </a:rPr>
+              <a:t>The curtain closes, TV is off when the “movie mode” is off</a:t>
+            </a:r>
+          </a:p>
+          <a:p>
+            <a:pPr marL="342900" indent="-342900">
+              <a:buFontTx/>
+              <a:buChar char="-"/>
+            </a:pPr>
+            <a:r>
+              <a:rPr lang="en-US" sz="2000" dirty="0">
+                <a:latin typeface="Arial" panose="020B0604020202020204" pitchFamily="34" charset="0"/>
+                <a:cs typeface="Arial" panose="020B0604020202020204" pitchFamily="34" charset="0"/>
+              </a:rPr>
+              <a:t>Turn on/off the light and fan by using Blynk application.</a:t>
+            </a:r>
+            <a:endParaRPr lang="en-US" dirty="0"/>
+          </a:p>
+        </p:txBody>
+      </p:sp>
       <p:pic>
         <p:nvPicPr>
-          <p:cNvPr id="5" name="Picture 4" descr="Diagram&#10;&#10;Description automatically generated">
-            <a:extLst>
-              <a:ext uri="{FF2B5EF4-FFF2-40B4-BE49-F238E27FC236}">
-                <a16:creationId xmlns:a16="http://schemas.microsoft.com/office/drawing/2014/main" id="{2D86A62D-E4A5-0DC9-B7F3-F6F8F456D6AF}"/>
+          <p:cNvPr id="4" name="Picture 3" descr="Diagram&#10;&#10;Description automatically generated">
+            <a:extLst>
+              <a:ext uri="{FF2B5EF4-FFF2-40B4-BE49-F238E27FC236}">
+                <a16:creationId xmlns:a16="http://schemas.microsoft.com/office/drawing/2014/main" id="{CB762172-F1EA-73BF-2D00-D3FD3940C4A2}"/>
               </a:ext>
             </a:extLst>
           </p:cNvPr>
@@ -4176,8 +4099,8 @@
         </p:blipFill>
         <p:spPr bwMode="auto">
           <a:xfrm>
-            <a:off x="7314366" y="890032"/>
-            <a:ext cx="4137296" cy="5216706"/>
+            <a:off x="8108302" y="1027083"/>
+            <a:ext cx="3452384" cy="4956806"/>
           </a:xfrm>
           <a:prstGeom prst="rect">
             <a:avLst/>
@@ -4188,165 +4111,6 @@
           </a:ln>
         </p:spPr>
       </p:pic>
-      <p:sp>
-        <p:nvSpPr>
-          <p:cNvPr id="6" name="TextBox 5">
-            <a:extLst>
-              <a:ext uri="{FF2B5EF4-FFF2-40B4-BE49-F238E27FC236}">
-                <a16:creationId xmlns:a16="http://schemas.microsoft.com/office/drawing/2014/main" id="{F5E377C1-8F5E-4DFF-4392-63815A465CF3}"/>
-              </a:ext>
-            </a:extLst>
-          </p:cNvPr>
-          <p:cNvSpPr txBox="1"/>
-          <p:nvPr/>
-        </p:nvSpPr>
-        <p:spPr>
-          <a:xfrm>
-            <a:off x="234892" y="890032"/>
-            <a:ext cx="6920917" cy="5262979"/>
-          </a:xfrm>
-          <a:prstGeom prst="rect">
-            <a:avLst/>
-          </a:prstGeom>
-          <a:noFill/>
-        </p:spPr>
-        <p:txBody>
-          <a:bodyPr wrap="square" rtlCol="0">
-            <a:spAutoFit/>
-          </a:bodyPr>
-          <a:lstStyle/>
-          <a:p>
-            <a:pPr marL="0" indent="0">
-              <a:buNone/>
-            </a:pPr>
-            <a:r>
-              <a:rPr lang="en-US" sz="2000" dirty="0">
-                <a:latin typeface="Arial" panose="020B0604020202020204" pitchFamily="34" charset="0"/>
-                <a:cs typeface="Arial" panose="020B0604020202020204" pitchFamily="34" charset="0"/>
-              </a:rPr>
-              <a:t>4. Entertainment room</a:t>
-            </a:r>
-          </a:p>
-          <a:p>
-            <a:pPr>
-              <a:buFontTx/>
-              <a:buChar char="-"/>
-            </a:pPr>
-            <a:r>
-              <a:rPr lang="en-US" sz="2000" dirty="0">
-                <a:latin typeface="Arial" panose="020B0604020202020204" pitchFamily="34" charset="0"/>
-                <a:cs typeface="Arial" panose="020B0604020202020204" pitchFamily="34" charset="0"/>
-              </a:rPr>
-              <a:t> Turn on/off the “movie mode” by using button.</a:t>
-            </a:r>
-          </a:p>
-          <a:p>
-            <a:pPr>
-              <a:buFontTx/>
-              <a:buChar char="-"/>
-            </a:pPr>
-            <a:r>
-              <a:rPr lang="en-US" sz="2000" dirty="0">
-                <a:latin typeface="Arial" panose="020B0604020202020204" pitchFamily="34" charset="0"/>
-                <a:cs typeface="Arial" panose="020B0604020202020204" pitchFamily="34" charset="0"/>
-              </a:rPr>
-              <a:t> The curtain closes and the light, fan turns on when the “movie mode” is on</a:t>
-            </a:r>
-          </a:p>
-          <a:p>
-            <a:pPr>
-              <a:buFontTx/>
-              <a:buChar char="-"/>
-            </a:pPr>
-            <a:r>
-              <a:rPr lang="en-US" sz="2000" dirty="0">
-                <a:latin typeface="Arial" panose="020B0604020202020204" pitchFamily="34" charset="0"/>
-                <a:cs typeface="Arial" panose="020B0604020202020204" pitchFamily="34" charset="0"/>
-              </a:rPr>
-              <a:t> The curtain closes when the “movie mode” is off</a:t>
-            </a:r>
-          </a:p>
-          <a:p>
-            <a:r>
-              <a:rPr lang="en-US" sz="2000" dirty="0">
-                <a:latin typeface="Arial" panose="020B0604020202020204" pitchFamily="34" charset="0"/>
-                <a:cs typeface="Arial" panose="020B0604020202020204" pitchFamily="34" charset="0"/>
-              </a:rPr>
-              <a:t>- Turn on/off the light and fan by using Blynk application.</a:t>
-            </a:r>
-            <a:endParaRPr lang="en-US" dirty="0"/>
-          </a:p>
-          <a:p>
-            <a:pPr marL="0" indent="0">
-              <a:buNone/>
-            </a:pPr>
-            <a:endParaRPr lang="en-US" dirty="0"/>
-          </a:p>
-          <a:p>
-            <a:pPr marL="0" indent="0">
-              <a:buNone/>
-            </a:pPr>
-            <a:endParaRPr lang="en-US" dirty="0"/>
-          </a:p>
-          <a:p>
-            <a:pPr marL="0" indent="0">
-              <a:buNone/>
-            </a:pPr>
-            <a:endParaRPr lang="en-US" dirty="0"/>
-          </a:p>
-          <a:p>
-            <a:pPr marL="0" indent="0">
-              <a:buNone/>
-            </a:pPr>
-            <a:endParaRPr lang="en-US" dirty="0"/>
-          </a:p>
-          <a:p>
-            <a:pPr marL="0" indent="0">
-              <a:buNone/>
-            </a:pPr>
-            <a:endParaRPr lang="en-US" dirty="0"/>
-          </a:p>
-          <a:p>
-            <a:pPr marL="0" indent="0">
-              <a:buNone/>
-            </a:pPr>
-            <a:endParaRPr lang="en-US" dirty="0"/>
-          </a:p>
-          <a:p>
-            <a:pPr marL="0" indent="0">
-              <a:buNone/>
-            </a:pPr>
-            <a:endParaRPr lang="en-US" dirty="0"/>
-          </a:p>
-          <a:p>
-            <a:pPr marL="0" indent="0">
-              <a:buNone/>
-            </a:pPr>
-            <a:endParaRPr lang="en-US" dirty="0"/>
-          </a:p>
-          <a:p>
-            <a:pPr marL="0" indent="0">
-              <a:buNone/>
-            </a:pPr>
-            <a:endParaRPr lang="en-US" dirty="0"/>
-          </a:p>
-          <a:p>
-            <a:pPr marL="0" indent="0">
-              <a:buNone/>
-            </a:pPr>
-            <a:endParaRPr lang="en-US" dirty="0"/>
-          </a:p>
-          <a:p>
-            <a:pPr marL="0" indent="0">
-              <a:buNone/>
-            </a:pPr>
-            <a:endParaRPr lang="en-US" dirty="0"/>
-          </a:p>
-          <a:p>
-            <a:endParaRPr lang="en-US" dirty="0"/>
-          </a:p>
-        </p:txBody>
-      </p:sp>
     </p:spTree>
     <p:extLst>
       <p:ext uri="{BB962C8B-B14F-4D97-AF65-F5344CB8AC3E}">
@@ -4491,7 +4255,7 @@
         <p:spPr>
           <a:xfrm>
             <a:off x="234892" y="890032"/>
-            <a:ext cx="6920917" cy="5539978"/>
+            <a:ext cx="6920917" cy="2246769"/>
           </a:xfrm>
           <a:prstGeom prst="rect">
             <a:avLst/>
@@ -4508,7 +4272,7 @@
               <a:buNone/>
             </a:pPr>
             <a:r>
-              <a:rPr lang="en-US" sz="2000" dirty="0">
+              <a:rPr lang="en-US" sz="2000" b="1" dirty="0">
                 <a:latin typeface="Arial" panose="020B0604020202020204" pitchFamily="34" charset="0"/>
                 <a:cs typeface="Arial" panose="020B0604020202020204" pitchFamily="34" charset="0"/>
               </a:rPr>
@@ -4529,7 +4293,7 @@
             </a:r>
           </a:p>
           <a:p>
-            <a:pPr marL="285750" indent="-285750">
+            <a:pPr marL="342900" indent="-342900">
               <a:buFontTx/>
               <a:buChar char="-"/>
             </a:pPr>
@@ -4542,7 +4306,7 @@
             </a:r>
           </a:p>
           <a:p>
-            <a:pPr marL="285750" indent="-285750">
+            <a:pPr marL="342900" indent="-342900">
               <a:buFontTx/>
               <a:buChar char="-"/>
             </a:pPr>
@@ -4555,7 +4319,7 @@
             </a:r>
           </a:p>
           <a:p>
-            <a:pPr marL="285750" indent="-285750">
+            <a:pPr marL="342900" indent="-342900">
               <a:buFontTx/>
               <a:buChar char="-"/>
             </a:pPr>
@@ -4566,75 +4330,6 @@
               </a:rPr>
               <a:t>Open/close the garage door by Blynk application.</a:t>
             </a:r>
-            <a:endParaRPr lang="en-US" dirty="0"/>
-          </a:p>
-          <a:p>
-            <a:pPr marL="0" indent="0">
-              <a:buNone/>
-            </a:pPr>
-            <a:endParaRPr lang="en-US" dirty="0"/>
-          </a:p>
-          <a:p>
-            <a:pPr marL="0" indent="0">
-              <a:buNone/>
-            </a:pPr>
-            <a:endParaRPr lang="en-US" dirty="0"/>
-          </a:p>
-          <a:p>
-            <a:pPr marL="0" indent="0">
-              <a:buNone/>
-            </a:pPr>
-            <a:endParaRPr lang="en-US" dirty="0"/>
-          </a:p>
-          <a:p>
-            <a:pPr marL="0" indent="0">
-              <a:buNone/>
-            </a:pPr>
-            <a:endParaRPr lang="en-US" dirty="0"/>
-          </a:p>
-          <a:p>
-            <a:pPr marL="0" indent="0">
-              <a:buNone/>
-            </a:pPr>
-            <a:endParaRPr lang="en-US" dirty="0"/>
-          </a:p>
-          <a:p>
-            <a:pPr marL="0" indent="0">
-              <a:buNone/>
-            </a:pPr>
-            <a:endParaRPr lang="en-US" dirty="0"/>
-          </a:p>
-          <a:p>
-            <a:pPr marL="0" indent="0">
-              <a:buNone/>
-            </a:pPr>
-            <a:endParaRPr lang="en-US" dirty="0"/>
-          </a:p>
-          <a:p>
-            <a:pPr marL="0" indent="0">
-              <a:buNone/>
-            </a:pPr>
-            <a:endParaRPr lang="en-US" dirty="0"/>
-          </a:p>
-          <a:p>
-            <a:pPr marL="0" indent="0">
-              <a:buNone/>
-            </a:pPr>
-            <a:endParaRPr lang="en-US" dirty="0"/>
-          </a:p>
-          <a:p>
-            <a:pPr marL="0" indent="0">
-              <a:buNone/>
-            </a:pPr>
-            <a:endParaRPr lang="en-US" dirty="0"/>
-          </a:p>
-          <a:p>
-            <a:pPr marL="0" indent="0">
-              <a:buNone/>
-            </a:pPr>
-            <a:endParaRPr lang="en-US" dirty="0"/>
-          </a:p>
-          <a:p>
             <a:endParaRPr lang="en-US" dirty="0"/>
           </a:p>
         </p:txBody>
@@ -4743,12 +4438,151 @@
             <p:ph sz="quarter" idx="13"/>
           </p:nvPr>
         </p:nvSpPr>
-        <p:spPr/>
+        <p:spPr>
+          <a:xfrm>
+            <a:off x="338736" y="907841"/>
+            <a:ext cx="11514528" cy="5249677"/>
+          </a:xfrm>
+        </p:spPr>
         <p:txBody>
           <a:bodyPr/>
           <a:lstStyle/>
           <a:p>
-            <a:endParaRPr lang="en-US"/>
+            <a:pPr marL="0" indent="0">
+              <a:buNone/>
+            </a:pPr>
+            <a:r>
+              <a:rPr lang="en-US" sz="2000" b="1" dirty="0">
+                <a:latin typeface="Arial" panose="020B0604020202020204" pitchFamily="34" charset="0"/>
+                <a:cs typeface="Arial" panose="020B0604020202020204" pitchFamily="34" charset="0"/>
+              </a:rPr>
+              <a:t>1. Why use Blynk?</a:t>
+            </a:r>
+          </a:p>
+          <a:p>
+            <a:pPr>
+              <a:buFontTx/>
+              <a:buChar char="-"/>
+            </a:pPr>
+            <a:r>
+              <a:rPr lang="en-US" sz="2000" dirty="0">
+                <a:latin typeface="Arial" panose="020B0604020202020204" pitchFamily="34" charset="0"/>
+                <a:cs typeface="Arial" panose="020B0604020202020204" pitchFamily="34" charset="0"/>
+              </a:rPr>
+              <a:t>Blynk is an app on the phone, allowing users to create interfaces and control the device according to their personal preferences</a:t>
+            </a:r>
+          </a:p>
+          <a:p>
+            <a:pPr>
+              <a:buFontTx/>
+              <a:buChar char="-"/>
+            </a:pPr>
+            <a:r>
+              <a:rPr lang="en-US" sz="2000" dirty="0">
+                <a:latin typeface="Arial" panose="020B0604020202020204" pitchFamily="34" charset="0"/>
+                <a:cs typeface="Arial" panose="020B0604020202020204" pitchFamily="34" charset="0"/>
+              </a:rPr>
+              <a:t>Easy to use</a:t>
+            </a:r>
+          </a:p>
+          <a:p>
+            <a:pPr>
+              <a:buFontTx/>
+              <a:buChar char="-"/>
+            </a:pPr>
+            <a:r>
+              <a:rPr lang="en-US" sz="2000" dirty="0">
+                <a:latin typeface="Arial" panose="020B0604020202020204" pitchFamily="34" charset="0"/>
+                <a:cs typeface="Arial" panose="020B0604020202020204" pitchFamily="34" charset="0"/>
+              </a:rPr>
+              <a:t>Beautiful application with full function</a:t>
+            </a:r>
+          </a:p>
+          <a:p>
+            <a:pPr>
+              <a:buFontTx/>
+              <a:buChar char="-"/>
+            </a:pPr>
+            <a:r>
+              <a:rPr lang="en-US" sz="2000" dirty="0">
+                <a:latin typeface="Arial" panose="020B0604020202020204" pitchFamily="34" charset="0"/>
+                <a:cs typeface="Arial" panose="020B0604020202020204" pitchFamily="34" charset="0"/>
+              </a:rPr>
+              <a:t>Does need to build android and iOS application</a:t>
+            </a:r>
+          </a:p>
+          <a:p>
+            <a:pPr>
+              <a:buFontTx/>
+              <a:buChar char="-"/>
+            </a:pPr>
+            <a:r>
+              <a:rPr lang="en-US" sz="2000" dirty="0">
+                <a:latin typeface="Arial" panose="020B0604020202020204" pitchFamily="34" charset="0"/>
+                <a:cs typeface="Arial" panose="020B0604020202020204" pitchFamily="34" charset="0"/>
+              </a:rPr>
+              <a:t>Rapid testing, can be monitored anywhere with internet</a:t>
+            </a:r>
+          </a:p>
+          <a:p>
+            <a:pPr marL="0" indent="0">
+              <a:buNone/>
+            </a:pPr>
+            <a:r>
+              <a:rPr lang="en-US" sz="2000" b="1" dirty="0">
+                <a:latin typeface="Arial" panose="020B0604020202020204" pitchFamily="34" charset="0"/>
+                <a:cs typeface="Arial" panose="020B0604020202020204" pitchFamily="34" charset="0"/>
+              </a:rPr>
+              <a:t>2. How Blynk works with your system?</a:t>
+            </a:r>
+          </a:p>
+          <a:p>
+            <a:pPr>
+              <a:buFontTx/>
+              <a:buChar char="-"/>
+            </a:pPr>
+            <a:r>
+              <a:rPr lang="en-US" sz="2000" dirty="0">
+                <a:latin typeface="Arial" panose="020B0604020202020204" pitchFamily="34" charset="0"/>
+                <a:cs typeface="Arial" panose="020B0604020202020204" pitchFamily="34" charset="0"/>
+              </a:rPr>
+              <a:t>Node MCU ESP32 connects to Blynk application</a:t>
+            </a:r>
+          </a:p>
+          <a:p>
+            <a:pPr>
+              <a:buFontTx/>
+              <a:buChar char="-"/>
+            </a:pPr>
+            <a:r>
+              <a:rPr lang="en-US" sz="2000" dirty="0">
+                <a:latin typeface="Arial" panose="020B0604020202020204" pitchFamily="34" charset="0"/>
+                <a:cs typeface="Arial" panose="020B0604020202020204" pitchFamily="34" charset="0"/>
+              </a:rPr>
+              <a:t>Blynk Server – responsible for all communication between the smartphone and the hardware. You can use Blynk Cloud or run your own Blynk server locally</a:t>
+            </a:r>
+          </a:p>
+          <a:p>
+            <a:pPr>
+              <a:buFontTx/>
+              <a:buChar char="-"/>
+            </a:pPr>
+            <a:r>
+              <a:rPr lang="en-US" sz="2000" dirty="0">
+                <a:latin typeface="Arial" panose="020B0604020202020204" pitchFamily="34" charset="0"/>
+                <a:cs typeface="Arial" panose="020B0604020202020204" pitchFamily="34" charset="0"/>
+              </a:rPr>
+              <a:t>The Blynk library – for all popular hardware platforms – allows to communicate with the server and process all incoming and outgoing commands</a:t>
+            </a:r>
+          </a:p>
+          <a:p>
+            <a:pPr marL="0" indent="0">
+              <a:buNone/>
+            </a:pPr>
+            <a:endParaRPr lang="en-US" sz="2000" dirty="0">
+              <a:latin typeface="Arial" panose="020B0604020202020204" pitchFamily="34" charset="0"/>
+              <a:cs typeface="Arial" panose="020B0604020202020204" pitchFamily="34" charset="0"/>
+            </a:endParaRPr>
           </a:p>
         </p:txBody>
       </p:sp>
@@ -4842,10 +4676,10 @@
       </p:sp>
       <p:sp>
         <p:nvSpPr>
-          <p:cNvPr id="4" name="Content Placeholder 3">
-            <a:extLst>
-              <a:ext uri="{FF2B5EF4-FFF2-40B4-BE49-F238E27FC236}">
-                <a16:creationId xmlns:a16="http://schemas.microsoft.com/office/drawing/2014/main" id="{B6BD4A6F-B8F4-A6F9-30D4-CF5C85A5FBF5}"/>
+          <p:cNvPr id="5" name="Content Placeholder 3">
+            <a:extLst>
+              <a:ext uri="{FF2B5EF4-FFF2-40B4-BE49-F238E27FC236}">
+                <a16:creationId xmlns:a16="http://schemas.microsoft.com/office/drawing/2014/main" id="{00ADDE29-D2F2-13C9-D0DC-358BC99E5D0E}"/>
               </a:ext>
             </a:extLst>
           </p:cNvPr>
@@ -4856,7 +4690,12 @@
             <p:ph sz="quarter" idx="13"/>
           </p:nvPr>
         </p:nvSpPr>
-        <p:spPr/>
+        <p:spPr>
+          <a:xfrm>
+            <a:off x="338736" y="907841"/>
+            <a:ext cx="11514528" cy="5249677"/>
+          </a:xfrm>
+        </p:spPr>
         <p:txBody>
           <a:bodyPr/>
           <a:lstStyle/>
@@ -4864,7 +4703,196 @@
             <a:pPr marL="0" indent="0">
               <a:buNone/>
             </a:pPr>
-            <a:endParaRPr lang="en-US" dirty="0"/>
+            <a:r>
+              <a:rPr lang="en-US" sz="2000" b="1" dirty="0">
+                <a:latin typeface="Arial" panose="020B0604020202020204" pitchFamily="34" charset="0"/>
+                <a:cs typeface="Arial" panose="020B0604020202020204" pitchFamily="34" charset="0"/>
+              </a:rPr>
+              <a:t>1. Result</a:t>
+            </a:r>
+          </a:p>
+          <a:p>
+            <a:pPr>
+              <a:buFontTx/>
+              <a:buChar char="-"/>
+            </a:pPr>
+            <a:r>
+              <a:rPr lang="en-US" sz="2000" dirty="0">
+                <a:latin typeface="Arial" panose="020B0604020202020204" pitchFamily="34" charset="0"/>
+                <a:cs typeface="Arial" panose="020B0604020202020204" pitchFamily="34" charset="0"/>
+              </a:rPr>
+              <a:t>Design a Smart Home model, the model work as expected</a:t>
+            </a:r>
+          </a:p>
+          <a:p>
+            <a:pPr>
+              <a:buFontTx/>
+              <a:buChar char="-"/>
+            </a:pPr>
+            <a:r>
+              <a:rPr lang="en-US" sz="2000" dirty="0">
+                <a:latin typeface="Arial" panose="020B0604020202020204" pitchFamily="34" charset="0"/>
+                <a:cs typeface="Arial" panose="020B0604020202020204" pitchFamily="34" charset="0"/>
+              </a:rPr>
+              <a:t>Learn the basis and meaning of sensors and collecting data sensors</a:t>
+            </a:r>
+          </a:p>
+          <a:p>
+            <a:pPr>
+              <a:buFontTx/>
+              <a:buChar char="-"/>
+            </a:pPr>
+            <a:r>
+              <a:rPr lang="en-US" sz="2000" dirty="0">
+                <a:latin typeface="Arial" panose="020B0604020202020204" pitchFamily="34" charset="0"/>
+                <a:cs typeface="Arial" panose="020B0604020202020204" pitchFamily="34" charset="0"/>
+              </a:rPr>
+              <a:t>Learn the basis and meaning of controlling devices via the internet</a:t>
+            </a:r>
+          </a:p>
+          <a:p>
+            <a:pPr>
+              <a:buFontTx/>
+              <a:buChar char="-"/>
+            </a:pPr>
+            <a:r>
+              <a:rPr lang="en-US" sz="2000" dirty="0">
+                <a:latin typeface="Arial" panose="020B0604020202020204" pitchFamily="34" charset="0"/>
+                <a:cs typeface="Arial" panose="020B0604020202020204" pitchFamily="34" charset="0"/>
+              </a:rPr>
+              <a:t>Understand the working principle of the modules in the system</a:t>
+            </a:r>
+            <a:endParaRPr lang="en-US" sz="2000" b="1" dirty="0">
+              <a:latin typeface="Arial" panose="020B0604020202020204" pitchFamily="34" charset="0"/>
+              <a:cs typeface="Arial" panose="020B0604020202020204" pitchFamily="34" charset="0"/>
+            </a:endParaRPr>
+          </a:p>
+          <a:p>
+            <a:pPr marL="0" indent="0">
+              <a:buNone/>
+            </a:pPr>
+            <a:r>
+              <a:rPr lang="en-US" sz="2000" b="1" dirty="0">
+                <a:latin typeface="Arial" panose="020B0604020202020204" pitchFamily="34" charset="0"/>
+                <a:cs typeface="Arial" panose="020B0604020202020204" pitchFamily="34" charset="0"/>
+              </a:rPr>
+              <a:t>2. How Blynk works with your system?</a:t>
+            </a:r>
+          </a:p>
+          <a:p>
+            <a:pPr>
+              <a:buFontTx/>
+              <a:buChar char="-"/>
+            </a:pPr>
+            <a:r>
+              <a:rPr lang="en-US" sz="2000" dirty="0">
+                <a:latin typeface="Arial" panose="020B0604020202020204" pitchFamily="34" charset="0"/>
+                <a:cs typeface="Arial" panose="020B0604020202020204" pitchFamily="34" charset="0"/>
+              </a:rPr>
+              <a:t>Improve the accuracy of the value of sensors</a:t>
+            </a:r>
+          </a:p>
+          <a:p>
+            <a:pPr>
+              <a:buFontTx/>
+              <a:buChar char="-"/>
+            </a:pPr>
+            <a:r>
+              <a:rPr lang="en-US" sz="2000" dirty="0">
+                <a:latin typeface="Arial" panose="020B0604020202020204" pitchFamily="34" charset="0"/>
+                <a:cs typeface="Arial" panose="020B0604020202020204" pitchFamily="34" charset="0"/>
+              </a:rPr>
+              <a:t>Improve the accuracy of the actuators block</a:t>
+            </a:r>
+          </a:p>
+          <a:p>
+            <a:pPr>
+              <a:buFontTx/>
+              <a:buChar char="-"/>
+            </a:pPr>
+            <a:r>
+              <a:rPr lang="en-US" sz="2000" dirty="0">
+                <a:effectLst/>
+                <a:latin typeface="Arial" panose="020B0604020202020204" pitchFamily="34" charset="0"/>
+                <a:ea typeface="Times New Roman" panose="02020603050405020304" pitchFamily="18" charset="0"/>
+                <a:cs typeface="Arial" panose="020B0604020202020204" pitchFamily="34" charset="0"/>
+              </a:rPr>
+              <a:t>Adjust the power of the cooling system according to the temperature automatically</a:t>
+            </a:r>
+          </a:p>
+          <a:p>
+            <a:pPr>
+              <a:buFontTx/>
+              <a:buChar char="-"/>
+            </a:pPr>
+            <a:r>
+              <a:rPr lang="en-US" sz="2000" dirty="0">
+                <a:effectLst/>
+                <a:latin typeface="Arial" panose="020B0604020202020204" pitchFamily="34" charset="0"/>
+                <a:ea typeface="Times New Roman" panose="02020603050405020304" pitchFamily="18" charset="0"/>
+                <a:cs typeface="Arial" panose="020B0604020202020204" pitchFamily="34" charset="0"/>
+              </a:rPr>
+              <a:t>Improve the anti-theft system by image recognition</a:t>
+            </a:r>
+          </a:p>
+          <a:p>
+            <a:pPr>
+              <a:buFontTx/>
+              <a:buChar char="-"/>
+            </a:pPr>
+            <a:r>
+              <a:rPr lang="en-US" sz="2000" dirty="0">
+                <a:effectLst/>
+                <a:latin typeface="Arial" panose="020B0604020202020204" pitchFamily="34" charset="0"/>
+                <a:ea typeface="Times New Roman" panose="02020603050405020304" pitchFamily="18" charset="0"/>
+                <a:cs typeface="Arial" panose="020B0604020202020204" pitchFamily="34" charset="0"/>
+              </a:rPr>
+              <a:t>Control smart devices through voice</a:t>
+            </a:r>
+          </a:p>
+          <a:p>
+            <a:pPr>
+              <a:buFontTx/>
+              <a:buChar char="-"/>
+            </a:pPr>
+            <a:r>
+              <a:rPr lang="en-US" sz="2000" dirty="0">
+                <a:effectLst/>
+                <a:latin typeface="Arial" panose="020B0604020202020204" pitchFamily="34" charset="0"/>
+                <a:ea typeface="Times New Roman" panose="02020603050405020304" pitchFamily="18" charset="0"/>
+                <a:cs typeface="Arial" panose="020B0604020202020204" pitchFamily="34" charset="0"/>
+              </a:rPr>
+              <a:t>…</a:t>
+            </a:r>
+          </a:p>
+          <a:p>
+            <a:pPr>
+              <a:buFontTx/>
+              <a:buChar char="-"/>
+            </a:pPr>
+            <a:endParaRPr lang="en-US" sz="2000" dirty="0">
+              <a:latin typeface="Arial" panose="020B0604020202020204" pitchFamily="34" charset="0"/>
+              <a:cs typeface="Arial" panose="020B0604020202020204" pitchFamily="34" charset="0"/>
+            </a:endParaRPr>
+          </a:p>
+          <a:p>
+            <a:pPr>
+              <a:buFontTx/>
+              <a:buChar char="-"/>
+            </a:pPr>
+            <a:endParaRPr lang="en-US" sz="2000" dirty="0">
+              <a:latin typeface="Arial" panose="020B0604020202020204" pitchFamily="34" charset="0"/>
+              <a:cs typeface="Arial" panose="020B0604020202020204" pitchFamily="34" charset="0"/>
+            </a:endParaRPr>
+          </a:p>
+          <a:p>
+            <a:pPr marL="0" indent="0">
+              <a:buNone/>
+            </a:pPr>
+            <a:endParaRPr lang="en-US" sz="2000" dirty="0">
+              <a:latin typeface="Arial" panose="020B0604020202020204" pitchFamily="34" charset="0"/>
+              <a:cs typeface="Arial" panose="020B0604020202020204" pitchFamily="34" charset="0"/>
+            </a:endParaRPr>
           </a:p>
         </p:txBody>
       </p:sp>
@@ -4900,517 +4928,62 @@
       </p:grpSpPr>
       <p:sp>
         <p:nvSpPr>
-          <p:cNvPr id="2" name="Title 1">
-            <a:extLst>
-              <a:ext uri="{FF2B5EF4-FFF2-40B4-BE49-F238E27FC236}">
-                <a16:creationId xmlns:a16="http://schemas.microsoft.com/office/drawing/2014/main" id="{EF9B3AB5-95DF-4273-871C-843529DB7255}"/>
-              </a:ext>
-            </a:extLst>
-          </p:cNvPr>
-          <p:cNvSpPr>
-            <a:spLocks noGrp="1"/>
-          </p:cNvSpPr>
-          <p:nvPr>
-            <p:ph type="title"/>
-          </p:nvPr>
-        </p:nvSpPr>
-        <p:spPr/>
-        <p:txBody>
-          <a:bodyPr/>
-          <a:lstStyle/>
-          <a:p>
-            <a:r>
-              <a:rPr lang="en-US" dirty="0">
-                <a:latin typeface="Arial" panose="020B0604020202020204" pitchFamily="34" charset="0"/>
-                <a:cs typeface="Arial" panose="020B0604020202020204" pitchFamily="34" charset="0"/>
-              </a:rPr>
-              <a:t>Chapter 5: Design sensors module</a:t>
-            </a:r>
-          </a:p>
-        </p:txBody>
-      </p:sp>
-      <p:sp>
-        <p:nvSpPr>
-          <p:cNvPr id="3" name="Content Placeholder 2">
-            <a:extLst>
-              <a:ext uri="{FF2B5EF4-FFF2-40B4-BE49-F238E27FC236}">
-                <a16:creationId xmlns:a16="http://schemas.microsoft.com/office/drawing/2014/main" id="{3573E091-9DCD-4DE7-96D1-A93E44E0F5B9}"/>
-              </a:ext>
-            </a:extLst>
-          </p:cNvPr>
-          <p:cNvSpPr>
-            <a:spLocks noGrp="1"/>
-          </p:cNvSpPr>
-          <p:nvPr>
-            <p:ph sz="quarter" idx="13"/>
-          </p:nvPr>
+          <p:cNvPr id="2" name="Title 6">
+            <a:extLst>
+              <a:ext uri="{FF2B5EF4-FFF2-40B4-BE49-F238E27FC236}">
+                <a16:creationId xmlns:a16="http://schemas.microsoft.com/office/drawing/2014/main" id="{5945A2BB-ABB6-48FB-A491-502474D93E34}"/>
+              </a:ext>
+            </a:extLst>
+          </p:cNvPr>
+          <p:cNvSpPr txBox="1">
+            <a:spLocks/>
+          </p:cNvSpPr>
+          <p:nvPr/>
         </p:nvSpPr>
         <p:spPr>
           <a:xfrm>
-            <a:off x="338736" y="858416"/>
-            <a:ext cx="11514528" cy="5109552"/>
+            <a:off x="5605763" y="2869457"/>
+            <a:ext cx="5422456" cy="971304"/>
           </a:xfrm>
+          <a:prstGeom prst="rect">
+            <a:avLst/>
+          </a:prstGeom>
         </p:spPr>
         <p:txBody>
           <a:bodyPr/>
-          <a:lstStyle/>
-          <a:p>
-            <a:pPr marL="0" indent="0">
-              <a:buNone/>
-            </a:pPr>
-            <a:r>
-              <a:rPr lang="en-US" dirty="0"/>
-              <a:t>I. </a:t>
-            </a:r>
-            <a:r>
-              <a:rPr lang="en-US" dirty="0" err="1"/>
-              <a:t>DHT11</a:t>
-            </a:r>
-            <a:r>
-              <a:rPr lang="en-US" dirty="0"/>
-              <a:t> (Digital Humidity Temperature 11)</a:t>
-            </a:r>
-          </a:p>
-          <a:p>
-            <a:pPr marL="0" indent="457200">
+          <a:lstStyle>
+            <a:lvl1pPr algn="l" defTabSz="914400" rtl="0" eaLnBrk="1" latinLnBrk="0" hangingPunct="1">
               <a:lnSpc>
-                <a:spcPct val="150000"/>
+                <a:spcPct val="90000"/>
               </a:lnSpc>
               <a:spcBef>
-                <a:spcPts val="0"/>
+                <a:spcPct val="0"/>
               </a:spcBef>
-              <a:buFont typeface="Wingdings" panose="05000000000000000000" pitchFamily="2" charset="2"/>
-              <a:buChar char="§"/>
-            </a:pPr>
-            <a:r>
-              <a:rPr lang="en-US" sz="2000" b="1" dirty="0">
-                <a:latin typeface="Arial" panose="020B0604020202020204" pitchFamily="34" charset="0"/>
-                <a:cs typeface="Arial" panose="020B0604020202020204" pitchFamily="34" charset="0"/>
-              </a:rPr>
-              <a:t>Specifications</a:t>
-            </a:r>
-          </a:p>
-          <a:p>
-            <a:pPr marL="0" marR="0" lvl="0" indent="457200">
-              <a:lnSpc>
-                <a:spcPct val="150000"/>
-              </a:lnSpc>
-              <a:spcBef>
-                <a:spcPts val="0"/>
-              </a:spcBef>
-              <a:buFont typeface="Symbol" panose="05050102010706020507" pitchFamily="18" charset="2"/>
-              <a:buChar char=""/>
-            </a:pPr>
-            <a:r>
-              <a:rPr lang="en-US" sz="2000" dirty="0">
+              <a:buNone/>
+              <a:defRPr sz="7200" b="1" kern="1200">
                 <a:solidFill>
-                  <a:srgbClr val="303030"/>
+                  <a:srgbClr val="C00000"/>
                 </a:solidFill>
-                <a:effectLst/>
-                <a:latin typeface="Arial" panose="020B0604020202020204" pitchFamily="34" charset="0"/>
-                <a:ea typeface="Times New Roman" panose="02020603050405020304" pitchFamily="18" charset="0"/>
-                <a:cs typeface="Arial" panose="020B0604020202020204" pitchFamily="34" charset="0"/>
-              </a:rPr>
-              <a:t>Operating Voltage: </a:t>
-            </a:r>
-            <a:r>
-              <a:rPr lang="en-US" sz="2000" dirty="0" err="1">
-                <a:solidFill>
-                  <a:srgbClr val="303030"/>
-                </a:solidFill>
-                <a:effectLst/>
-                <a:latin typeface="Arial" panose="020B0604020202020204" pitchFamily="34" charset="0"/>
-                <a:ea typeface="Times New Roman" panose="02020603050405020304" pitchFamily="18" charset="0"/>
-                <a:cs typeface="Arial" panose="020B0604020202020204" pitchFamily="34" charset="0"/>
-              </a:rPr>
-              <a:t>3.5V</a:t>
-            </a:r>
-            <a:r>
-              <a:rPr lang="en-US" sz="2000" dirty="0">
-                <a:solidFill>
-                  <a:srgbClr val="303030"/>
-                </a:solidFill>
-                <a:effectLst/>
-                <a:latin typeface="Arial" panose="020B0604020202020204" pitchFamily="34" charset="0"/>
-                <a:ea typeface="Times New Roman" panose="02020603050405020304" pitchFamily="18" charset="0"/>
-                <a:cs typeface="Arial" panose="020B0604020202020204" pitchFamily="34" charset="0"/>
-              </a:rPr>
-              <a:t> to </a:t>
-            </a:r>
-            <a:r>
-              <a:rPr lang="en-US" sz="2000" dirty="0" err="1">
-                <a:solidFill>
-                  <a:srgbClr val="303030"/>
-                </a:solidFill>
-                <a:effectLst/>
-                <a:latin typeface="Arial" panose="020B0604020202020204" pitchFamily="34" charset="0"/>
-                <a:ea typeface="Times New Roman" panose="02020603050405020304" pitchFamily="18" charset="0"/>
-                <a:cs typeface="Arial" panose="020B0604020202020204" pitchFamily="34" charset="0"/>
-              </a:rPr>
-              <a:t>5.5V</a:t>
-            </a:r>
-            <a:endParaRPr lang="en-US" sz="2000" dirty="0">
-              <a:effectLst/>
-              <a:latin typeface="Arial" panose="020B0604020202020204" pitchFamily="34" charset="0"/>
-              <a:ea typeface="Calibri" panose="020F0502020204030204" pitchFamily="34" charset="0"/>
-              <a:cs typeface="Arial" panose="020B0604020202020204" pitchFamily="34" charset="0"/>
-            </a:endParaRPr>
-          </a:p>
-          <a:p>
-            <a:pPr marL="0" marR="0" lvl="0" indent="457200">
-              <a:lnSpc>
-                <a:spcPct val="150000"/>
-              </a:lnSpc>
-              <a:spcBef>
-                <a:spcPts val="0"/>
-              </a:spcBef>
-              <a:buFont typeface="Symbol" panose="05050102010706020507" pitchFamily="18" charset="2"/>
-              <a:buChar char=""/>
-            </a:pPr>
-            <a:r>
-              <a:rPr lang="en-US" sz="2000" dirty="0">
-                <a:solidFill>
-                  <a:srgbClr val="303030"/>
-                </a:solidFill>
-                <a:effectLst/>
-                <a:latin typeface="Arial" panose="020B0604020202020204" pitchFamily="34" charset="0"/>
-                <a:ea typeface="Times New Roman" panose="02020603050405020304" pitchFamily="18" charset="0"/>
-                <a:cs typeface="Arial" panose="020B0604020202020204" pitchFamily="34" charset="0"/>
-              </a:rPr>
-              <a:t>Operating current: </a:t>
-            </a:r>
-            <a:r>
-              <a:rPr lang="en-US" sz="2000" dirty="0" err="1">
-                <a:solidFill>
-                  <a:srgbClr val="303030"/>
-                </a:solidFill>
-                <a:effectLst/>
-                <a:latin typeface="Arial" panose="020B0604020202020204" pitchFamily="34" charset="0"/>
-                <a:ea typeface="Times New Roman" panose="02020603050405020304" pitchFamily="18" charset="0"/>
-                <a:cs typeface="Arial" panose="020B0604020202020204" pitchFamily="34" charset="0"/>
-              </a:rPr>
-              <a:t>0.3mA</a:t>
-            </a:r>
-            <a:r>
-              <a:rPr lang="en-US" sz="2000" dirty="0">
-                <a:solidFill>
-                  <a:srgbClr val="303030"/>
-                </a:solidFill>
-                <a:effectLst/>
-                <a:latin typeface="Arial" panose="020B0604020202020204" pitchFamily="34" charset="0"/>
-                <a:ea typeface="Times New Roman" panose="02020603050405020304" pitchFamily="18" charset="0"/>
-                <a:cs typeface="Arial" panose="020B0604020202020204" pitchFamily="34" charset="0"/>
-              </a:rPr>
-              <a:t> (measuring) </a:t>
-            </a:r>
-            <a:r>
-              <a:rPr lang="en-US" sz="2000" dirty="0" err="1">
-                <a:solidFill>
-                  <a:srgbClr val="303030"/>
-                </a:solidFill>
-                <a:effectLst/>
-                <a:latin typeface="Arial" panose="020B0604020202020204" pitchFamily="34" charset="0"/>
-                <a:ea typeface="Times New Roman" panose="02020603050405020304" pitchFamily="18" charset="0"/>
-                <a:cs typeface="Arial" panose="020B0604020202020204" pitchFamily="34" charset="0"/>
-              </a:rPr>
-              <a:t>60uA</a:t>
-            </a:r>
-            <a:r>
-              <a:rPr lang="en-US" sz="2000" dirty="0">
-                <a:solidFill>
-                  <a:srgbClr val="303030"/>
-                </a:solidFill>
-                <a:effectLst/>
-                <a:latin typeface="Arial" panose="020B0604020202020204" pitchFamily="34" charset="0"/>
-                <a:ea typeface="Times New Roman" panose="02020603050405020304" pitchFamily="18" charset="0"/>
-                <a:cs typeface="Arial" panose="020B0604020202020204" pitchFamily="34" charset="0"/>
-              </a:rPr>
-              <a:t> (standby)</a:t>
-            </a:r>
-            <a:endParaRPr lang="en-US" sz="2000" dirty="0">
-              <a:effectLst/>
-              <a:latin typeface="Arial" panose="020B0604020202020204" pitchFamily="34" charset="0"/>
-              <a:ea typeface="Calibri" panose="020F0502020204030204" pitchFamily="34" charset="0"/>
-              <a:cs typeface="Arial" panose="020B0604020202020204" pitchFamily="34" charset="0"/>
-            </a:endParaRPr>
-          </a:p>
-          <a:p>
-            <a:pPr marL="0" marR="0" lvl="0" indent="457200">
-              <a:lnSpc>
-                <a:spcPct val="150000"/>
-              </a:lnSpc>
-              <a:spcBef>
-                <a:spcPts val="0"/>
-              </a:spcBef>
-              <a:buFont typeface="Symbol" panose="05050102010706020507" pitchFamily="18" charset="2"/>
-              <a:buChar char=""/>
-            </a:pPr>
-            <a:r>
-              <a:rPr lang="en-US" sz="2000" dirty="0">
-                <a:solidFill>
-                  <a:srgbClr val="303030"/>
-                </a:solidFill>
-                <a:effectLst/>
-                <a:latin typeface="Arial" panose="020B0604020202020204" pitchFamily="34" charset="0"/>
-                <a:ea typeface="Times New Roman" panose="02020603050405020304" pitchFamily="18" charset="0"/>
-                <a:cs typeface="Arial" panose="020B0604020202020204" pitchFamily="34" charset="0"/>
-              </a:rPr>
-              <a:t>Output: Serial data</a:t>
-            </a:r>
-            <a:endParaRPr lang="en-US" sz="2000" dirty="0">
-              <a:effectLst/>
-              <a:latin typeface="Arial" panose="020B0604020202020204" pitchFamily="34" charset="0"/>
-              <a:ea typeface="Calibri" panose="020F0502020204030204" pitchFamily="34" charset="0"/>
-              <a:cs typeface="Arial" panose="020B0604020202020204" pitchFamily="34" charset="0"/>
-            </a:endParaRPr>
-          </a:p>
-          <a:p>
-            <a:pPr marL="0" marR="0" lvl="0" indent="457200">
-              <a:lnSpc>
-                <a:spcPct val="150000"/>
-              </a:lnSpc>
-              <a:spcBef>
-                <a:spcPts val="0"/>
-              </a:spcBef>
-              <a:buFont typeface="Symbol" panose="05050102010706020507" pitchFamily="18" charset="2"/>
-              <a:buChar char=""/>
-            </a:pPr>
-            <a:r>
-              <a:rPr lang="en-US" sz="2000" dirty="0">
-                <a:solidFill>
-                  <a:srgbClr val="303030"/>
-                </a:solidFill>
-                <a:effectLst/>
-                <a:latin typeface="Arial" panose="020B0604020202020204" pitchFamily="34" charset="0"/>
-                <a:ea typeface="Times New Roman" panose="02020603050405020304" pitchFamily="18" charset="0"/>
-                <a:cs typeface="Arial" panose="020B0604020202020204" pitchFamily="34" charset="0"/>
-              </a:rPr>
-              <a:t>Temperature Range: </a:t>
-            </a:r>
-            <a:r>
-              <a:rPr lang="en-US" sz="2000" dirty="0" err="1">
-                <a:solidFill>
-                  <a:srgbClr val="303030"/>
-                </a:solidFill>
-                <a:effectLst/>
-                <a:latin typeface="Arial" panose="020B0604020202020204" pitchFamily="34" charset="0"/>
-                <a:ea typeface="Times New Roman" panose="02020603050405020304" pitchFamily="18" charset="0"/>
-                <a:cs typeface="Arial" panose="020B0604020202020204" pitchFamily="34" charset="0"/>
-              </a:rPr>
-              <a:t>0°C</a:t>
-            </a:r>
-            <a:r>
-              <a:rPr lang="en-US" sz="2000" dirty="0">
-                <a:solidFill>
-                  <a:srgbClr val="303030"/>
-                </a:solidFill>
-                <a:effectLst/>
-                <a:latin typeface="Arial" panose="020B0604020202020204" pitchFamily="34" charset="0"/>
-                <a:ea typeface="Times New Roman" panose="02020603050405020304" pitchFamily="18" charset="0"/>
-                <a:cs typeface="Arial" panose="020B0604020202020204" pitchFamily="34" charset="0"/>
-              </a:rPr>
-              <a:t> to </a:t>
-            </a:r>
-            <a:r>
-              <a:rPr lang="en-US" sz="2000" dirty="0" err="1">
-                <a:solidFill>
-                  <a:srgbClr val="303030"/>
-                </a:solidFill>
-                <a:effectLst/>
-                <a:latin typeface="Arial" panose="020B0604020202020204" pitchFamily="34" charset="0"/>
-                <a:ea typeface="Times New Roman" panose="02020603050405020304" pitchFamily="18" charset="0"/>
-                <a:cs typeface="Arial" panose="020B0604020202020204" pitchFamily="34" charset="0"/>
-              </a:rPr>
-              <a:t>50°C</a:t>
-            </a:r>
-            <a:endParaRPr lang="en-US" sz="2000" dirty="0">
-              <a:effectLst/>
-              <a:latin typeface="Arial" panose="020B0604020202020204" pitchFamily="34" charset="0"/>
-              <a:ea typeface="Calibri" panose="020F0502020204030204" pitchFamily="34" charset="0"/>
-              <a:cs typeface="Arial" panose="020B0604020202020204" pitchFamily="34" charset="0"/>
-            </a:endParaRPr>
-          </a:p>
-          <a:p>
-            <a:pPr marL="0" marR="0" lvl="0" indent="457200">
-              <a:lnSpc>
-                <a:spcPct val="150000"/>
-              </a:lnSpc>
-              <a:spcBef>
-                <a:spcPts val="0"/>
-              </a:spcBef>
-              <a:buFont typeface="Symbol" panose="05050102010706020507" pitchFamily="18" charset="2"/>
-              <a:buChar char=""/>
-            </a:pPr>
-            <a:r>
-              <a:rPr lang="en-US" sz="2000" dirty="0">
-                <a:solidFill>
-                  <a:srgbClr val="303030"/>
-                </a:solidFill>
-                <a:effectLst/>
-                <a:latin typeface="Arial" panose="020B0604020202020204" pitchFamily="34" charset="0"/>
-                <a:ea typeface="Times New Roman" panose="02020603050405020304" pitchFamily="18" charset="0"/>
-                <a:cs typeface="Arial" panose="020B0604020202020204" pitchFamily="34" charset="0"/>
-              </a:rPr>
-              <a:t>Humidity Range: 20% to 90%</a:t>
-            </a:r>
-            <a:endParaRPr lang="en-US" sz="2000" dirty="0">
-              <a:effectLst/>
-              <a:latin typeface="Arial" panose="020B0604020202020204" pitchFamily="34" charset="0"/>
-              <a:ea typeface="Calibri" panose="020F0502020204030204" pitchFamily="34" charset="0"/>
-              <a:cs typeface="Arial" panose="020B0604020202020204" pitchFamily="34" charset="0"/>
-            </a:endParaRPr>
-          </a:p>
-          <a:p>
-            <a:pPr marL="0" marR="0" lvl="0" indent="457200">
-              <a:lnSpc>
-                <a:spcPct val="150000"/>
-              </a:lnSpc>
-              <a:spcBef>
-                <a:spcPts val="0"/>
-              </a:spcBef>
-              <a:buFont typeface="Symbol" panose="05050102010706020507" pitchFamily="18" charset="2"/>
-              <a:buChar char=""/>
-            </a:pPr>
-            <a:r>
-              <a:rPr lang="en-US" sz="2000" dirty="0">
-                <a:solidFill>
-                  <a:srgbClr val="303030"/>
-                </a:solidFill>
-                <a:effectLst/>
-                <a:latin typeface="Arial" panose="020B0604020202020204" pitchFamily="34" charset="0"/>
-                <a:ea typeface="Times New Roman" panose="02020603050405020304" pitchFamily="18" charset="0"/>
-                <a:cs typeface="Arial" panose="020B0604020202020204" pitchFamily="34" charset="0"/>
-              </a:rPr>
-              <a:t>Resolution: Temperature and Humidity both are 16-bit</a:t>
-            </a:r>
-            <a:endParaRPr lang="en-US" sz="2000" dirty="0">
-              <a:effectLst/>
-              <a:latin typeface="Arial" panose="020B0604020202020204" pitchFamily="34" charset="0"/>
-              <a:ea typeface="Calibri" panose="020F0502020204030204" pitchFamily="34" charset="0"/>
-              <a:cs typeface="Arial" panose="020B0604020202020204" pitchFamily="34" charset="0"/>
-            </a:endParaRPr>
-          </a:p>
-          <a:p>
-            <a:pPr marL="0" marR="0" lvl="0" indent="457200">
-              <a:lnSpc>
-                <a:spcPct val="150000"/>
-              </a:lnSpc>
-              <a:spcBef>
-                <a:spcPts val="0"/>
-              </a:spcBef>
-              <a:buFont typeface="Symbol" panose="05050102010706020507" pitchFamily="18" charset="2"/>
-              <a:buChar char=""/>
-            </a:pPr>
-            <a:r>
-              <a:rPr lang="en-US" sz="2000" dirty="0">
-                <a:solidFill>
-                  <a:srgbClr val="303030"/>
-                </a:solidFill>
-                <a:effectLst/>
-                <a:latin typeface="Arial" panose="020B0604020202020204" pitchFamily="34" charset="0"/>
-                <a:ea typeface="Times New Roman" panose="02020603050405020304" pitchFamily="18" charset="0"/>
-                <a:cs typeface="Arial" panose="020B0604020202020204" pitchFamily="34" charset="0"/>
-              </a:rPr>
-              <a:t>Accuracy: ±</a:t>
-            </a:r>
-            <a:r>
-              <a:rPr lang="en-US" sz="2000" dirty="0" err="1">
-                <a:solidFill>
-                  <a:srgbClr val="303030"/>
-                </a:solidFill>
-                <a:effectLst/>
-                <a:latin typeface="Arial" panose="020B0604020202020204" pitchFamily="34" charset="0"/>
-                <a:ea typeface="Times New Roman" panose="02020603050405020304" pitchFamily="18" charset="0"/>
-                <a:cs typeface="Arial" panose="020B0604020202020204" pitchFamily="34" charset="0"/>
-              </a:rPr>
-              <a:t>1°C</a:t>
-            </a:r>
-            <a:r>
-              <a:rPr lang="en-US" sz="2000" dirty="0">
-                <a:solidFill>
-                  <a:srgbClr val="303030"/>
-                </a:solidFill>
-                <a:effectLst/>
-                <a:latin typeface="Arial" panose="020B0604020202020204" pitchFamily="34" charset="0"/>
-                <a:ea typeface="Times New Roman" panose="02020603050405020304" pitchFamily="18" charset="0"/>
-                <a:cs typeface="Arial" panose="020B0604020202020204" pitchFamily="34" charset="0"/>
-              </a:rPr>
-              <a:t> and ±1%</a:t>
-            </a:r>
-          </a:p>
-          <a:p>
-            <a:pPr marL="0" marR="0" lvl="0" indent="457200">
-              <a:lnSpc>
-                <a:spcPct val="150000"/>
-              </a:lnSpc>
-              <a:spcBef>
-                <a:spcPts val="0"/>
-              </a:spcBef>
-              <a:buFont typeface="Wingdings" panose="05000000000000000000" pitchFamily="2" charset="2"/>
-              <a:buChar char="§"/>
-            </a:pPr>
-            <a:r>
-              <a:rPr lang="en-US" sz="2000" b="1" dirty="0">
-                <a:solidFill>
-                  <a:srgbClr val="303030"/>
-                </a:solidFill>
-                <a:latin typeface="Arial" panose="020B0604020202020204" pitchFamily="34" charset="0"/>
-                <a:ea typeface="Calibri" panose="020F0502020204030204" pitchFamily="34" charset="0"/>
-                <a:cs typeface="Arial" panose="020B0604020202020204" pitchFamily="34" charset="0"/>
-              </a:rPr>
-              <a:t>Application in the system</a:t>
-            </a:r>
-          </a:p>
-          <a:p>
-            <a:pPr marL="0" marR="0" lvl="0" indent="457200">
-              <a:lnSpc>
-                <a:spcPct val="150000"/>
-              </a:lnSpc>
-              <a:spcBef>
-                <a:spcPts val="0"/>
-              </a:spcBef>
-            </a:pPr>
-            <a:r>
-              <a:rPr lang="en-US" sz="2000" dirty="0">
-                <a:solidFill>
-                  <a:srgbClr val="303030"/>
-                </a:solidFill>
-                <a:effectLst/>
-                <a:latin typeface="Arial" panose="020B0604020202020204" pitchFamily="34" charset="0"/>
-                <a:ea typeface="Calibri" panose="020F0502020204030204" pitchFamily="34" charset="0"/>
-                <a:cs typeface="Arial" panose="020B0604020202020204" pitchFamily="34" charset="0"/>
-              </a:rPr>
-              <a:t>Living room</a:t>
-            </a:r>
-            <a:r>
-              <a:rPr lang="en-US" sz="2000" dirty="0">
-                <a:solidFill>
-                  <a:srgbClr val="303030"/>
-                </a:solidFill>
-                <a:latin typeface="Arial" panose="020B0604020202020204" pitchFamily="34" charset="0"/>
-                <a:ea typeface="Calibri" panose="020F0502020204030204" pitchFamily="34" charset="0"/>
-                <a:cs typeface="Arial" panose="020B0604020202020204" pitchFamily="34" charset="0"/>
-              </a:rPr>
-              <a:t>, Bedroom</a:t>
-            </a:r>
-            <a:endParaRPr lang="en-US" sz="2000" dirty="0">
-              <a:solidFill>
-                <a:srgbClr val="303030"/>
-              </a:solidFill>
-              <a:effectLst/>
-              <a:latin typeface="Arial" panose="020B0604020202020204" pitchFamily="34" charset="0"/>
-              <a:ea typeface="Calibri" panose="020F0502020204030204" pitchFamily="34" charset="0"/>
-              <a:cs typeface="Arial" panose="020B0604020202020204" pitchFamily="34" charset="0"/>
-            </a:endParaRPr>
-          </a:p>
-        </p:txBody>
-      </p:sp>
-      <p:sp>
-        <p:nvSpPr>
-          <p:cNvPr id="4" name="Slide Number Placeholder 3">
-            <a:extLst>
-              <a:ext uri="{FF2B5EF4-FFF2-40B4-BE49-F238E27FC236}">
-                <a16:creationId xmlns:a16="http://schemas.microsoft.com/office/drawing/2014/main" id="{6CAB879D-D188-4DA3-8675-F8BCF379A12E}"/>
+                <a:latin typeface="Lato" panose="020F0502020204030203" pitchFamily="34" charset="0"/>
+                <a:ea typeface="Lato" panose="020F0502020204030203" pitchFamily="34" charset="0"/>
+                <a:cs typeface="Lato" panose="020F0502020204030203" pitchFamily="34" charset="0"/>
+              </a:defRPr>
+            </a:lvl1pPr>
+          </a:lstStyle>
+          <a:p>
+            <a:r>
+              <a:rPr lang="en-US" sz="6000" dirty="0"/>
+              <a:t>THANK YOU !</a:t>
+            </a:r>
+          </a:p>
+        </p:txBody>
+      </p:sp>
+      <p:sp>
+        <p:nvSpPr>
+          <p:cNvPr id="3" name="Slide Number Placeholder 2">
+            <a:extLst>
+              <a:ext uri="{FF2B5EF4-FFF2-40B4-BE49-F238E27FC236}">
+                <a16:creationId xmlns:a16="http://schemas.microsoft.com/office/drawing/2014/main" id="{B255FE58-BA70-418C-863F-55066B6675FB}"/>
               </a:ext>
             </a:extLst>
           </p:cNvPr>
@@ -5431,1099 +5004,14 @@
               <a:pPr/>
               <a:t>17</a:t>
             </a:fld>
-            <a:endParaRPr lang="en-US" dirty="0"/>
-          </a:p>
-        </p:txBody>
-      </p:sp>
-      <p:pic>
-        <p:nvPicPr>
-          <p:cNvPr id="9" name="Picture 8">
-            <a:extLst>
-              <a:ext uri="{FF2B5EF4-FFF2-40B4-BE49-F238E27FC236}">
-                <a16:creationId xmlns:a16="http://schemas.microsoft.com/office/drawing/2014/main" id="{909B4399-A90F-1690-8997-1F6C2A273E73}"/>
-              </a:ext>
-            </a:extLst>
-          </p:cNvPr>
-          <p:cNvPicPr>
-            <a:picLocks noChangeAspect="1"/>
-          </p:cNvPicPr>
-          <p:nvPr/>
-        </p:nvPicPr>
-        <p:blipFill>
-          <a:blip r:embed="rId2"/>
-          <a:stretch>
-            <a:fillRect/>
-          </a:stretch>
-        </p:blipFill>
-        <p:spPr>
-          <a:xfrm rot="5400000">
-            <a:off x="8962184" y="1980508"/>
-            <a:ext cx="3254022" cy="2865368"/>
-          </a:xfrm>
-          <a:prstGeom prst="rect">
-            <a:avLst/>
-          </a:prstGeom>
-        </p:spPr>
-      </p:pic>
-      <p:sp>
-        <p:nvSpPr>
-          <p:cNvPr id="12" name="TextBox 11">
-            <a:extLst>
-              <a:ext uri="{FF2B5EF4-FFF2-40B4-BE49-F238E27FC236}">
-                <a16:creationId xmlns:a16="http://schemas.microsoft.com/office/drawing/2014/main" id="{1DF54BE1-6545-1D85-D61D-56665F965A44}"/>
-              </a:ext>
-            </a:extLst>
-          </p:cNvPr>
-          <p:cNvSpPr txBox="1"/>
-          <p:nvPr/>
-        </p:nvSpPr>
-        <p:spPr>
-          <a:xfrm>
-            <a:off x="9127469" y="5165312"/>
-            <a:ext cx="2569099" cy="369332"/>
-          </a:xfrm>
-          <a:prstGeom prst="rect">
-            <a:avLst/>
-          </a:prstGeom>
-          <a:noFill/>
-        </p:spPr>
-        <p:txBody>
-          <a:bodyPr wrap="square" rtlCol="0">
-            <a:spAutoFit/>
-          </a:bodyPr>
-          <a:lstStyle/>
-          <a:p>
-            <a:pPr algn="ctr"/>
-            <a:r>
-              <a:rPr lang="en-US" u="sng" dirty="0" err="1"/>
-              <a:t>DHT11</a:t>
-            </a:r>
-            <a:r>
-              <a:rPr lang="en-US" u="sng" dirty="0"/>
-              <a:t> sensor</a:t>
-            </a:r>
+            <a:endParaRPr lang="en-US"/>
           </a:p>
         </p:txBody>
       </p:sp>
     </p:spTree>
     <p:extLst>
       <p:ext uri="{BB962C8B-B14F-4D97-AF65-F5344CB8AC3E}">
-        <p14:creationId xmlns:p14="http://schemas.microsoft.com/office/powerpoint/2010/main" val="2156147292"/>
-      </p:ext>
-    </p:extLst>
-  </p:cSld>
-  <p:clrMapOvr>
-    <a:masterClrMapping/>
-  </p:clrMapOvr>
-</p:sld>
-</file>
-
-<file path=ppt/slides/slide18.xml><?xml version="1.0" encoding="utf-8"?>
-<p:sld xmlns:a="http://schemas.openxmlformats.org/drawingml/2006/main" xmlns:r="http://schemas.openxmlformats.org/officeDocument/2006/relationships" xmlns:p="http://schemas.openxmlformats.org/presentationml/2006/main">
-  <p:cSld>
-    <p:spTree>
-      <p:nvGrpSpPr>
-        <p:cNvPr id="1" name=""/>
-        <p:cNvGrpSpPr/>
-        <p:nvPr/>
-      </p:nvGrpSpPr>
-      <p:grpSpPr>
-        <a:xfrm>
-          <a:off x="0" y="0"/>
-          <a:ext cx="0" cy="0"/>
-          <a:chOff x="0" y="0"/>
-          <a:chExt cx="0" cy="0"/>
-        </a:xfrm>
-      </p:grpSpPr>
-      <p:sp>
-        <p:nvSpPr>
-          <p:cNvPr id="2" name="Title 1">
-            <a:extLst>
-              <a:ext uri="{FF2B5EF4-FFF2-40B4-BE49-F238E27FC236}">
-                <a16:creationId xmlns:a16="http://schemas.microsoft.com/office/drawing/2014/main" id="{EF9B3AB5-95DF-4273-871C-843529DB7255}"/>
-              </a:ext>
-            </a:extLst>
-          </p:cNvPr>
-          <p:cNvSpPr>
-            <a:spLocks noGrp="1"/>
-          </p:cNvSpPr>
-          <p:nvPr>
-            <p:ph type="title"/>
-          </p:nvPr>
-        </p:nvSpPr>
-        <p:spPr/>
-        <p:txBody>
-          <a:bodyPr/>
-          <a:lstStyle/>
-          <a:p>
-            <a:r>
-              <a:rPr lang="en-US" dirty="0">
-                <a:latin typeface="Arial" panose="020B0604020202020204" pitchFamily="34" charset="0"/>
-                <a:cs typeface="Arial" panose="020B0604020202020204" pitchFamily="34" charset="0"/>
-              </a:rPr>
-              <a:t>Chapter 5: Design sensors module</a:t>
-            </a:r>
-            <a:endParaRPr lang="en-US" dirty="0"/>
-          </a:p>
-        </p:txBody>
-      </p:sp>
-      <p:sp>
-        <p:nvSpPr>
-          <p:cNvPr id="3" name="Content Placeholder 2">
-            <a:extLst>
-              <a:ext uri="{FF2B5EF4-FFF2-40B4-BE49-F238E27FC236}">
-                <a16:creationId xmlns:a16="http://schemas.microsoft.com/office/drawing/2014/main" id="{3573E091-9DCD-4DE7-96D1-A93E44E0F5B9}"/>
-              </a:ext>
-            </a:extLst>
-          </p:cNvPr>
-          <p:cNvSpPr>
-            <a:spLocks noGrp="1"/>
-          </p:cNvSpPr>
-          <p:nvPr>
-            <p:ph sz="quarter" idx="13"/>
-          </p:nvPr>
-        </p:nvSpPr>
-        <p:spPr>
-          <a:xfrm>
-            <a:off x="338736" y="933061"/>
-            <a:ext cx="11514528" cy="5034907"/>
-          </a:xfrm>
-        </p:spPr>
-        <p:txBody>
-          <a:bodyPr/>
-          <a:lstStyle/>
-          <a:p>
-            <a:pPr marL="0" indent="0">
-              <a:buNone/>
-            </a:pPr>
-            <a:r>
-              <a:rPr lang="en-US" sz="2000" b="1" dirty="0">
-                <a:latin typeface="Arial" panose="020B0604020202020204" pitchFamily="34" charset="0"/>
-                <a:cs typeface="Arial" panose="020B0604020202020204" pitchFamily="34" charset="0"/>
-              </a:rPr>
-              <a:t>II. Rain sensor</a:t>
-            </a:r>
-          </a:p>
-          <a:p>
-            <a:pPr marL="0" indent="457200">
-              <a:lnSpc>
-                <a:spcPct val="150000"/>
-              </a:lnSpc>
-              <a:spcBef>
-                <a:spcPts val="0"/>
-              </a:spcBef>
-              <a:buFont typeface="Wingdings" panose="05000000000000000000" pitchFamily="2" charset="2"/>
-              <a:buChar char="§"/>
-            </a:pPr>
-            <a:r>
-              <a:rPr lang="en-US" sz="2000" b="1" dirty="0">
-                <a:latin typeface="Arial" panose="020B0604020202020204" pitchFamily="34" charset="0"/>
-                <a:cs typeface="Arial" panose="020B0604020202020204" pitchFamily="34" charset="0"/>
-              </a:rPr>
-              <a:t>Specifications</a:t>
-            </a:r>
-          </a:p>
-          <a:p>
-            <a:pPr marL="0" marR="0" lvl="0" indent="457200">
-              <a:lnSpc>
-                <a:spcPct val="150000"/>
-              </a:lnSpc>
-              <a:spcBef>
-                <a:spcPts val="0"/>
-              </a:spcBef>
-              <a:buFont typeface="Symbol" panose="05050102010706020507" pitchFamily="18" charset="2"/>
-              <a:buChar char=""/>
-            </a:pPr>
-            <a:r>
-              <a:rPr lang="en-US" sz="2000" dirty="0">
-                <a:solidFill>
-                  <a:srgbClr val="303030"/>
-                </a:solidFill>
-                <a:effectLst/>
-                <a:latin typeface="Arial" panose="020B0604020202020204" pitchFamily="34" charset="0"/>
-                <a:ea typeface="Times New Roman" panose="02020603050405020304" pitchFamily="18" charset="0"/>
-                <a:cs typeface="Arial" panose="020B0604020202020204" pitchFamily="34" charset="0"/>
-              </a:rPr>
-              <a:t>Operating Voltage: </a:t>
-            </a:r>
-            <a:r>
-              <a:rPr lang="en-US" sz="2000" dirty="0" err="1">
-                <a:solidFill>
-                  <a:srgbClr val="303030"/>
-                </a:solidFill>
-                <a:effectLst/>
-                <a:latin typeface="Arial" panose="020B0604020202020204" pitchFamily="34" charset="0"/>
-                <a:ea typeface="Times New Roman" panose="02020603050405020304" pitchFamily="18" charset="0"/>
-                <a:cs typeface="Arial" panose="020B0604020202020204" pitchFamily="34" charset="0"/>
-              </a:rPr>
-              <a:t>5V</a:t>
-            </a:r>
-            <a:endParaRPr lang="en-US" sz="2000" dirty="0">
-              <a:effectLst/>
-              <a:latin typeface="Arial" panose="020B0604020202020204" pitchFamily="34" charset="0"/>
-              <a:ea typeface="Calibri" panose="020F0502020204030204" pitchFamily="34" charset="0"/>
-              <a:cs typeface="Arial" panose="020B0604020202020204" pitchFamily="34" charset="0"/>
-            </a:endParaRPr>
-          </a:p>
-          <a:p>
-            <a:pPr marL="0" marR="0" lvl="0" indent="457200">
-              <a:lnSpc>
-                <a:spcPct val="150000"/>
-              </a:lnSpc>
-              <a:spcBef>
-                <a:spcPts val="0"/>
-              </a:spcBef>
-              <a:buFont typeface="Symbol" panose="05050102010706020507" pitchFamily="18" charset="2"/>
-              <a:buChar char=""/>
-            </a:pPr>
-            <a:r>
-              <a:rPr lang="en-US" sz="2000" dirty="0">
-                <a:solidFill>
-                  <a:srgbClr val="303030"/>
-                </a:solidFill>
-                <a:effectLst/>
-                <a:latin typeface="Arial" panose="020B0604020202020204" pitchFamily="34" charset="0"/>
-                <a:ea typeface="Times New Roman" panose="02020603050405020304" pitchFamily="18" charset="0"/>
-                <a:cs typeface="Arial" panose="020B0604020202020204" pitchFamily="34" charset="0"/>
-              </a:rPr>
-              <a:t>Power LED (Blue)</a:t>
-            </a:r>
-          </a:p>
-          <a:p>
-            <a:pPr marL="0" marR="0" lvl="0" indent="457200">
-              <a:lnSpc>
-                <a:spcPct val="150000"/>
-              </a:lnSpc>
-              <a:spcBef>
-                <a:spcPts val="0"/>
-              </a:spcBef>
-              <a:buFont typeface="Symbol" panose="05050102010706020507" pitchFamily="18" charset="2"/>
-              <a:buChar char=""/>
-            </a:pPr>
-            <a:r>
-              <a:rPr lang="en-US" sz="2000" dirty="0">
-                <a:solidFill>
-                  <a:srgbClr val="303030"/>
-                </a:solidFill>
-                <a:effectLst/>
-                <a:latin typeface="Arial" panose="020B0604020202020204" pitchFamily="34" charset="0"/>
-                <a:ea typeface="Times New Roman" panose="02020603050405020304" pitchFamily="18" charset="0"/>
-                <a:cs typeface="Arial" panose="020B0604020202020204" pitchFamily="34" charset="0"/>
-              </a:rPr>
-              <a:t>Rain warning LED (red)</a:t>
-            </a:r>
-          </a:p>
-          <a:p>
-            <a:pPr marL="0" marR="0" lvl="0" indent="457200">
-              <a:lnSpc>
-                <a:spcPct val="150000"/>
-              </a:lnSpc>
-              <a:spcBef>
-                <a:spcPts val="0"/>
-              </a:spcBef>
-              <a:buFont typeface="Symbol" panose="05050102010706020507" pitchFamily="18" charset="2"/>
-              <a:buChar char=""/>
-            </a:pPr>
-            <a:r>
-              <a:rPr lang="en-US" sz="2000" dirty="0">
-                <a:solidFill>
-                  <a:srgbClr val="303030"/>
-                </a:solidFill>
-                <a:effectLst/>
-                <a:latin typeface="Arial" panose="020B0604020202020204" pitchFamily="34" charset="0"/>
-                <a:ea typeface="Times New Roman" panose="02020603050405020304" pitchFamily="18" charset="0"/>
-                <a:cs typeface="Arial" panose="020B0604020202020204" pitchFamily="34" charset="0"/>
-              </a:rPr>
-              <a:t>Operation is based on the principle: Water falling on the board </a:t>
-            </a:r>
-          </a:p>
-          <a:p>
-            <a:pPr marL="0" marR="0" lvl="0" indent="0">
-              <a:lnSpc>
-                <a:spcPct val="150000"/>
-              </a:lnSpc>
-              <a:spcBef>
-                <a:spcPts val="0"/>
-              </a:spcBef>
-              <a:buNone/>
-            </a:pPr>
-            <a:r>
-              <a:rPr lang="en-US" sz="2000" dirty="0">
-                <a:solidFill>
-                  <a:srgbClr val="303030"/>
-                </a:solidFill>
-                <a:effectLst/>
-                <a:latin typeface="Arial" panose="020B0604020202020204" pitchFamily="34" charset="0"/>
-                <a:ea typeface="Times New Roman" panose="02020603050405020304" pitchFamily="18" charset="0"/>
-                <a:cs typeface="Arial" panose="020B0604020202020204" pitchFamily="34" charset="0"/>
-              </a:rPr>
-              <a:t>will create a conductive medium.</a:t>
-            </a:r>
-          </a:p>
-          <a:p>
-            <a:pPr marL="0" marR="0" lvl="0" indent="457200">
-              <a:lnSpc>
-                <a:spcPct val="150000"/>
-              </a:lnSpc>
-              <a:spcBef>
-                <a:spcPts val="0"/>
-              </a:spcBef>
-              <a:buFont typeface="Symbol" panose="05050102010706020507" pitchFamily="18" charset="2"/>
-              <a:buChar char=""/>
-            </a:pPr>
-            <a:r>
-              <a:rPr lang="en-US" sz="2000" dirty="0">
-                <a:solidFill>
-                  <a:srgbClr val="303030"/>
-                </a:solidFill>
-                <a:effectLst/>
-                <a:latin typeface="Arial" panose="020B0604020202020204" pitchFamily="34" charset="0"/>
-                <a:ea typeface="Times New Roman" panose="02020603050405020304" pitchFamily="18" charset="0"/>
-                <a:cs typeface="Arial" panose="020B0604020202020204" pitchFamily="34" charset="0"/>
-              </a:rPr>
-              <a:t>There are two types of signals: Analog (AO) and Digital (DO)</a:t>
-            </a:r>
-          </a:p>
-          <a:p>
-            <a:pPr marL="0" marR="0" lvl="0" indent="457200">
-              <a:lnSpc>
-                <a:spcPct val="150000"/>
-              </a:lnSpc>
-              <a:spcBef>
-                <a:spcPts val="0"/>
-              </a:spcBef>
-              <a:buFont typeface="Symbol" panose="05050102010706020507" pitchFamily="18" charset="2"/>
-              <a:buChar char=""/>
-            </a:pPr>
-            <a:r>
-              <a:rPr lang="en-US" sz="2000" dirty="0">
-                <a:solidFill>
-                  <a:srgbClr val="303030"/>
-                </a:solidFill>
-                <a:effectLst/>
-                <a:latin typeface="Arial" panose="020B0604020202020204" pitchFamily="34" charset="0"/>
-                <a:ea typeface="Times New Roman" panose="02020603050405020304" pitchFamily="18" charset="0"/>
-                <a:cs typeface="Arial" panose="020B0604020202020204" pitchFamily="34" charset="0"/>
-              </a:rPr>
-              <a:t>Adjust the sensitivity by rheostat</a:t>
-            </a:r>
-          </a:p>
-          <a:p>
-            <a:pPr marL="0" marR="0" lvl="0" indent="457200">
-              <a:lnSpc>
-                <a:spcPct val="150000"/>
-              </a:lnSpc>
-              <a:spcBef>
-                <a:spcPts val="0"/>
-              </a:spcBef>
-              <a:buFont typeface="Wingdings" panose="05000000000000000000" pitchFamily="2" charset="2"/>
-              <a:buChar char="§"/>
-            </a:pPr>
-            <a:r>
-              <a:rPr lang="en-US" sz="2000" b="1" dirty="0">
-                <a:solidFill>
-                  <a:srgbClr val="303030"/>
-                </a:solidFill>
-                <a:latin typeface="Arial" panose="020B0604020202020204" pitchFamily="34" charset="0"/>
-                <a:ea typeface="Calibri" panose="020F0502020204030204" pitchFamily="34" charset="0"/>
-                <a:cs typeface="Arial" panose="020B0604020202020204" pitchFamily="34" charset="0"/>
-              </a:rPr>
-              <a:t>Application in the system</a:t>
-            </a:r>
-          </a:p>
-          <a:p>
-            <a:pPr marL="0" marR="0" lvl="0" indent="457200">
-              <a:lnSpc>
-                <a:spcPct val="150000"/>
-              </a:lnSpc>
-              <a:spcBef>
-                <a:spcPts val="0"/>
-              </a:spcBef>
-            </a:pPr>
-            <a:r>
-              <a:rPr lang="en-US" sz="2000" dirty="0">
-                <a:solidFill>
-                  <a:srgbClr val="303030"/>
-                </a:solidFill>
-                <a:effectLst/>
-                <a:latin typeface="Arial" panose="020B0604020202020204" pitchFamily="34" charset="0"/>
-                <a:ea typeface="Calibri" panose="020F0502020204030204" pitchFamily="34" charset="0"/>
-                <a:cs typeface="Arial" panose="020B0604020202020204" pitchFamily="34" charset="0"/>
-              </a:rPr>
-              <a:t>Clothesline automation</a:t>
-            </a:r>
-          </a:p>
-          <a:p>
-            <a:pPr marL="0" indent="0">
-              <a:buNone/>
-            </a:pPr>
-            <a:endParaRPr lang="en-US" sz="2000" dirty="0">
-              <a:latin typeface="Arial" panose="020B0604020202020204" pitchFamily="34" charset="0"/>
-              <a:cs typeface="Arial" panose="020B0604020202020204" pitchFamily="34" charset="0"/>
-            </a:endParaRPr>
-          </a:p>
-        </p:txBody>
-      </p:sp>
-      <p:sp>
-        <p:nvSpPr>
-          <p:cNvPr id="4" name="Slide Number Placeholder 3">
-            <a:extLst>
-              <a:ext uri="{FF2B5EF4-FFF2-40B4-BE49-F238E27FC236}">
-                <a16:creationId xmlns:a16="http://schemas.microsoft.com/office/drawing/2014/main" id="{6CAB879D-D188-4DA3-8675-F8BCF379A12E}"/>
-              </a:ext>
-            </a:extLst>
-          </p:cNvPr>
-          <p:cNvSpPr>
-            <a:spLocks noGrp="1"/>
-          </p:cNvSpPr>
-          <p:nvPr>
-            <p:ph type="sldNum" sz="quarter" idx="12"/>
-          </p:nvPr>
-        </p:nvSpPr>
-        <p:spPr/>
-        <p:txBody>
-          <a:bodyPr/>
-          <a:lstStyle/>
-          <a:p>
-            <a:fld id="{9EA0BE3B-158A-4EDF-80DC-E394A0D1600F}" type="slidenum">
-              <a:rPr lang="en-US" smtClean="0"/>
-              <a:pPr/>
-              <a:t>18</a:t>
-            </a:fld>
-            <a:endParaRPr lang="en-US" dirty="0"/>
-          </a:p>
-        </p:txBody>
-      </p:sp>
-      <p:pic>
-        <p:nvPicPr>
-          <p:cNvPr id="5" name="Picture 4" descr="Cảm Biến Mưa">
-            <a:extLst>
-              <a:ext uri="{FF2B5EF4-FFF2-40B4-BE49-F238E27FC236}">
-                <a16:creationId xmlns:a16="http://schemas.microsoft.com/office/drawing/2014/main" id="{90ACE20D-4A31-90C5-9333-6FBA7D06AE23}"/>
-              </a:ext>
-            </a:extLst>
-          </p:cNvPr>
-          <p:cNvPicPr>
-            <a:picLocks noChangeAspect="1"/>
-          </p:cNvPicPr>
-          <p:nvPr/>
-        </p:nvPicPr>
-        <p:blipFill>
-          <a:blip r:embed="rId2" cstate="print">
-            <a:extLst>
-              <a:ext uri="{28A0092B-C50C-407E-A947-70E740481C1C}">
-                <a14:useLocalDpi xmlns:a14="http://schemas.microsoft.com/office/drawing/2010/main" val="0"/>
-              </a:ext>
-            </a:extLst>
-          </a:blip>
-          <a:srcRect/>
-          <a:stretch>
-            <a:fillRect/>
-          </a:stretch>
-        </p:blipFill>
-        <p:spPr bwMode="auto">
-          <a:xfrm>
-            <a:off x="8966718" y="1732111"/>
-            <a:ext cx="2805747" cy="2783906"/>
-          </a:xfrm>
-          <a:prstGeom prst="rect">
-            <a:avLst/>
-          </a:prstGeom>
-          <a:noFill/>
-          <a:ln>
-            <a:noFill/>
-          </a:ln>
-        </p:spPr>
-      </p:pic>
-      <p:sp>
-        <p:nvSpPr>
-          <p:cNvPr id="6" name="TextBox 5">
-            <a:extLst>
-              <a:ext uri="{FF2B5EF4-FFF2-40B4-BE49-F238E27FC236}">
-                <a16:creationId xmlns:a16="http://schemas.microsoft.com/office/drawing/2014/main" id="{0E480320-39C8-725D-75BB-319B69AEBDFB}"/>
-              </a:ext>
-            </a:extLst>
-          </p:cNvPr>
-          <p:cNvSpPr txBox="1"/>
-          <p:nvPr/>
-        </p:nvSpPr>
-        <p:spPr>
-          <a:xfrm>
-            <a:off x="9358604" y="4739951"/>
-            <a:ext cx="1978090" cy="369332"/>
-          </a:xfrm>
-          <a:prstGeom prst="rect">
-            <a:avLst/>
-          </a:prstGeom>
-          <a:noFill/>
-        </p:spPr>
-        <p:txBody>
-          <a:bodyPr wrap="square" rtlCol="0">
-            <a:spAutoFit/>
-          </a:bodyPr>
-          <a:lstStyle/>
-          <a:p>
-            <a:pPr algn="ctr"/>
-            <a:r>
-              <a:rPr lang="en-US" u="sng" dirty="0"/>
-              <a:t>Rain sensor</a:t>
-            </a:r>
-          </a:p>
-        </p:txBody>
-      </p:sp>
-    </p:spTree>
-    <p:extLst>
-      <p:ext uri="{BB962C8B-B14F-4D97-AF65-F5344CB8AC3E}">
-        <p14:creationId xmlns:p14="http://schemas.microsoft.com/office/powerpoint/2010/main" val="2282870082"/>
-      </p:ext>
-    </p:extLst>
-  </p:cSld>
-  <p:clrMapOvr>
-    <a:masterClrMapping/>
-  </p:clrMapOvr>
-</p:sld>
-</file>
-
-<file path=ppt/slides/slide19.xml><?xml version="1.0" encoding="utf-8"?>
-<p:sld xmlns:a="http://schemas.openxmlformats.org/drawingml/2006/main" xmlns:r="http://schemas.openxmlformats.org/officeDocument/2006/relationships" xmlns:p="http://schemas.openxmlformats.org/presentationml/2006/main">
-  <p:cSld>
-    <p:spTree>
-      <p:nvGrpSpPr>
-        <p:cNvPr id="1" name=""/>
-        <p:cNvGrpSpPr/>
-        <p:nvPr/>
-      </p:nvGrpSpPr>
-      <p:grpSpPr>
-        <a:xfrm>
-          <a:off x="0" y="0"/>
-          <a:ext cx="0" cy="0"/>
-          <a:chOff x="0" y="0"/>
-          <a:chExt cx="0" cy="0"/>
-        </a:xfrm>
-      </p:grpSpPr>
-      <p:sp>
-        <p:nvSpPr>
-          <p:cNvPr id="2" name="Title 1">
-            <a:extLst>
-              <a:ext uri="{FF2B5EF4-FFF2-40B4-BE49-F238E27FC236}">
-                <a16:creationId xmlns:a16="http://schemas.microsoft.com/office/drawing/2014/main" id="{EF9B3AB5-95DF-4273-871C-843529DB7255}"/>
-              </a:ext>
-            </a:extLst>
-          </p:cNvPr>
-          <p:cNvSpPr>
-            <a:spLocks noGrp="1"/>
-          </p:cNvSpPr>
-          <p:nvPr>
-            <p:ph type="title"/>
-          </p:nvPr>
-        </p:nvSpPr>
-        <p:spPr/>
-        <p:txBody>
-          <a:bodyPr/>
-          <a:lstStyle/>
-          <a:p>
-            <a:r>
-              <a:rPr lang="en-US" dirty="0">
-                <a:latin typeface="Arial" panose="020B0604020202020204" pitchFamily="34" charset="0"/>
-                <a:cs typeface="Arial" panose="020B0604020202020204" pitchFamily="34" charset="0"/>
-              </a:rPr>
-              <a:t>Chapter 5: Design sensors module</a:t>
-            </a:r>
-            <a:endParaRPr lang="en-US" dirty="0"/>
-          </a:p>
-        </p:txBody>
-      </p:sp>
-      <p:sp>
-        <p:nvSpPr>
-          <p:cNvPr id="3" name="Content Placeholder 2">
-            <a:extLst>
-              <a:ext uri="{FF2B5EF4-FFF2-40B4-BE49-F238E27FC236}">
-                <a16:creationId xmlns:a16="http://schemas.microsoft.com/office/drawing/2014/main" id="{3573E091-9DCD-4DE7-96D1-A93E44E0F5B9}"/>
-              </a:ext>
-            </a:extLst>
-          </p:cNvPr>
-          <p:cNvSpPr>
-            <a:spLocks noGrp="1"/>
-          </p:cNvSpPr>
-          <p:nvPr>
-            <p:ph sz="quarter" idx="13"/>
-          </p:nvPr>
-        </p:nvSpPr>
-        <p:spPr>
-          <a:xfrm>
-            <a:off x="338736" y="933061"/>
-            <a:ext cx="11514528" cy="5034907"/>
-          </a:xfrm>
-        </p:spPr>
-        <p:txBody>
-          <a:bodyPr/>
-          <a:lstStyle/>
-          <a:p>
-            <a:pPr marL="0" indent="0">
-              <a:buNone/>
-            </a:pPr>
-            <a:r>
-              <a:rPr lang="en-US" sz="2000" b="1" dirty="0">
-                <a:latin typeface="Arial" panose="020B0604020202020204" pitchFamily="34" charset="0"/>
-                <a:cs typeface="Arial" panose="020B0604020202020204" pitchFamily="34" charset="0"/>
-              </a:rPr>
-              <a:t>III. Thermoelectric Peltier cooling module </a:t>
-            </a:r>
-          </a:p>
-          <a:p>
-            <a:pPr marL="0" indent="457200">
-              <a:lnSpc>
-                <a:spcPct val="150000"/>
-              </a:lnSpc>
-              <a:spcBef>
-                <a:spcPts val="0"/>
-              </a:spcBef>
-              <a:buFont typeface="Wingdings" panose="05000000000000000000" pitchFamily="2" charset="2"/>
-              <a:buChar char="§"/>
-            </a:pPr>
-            <a:r>
-              <a:rPr lang="en-US" sz="2000" b="1" dirty="0">
-                <a:latin typeface="Arial" panose="020B0604020202020204" pitchFamily="34" charset="0"/>
-                <a:cs typeface="Arial" panose="020B0604020202020204" pitchFamily="34" charset="0"/>
-              </a:rPr>
-              <a:t>Specifications</a:t>
-            </a:r>
-          </a:p>
-          <a:p>
-            <a:pPr marR="0" lvl="0">
-              <a:lnSpc>
-                <a:spcPct val="150000"/>
-              </a:lnSpc>
-              <a:spcBef>
-                <a:spcPts val="0"/>
-              </a:spcBef>
-            </a:pPr>
-            <a:r>
-              <a:rPr lang="en-US" sz="2000" dirty="0">
-                <a:solidFill>
-                  <a:srgbClr val="303030"/>
-                </a:solidFill>
-                <a:effectLst/>
-                <a:latin typeface="Arial" panose="020B0604020202020204" pitchFamily="34" charset="0"/>
-                <a:ea typeface="Times New Roman" panose="02020603050405020304" pitchFamily="18" charset="0"/>
-                <a:cs typeface="Arial" panose="020B0604020202020204" pitchFamily="34" charset="0"/>
-              </a:rPr>
-              <a:t>Size: </a:t>
-            </a:r>
-            <a:r>
-              <a:rPr lang="en-US" sz="2000" dirty="0" err="1">
-                <a:solidFill>
-                  <a:srgbClr val="303030"/>
-                </a:solidFill>
-                <a:effectLst/>
-                <a:latin typeface="Arial" panose="020B0604020202020204" pitchFamily="34" charset="0"/>
-                <a:ea typeface="Times New Roman" panose="02020603050405020304" pitchFamily="18" charset="0"/>
-                <a:cs typeface="Arial" panose="020B0604020202020204" pitchFamily="34" charset="0"/>
-              </a:rPr>
-              <a:t>4cm</a:t>
-            </a:r>
-            <a:r>
-              <a:rPr lang="en-US" sz="2000" dirty="0">
-                <a:solidFill>
-                  <a:srgbClr val="303030"/>
-                </a:solidFill>
-                <a:effectLst/>
-                <a:latin typeface="Arial" panose="020B0604020202020204" pitchFamily="34" charset="0"/>
-                <a:ea typeface="Times New Roman" panose="02020603050405020304" pitchFamily="18" charset="0"/>
-                <a:cs typeface="Arial" panose="020B0604020202020204" pitchFamily="34" charset="0"/>
-              </a:rPr>
-              <a:t> x </a:t>
-            </a:r>
-            <a:r>
-              <a:rPr lang="en-US" sz="2000" dirty="0" err="1">
-                <a:solidFill>
-                  <a:srgbClr val="303030"/>
-                </a:solidFill>
-                <a:effectLst/>
-                <a:latin typeface="Arial" panose="020B0604020202020204" pitchFamily="34" charset="0"/>
-                <a:ea typeface="Times New Roman" panose="02020603050405020304" pitchFamily="18" charset="0"/>
-                <a:cs typeface="Arial" panose="020B0604020202020204" pitchFamily="34" charset="0"/>
-              </a:rPr>
-              <a:t>4cm</a:t>
-            </a:r>
-            <a:endParaRPr lang="en-US" sz="2000" dirty="0">
-              <a:solidFill>
-                <a:srgbClr val="303030"/>
-              </a:solidFill>
-              <a:effectLst/>
-              <a:latin typeface="Arial" panose="020B0604020202020204" pitchFamily="34" charset="0"/>
-              <a:ea typeface="Times New Roman" panose="02020603050405020304" pitchFamily="18" charset="0"/>
-              <a:cs typeface="Arial" panose="020B0604020202020204" pitchFamily="34" charset="0"/>
-            </a:endParaRPr>
-          </a:p>
-          <a:p>
-            <a:pPr marR="0" lvl="0">
-              <a:lnSpc>
-                <a:spcPct val="150000"/>
-              </a:lnSpc>
-              <a:spcBef>
-                <a:spcPts val="0"/>
-              </a:spcBef>
-            </a:pPr>
-            <a:r>
-              <a:rPr lang="en-US" sz="2000" dirty="0">
-                <a:solidFill>
-                  <a:srgbClr val="303030"/>
-                </a:solidFill>
-                <a:effectLst/>
-                <a:latin typeface="Arial" panose="020B0604020202020204" pitchFamily="34" charset="0"/>
-                <a:ea typeface="Times New Roman" panose="02020603050405020304" pitchFamily="18" charset="0"/>
-                <a:cs typeface="Arial" panose="020B0604020202020204" pitchFamily="34" charset="0"/>
-              </a:rPr>
-              <a:t>I(A): 5 A -</a:t>
-            </a:r>
-            <a:r>
-              <a:rPr lang="en-US" sz="2000" dirty="0" err="1">
-                <a:solidFill>
-                  <a:srgbClr val="303030"/>
-                </a:solidFill>
-                <a:effectLst/>
-                <a:latin typeface="Arial" panose="020B0604020202020204" pitchFamily="34" charset="0"/>
-                <a:ea typeface="Times New Roman" panose="02020603050405020304" pitchFamily="18" charset="0"/>
-                <a:cs typeface="Arial" panose="020B0604020202020204" pitchFamily="34" charset="0"/>
-              </a:rPr>
-              <a:t>10A</a:t>
-            </a:r>
-            <a:r>
-              <a:rPr lang="en-US" sz="2000" dirty="0">
-                <a:solidFill>
-                  <a:srgbClr val="303030"/>
-                </a:solidFill>
-                <a:effectLst/>
-                <a:latin typeface="Arial" panose="020B0604020202020204" pitchFamily="34" charset="0"/>
-                <a:ea typeface="Times New Roman" panose="02020603050405020304" pitchFamily="18" charset="0"/>
-                <a:cs typeface="Arial" panose="020B0604020202020204" pitchFamily="34" charset="0"/>
-              </a:rPr>
-              <a:t> </a:t>
-            </a:r>
-          </a:p>
-          <a:p>
-            <a:pPr marR="0" lvl="0">
-              <a:lnSpc>
-                <a:spcPct val="150000"/>
-              </a:lnSpc>
-              <a:spcBef>
-                <a:spcPts val="0"/>
-              </a:spcBef>
-            </a:pPr>
-            <a:r>
-              <a:rPr lang="en-US" sz="2000" dirty="0">
-                <a:solidFill>
-                  <a:srgbClr val="303030"/>
-                </a:solidFill>
-                <a:effectLst/>
-                <a:latin typeface="Arial" panose="020B0604020202020204" pitchFamily="34" charset="0"/>
-                <a:ea typeface="Times New Roman" panose="02020603050405020304" pitchFamily="18" charset="0"/>
-                <a:cs typeface="Arial" panose="020B0604020202020204" pitchFamily="34" charset="0"/>
-              </a:rPr>
-              <a:t>Voltage: 3 V~ 15.4 V (DC current)</a:t>
-            </a:r>
-          </a:p>
-          <a:p>
-            <a:pPr marR="0" lvl="0">
-              <a:lnSpc>
-                <a:spcPct val="150000"/>
-              </a:lnSpc>
-              <a:spcBef>
-                <a:spcPts val="0"/>
-              </a:spcBef>
-            </a:pPr>
-            <a:r>
-              <a:rPr lang="en-US" sz="2000" dirty="0">
-                <a:solidFill>
-                  <a:srgbClr val="303030"/>
-                </a:solidFill>
-                <a:effectLst/>
-                <a:latin typeface="Arial" panose="020B0604020202020204" pitchFamily="34" charset="0"/>
-                <a:ea typeface="Times New Roman" panose="02020603050405020304" pitchFamily="18" charset="0"/>
-                <a:cs typeface="Arial" panose="020B0604020202020204" pitchFamily="34" charset="0"/>
-              </a:rPr>
-              <a:t>Cooling power: 50 W, 90 W, 120 W</a:t>
-            </a:r>
-          </a:p>
-          <a:p>
-            <a:pPr marR="0" lvl="0">
-              <a:lnSpc>
-                <a:spcPct val="150000"/>
-              </a:lnSpc>
-              <a:spcBef>
-                <a:spcPts val="0"/>
-              </a:spcBef>
-            </a:pPr>
-            <a:r>
-              <a:rPr lang="en-US" sz="2000" dirty="0">
-                <a:solidFill>
-                  <a:srgbClr val="303030"/>
-                </a:solidFill>
-                <a:effectLst/>
-                <a:latin typeface="Arial" panose="020B0604020202020204" pitchFamily="34" charset="0"/>
-                <a:ea typeface="Times New Roman" panose="02020603050405020304" pitchFamily="18" charset="0"/>
-                <a:cs typeface="Arial" panose="020B0604020202020204" pitchFamily="34" charset="0"/>
-              </a:rPr>
-              <a:t>2-sided temperature difference: ~</a:t>
-            </a:r>
-            <a:r>
-              <a:rPr lang="en-US" sz="2000" dirty="0" err="1">
-                <a:solidFill>
-                  <a:srgbClr val="303030"/>
-                </a:solidFill>
-                <a:effectLst/>
-                <a:latin typeface="Arial" panose="020B0604020202020204" pitchFamily="34" charset="0"/>
-                <a:ea typeface="Times New Roman" panose="02020603050405020304" pitchFamily="18" charset="0"/>
-                <a:cs typeface="Arial" panose="020B0604020202020204" pitchFamily="34" charset="0"/>
-              </a:rPr>
-              <a:t>67°C</a:t>
-            </a:r>
-            <a:r>
-              <a:rPr lang="en-US" sz="2000" dirty="0">
-                <a:solidFill>
-                  <a:srgbClr val="303030"/>
-                </a:solidFill>
-                <a:effectLst/>
-                <a:latin typeface="Arial" panose="020B0604020202020204" pitchFamily="34" charset="0"/>
-                <a:ea typeface="Times New Roman" panose="02020603050405020304" pitchFamily="18" charset="0"/>
-                <a:cs typeface="Arial" panose="020B0604020202020204" pitchFamily="34" charset="0"/>
-              </a:rPr>
-              <a:t> (so the better the heat is dissipated,</a:t>
-            </a:r>
-          </a:p>
-          <a:p>
-            <a:pPr marL="0" marR="0" lvl="0" indent="0">
-              <a:lnSpc>
-                <a:spcPct val="150000"/>
-              </a:lnSpc>
-              <a:spcBef>
-                <a:spcPts val="0"/>
-              </a:spcBef>
-              <a:buNone/>
-            </a:pPr>
-            <a:r>
-              <a:rPr lang="en-US" sz="2000" dirty="0">
-                <a:solidFill>
-                  <a:srgbClr val="303030"/>
-                </a:solidFill>
-                <a:effectLst/>
-                <a:latin typeface="Arial" panose="020B0604020202020204" pitchFamily="34" charset="0"/>
-                <a:ea typeface="Times New Roman" panose="02020603050405020304" pitchFamily="18" charset="0"/>
-                <a:cs typeface="Arial" panose="020B0604020202020204" pitchFamily="34" charset="0"/>
-              </a:rPr>
-              <a:t>the colder the cold side)</a:t>
-            </a:r>
-          </a:p>
-          <a:p>
-            <a:pPr marR="0" lvl="0">
-              <a:lnSpc>
-                <a:spcPct val="150000"/>
-              </a:lnSpc>
-              <a:spcBef>
-                <a:spcPts val="0"/>
-              </a:spcBef>
-            </a:pPr>
-            <a:r>
-              <a:rPr lang="en-US" sz="2000" dirty="0">
-                <a:solidFill>
-                  <a:srgbClr val="303030"/>
-                </a:solidFill>
-                <a:effectLst/>
-                <a:latin typeface="Arial" panose="020B0604020202020204" pitchFamily="34" charset="0"/>
-                <a:ea typeface="Times New Roman" panose="02020603050405020304" pitchFamily="18" charset="0"/>
-                <a:cs typeface="Arial" panose="020B0604020202020204" pitchFamily="34" charset="0"/>
-              </a:rPr>
-              <a:t>Maximum cooling temperature: – 6 °C (depends on your cooling system)</a:t>
-            </a:r>
-          </a:p>
-          <a:p>
-            <a:pPr marL="0" marR="0" lvl="0" indent="457200">
-              <a:lnSpc>
-                <a:spcPct val="150000"/>
-              </a:lnSpc>
-              <a:spcBef>
-                <a:spcPts val="0"/>
-              </a:spcBef>
-              <a:buFont typeface="Wingdings" panose="05000000000000000000" pitchFamily="2" charset="2"/>
-              <a:buChar char="§"/>
-            </a:pPr>
-            <a:r>
-              <a:rPr lang="en-US" sz="2000" b="1" dirty="0">
-                <a:solidFill>
-                  <a:srgbClr val="303030"/>
-                </a:solidFill>
-                <a:latin typeface="Arial" panose="020B0604020202020204" pitchFamily="34" charset="0"/>
-                <a:ea typeface="Calibri" panose="020F0502020204030204" pitchFamily="34" charset="0"/>
-                <a:cs typeface="Arial" panose="020B0604020202020204" pitchFamily="34" charset="0"/>
-              </a:rPr>
-              <a:t>Application in the system</a:t>
-            </a:r>
-          </a:p>
-          <a:p>
-            <a:pPr marR="0" lvl="0">
-              <a:lnSpc>
-                <a:spcPct val="150000"/>
-              </a:lnSpc>
-              <a:spcBef>
-                <a:spcPts val="0"/>
-              </a:spcBef>
-            </a:pPr>
-            <a:r>
-              <a:rPr lang="en-US" sz="2000" dirty="0">
-                <a:solidFill>
-                  <a:srgbClr val="303030"/>
-                </a:solidFill>
-                <a:latin typeface="Arial" panose="020B0604020202020204" pitchFamily="34" charset="0"/>
-                <a:ea typeface="Calibri" panose="020F0502020204030204" pitchFamily="34" charset="0"/>
-                <a:cs typeface="Arial" panose="020B0604020202020204" pitchFamily="34" charset="0"/>
-              </a:rPr>
-              <a:t>Bedroom</a:t>
-            </a:r>
-            <a:endParaRPr lang="en-US" sz="2000" dirty="0">
-              <a:solidFill>
-                <a:srgbClr val="303030"/>
-              </a:solidFill>
-              <a:effectLst/>
-              <a:latin typeface="Arial" panose="020B0604020202020204" pitchFamily="34" charset="0"/>
-              <a:ea typeface="Calibri" panose="020F0502020204030204" pitchFamily="34" charset="0"/>
-              <a:cs typeface="Arial" panose="020B0604020202020204" pitchFamily="34" charset="0"/>
-            </a:endParaRPr>
-          </a:p>
-          <a:p>
-            <a:pPr marL="0" indent="0">
-              <a:buNone/>
-            </a:pPr>
-            <a:endParaRPr lang="en-US" sz="2000" dirty="0">
-              <a:latin typeface="Arial" panose="020B0604020202020204" pitchFamily="34" charset="0"/>
-              <a:cs typeface="Arial" panose="020B0604020202020204" pitchFamily="34" charset="0"/>
-            </a:endParaRPr>
-          </a:p>
-        </p:txBody>
-      </p:sp>
-      <p:sp>
-        <p:nvSpPr>
-          <p:cNvPr id="4" name="Slide Number Placeholder 3">
-            <a:extLst>
-              <a:ext uri="{FF2B5EF4-FFF2-40B4-BE49-F238E27FC236}">
-                <a16:creationId xmlns:a16="http://schemas.microsoft.com/office/drawing/2014/main" id="{6CAB879D-D188-4DA3-8675-F8BCF379A12E}"/>
-              </a:ext>
-            </a:extLst>
-          </p:cNvPr>
-          <p:cNvSpPr>
-            <a:spLocks noGrp="1"/>
-          </p:cNvSpPr>
-          <p:nvPr>
-            <p:ph type="sldNum" sz="quarter" idx="12"/>
-          </p:nvPr>
-        </p:nvSpPr>
-        <p:spPr/>
-        <p:txBody>
-          <a:bodyPr/>
-          <a:lstStyle/>
-          <a:p>
-            <a:fld id="{9EA0BE3B-158A-4EDF-80DC-E394A0D1600F}" type="slidenum">
-              <a:rPr lang="en-US" smtClean="0"/>
-              <a:pPr/>
-              <a:t>19</a:t>
-            </a:fld>
-            <a:endParaRPr lang="en-US" dirty="0"/>
-          </a:p>
-        </p:txBody>
-      </p:sp>
-      <p:sp>
-        <p:nvSpPr>
-          <p:cNvPr id="6" name="TextBox 5">
-            <a:extLst>
-              <a:ext uri="{FF2B5EF4-FFF2-40B4-BE49-F238E27FC236}">
-                <a16:creationId xmlns:a16="http://schemas.microsoft.com/office/drawing/2014/main" id="{0E480320-39C8-725D-75BB-319B69AEBDFB}"/>
-              </a:ext>
-            </a:extLst>
-          </p:cNvPr>
-          <p:cNvSpPr txBox="1"/>
-          <p:nvPr/>
-        </p:nvSpPr>
-        <p:spPr>
-          <a:xfrm>
-            <a:off x="9358604" y="4739951"/>
-            <a:ext cx="2539836" cy="646331"/>
-          </a:xfrm>
-          <a:prstGeom prst="rect">
-            <a:avLst/>
-          </a:prstGeom>
-          <a:noFill/>
-        </p:spPr>
-        <p:txBody>
-          <a:bodyPr wrap="square" rtlCol="0">
-            <a:spAutoFit/>
-          </a:bodyPr>
-          <a:lstStyle/>
-          <a:p>
-            <a:pPr algn="ctr"/>
-            <a:r>
-              <a:rPr lang="en-US" u="sng" dirty="0" err="1"/>
-              <a:t>Thermoelctric</a:t>
-            </a:r>
-            <a:r>
-              <a:rPr lang="en-US" u="sng" dirty="0"/>
-              <a:t> </a:t>
-            </a:r>
-            <a:r>
-              <a:rPr lang="en-US" u="sng" dirty="0" err="1"/>
-              <a:t>Peliter</a:t>
-            </a:r>
-            <a:r>
-              <a:rPr lang="en-US" u="sng" dirty="0"/>
-              <a:t> cooling module</a:t>
-            </a:r>
-          </a:p>
-        </p:txBody>
-      </p:sp>
-      <p:pic>
-        <p:nvPicPr>
-          <p:cNvPr id="8" name="Picture 7" descr="so-nong-lanh">
-            <a:extLst>
-              <a:ext uri="{FF2B5EF4-FFF2-40B4-BE49-F238E27FC236}">
-                <a16:creationId xmlns:a16="http://schemas.microsoft.com/office/drawing/2014/main" id="{107E5244-82C1-1299-0166-6763AEAF6046}"/>
-              </a:ext>
-            </a:extLst>
-          </p:cNvPr>
-          <p:cNvPicPr>
-            <a:picLocks noChangeAspect="1"/>
-          </p:cNvPicPr>
-          <p:nvPr/>
-        </p:nvPicPr>
-        <p:blipFill>
-          <a:blip r:embed="rId2">
-            <a:extLst>
-              <a:ext uri="{28A0092B-C50C-407E-A947-70E740481C1C}">
-                <a14:useLocalDpi xmlns:a14="http://schemas.microsoft.com/office/drawing/2010/main" val="0"/>
-              </a:ext>
-            </a:extLst>
-          </a:blip>
-          <a:srcRect/>
-          <a:stretch>
-            <a:fillRect/>
-          </a:stretch>
-        </p:blipFill>
-        <p:spPr bwMode="auto">
-          <a:xfrm>
-            <a:off x="9237305" y="1816361"/>
-            <a:ext cx="2661135" cy="2661135"/>
-          </a:xfrm>
-          <a:prstGeom prst="rect">
-            <a:avLst/>
-          </a:prstGeom>
-          <a:noFill/>
-          <a:ln>
-            <a:noFill/>
-          </a:ln>
-        </p:spPr>
-      </p:pic>
-    </p:spTree>
-    <p:extLst>
-      <p:ext uri="{BB962C8B-B14F-4D97-AF65-F5344CB8AC3E}">
-        <p14:creationId xmlns:p14="http://schemas.microsoft.com/office/powerpoint/2010/main" val="3938886707"/>
+        <p14:creationId xmlns:p14="http://schemas.microsoft.com/office/powerpoint/2010/main" val="2790627162"/>
       </p:ext>
     </p:extLst>
   </p:cSld>
@@ -6593,3049 +5081,6 @@
 </p:sld>
 </file>
 
-<file path=ppt/slides/slide20.xml><?xml version="1.0" encoding="utf-8"?>
-<p:sld xmlns:a="http://schemas.openxmlformats.org/drawingml/2006/main" xmlns:r="http://schemas.openxmlformats.org/officeDocument/2006/relationships" xmlns:p="http://schemas.openxmlformats.org/presentationml/2006/main">
-  <p:cSld>
-    <p:spTree>
-      <p:nvGrpSpPr>
-        <p:cNvPr id="1" name=""/>
-        <p:cNvGrpSpPr/>
-        <p:nvPr/>
-      </p:nvGrpSpPr>
-      <p:grpSpPr>
-        <a:xfrm>
-          <a:off x="0" y="0"/>
-          <a:ext cx="0" cy="0"/>
-          <a:chOff x="0" y="0"/>
-          <a:chExt cx="0" cy="0"/>
-        </a:xfrm>
-      </p:grpSpPr>
-      <p:sp>
-        <p:nvSpPr>
-          <p:cNvPr id="2" name="Title 1">
-            <a:extLst>
-              <a:ext uri="{FF2B5EF4-FFF2-40B4-BE49-F238E27FC236}">
-                <a16:creationId xmlns:a16="http://schemas.microsoft.com/office/drawing/2014/main" id="{EF9B3AB5-95DF-4273-871C-843529DB7255}"/>
-              </a:ext>
-            </a:extLst>
-          </p:cNvPr>
-          <p:cNvSpPr>
-            <a:spLocks noGrp="1"/>
-          </p:cNvSpPr>
-          <p:nvPr>
-            <p:ph type="title"/>
-          </p:nvPr>
-        </p:nvSpPr>
-        <p:spPr/>
-        <p:txBody>
-          <a:bodyPr/>
-          <a:lstStyle/>
-          <a:p>
-            <a:r>
-              <a:rPr lang="en-US" dirty="0">
-                <a:latin typeface="Arial" panose="020B0604020202020204" pitchFamily="34" charset="0"/>
-                <a:cs typeface="Arial" panose="020B0604020202020204" pitchFamily="34" charset="0"/>
-              </a:rPr>
-              <a:t>Chapter 5: Design sensors module</a:t>
-            </a:r>
-            <a:endParaRPr lang="en-US" dirty="0"/>
-          </a:p>
-        </p:txBody>
-      </p:sp>
-      <p:sp>
-        <p:nvSpPr>
-          <p:cNvPr id="3" name="Content Placeholder 2">
-            <a:extLst>
-              <a:ext uri="{FF2B5EF4-FFF2-40B4-BE49-F238E27FC236}">
-                <a16:creationId xmlns:a16="http://schemas.microsoft.com/office/drawing/2014/main" id="{3573E091-9DCD-4DE7-96D1-A93E44E0F5B9}"/>
-              </a:ext>
-            </a:extLst>
-          </p:cNvPr>
-          <p:cNvSpPr>
-            <a:spLocks noGrp="1"/>
-          </p:cNvSpPr>
-          <p:nvPr>
-            <p:ph sz="quarter" idx="13"/>
-          </p:nvPr>
-        </p:nvSpPr>
-        <p:spPr>
-          <a:xfrm>
-            <a:off x="338736" y="933061"/>
-            <a:ext cx="11514528" cy="5034907"/>
-          </a:xfrm>
-        </p:spPr>
-        <p:txBody>
-          <a:bodyPr/>
-          <a:lstStyle/>
-          <a:p>
-            <a:pPr marL="0" indent="0">
-              <a:buNone/>
-            </a:pPr>
-            <a:r>
-              <a:rPr lang="en-US" sz="2000" b="1" dirty="0">
-                <a:latin typeface="Arial" panose="020B0604020202020204" pitchFamily="34" charset="0"/>
-                <a:cs typeface="Arial" panose="020B0604020202020204" pitchFamily="34" charset="0"/>
-              </a:rPr>
-              <a:t>IV. Motion sensor HC-</a:t>
-            </a:r>
-            <a:r>
-              <a:rPr lang="en-US" sz="2000" b="1" dirty="0" err="1">
-                <a:latin typeface="Arial" panose="020B0604020202020204" pitchFamily="34" charset="0"/>
-                <a:cs typeface="Arial" panose="020B0604020202020204" pitchFamily="34" charset="0"/>
-              </a:rPr>
-              <a:t>SR501</a:t>
-            </a:r>
-            <a:r>
-              <a:rPr lang="en-US" sz="2000" b="1" dirty="0">
-                <a:latin typeface="Arial" panose="020B0604020202020204" pitchFamily="34" charset="0"/>
-                <a:cs typeface="Arial" panose="020B0604020202020204" pitchFamily="34" charset="0"/>
-              </a:rPr>
-              <a:t> </a:t>
-            </a:r>
-          </a:p>
-          <a:p>
-            <a:pPr marL="0" indent="457200">
-              <a:lnSpc>
-                <a:spcPct val="150000"/>
-              </a:lnSpc>
-              <a:spcBef>
-                <a:spcPts val="0"/>
-              </a:spcBef>
-              <a:buFont typeface="Wingdings" panose="05000000000000000000" pitchFamily="2" charset="2"/>
-              <a:buChar char="§"/>
-            </a:pPr>
-            <a:r>
-              <a:rPr lang="en-US" sz="2000" b="1" dirty="0">
-                <a:latin typeface="Arial" panose="020B0604020202020204" pitchFamily="34" charset="0"/>
-                <a:cs typeface="Arial" panose="020B0604020202020204" pitchFamily="34" charset="0"/>
-              </a:rPr>
-              <a:t>Specifications</a:t>
-            </a:r>
-          </a:p>
-          <a:p>
-            <a:pPr marR="0" lvl="0">
-              <a:lnSpc>
-                <a:spcPct val="150000"/>
-              </a:lnSpc>
-              <a:spcBef>
-                <a:spcPts val="0"/>
-              </a:spcBef>
-            </a:pPr>
-            <a:r>
-              <a:rPr lang="en-US" sz="2000" dirty="0">
-                <a:solidFill>
-                  <a:srgbClr val="303030"/>
-                </a:solidFill>
-                <a:effectLst/>
-                <a:latin typeface="Arial" panose="020B0604020202020204" pitchFamily="34" charset="0"/>
-                <a:ea typeface="Times New Roman" panose="02020603050405020304" pitchFamily="18" charset="0"/>
-                <a:cs typeface="Arial" panose="020B0604020202020204" pitchFamily="34" charset="0"/>
-              </a:rPr>
-              <a:t>Operating Voltage: </a:t>
-            </a:r>
-            <a:r>
-              <a:rPr lang="en-US" sz="2000" dirty="0" err="1">
-                <a:solidFill>
-                  <a:srgbClr val="303030"/>
-                </a:solidFill>
-                <a:effectLst/>
-                <a:latin typeface="Arial" panose="020B0604020202020204" pitchFamily="34" charset="0"/>
-                <a:ea typeface="Times New Roman" panose="02020603050405020304" pitchFamily="18" charset="0"/>
-                <a:cs typeface="Arial" panose="020B0604020202020204" pitchFamily="34" charset="0"/>
-              </a:rPr>
-              <a:t>3.5V</a:t>
-            </a:r>
-            <a:r>
-              <a:rPr lang="en-US" sz="2000" dirty="0">
-                <a:solidFill>
-                  <a:srgbClr val="303030"/>
-                </a:solidFill>
-                <a:effectLst/>
-                <a:latin typeface="Arial" panose="020B0604020202020204" pitchFamily="34" charset="0"/>
-                <a:ea typeface="Times New Roman" panose="02020603050405020304" pitchFamily="18" charset="0"/>
-                <a:cs typeface="Arial" panose="020B0604020202020204" pitchFamily="34" charset="0"/>
-              </a:rPr>
-              <a:t> to </a:t>
-            </a:r>
-            <a:r>
-              <a:rPr lang="en-US" sz="2000" dirty="0" err="1">
-                <a:solidFill>
-                  <a:srgbClr val="303030"/>
-                </a:solidFill>
-                <a:effectLst/>
-                <a:latin typeface="Arial" panose="020B0604020202020204" pitchFamily="34" charset="0"/>
-                <a:ea typeface="Times New Roman" panose="02020603050405020304" pitchFamily="18" charset="0"/>
-                <a:cs typeface="Arial" panose="020B0604020202020204" pitchFamily="34" charset="0"/>
-              </a:rPr>
-              <a:t>5.5V</a:t>
-            </a:r>
-            <a:endParaRPr lang="en-US" sz="2000" dirty="0">
-              <a:effectLst/>
-              <a:latin typeface="Arial" panose="020B0604020202020204" pitchFamily="34" charset="0"/>
-              <a:ea typeface="Calibri" panose="020F0502020204030204" pitchFamily="34" charset="0"/>
-              <a:cs typeface="Arial" panose="020B0604020202020204" pitchFamily="34" charset="0"/>
-            </a:endParaRPr>
-          </a:p>
-          <a:p>
-            <a:pPr marR="0" lvl="0">
-              <a:lnSpc>
-                <a:spcPct val="150000"/>
-              </a:lnSpc>
-              <a:spcBef>
-                <a:spcPts val="0"/>
-              </a:spcBef>
-            </a:pPr>
-            <a:r>
-              <a:rPr lang="en-US" sz="2000" dirty="0">
-                <a:solidFill>
-                  <a:srgbClr val="303030"/>
-                </a:solidFill>
-                <a:effectLst/>
-                <a:latin typeface="Arial" panose="020B0604020202020204" pitchFamily="34" charset="0"/>
-                <a:ea typeface="Times New Roman" panose="02020603050405020304" pitchFamily="18" charset="0"/>
-                <a:cs typeface="Arial" panose="020B0604020202020204" pitchFamily="34" charset="0"/>
-              </a:rPr>
-              <a:t>Pins: </a:t>
-            </a:r>
-            <a:r>
-              <a:rPr lang="en-US" sz="2000" dirty="0" err="1">
-                <a:solidFill>
-                  <a:srgbClr val="303030"/>
-                </a:solidFill>
-                <a:effectLst/>
-                <a:latin typeface="Arial" panose="020B0604020202020204" pitchFamily="34" charset="0"/>
-                <a:ea typeface="Times New Roman" panose="02020603050405020304" pitchFamily="18" charset="0"/>
-                <a:cs typeface="Arial" panose="020B0604020202020204" pitchFamily="34" charset="0"/>
-              </a:rPr>
-              <a:t>Vcc</a:t>
-            </a:r>
-            <a:r>
-              <a:rPr lang="en-US" sz="2000" dirty="0">
-                <a:solidFill>
-                  <a:srgbClr val="303030"/>
-                </a:solidFill>
-                <a:effectLst/>
-                <a:latin typeface="Arial" panose="020B0604020202020204" pitchFamily="34" charset="0"/>
-                <a:ea typeface="Times New Roman" panose="02020603050405020304" pitchFamily="18" charset="0"/>
-                <a:cs typeface="Arial" panose="020B0604020202020204" pitchFamily="34" charset="0"/>
-              </a:rPr>
-              <a:t>, OUT, GND.</a:t>
-            </a:r>
-          </a:p>
-          <a:p>
-            <a:pPr marR="0" lvl="0">
-              <a:lnSpc>
-                <a:spcPct val="150000"/>
-              </a:lnSpc>
-              <a:spcBef>
-                <a:spcPts val="0"/>
-              </a:spcBef>
-            </a:pPr>
-            <a:r>
-              <a:rPr lang="en-US" sz="2000" dirty="0">
-                <a:solidFill>
-                  <a:srgbClr val="303030"/>
-                </a:solidFill>
-                <a:effectLst/>
-                <a:latin typeface="Arial" panose="020B0604020202020204" pitchFamily="34" charset="0"/>
-                <a:ea typeface="Times New Roman" panose="02020603050405020304" pitchFamily="18" charset="0"/>
-                <a:cs typeface="Arial" panose="020B0604020202020204" pitchFamily="34" charset="0"/>
-              </a:rPr>
-              <a:t>2 operating modes: (L) no repeat activation,(H) repeat activation. </a:t>
-            </a:r>
-          </a:p>
-          <a:p>
-            <a:pPr marR="0" lvl="0">
-              <a:lnSpc>
-                <a:spcPct val="150000"/>
-              </a:lnSpc>
-              <a:spcBef>
-                <a:spcPts val="0"/>
-              </a:spcBef>
-            </a:pPr>
-            <a:r>
-              <a:rPr lang="en-US" sz="2000" dirty="0">
-                <a:solidFill>
-                  <a:srgbClr val="303030"/>
-                </a:solidFill>
-                <a:effectLst/>
-                <a:latin typeface="Arial" panose="020B0604020202020204" pitchFamily="34" charset="0"/>
-                <a:ea typeface="Times New Roman" panose="02020603050405020304" pitchFamily="18" charset="0"/>
-                <a:cs typeface="Arial" panose="020B0604020202020204" pitchFamily="34" charset="0"/>
-              </a:rPr>
-              <a:t>Delay time: adjustable between 0.5-</a:t>
-            </a:r>
-            <a:r>
-              <a:rPr lang="en-US" sz="2000" dirty="0" err="1">
-                <a:solidFill>
-                  <a:srgbClr val="303030"/>
-                </a:solidFill>
-                <a:effectLst/>
-                <a:latin typeface="Arial" panose="020B0604020202020204" pitchFamily="34" charset="0"/>
-                <a:ea typeface="Times New Roman" panose="02020603050405020304" pitchFamily="18" charset="0"/>
-                <a:cs typeface="Arial" panose="020B0604020202020204" pitchFamily="34" charset="0"/>
-              </a:rPr>
-              <a:t>200S</a:t>
-            </a:r>
-            <a:r>
-              <a:rPr lang="en-US" sz="2000" dirty="0">
-                <a:solidFill>
-                  <a:srgbClr val="303030"/>
-                </a:solidFill>
-                <a:effectLst/>
-                <a:latin typeface="Arial" panose="020B0604020202020204" pitchFamily="34" charset="0"/>
-                <a:ea typeface="Times New Roman" panose="02020603050405020304" pitchFamily="18" charset="0"/>
-                <a:cs typeface="Arial" panose="020B0604020202020204" pitchFamily="34" charset="0"/>
-              </a:rPr>
-              <a:t>.</a:t>
-            </a:r>
-          </a:p>
-          <a:p>
-            <a:pPr marR="0" lvl="0">
-              <a:lnSpc>
-                <a:spcPct val="150000"/>
-              </a:lnSpc>
-              <a:spcBef>
-                <a:spcPts val="0"/>
-              </a:spcBef>
-            </a:pPr>
-            <a:r>
-              <a:rPr lang="en-US" sz="2000" dirty="0">
-                <a:solidFill>
-                  <a:srgbClr val="303030"/>
-                </a:solidFill>
-                <a:effectLst/>
-                <a:latin typeface="Arial" panose="020B0604020202020204" pitchFamily="34" charset="0"/>
-                <a:ea typeface="Times New Roman" panose="02020603050405020304" pitchFamily="18" charset="0"/>
-                <a:cs typeface="Arial" panose="020B0604020202020204" pitchFamily="34" charset="0"/>
-              </a:rPr>
-              <a:t>PCB Size: </a:t>
-            </a:r>
-            <a:r>
-              <a:rPr lang="en-US" sz="2000" dirty="0" err="1">
-                <a:solidFill>
-                  <a:srgbClr val="303030"/>
-                </a:solidFill>
-                <a:effectLst/>
-                <a:latin typeface="Arial" panose="020B0604020202020204" pitchFamily="34" charset="0"/>
-                <a:ea typeface="Times New Roman" panose="02020603050405020304" pitchFamily="18" charset="0"/>
-                <a:cs typeface="Arial" panose="020B0604020202020204" pitchFamily="34" charset="0"/>
-              </a:rPr>
-              <a:t>32mmx24mm</a:t>
-            </a:r>
-            <a:endParaRPr lang="en-US" sz="2000" dirty="0">
-              <a:solidFill>
-                <a:srgbClr val="303030"/>
-              </a:solidFill>
-              <a:effectLst/>
-              <a:latin typeface="Arial" panose="020B0604020202020204" pitchFamily="34" charset="0"/>
-              <a:ea typeface="Times New Roman" panose="02020603050405020304" pitchFamily="18" charset="0"/>
-              <a:cs typeface="Arial" panose="020B0604020202020204" pitchFamily="34" charset="0"/>
-            </a:endParaRPr>
-          </a:p>
-          <a:p>
-            <a:pPr marR="0" lvl="0">
-              <a:lnSpc>
-                <a:spcPct val="150000"/>
-              </a:lnSpc>
-              <a:spcBef>
-                <a:spcPts val="0"/>
-              </a:spcBef>
-            </a:pPr>
-            <a:r>
-              <a:rPr lang="en-US" sz="2000" dirty="0">
-                <a:solidFill>
-                  <a:srgbClr val="303030"/>
-                </a:solidFill>
-                <a:effectLst/>
-                <a:latin typeface="Arial" panose="020B0604020202020204" pitchFamily="34" charset="0"/>
-                <a:ea typeface="Times New Roman" panose="02020603050405020304" pitchFamily="18" charset="0"/>
-                <a:cs typeface="Arial" panose="020B0604020202020204" pitchFamily="34" charset="0"/>
-              </a:rPr>
-              <a:t>Scan angle &lt; 100 degrees.</a:t>
-            </a:r>
-          </a:p>
-          <a:p>
-            <a:pPr marR="0" lvl="0">
-              <a:lnSpc>
-                <a:spcPct val="150000"/>
-              </a:lnSpc>
-              <a:spcBef>
-                <a:spcPts val="0"/>
-              </a:spcBef>
-            </a:pPr>
-            <a:r>
-              <a:rPr lang="en-US" sz="2000" dirty="0">
-                <a:solidFill>
-                  <a:srgbClr val="303030"/>
-                </a:solidFill>
-                <a:effectLst/>
-                <a:latin typeface="Arial" panose="020B0604020202020204" pitchFamily="34" charset="0"/>
-                <a:ea typeface="Times New Roman" panose="02020603050405020304" pitchFamily="18" charset="0"/>
-                <a:cs typeface="Arial" panose="020B0604020202020204" pitchFamily="34" charset="0"/>
-              </a:rPr>
-              <a:t>Detection distance: 2 - </a:t>
-            </a:r>
-            <a:r>
-              <a:rPr lang="en-US" sz="2000" dirty="0" err="1">
-                <a:solidFill>
-                  <a:srgbClr val="303030"/>
-                </a:solidFill>
-                <a:effectLst/>
-                <a:latin typeface="Arial" panose="020B0604020202020204" pitchFamily="34" charset="0"/>
-                <a:ea typeface="Times New Roman" panose="02020603050405020304" pitchFamily="18" charset="0"/>
-                <a:cs typeface="Arial" panose="020B0604020202020204" pitchFamily="34" charset="0"/>
-              </a:rPr>
-              <a:t>4.5m</a:t>
-            </a:r>
-            <a:endParaRPr lang="en-US" sz="2000" dirty="0">
-              <a:solidFill>
-                <a:srgbClr val="303030"/>
-              </a:solidFill>
-              <a:effectLst/>
-              <a:latin typeface="Arial" panose="020B0604020202020204" pitchFamily="34" charset="0"/>
-              <a:ea typeface="Times New Roman" panose="02020603050405020304" pitchFamily="18" charset="0"/>
-              <a:cs typeface="Arial" panose="020B0604020202020204" pitchFamily="34" charset="0"/>
-            </a:endParaRPr>
-          </a:p>
-          <a:p>
-            <a:pPr marL="0" marR="0" lvl="0" indent="457200">
-              <a:lnSpc>
-                <a:spcPct val="150000"/>
-              </a:lnSpc>
-              <a:spcBef>
-                <a:spcPts val="0"/>
-              </a:spcBef>
-              <a:buFont typeface="Wingdings" panose="05000000000000000000" pitchFamily="2" charset="2"/>
-              <a:buChar char="§"/>
-            </a:pPr>
-            <a:r>
-              <a:rPr lang="en-US" sz="2000" b="1" dirty="0">
-                <a:solidFill>
-                  <a:srgbClr val="303030"/>
-                </a:solidFill>
-                <a:latin typeface="Arial" panose="020B0604020202020204" pitchFamily="34" charset="0"/>
-                <a:ea typeface="Calibri" panose="020F0502020204030204" pitchFamily="34" charset="0"/>
-                <a:cs typeface="Arial" panose="020B0604020202020204" pitchFamily="34" charset="0"/>
-              </a:rPr>
-              <a:t>Application in the system</a:t>
-            </a:r>
-          </a:p>
-          <a:p>
-            <a:pPr marR="0" lvl="0">
-              <a:lnSpc>
-                <a:spcPct val="150000"/>
-              </a:lnSpc>
-              <a:spcBef>
-                <a:spcPts val="0"/>
-              </a:spcBef>
-            </a:pPr>
-            <a:r>
-              <a:rPr lang="en-US" sz="2000" dirty="0">
-                <a:solidFill>
-                  <a:srgbClr val="303030"/>
-                </a:solidFill>
-                <a:latin typeface="Arial" panose="020B0604020202020204" pitchFamily="34" charset="0"/>
-                <a:ea typeface="Calibri" panose="020F0502020204030204" pitchFamily="34" charset="0"/>
-                <a:cs typeface="Arial" panose="020B0604020202020204" pitchFamily="34" charset="0"/>
-              </a:rPr>
-              <a:t>Living room, kitchen</a:t>
-            </a:r>
-            <a:endParaRPr lang="en-US" sz="2000" dirty="0">
-              <a:solidFill>
-                <a:srgbClr val="303030"/>
-              </a:solidFill>
-              <a:effectLst/>
-              <a:latin typeface="Arial" panose="020B0604020202020204" pitchFamily="34" charset="0"/>
-              <a:ea typeface="Calibri" panose="020F0502020204030204" pitchFamily="34" charset="0"/>
-              <a:cs typeface="Arial" panose="020B0604020202020204" pitchFamily="34" charset="0"/>
-            </a:endParaRPr>
-          </a:p>
-          <a:p>
-            <a:pPr marL="0" indent="0">
-              <a:buNone/>
-            </a:pPr>
-            <a:endParaRPr lang="en-US" sz="2000" dirty="0">
-              <a:latin typeface="Arial" panose="020B0604020202020204" pitchFamily="34" charset="0"/>
-              <a:cs typeface="Arial" panose="020B0604020202020204" pitchFamily="34" charset="0"/>
-            </a:endParaRPr>
-          </a:p>
-        </p:txBody>
-      </p:sp>
-      <p:sp>
-        <p:nvSpPr>
-          <p:cNvPr id="4" name="Slide Number Placeholder 3">
-            <a:extLst>
-              <a:ext uri="{FF2B5EF4-FFF2-40B4-BE49-F238E27FC236}">
-                <a16:creationId xmlns:a16="http://schemas.microsoft.com/office/drawing/2014/main" id="{6CAB879D-D188-4DA3-8675-F8BCF379A12E}"/>
-              </a:ext>
-            </a:extLst>
-          </p:cNvPr>
-          <p:cNvSpPr>
-            <a:spLocks noGrp="1"/>
-          </p:cNvSpPr>
-          <p:nvPr>
-            <p:ph type="sldNum" sz="quarter" idx="12"/>
-          </p:nvPr>
-        </p:nvSpPr>
-        <p:spPr/>
-        <p:txBody>
-          <a:bodyPr/>
-          <a:lstStyle/>
-          <a:p>
-            <a:fld id="{9EA0BE3B-158A-4EDF-80DC-E394A0D1600F}" type="slidenum">
-              <a:rPr lang="en-US" smtClean="0"/>
-              <a:pPr/>
-              <a:t>20</a:t>
-            </a:fld>
-            <a:endParaRPr lang="en-US" dirty="0"/>
-          </a:p>
-        </p:txBody>
-      </p:sp>
-      <p:sp>
-        <p:nvSpPr>
-          <p:cNvPr id="6" name="TextBox 5">
-            <a:extLst>
-              <a:ext uri="{FF2B5EF4-FFF2-40B4-BE49-F238E27FC236}">
-                <a16:creationId xmlns:a16="http://schemas.microsoft.com/office/drawing/2014/main" id="{0E480320-39C8-725D-75BB-319B69AEBDFB}"/>
-              </a:ext>
-            </a:extLst>
-          </p:cNvPr>
-          <p:cNvSpPr txBox="1"/>
-          <p:nvPr/>
-        </p:nvSpPr>
-        <p:spPr>
-          <a:xfrm>
-            <a:off x="9358604" y="4739951"/>
-            <a:ext cx="2539836" cy="369332"/>
-          </a:xfrm>
-          <a:prstGeom prst="rect">
-            <a:avLst/>
-          </a:prstGeom>
-          <a:noFill/>
-        </p:spPr>
-        <p:txBody>
-          <a:bodyPr wrap="square" rtlCol="0">
-            <a:spAutoFit/>
-          </a:bodyPr>
-          <a:lstStyle/>
-          <a:p>
-            <a:pPr algn="ctr"/>
-            <a:r>
-              <a:rPr lang="en-US" u="sng" dirty="0"/>
-              <a:t>Motion sensor HC-</a:t>
-            </a:r>
-            <a:r>
-              <a:rPr lang="en-US" u="sng" dirty="0" err="1"/>
-              <a:t>SR501</a:t>
-            </a:r>
-            <a:endParaRPr lang="en-US" u="sng" dirty="0"/>
-          </a:p>
-        </p:txBody>
-      </p:sp>
-      <p:pic>
-        <p:nvPicPr>
-          <p:cNvPr id="5" name="Picture 4">
-            <a:extLst>
-              <a:ext uri="{FF2B5EF4-FFF2-40B4-BE49-F238E27FC236}">
-                <a16:creationId xmlns:a16="http://schemas.microsoft.com/office/drawing/2014/main" id="{22BE0EF1-6049-D8AA-A89C-6B42C9DE7EE5}"/>
-              </a:ext>
-            </a:extLst>
-          </p:cNvPr>
-          <p:cNvPicPr>
-            <a:picLocks noChangeAspect="1"/>
-          </p:cNvPicPr>
-          <p:nvPr/>
-        </p:nvPicPr>
-        <p:blipFill>
-          <a:blip r:embed="rId2">
-            <a:extLst>
-              <a:ext uri="{28A0092B-C50C-407E-A947-70E740481C1C}">
-                <a14:useLocalDpi xmlns:a14="http://schemas.microsoft.com/office/drawing/2010/main" val="0"/>
-              </a:ext>
-            </a:extLst>
-          </a:blip>
-          <a:stretch>
-            <a:fillRect/>
-          </a:stretch>
-        </p:blipFill>
-        <p:spPr>
-          <a:xfrm>
-            <a:off x="9437591" y="2470884"/>
-            <a:ext cx="2012950" cy="1715770"/>
-          </a:xfrm>
-          <a:prstGeom prst="rect">
-            <a:avLst/>
-          </a:prstGeom>
-        </p:spPr>
-      </p:pic>
-    </p:spTree>
-    <p:extLst>
-      <p:ext uri="{BB962C8B-B14F-4D97-AF65-F5344CB8AC3E}">
-        <p14:creationId xmlns:p14="http://schemas.microsoft.com/office/powerpoint/2010/main" val="2800127820"/>
-      </p:ext>
-    </p:extLst>
-  </p:cSld>
-  <p:clrMapOvr>
-    <a:masterClrMapping/>
-  </p:clrMapOvr>
-</p:sld>
-</file>
-
-<file path=ppt/slides/slide21.xml><?xml version="1.0" encoding="utf-8"?>
-<p:sld xmlns:a="http://schemas.openxmlformats.org/drawingml/2006/main" xmlns:r="http://schemas.openxmlformats.org/officeDocument/2006/relationships" xmlns:p="http://schemas.openxmlformats.org/presentationml/2006/main">
-  <p:cSld>
-    <p:spTree>
-      <p:nvGrpSpPr>
-        <p:cNvPr id="1" name=""/>
-        <p:cNvGrpSpPr/>
-        <p:nvPr/>
-      </p:nvGrpSpPr>
-      <p:grpSpPr>
-        <a:xfrm>
-          <a:off x="0" y="0"/>
-          <a:ext cx="0" cy="0"/>
-          <a:chOff x="0" y="0"/>
-          <a:chExt cx="0" cy="0"/>
-        </a:xfrm>
-      </p:grpSpPr>
-      <p:sp>
-        <p:nvSpPr>
-          <p:cNvPr id="2" name="Slide Number Placeholder 1">
-            <a:extLst>
-              <a:ext uri="{FF2B5EF4-FFF2-40B4-BE49-F238E27FC236}">
-                <a16:creationId xmlns:a16="http://schemas.microsoft.com/office/drawing/2014/main" id="{450F0C17-B136-F7A7-D019-2333ED9B7398}"/>
-              </a:ext>
-            </a:extLst>
-          </p:cNvPr>
-          <p:cNvSpPr>
-            <a:spLocks noGrp="1"/>
-          </p:cNvSpPr>
-          <p:nvPr>
-            <p:ph type="sldNum" sz="quarter" idx="12"/>
-          </p:nvPr>
-        </p:nvSpPr>
-        <p:spPr/>
-        <p:txBody>
-          <a:bodyPr/>
-          <a:lstStyle/>
-          <a:p>
-            <a:fld id="{9EA0BE3B-158A-4EDF-80DC-E394A0D1600F}" type="slidenum">
-              <a:rPr lang="en-US" smtClean="0"/>
-              <a:pPr/>
-              <a:t>21</a:t>
-            </a:fld>
-            <a:endParaRPr lang="en-US" dirty="0"/>
-          </a:p>
-        </p:txBody>
-      </p:sp>
-      <p:sp>
-        <p:nvSpPr>
-          <p:cNvPr id="3" name="Title 2">
-            <a:extLst>
-              <a:ext uri="{FF2B5EF4-FFF2-40B4-BE49-F238E27FC236}">
-                <a16:creationId xmlns:a16="http://schemas.microsoft.com/office/drawing/2014/main" id="{11EF1A6E-A5EA-1795-7352-E98B61E02C0D}"/>
-              </a:ext>
-            </a:extLst>
-          </p:cNvPr>
-          <p:cNvSpPr>
-            <a:spLocks noGrp="1"/>
-          </p:cNvSpPr>
-          <p:nvPr>
-            <p:ph type="title"/>
-          </p:nvPr>
-        </p:nvSpPr>
-        <p:spPr/>
-        <p:txBody>
-          <a:bodyPr/>
-          <a:lstStyle/>
-          <a:p>
-            <a:endParaRPr lang="en-US"/>
-          </a:p>
-        </p:txBody>
-      </p:sp>
-      <p:sp>
-        <p:nvSpPr>
-          <p:cNvPr id="4" name="Content Placeholder 3">
-            <a:extLst>
-              <a:ext uri="{FF2B5EF4-FFF2-40B4-BE49-F238E27FC236}">
-                <a16:creationId xmlns:a16="http://schemas.microsoft.com/office/drawing/2014/main" id="{D10FAC21-DE92-9B42-7C03-3BEF040DA2DD}"/>
-              </a:ext>
-            </a:extLst>
-          </p:cNvPr>
-          <p:cNvSpPr>
-            <a:spLocks noGrp="1"/>
-          </p:cNvSpPr>
-          <p:nvPr>
-            <p:ph sz="quarter" idx="13"/>
-          </p:nvPr>
-        </p:nvSpPr>
-        <p:spPr/>
-        <p:txBody>
-          <a:bodyPr/>
-          <a:lstStyle/>
-          <a:p>
-            <a:endParaRPr lang="en-US"/>
-          </a:p>
-        </p:txBody>
-      </p:sp>
-    </p:spTree>
-    <p:extLst>
-      <p:ext uri="{BB962C8B-B14F-4D97-AF65-F5344CB8AC3E}">
-        <p14:creationId xmlns:p14="http://schemas.microsoft.com/office/powerpoint/2010/main" val="1755017108"/>
-      </p:ext>
-    </p:extLst>
-  </p:cSld>
-  <p:clrMapOvr>
-    <a:masterClrMapping/>
-  </p:clrMapOvr>
-</p:sld>
-</file>
-
-<file path=ppt/slides/slide22.xml><?xml version="1.0" encoding="utf-8"?>
-<p:sld xmlns:a="http://schemas.openxmlformats.org/drawingml/2006/main" xmlns:r="http://schemas.openxmlformats.org/officeDocument/2006/relationships" xmlns:p="http://schemas.openxmlformats.org/presentationml/2006/main">
-  <p:cSld>
-    <p:spTree>
-      <p:nvGrpSpPr>
-        <p:cNvPr id="1" name=""/>
-        <p:cNvGrpSpPr/>
-        <p:nvPr/>
-      </p:nvGrpSpPr>
-      <p:grpSpPr>
-        <a:xfrm>
-          <a:off x="0" y="0"/>
-          <a:ext cx="0" cy="0"/>
-          <a:chOff x="0" y="0"/>
-          <a:chExt cx="0" cy="0"/>
-        </a:xfrm>
-      </p:grpSpPr>
-      <p:sp>
-        <p:nvSpPr>
-          <p:cNvPr id="2" name="Slide Number Placeholder 1">
-            <a:extLst>
-              <a:ext uri="{FF2B5EF4-FFF2-40B4-BE49-F238E27FC236}">
-                <a16:creationId xmlns:a16="http://schemas.microsoft.com/office/drawing/2014/main" id="{64948554-7331-FD22-B899-A47BD9FE0FF7}"/>
-              </a:ext>
-            </a:extLst>
-          </p:cNvPr>
-          <p:cNvSpPr>
-            <a:spLocks noGrp="1"/>
-          </p:cNvSpPr>
-          <p:nvPr>
-            <p:ph type="sldNum" sz="quarter" idx="12"/>
-          </p:nvPr>
-        </p:nvSpPr>
-        <p:spPr/>
-        <p:txBody>
-          <a:bodyPr/>
-          <a:lstStyle/>
-          <a:p>
-            <a:fld id="{9EA0BE3B-158A-4EDF-80DC-E394A0D1600F}" type="slidenum">
-              <a:rPr lang="en-US" smtClean="0"/>
-              <a:pPr/>
-              <a:t>22</a:t>
-            </a:fld>
-            <a:endParaRPr lang="en-US" dirty="0"/>
-          </a:p>
-        </p:txBody>
-      </p:sp>
-      <p:sp>
-        <p:nvSpPr>
-          <p:cNvPr id="3" name="Title 2">
-            <a:extLst>
-              <a:ext uri="{FF2B5EF4-FFF2-40B4-BE49-F238E27FC236}">
-                <a16:creationId xmlns:a16="http://schemas.microsoft.com/office/drawing/2014/main" id="{3F3D88BD-20A3-0386-89D0-35CF64FF6655}"/>
-              </a:ext>
-            </a:extLst>
-          </p:cNvPr>
-          <p:cNvSpPr>
-            <a:spLocks noGrp="1"/>
-          </p:cNvSpPr>
-          <p:nvPr>
-            <p:ph type="title"/>
-          </p:nvPr>
-        </p:nvSpPr>
-        <p:spPr/>
-        <p:txBody>
-          <a:bodyPr/>
-          <a:lstStyle/>
-          <a:p>
-            <a:endParaRPr lang="en-US"/>
-          </a:p>
-        </p:txBody>
-      </p:sp>
-      <p:sp>
-        <p:nvSpPr>
-          <p:cNvPr id="4" name="Content Placeholder 3">
-            <a:extLst>
-              <a:ext uri="{FF2B5EF4-FFF2-40B4-BE49-F238E27FC236}">
-                <a16:creationId xmlns:a16="http://schemas.microsoft.com/office/drawing/2014/main" id="{C09E6B81-1702-FEBD-62DD-9C726A02B48B}"/>
-              </a:ext>
-            </a:extLst>
-          </p:cNvPr>
-          <p:cNvSpPr>
-            <a:spLocks noGrp="1"/>
-          </p:cNvSpPr>
-          <p:nvPr>
-            <p:ph sz="quarter" idx="13"/>
-          </p:nvPr>
-        </p:nvSpPr>
-        <p:spPr/>
-        <p:txBody>
-          <a:bodyPr/>
-          <a:lstStyle/>
-          <a:p>
-            <a:endParaRPr lang="en-US"/>
-          </a:p>
-        </p:txBody>
-      </p:sp>
-    </p:spTree>
-    <p:extLst>
-      <p:ext uri="{BB962C8B-B14F-4D97-AF65-F5344CB8AC3E}">
-        <p14:creationId xmlns:p14="http://schemas.microsoft.com/office/powerpoint/2010/main" val="2682181016"/>
-      </p:ext>
-    </p:extLst>
-  </p:cSld>
-  <p:clrMapOvr>
-    <a:masterClrMapping/>
-  </p:clrMapOvr>
-</p:sld>
-</file>
-
-<file path=ppt/slides/slide23.xml><?xml version="1.0" encoding="utf-8"?>
-<p:sld xmlns:a="http://schemas.openxmlformats.org/drawingml/2006/main" xmlns:r="http://schemas.openxmlformats.org/officeDocument/2006/relationships" xmlns:p="http://schemas.openxmlformats.org/presentationml/2006/main">
-  <p:cSld>
-    <p:spTree>
-      <p:nvGrpSpPr>
-        <p:cNvPr id="1" name=""/>
-        <p:cNvGrpSpPr/>
-        <p:nvPr/>
-      </p:nvGrpSpPr>
-      <p:grpSpPr>
-        <a:xfrm>
-          <a:off x="0" y="0"/>
-          <a:ext cx="0" cy="0"/>
-          <a:chOff x="0" y="0"/>
-          <a:chExt cx="0" cy="0"/>
-        </a:xfrm>
-      </p:grpSpPr>
-      <p:sp>
-        <p:nvSpPr>
-          <p:cNvPr id="2" name="Slide Number Placeholder 1">
-            <a:extLst>
-              <a:ext uri="{FF2B5EF4-FFF2-40B4-BE49-F238E27FC236}">
-                <a16:creationId xmlns:a16="http://schemas.microsoft.com/office/drawing/2014/main" id="{8683952C-14BE-9F13-956C-F6BC6BD81DDE}"/>
-              </a:ext>
-            </a:extLst>
-          </p:cNvPr>
-          <p:cNvSpPr>
-            <a:spLocks noGrp="1"/>
-          </p:cNvSpPr>
-          <p:nvPr>
-            <p:ph type="sldNum" sz="quarter" idx="12"/>
-          </p:nvPr>
-        </p:nvSpPr>
-        <p:spPr/>
-        <p:txBody>
-          <a:bodyPr/>
-          <a:lstStyle/>
-          <a:p>
-            <a:fld id="{9EA0BE3B-158A-4EDF-80DC-E394A0D1600F}" type="slidenum">
-              <a:rPr lang="en-US" smtClean="0"/>
-              <a:pPr/>
-              <a:t>23</a:t>
-            </a:fld>
-            <a:endParaRPr lang="en-US" dirty="0"/>
-          </a:p>
-        </p:txBody>
-      </p:sp>
-      <p:sp>
-        <p:nvSpPr>
-          <p:cNvPr id="3" name="Title 2">
-            <a:extLst>
-              <a:ext uri="{FF2B5EF4-FFF2-40B4-BE49-F238E27FC236}">
-                <a16:creationId xmlns:a16="http://schemas.microsoft.com/office/drawing/2014/main" id="{21D1D929-F8D1-4851-CF90-465C45B67911}"/>
-              </a:ext>
-            </a:extLst>
-          </p:cNvPr>
-          <p:cNvSpPr>
-            <a:spLocks noGrp="1"/>
-          </p:cNvSpPr>
-          <p:nvPr>
-            <p:ph type="title"/>
-          </p:nvPr>
-        </p:nvSpPr>
-        <p:spPr/>
-        <p:txBody>
-          <a:bodyPr/>
-          <a:lstStyle/>
-          <a:p>
-            <a:endParaRPr lang="en-US"/>
-          </a:p>
-        </p:txBody>
-      </p:sp>
-      <p:sp>
-        <p:nvSpPr>
-          <p:cNvPr id="4" name="Content Placeholder 3">
-            <a:extLst>
-              <a:ext uri="{FF2B5EF4-FFF2-40B4-BE49-F238E27FC236}">
-                <a16:creationId xmlns:a16="http://schemas.microsoft.com/office/drawing/2014/main" id="{7E89CB6C-0AD1-BDED-47F7-4C8F5C37B0FF}"/>
-              </a:ext>
-            </a:extLst>
-          </p:cNvPr>
-          <p:cNvSpPr>
-            <a:spLocks noGrp="1"/>
-          </p:cNvSpPr>
-          <p:nvPr>
-            <p:ph sz="quarter" idx="13"/>
-          </p:nvPr>
-        </p:nvSpPr>
-        <p:spPr/>
-        <p:txBody>
-          <a:bodyPr/>
-          <a:lstStyle/>
-          <a:p>
-            <a:endParaRPr lang="en-US"/>
-          </a:p>
-        </p:txBody>
-      </p:sp>
-    </p:spTree>
-    <p:extLst>
-      <p:ext uri="{BB962C8B-B14F-4D97-AF65-F5344CB8AC3E}">
-        <p14:creationId xmlns:p14="http://schemas.microsoft.com/office/powerpoint/2010/main" val="760042842"/>
-      </p:ext>
-    </p:extLst>
-  </p:cSld>
-  <p:clrMapOvr>
-    <a:masterClrMapping/>
-  </p:clrMapOvr>
-</p:sld>
-</file>
-
-<file path=ppt/slides/slide24.xml><?xml version="1.0" encoding="utf-8"?>
-<p:sld xmlns:a="http://schemas.openxmlformats.org/drawingml/2006/main" xmlns:r="http://schemas.openxmlformats.org/officeDocument/2006/relationships" xmlns:p="http://schemas.openxmlformats.org/presentationml/2006/main">
-  <p:cSld>
-    <p:spTree>
-      <p:nvGrpSpPr>
-        <p:cNvPr id="1" name=""/>
-        <p:cNvGrpSpPr/>
-        <p:nvPr/>
-      </p:nvGrpSpPr>
-      <p:grpSpPr>
-        <a:xfrm>
-          <a:off x="0" y="0"/>
-          <a:ext cx="0" cy="0"/>
-          <a:chOff x="0" y="0"/>
-          <a:chExt cx="0" cy="0"/>
-        </a:xfrm>
-      </p:grpSpPr>
-      <p:sp>
-        <p:nvSpPr>
-          <p:cNvPr id="2" name="Slide Number Placeholder 1">
-            <a:extLst>
-              <a:ext uri="{FF2B5EF4-FFF2-40B4-BE49-F238E27FC236}">
-                <a16:creationId xmlns:a16="http://schemas.microsoft.com/office/drawing/2014/main" id="{7BBA2B77-30F0-85BD-B047-6AC95A69FFB7}"/>
-              </a:ext>
-            </a:extLst>
-          </p:cNvPr>
-          <p:cNvSpPr>
-            <a:spLocks noGrp="1"/>
-          </p:cNvSpPr>
-          <p:nvPr>
-            <p:ph type="sldNum" sz="quarter" idx="12"/>
-          </p:nvPr>
-        </p:nvSpPr>
-        <p:spPr/>
-        <p:txBody>
-          <a:bodyPr/>
-          <a:lstStyle/>
-          <a:p>
-            <a:fld id="{9EA0BE3B-158A-4EDF-80DC-E394A0D1600F}" type="slidenum">
-              <a:rPr lang="en-US" smtClean="0"/>
-              <a:pPr/>
-              <a:t>24</a:t>
-            </a:fld>
-            <a:endParaRPr lang="en-US" dirty="0"/>
-          </a:p>
-        </p:txBody>
-      </p:sp>
-      <p:sp>
-        <p:nvSpPr>
-          <p:cNvPr id="3" name="Title 2">
-            <a:extLst>
-              <a:ext uri="{FF2B5EF4-FFF2-40B4-BE49-F238E27FC236}">
-                <a16:creationId xmlns:a16="http://schemas.microsoft.com/office/drawing/2014/main" id="{21F9DF4F-7557-1F87-A540-4A75A60F82C7}"/>
-              </a:ext>
-            </a:extLst>
-          </p:cNvPr>
-          <p:cNvSpPr>
-            <a:spLocks noGrp="1"/>
-          </p:cNvSpPr>
-          <p:nvPr>
-            <p:ph type="title"/>
-          </p:nvPr>
-        </p:nvSpPr>
-        <p:spPr/>
-        <p:txBody>
-          <a:bodyPr/>
-          <a:lstStyle/>
-          <a:p>
-            <a:endParaRPr lang="en-US"/>
-          </a:p>
-        </p:txBody>
-      </p:sp>
-      <p:sp>
-        <p:nvSpPr>
-          <p:cNvPr id="4" name="Content Placeholder 3">
-            <a:extLst>
-              <a:ext uri="{FF2B5EF4-FFF2-40B4-BE49-F238E27FC236}">
-                <a16:creationId xmlns:a16="http://schemas.microsoft.com/office/drawing/2014/main" id="{668E4696-78C2-F366-6ADD-42B3D960E5D6}"/>
-              </a:ext>
-            </a:extLst>
-          </p:cNvPr>
-          <p:cNvSpPr>
-            <a:spLocks noGrp="1"/>
-          </p:cNvSpPr>
-          <p:nvPr>
-            <p:ph sz="quarter" idx="13"/>
-          </p:nvPr>
-        </p:nvSpPr>
-        <p:spPr/>
-        <p:txBody>
-          <a:bodyPr/>
-          <a:lstStyle/>
-          <a:p>
-            <a:endParaRPr lang="en-US"/>
-          </a:p>
-        </p:txBody>
-      </p:sp>
-    </p:spTree>
-    <p:extLst>
-      <p:ext uri="{BB962C8B-B14F-4D97-AF65-F5344CB8AC3E}">
-        <p14:creationId xmlns:p14="http://schemas.microsoft.com/office/powerpoint/2010/main" val="3677718152"/>
-      </p:ext>
-    </p:extLst>
-  </p:cSld>
-  <p:clrMapOvr>
-    <a:masterClrMapping/>
-  </p:clrMapOvr>
-</p:sld>
-</file>
-
-<file path=ppt/slides/slide25.xml><?xml version="1.0" encoding="utf-8"?>
-<p:sld xmlns:a="http://schemas.openxmlformats.org/drawingml/2006/main" xmlns:r="http://schemas.openxmlformats.org/officeDocument/2006/relationships" xmlns:p="http://schemas.openxmlformats.org/presentationml/2006/main">
-  <p:cSld>
-    <p:spTree>
-      <p:nvGrpSpPr>
-        <p:cNvPr id="1" name=""/>
-        <p:cNvGrpSpPr/>
-        <p:nvPr/>
-      </p:nvGrpSpPr>
-      <p:grpSpPr>
-        <a:xfrm>
-          <a:off x="0" y="0"/>
-          <a:ext cx="0" cy="0"/>
-          <a:chOff x="0" y="0"/>
-          <a:chExt cx="0" cy="0"/>
-        </a:xfrm>
-      </p:grpSpPr>
-      <p:sp>
-        <p:nvSpPr>
-          <p:cNvPr id="2" name="Slide Number Placeholder 1">
-            <a:extLst>
-              <a:ext uri="{FF2B5EF4-FFF2-40B4-BE49-F238E27FC236}">
-                <a16:creationId xmlns:a16="http://schemas.microsoft.com/office/drawing/2014/main" id="{BB8F8816-A675-5983-A924-D0330C53C36B}"/>
-              </a:ext>
-            </a:extLst>
-          </p:cNvPr>
-          <p:cNvSpPr>
-            <a:spLocks noGrp="1"/>
-          </p:cNvSpPr>
-          <p:nvPr>
-            <p:ph type="sldNum" sz="quarter" idx="12"/>
-          </p:nvPr>
-        </p:nvSpPr>
-        <p:spPr/>
-        <p:txBody>
-          <a:bodyPr/>
-          <a:lstStyle/>
-          <a:p>
-            <a:fld id="{9EA0BE3B-158A-4EDF-80DC-E394A0D1600F}" type="slidenum">
-              <a:rPr lang="en-US" smtClean="0"/>
-              <a:pPr/>
-              <a:t>25</a:t>
-            </a:fld>
-            <a:endParaRPr lang="en-US" dirty="0"/>
-          </a:p>
-        </p:txBody>
-      </p:sp>
-      <p:sp>
-        <p:nvSpPr>
-          <p:cNvPr id="3" name="Title 2">
-            <a:extLst>
-              <a:ext uri="{FF2B5EF4-FFF2-40B4-BE49-F238E27FC236}">
-                <a16:creationId xmlns:a16="http://schemas.microsoft.com/office/drawing/2014/main" id="{4B8EE812-ADD4-F5B6-30D2-1B748E40130A}"/>
-              </a:ext>
-            </a:extLst>
-          </p:cNvPr>
-          <p:cNvSpPr>
-            <a:spLocks noGrp="1"/>
-          </p:cNvSpPr>
-          <p:nvPr>
-            <p:ph type="title"/>
-          </p:nvPr>
-        </p:nvSpPr>
-        <p:spPr/>
-        <p:txBody>
-          <a:bodyPr/>
-          <a:lstStyle/>
-          <a:p>
-            <a:endParaRPr lang="en-US"/>
-          </a:p>
-        </p:txBody>
-      </p:sp>
-      <p:sp>
-        <p:nvSpPr>
-          <p:cNvPr id="4" name="Content Placeholder 3">
-            <a:extLst>
-              <a:ext uri="{FF2B5EF4-FFF2-40B4-BE49-F238E27FC236}">
-                <a16:creationId xmlns:a16="http://schemas.microsoft.com/office/drawing/2014/main" id="{92373597-057C-F4C2-D592-0CC8300DA6D8}"/>
-              </a:ext>
-            </a:extLst>
-          </p:cNvPr>
-          <p:cNvSpPr>
-            <a:spLocks noGrp="1"/>
-          </p:cNvSpPr>
-          <p:nvPr>
-            <p:ph sz="quarter" idx="13"/>
-          </p:nvPr>
-        </p:nvSpPr>
-        <p:spPr/>
-        <p:txBody>
-          <a:bodyPr/>
-          <a:lstStyle/>
-          <a:p>
-            <a:endParaRPr lang="en-US"/>
-          </a:p>
-        </p:txBody>
-      </p:sp>
-    </p:spTree>
-    <p:extLst>
-      <p:ext uri="{BB962C8B-B14F-4D97-AF65-F5344CB8AC3E}">
-        <p14:creationId xmlns:p14="http://schemas.microsoft.com/office/powerpoint/2010/main" val="1268232836"/>
-      </p:ext>
-    </p:extLst>
-  </p:cSld>
-  <p:clrMapOvr>
-    <a:masterClrMapping/>
-  </p:clrMapOvr>
-</p:sld>
-</file>
-
-<file path=ppt/slides/slide26.xml><?xml version="1.0" encoding="utf-8"?>
-<p:sld xmlns:a="http://schemas.openxmlformats.org/drawingml/2006/main" xmlns:r="http://schemas.openxmlformats.org/officeDocument/2006/relationships" xmlns:p="http://schemas.openxmlformats.org/presentationml/2006/main">
-  <p:cSld>
-    <p:spTree>
-      <p:nvGrpSpPr>
-        <p:cNvPr id="1" name=""/>
-        <p:cNvGrpSpPr/>
-        <p:nvPr/>
-      </p:nvGrpSpPr>
-      <p:grpSpPr>
-        <a:xfrm>
-          <a:off x="0" y="0"/>
-          <a:ext cx="0" cy="0"/>
-          <a:chOff x="0" y="0"/>
-          <a:chExt cx="0" cy="0"/>
-        </a:xfrm>
-      </p:grpSpPr>
-      <p:sp>
-        <p:nvSpPr>
-          <p:cNvPr id="2" name="Title 1">
-            <a:extLst>
-              <a:ext uri="{FF2B5EF4-FFF2-40B4-BE49-F238E27FC236}">
-                <a16:creationId xmlns:a16="http://schemas.microsoft.com/office/drawing/2014/main" id="{EF9B3AB5-95DF-4273-871C-843529DB7255}"/>
-              </a:ext>
-            </a:extLst>
-          </p:cNvPr>
-          <p:cNvSpPr>
-            <a:spLocks noGrp="1"/>
-          </p:cNvSpPr>
-          <p:nvPr>
-            <p:ph type="title"/>
-          </p:nvPr>
-        </p:nvSpPr>
-        <p:spPr/>
-        <p:txBody>
-          <a:bodyPr/>
-          <a:lstStyle/>
-          <a:p>
-            <a:r>
-              <a:rPr lang="en-US" dirty="0">
-                <a:latin typeface="Arial" panose="020B0604020202020204" pitchFamily="34" charset="0"/>
-                <a:cs typeface="Arial" panose="020B0604020202020204" pitchFamily="34" charset="0"/>
-              </a:rPr>
-              <a:t>Chapter 5: Design sensors module</a:t>
-            </a:r>
-            <a:endParaRPr lang="en-US" dirty="0"/>
-          </a:p>
-        </p:txBody>
-      </p:sp>
-      <p:sp>
-        <p:nvSpPr>
-          <p:cNvPr id="3" name="Content Placeholder 2">
-            <a:extLst>
-              <a:ext uri="{FF2B5EF4-FFF2-40B4-BE49-F238E27FC236}">
-                <a16:creationId xmlns:a16="http://schemas.microsoft.com/office/drawing/2014/main" id="{3573E091-9DCD-4DE7-96D1-A93E44E0F5B9}"/>
-              </a:ext>
-            </a:extLst>
-          </p:cNvPr>
-          <p:cNvSpPr>
-            <a:spLocks noGrp="1"/>
-          </p:cNvSpPr>
-          <p:nvPr>
-            <p:ph sz="quarter" idx="13"/>
-          </p:nvPr>
-        </p:nvSpPr>
-        <p:spPr>
-          <a:xfrm>
-            <a:off x="338736" y="933061"/>
-            <a:ext cx="11514528" cy="5034907"/>
-          </a:xfrm>
-        </p:spPr>
-        <p:txBody>
-          <a:bodyPr/>
-          <a:lstStyle/>
-          <a:p>
-            <a:pPr marL="0" indent="0">
-              <a:buNone/>
-            </a:pPr>
-            <a:r>
-              <a:rPr lang="en-US" sz="2000" b="1" dirty="0">
-                <a:latin typeface="Arial" panose="020B0604020202020204" pitchFamily="34" charset="0"/>
-                <a:cs typeface="Arial" panose="020B0604020202020204" pitchFamily="34" charset="0"/>
-              </a:rPr>
-              <a:t>V. Infrared sensor</a:t>
-            </a:r>
-          </a:p>
-          <a:p>
-            <a:pPr marL="0" indent="457200">
-              <a:lnSpc>
-                <a:spcPct val="150000"/>
-              </a:lnSpc>
-              <a:spcBef>
-                <a:spcPts val="0"/>
-              </a:spcBef>
-              <a:buFont typeface="Wingdings" panose="05000000000000000000" pitchFamily="2" charset="2"/>
-              <a:buChar char="§"/>
-            </a:pPr>
-            <a:r>
-              <a:rPr lang="en-US" sz="2000" b="1" dirty="0">
-                <a:latin typeface="Arial" panose="020B0604020202020204" pitchFamily="34" charset="0"/>
-                <a:cs typeface="Arial" panose="020B0604020202020204" pitchFamily="34" charset="0"/>
-              </a:rPr>
-              <a:t>Specifications</a:t>
-            </a:r>
-          </a:p>
-          <a:p>
-            <a:pPr marR="0" lvl="0">
-              <a:lnSpc>
-                <a:spcPct val="150000"/>
-              </a:lnSpc>
-              <a:spcBef>
-                <a:spcPts val="0"/>
-              </a:spcBef>
-            </a:pPr>
-            <a:r>
-              <a:rPr lang="en-US" sz="2000" dirty="0">
-                <a:solidFill>
-                  <a:srgbClr val="303030"/>
-                </a:solidFill>
-                <a:effectLst/>
-                <a:latin typeface="Arial" panose="020B0604020202020204" pitchFamily="34" charset="0"/>
-                <a:ea typeface="Times New Roman" panose="02020603050405020304" pitchFamily="18" charset="0"/>
-                <a:cs typeface="Arial" panose="020B0604020202020204" pitchFamily="34" charset="0"/>
-              </a:rPr>
-              <a:t>Comparator using </a:t>
-            </a:r>
-            <a:r>
-              <a:rPr lang="en-US" sz="2000" dirty="0" err="1">
-                <a:solidFill>
-                  <a:srgbClr val="303030"/>
-                </a:solidFill>
-                <a:effectLst/>
-                <a:latin typeface="Arial" panose="020B0604020202020204" pitchFamily="34" charset="0"/>
-                <a:ea typeface="Times New Roman" panose="02020603050405020304" pitchFamily="18" charset="0"/>
-                <a:cs typeface="Arial" panose="020B0604020202020204" pitchFamily="34" charset="0"/>
-              </a:rPr>
-              <a:t>LM393</a:t>
-            </a:r>
-            <a:r>
-              <a:rPr lang="en-US" sz="2000" dirty="0">
-                <a:solidFill>
-                  <a:srgbClr val="303030"/>
-                </a:solidFill>
-                <a:effectLst/>
-                <a:latin typeface="Arial" panose="020B0604020202020204" pitchFamily="34" charset="0"/>
-                <a:ea typeface="Times New Roman" panose="02020603050405020304" pitchFamily="18" charset="0"/>
-                <a:cs typeface="Arial" panose="020B0604020202020204" pitchFamily="34" charset="0"/>
-              </a:rPr>
-              <a:t>, stable working</a:t>
-            </a:r>
-          </a:p>
-          <a:p>
-            <a:pPr marR="0" lvl="0">
-              <a:lnSpc>
-                <a:spcPct val="150000"/>
-              </a:lnSpc>
-              <a:spcBef>
-                <a:spcPts val="0"/>
-              </a:spcBef>
-            </a:pPr>
-            <a:r>
-              <a:rPr lang="en-US" sz="2000" dirty="0">
-                <a:solidFill>
-                  <a:srgbClr val="303030"/>
-                </a:solidFill>
-                <a:effectLst/>
-                <a:latin typeface="Arial" panose="020B0604020202020204" pitchFamily="34" charset="0"/>
-                <a:ea typeface="Times New Roman" panose="02020603050405020304" pitchFamily="18" charset="0"/>
-                <a:cs typeface="Arial" panose="020B0604020202020204" pitchFamily="34" charset="0"/>
-              </a:rPr>
-              <a:t>Working voltage: </a:t>
-            </a:r>
-            <a:r>
-              <a:rPr lang="en-US" sz="2000" dirty="0" err="1">
-                <a:solidFill>
-                  <a:srgbClr val="303030"/>
-                </a:solidFill>
-                <a:effectLst/>
-                <a:latin typeface="Arial" panose="020B0604020202020204" pitchFamily="34" charset="0"/>
-                <a:ea typeface="Times New Roman" panose="02020603050405020304" pitchFamily="18" charset="0"/>
-                <a:cs typeface="Arial" panose="020B0604020202020204" pitchFamily="34" charset="0"/>
-              </a:rPr>
-              <a:t>3.3V</a:t>
-            </a:r>
-            <a:r>
-              <a:rPr lang="en-US" sz="2000" dirty="0">
-                <a:solidFill>
-                  <a:srgbClr val="303030"/>
-                </a:solidFill>
-                <a:effectLst/>
-                <a:latin typeface="Arial" panose="020B0604020202020204" pitchFamily="34" charset="0"/>
-                <a:ea typeface="Times New Roman" panose="02020603050405020304" pitchFamily="18" charset="0"/>
-                <a:cs typeface="Arial" panose="020B0604020202020204" pitchFamily="34" charset="0"/>
-              </a:rPr>
-              <a:t> – </a:t>
-            </a:r>
-            <a:r>
-              <a:rPr lang="en-US" sz="2000" dirty="0" err="1">
-                <a:solidFill>
-                  <a:srgbClr val="303030"/>
-                </a:solidFill>
-                <a:effectLst/>
-                <a:latin typeface="Arial" panose="020B0604020202020204" pitchFamily="34" charset="0"/>
-                <a:ea typeface="Times New Roman" panose="02020603050405020304" pitchFamily="18" charset="0"/>
-                <a:cs typeface="Arial" panose="020B0604020202020204" pitchFamily="34" charset="0"/>
-              </a:rPr>
-              <a:t>5V</a:t>
-            </a:r>
-            <a:r>
-              <a:rPr lang="en-US" sz="2000" dirty="0">
-                <a:solidFill>
-                  <a:srgbClr val="303030"/>
-                </a:solidFill>
-                <a:effectLst/>
-                <a:latin typeface="Arial" panose="020B0604020202020204" pitchFamily="34" charset="0"/>
-                <a:ea typeface="Times New Roman" panose="02020603050405020304" pitchFamily="18" charset="0"/>
-                <a:cs typeface="Arial" panose="020B0604020202020204" pitchFamily="34" charset="0"/>
-              </a:rPr>
-              <a:t> DC</a:t>
-            </a:r>
-          </a:p>
-          <a:p>
-            <a:pPr marR="0" lvl="0">
-              <a:lnSpc>
-                <a:spcPct val="150000"/>
-              </a:lnSpc>
-              <a:spcBef>
-                <a:spcPts val="0"/>
-              </a:spcBef>
-            </a:pPr>
-            <a:r>
-              <a:rPr lang="en-US" sz="2000" dirty="0">
-                <a:solidFill>
-                  <a:srgbClr val="303030"/>
-                </a:solidFill>
-                <a:effectLst/>
-                <a:latin typeface="Arial" panose="020B0604020202020204" pitchFamily="34" charset="0"/>
-                <a:ea typeface="Times New Roman" panose="02020603050405020304" pitchFamily="18" charset="0"/>
-                <a:cs typeface="Arial" panose="020B0604020202020204" pitchFamily="34" charset="0"/>
-              </a:rPr>
-              <a:t>When the power is on, the red power indicator light is on</a:t>
-            </a:r>
-          </a:p>
-          <a:p>
-            <a:pPr marR="0" lvl="0">
-              <a:lnSpc>
-                <a:spcPct val="150000"/>
-              </a:lnSpc>
-              <a:spcBef>
-                <a:spcPts val="0"/>
-              </a:spcBef>
-            </a:pPr>
-            <a:r>
-              <a:rPr lang="en-US" sz="2000" dirty="0" err="1">
-                <a:solidFill>
-                  <a:srgbClr val="303030"/>
-                </a:solidFill>
-                <a:effectLst/>
-                <a:latin typeface="Arial" panose="020B0604020202020204" pitchFamily="34" charset="0"/>
-                <a:ea typeface="Times New Roman" panose="02020603050405020304" pitchFamily="18" charset="0"/>
-                <a:cs typeface="Arial" panose="020B0604020202020204" pitchFamily="34" charset="0"/>
-              </a:rPr>
-              <a:t>3mm</a:t>
-            </a:r>
-            <a:r>
-              <a:rPr lang="en-US" sz="2000" dirty="0">
-                <a:solidFill>
-                  <a:srgbClr val="303030"/>
-                </a:solidFill>
-                <a:effectLst/>
-                <a:latin typeface="Arial" panose="020B0604020202020204" pitchFamily="34" charset="0"/>
-                <a:ea typeface="Times New Roman" panose="02020603050405020304" pitchFamily="18" charset="0"/>
-                <a:cs typeface="Arial" panose="020B0604020202020204" pitchFamily="34" charset="0"/>
-              </a:rPr>
-              <a:t> screw hole, easy to fix, install</a:t>
-            </a:r>
-          </a:p>
-          <a:p>
-            <a:pPr marR="0" lvl="0">
-              <a:lnSpc>
-                <a:spcPct val="150000"/>
-              </a:lnSpc>
-              <a:spcBef>
-                <a:spcPts val="0"/>
-              </a:spcBef>
-            </a:pPr>
-            <a:r>
-              <a:rPr lang="en-US" sz="2000" dirty="0">
-                <a:solidFill>
-                  <a:srgbClr val="303030"/>
-                </a:solidFill>
-                <a:effectLst/>
-                <a:latin typeface="Arial" panose="020B0604020202020204" pitchFamily="34" charset="0"/>
-                <a:ea typeface="Times New Roman" panose="02020603050405020304" pitchFamily="18" charset="0"/>
-                <a:cs typeface="Arial" panose="020B0604020202020204" pitchFamily="34" charset="0"/>
-              </a:rPr>
-              <a:t>Size: </a:t>
-            </a:r>
-            <a:r>
-              <a:rPr lang="en-US" sz="2000" dirty="0" err="1">
-                <a:solidFill>
-                  <a:srgbClr val="303030"/>
-                </a:solidFill>
-                <a:effectLst/>
-                <a:latin typeface="Arial" panose="020B0604020202020204" pitchFamily="34" charset="0"/>
-                <a:ea typeface="Times New Roman" panose="02020603050405020304" pitchFamily="18" charset="0"/>
-                <a:cs typeface="Arial" panose="020B0604020202020204" pitchFamily="34" charset="0"/>
-              </a:rPr>
-              <a:t>3.2cm</a:t>
-            </a:r>
-            <a:r>
-              <a:rPr lang="en-US" sz="2000" dirty="0">
-                <a:solidFill>
-                  <a:srgbClr val="303030"/>
-                </a:solidFill>
-                <a:effectLst/>
-                <a:latin typeface="Arial" panose="020B0604020202020204" pitchFamily="34" charset="0"/>
-                <a:ea typeface="Times New Roman" panose="02020603050405020304" pitchFamily="18" charset="0"/>
-                <a:cs typeface="Arial" panose="020B0604020202020204" pitchFamily="34" charset="0"/>
-              </a:rPr>
-              <a:t> * </a:t>
-            </a:r>
-            <a:r>
-              <a:rPr lang="en-US" sz="2000" dirty="0" err="1">
-                <a:solidFill>
-                  <a:srgbClr val="303030"/>
-                </a:solidFill>
-                <a:effectLst/>
-                <a:latin typeface="Arial" panose="020B0604020202020204" pitchFamily="34" charset="0"/>
-                <a:ea typeface="Times New Roman" panose="02020603050405020304" pitchFamily="18" charset="0"/>
-                <a:cs typeface="Arial" panose="020B0604020202020204" pitchFamily="34" charset="0"/>
-              </a:rPr>
-              <a:t>1.4cm</a:t>
-            </a:r>
-            <a:endParaRPr lang="en-US" sz="2000" dirty="0">
-              <a:solidFill>
-                <a:srgbClr val="303030"/>
-              </a:solidFill>
-              <a:effectLst/>
-              <a:latin typeface="Arial" panose="020B0604020202020204" pitchFamily="34" charset="0"/>
-              <a:ea typeface="Times New Roman" panose="02020603050405020304" pitchFamily="18" charset="0"/>
-              <a:cs typeface="Arial" panose="020B0604020202020204" pitchFamily="34" charset="0"/>
-            </a:endParaRPr>
-          </a:p>
-          <a:p>
-            <a:pPr marL="0" marR="0" lvl="0" indent="457200">
-              <a:lnSpc>
-                <a:spcPct val="150000"/>
-              </a:lnSpc>
-              <a:spcBef>
-                <a:spcPts val="0"/>
-              </a:spcBef>
-              <a:buFont typeface="Wingdings" panose="05000000000000000000" pitchFamily="2" charset="2"/>
-              <a:buChar char="§"/>
-            </a:pPr>
-            <a:r>
-              <a:rPr lang="en-US" sz="2000" b="1" dirty="0">
-                <a:solidFill>
-                  <a:srgbClr val="303030"/>
-                </a:solidFill>
-                <a:latin typeface="Arial" panose="020B0604020202020204" pitchFamily="34" charset="0"/>
-                <a:ea typeface="Calibri" panose="020F0502020204030204" pitchFamily="34" charset="0"/>
-                <a:cs typeface="Arial" panose="020B0604020202020204" pitchFamily="34" charset="0"/>
-              </a:rPr>
-              <a:t>Application in the system</a:t>
-            </a:r>
-          </a:p>
-          <a:p>
-            <a:pPr marR="0" lvl="0">
-              <a:lnSpc>
-                <a:spcPct val="150000"/>
-              </a:lnSpc>
-              <a:spcBef>
-                <a:spcPts val="0"/>
-              </a:spcBef>
-            </a:pPr>
-            <a:r>
-              <a:rPr lang="en-US" sz="2000" dirty="0">
-                <a:solidFill>
-                  <a:srgbClr val="303030"/>
-                </a:solidFill>
-                <a:latin typeface="Arial" panose="020B0604020202020204" pitchFamily="34" charset="0"/>
-                <a:ea typeface="Calibri" panose="020F0502020204030204" pitchFamily="34" charset="0"/>
-                <a:cs typeface="Arial" panose="020B0604020202020204" pitchFamily="34" charset="0"/>
-              </a:rPr>
-              <a:t>Living room</a:t>
-            </a:r>
-            <a:endParaRPr lang="en-US" sz="2000" dirty="0">
-              <a:latin typeface="Arial" panose="020B0604020202020204" pitchFamily="34" charset="0"/>
-              <a:cs typeface="Arial" panose="020B0604020202020204" pitchFamily="34" charset="0"/>
-            </a:endParaRPr>
-          </a:p>
-        </p:txBody>
-      </p:sp>
-      <p:sp>
-        <p:nvSpPr>
-          <p:cNvPr id="4" name="Slide Number Placeholder 3">
-            <a:extLst>
-              <a:ext uri="{FF2B5EF4-FFF2-40B4-BE49-F238E27FC236}">
-                <a16:creationId xmlns:a16="http://schemas.microsoft.com/office/drawing/2014/main" id="{6CAB879D-D188-4DA3-8675-F8BCF379A12E}"/>
-              </a:ext>
-            </a:extLst>
-          </p:cNvPr>
-          <p:cNvSpPr>
-            <a:spLocks noGrp="1"/>
-          </p:cNvSpPr>
-          <p:nvPr>
-            <p:ph type="sldNum" sz="quarter" idx="12"/>
-          </p:nvPr>
-        </p:nvSpPr>
-        <p:spPr/>
-        <p:txBody>
-          <a:bodyPr/>
-          <a:lstStyle/>
-          <a:p>
-            <a:fld id="{9EA0BE3B-158A-4EDF-80DC-E394A0D1600F}" type="slidenum">
-              <a:rPr lang="en-US" smtClean="0"/>
-              <a:pPr/>
-              <a:t>26</a:t>
-            </a:fld>
-            <a:endParaRPr lang="en-US" dirty="0"/>
-          </a:p>
-        </p:txBody>
-      </p:sp>
-      <p:sp>
-        <p:nvSpPr>
-          <p:cNvPr id="6" name="TextBox 5">
-            <a:extLst>
-              <a:ext uri="{FF2B5EF4-FFF2-40B4-BE49-F238E27FC236}">
-                <a16:creationId xmlns:a16="http://schemas.microsoft.com/office/drawing/2014/main" id="{0E480320-39C8-725D-75BB-319B69AEBDFB}"/>
-              </a:ext>
-            </a:extLst>
-          </p:cNvPr>
-          <p:cNvSpPr txBox="1"/>
-          <p:nvPr/>
-        </p:nvSpPr>
-        <p:spPr>
-          <a:xfrm>
-            <a:off x="9359875" y="5319960"/>
-            <a:ext cx="2527325" cy="369332"/>
-          </a:xfrm>
-          <a:prstGeom prst="rect">
-            <a:avLst/>
-          </a:prstGeom>
-          <a:noFill/>
-        </p:spPr>
-        <p:txBody>
-          <a:bodyPr wrap="square" rtlCol="0">
-            <a:spAutoFit/>
-          </a:bodyPr>
-          <a:lstStyle/>
-          <a:p>
-            <a:pPr algn="ctr"/>
-            <a:r>
-              <a:rPr lang="en-US" u="sng" dirty="0"/>
-              <a:t>Infrared sensor</a:t>
-            </a:r>
-          </a:p>
-        </p:txBody>
-      </p:sp>
-      <p:pic>
-        <p:nvPicPr>
-          <p:cNvPr id="7" name="Picture 6" descr="Cảm Biến Vật Cản Hồng Ngoại">
-            <a:extLst>
-              <a:ext uri="{FF2B5EF4-FFF2-40B4-BE49-F238E27FC236}">
-                <a16:creationId xmlns:a16="http://schemas.microsoft.com/office/drawing/2014/main" id="{FB7F0AB1-ECF3-1775-9354-537305021B6C}"/>
-              </a:ext>
-            </a:extLst>
-          </p:cNvPr>
-          <p:cNvPicPr>
-            <a:picLocks noChangeAspect="1"/>
-          </p:cNvPicPr>
-          <p:nvPr/>
-        </p:nvPicPr>
-        <p:blipFill>
-          <a:blip r:embed="rId2">
-            <a:extLst>
-              <a:ext uri="{28A0092B-C50C-407E-A947-70E740481C1C}">
-                <a14:useLocalDpi xmlns:a14="http://schemas.microsoft.com/office/drawing/2010/main" val="0"/>
-              </a:ext>
-            </a:extLst>
-          </a:blip>
-          <a:srcRect/>
-          <a:stretch>
-            <a:fillRect/>
-          </a:stretch>
-        </p:blipFill>
-        <p:spPr bwMode="auto">
-          <a:xfrm rot="5400000">
-            <a:off x="8643689" y="2190044"/>
-            <a:ext cx="4309110" cy="1795145"/>
-          </a:xfrm>
-          <a:prstGeom prst="rect">
-            <a:avLst/>
-          </a:prstGeom>
-          <a:noFill/>
-          <a:ln>
-            <a:noFill/>
-          </a:ln>
-        </p:spPr>
-      </p:pic>
-    </p:spTree>
-    <p:extLst>
-      <p:ext uri="{BB962C8B-B14F-4D97-AF65-F5344CB8AC3E}">
-        <p14:creationId xmlns:p14="http://schemas.microsoft.com/office/powerpoint/2010/main" val="3877404178"/>
-      </p:ext>
-    </p:extLst>
-  </p:cSld>
-  <p:clrMapOvr>
-    <a:masterClrMapping/>
-  </p:clrMapOvr>
-</p:sld>
-</file>
-
-<file path=ppt/slides/slide27.xml><?xml version="1.0" encoding="utf-8"?>
-<p:sld xmlns:a="http://schemas.openxmlformats.org/drawingml/2006/main" xmlns:r="http://schemas.openxmlformats.org/officeDocument/2006/relationships" xmlns:p="http://schemas.openxmlformats.org/presentationml/2006/main">
-  <p:cSld>
-    <p:spTree>
-      <p:nvGrpSpPr>
-        <p:cNvPr id="1" name=""/>
-        <p:cNvGrpSpPr/>
-        <p:nvPr/>
-      </p:nvGrpSpPr>
-      <p:grpSpPr>
-        <a:xfrm>
-          <a:off x="0" y="0"/>
-          <a:ext cx="0" cy="0"/>
-          <a:chOff x="0" y="0"/>
-          <a:chExt cx="0" cy="0"/>
-        </a:xfrm>
-      </p:grpSpPr>
-      <p:sp>
-        <p:nvSpPr>
-          <p:cNvPr id="2" name="Title 1">
-            <a:extLst>
-              <a:ext uri="{FF2B5EF4-FFF2-40B4-BE49-F238E27FC236}">
-                <a16:creationId xmlns:a16="http://schemas.microsoft.com/office/drawing/2014/main" id="{EF9B3AB5-95DF-4273-871C-843529DB7255}"/>
-              </a:ext>
-            </a:extLst>
-          </p:cNvPr>
-          <p:cNvSpPr>
-            <a:spLocks noGrp="1"/>
-          </p:cNvSpPr>
-          <p:nvPr>
-            <p:ph type="title"/>
-          </p:nvPr>
-        </p:nvSpPr>
-        <p:spPr/>
-        <p:txBody>
-          <a:bodyPr/>
-          <a:lstStyle/>
-          <a:p>
-            <a:r>
-              <a:rPr lang="en-US" dirty="0">
-                <a:latin typeface="Arial" panose="020B0604020202020204" pitchFamily="34" charset="0"/>
-                <a:cs typeface="Arial" panose="020B0604020202020204" pitchFamily="34" charset="0"/>
-              </a:rPr>
-              <a:t>Chapter 5: Design sensors module</a:t>
-            </a:r>
-            <a:endParaRPr lang="en-US" dirty="0"/>
-          </a:p>
-        </p:txBody>
-      </p:sp>
-      <p:sp>
-        <p:nvSpPr>
-          <p:cNvPr id="3" name="Content Placeholder 2">
-            <a:extLst>
-              <a:ext uri="{FF2B5EF4-FFF2-40B4-BE49-F238E27FC236}">
-                <a16:creationId xmlns:a16="http://schemas.microsoft.com/office/drawing/2014/main" id="{3573E091-9DCD-4DE7-96D1-A93E44E0F5B9}"/>
-              </a:ext>
-            </a:extLst>
-          </p:cNvPr>
-          <p:cNvSpPr>
-            <a:spLocks noGrp="1"/>
-          </p:cNvSpPr>
-          <p:nvPr>
-            <p:ph sz="quarter" idx="13"/>
-          </p:nvPr>
-        </p:nvSpPr>
-        <p:spPr>
-          <a:xfrm>
-            <a:off x="338736" y="933061"/>
-            <a:ext cx="11514528" cy="5034907"/>
-          </a:xfrm>
-        </p:spPr>
-        <p:txBody>
-          <a:bodyPr/>
-          <a:lstStyle/>
-          <a:p>
-            <a:pPr marL="0" indent="0">
-              <a:buNone/>
-            </a:pPr>
-            <a:r>
-              <a:rPr lang="en-US" sz="2000" b="1" dirty="0">
-                <a:latin typeface="Arial" panose="020B0604020202020204" pitchFamily="34" charset="0"/>
-                <a:cs typeface="Arial" panose="020B0604020202020204" pitchFamily="34" charset="0"/>
-              </a:rPr>
-              <a:t>VI. Light sensor</a:t>
-            </a:r>
-          </a:p>
-          <a:p>
-            <a:pPr marL="0" indent="457200">
-              <a:lnSpc>
-                <a:spcPct val="150000"/>
-              </a:lnSpc>
-              <a:spcBef>
-                <a:spcPts val="0"/>
-              </a:spcBef>
-              <a:buFont typeface="Wingdings" panose="05000000000000000000" pitchFamily="2" charset="2"/>
-              <a:buChar char="§"/>
-            </a:pPr>
-            <a:r>
-              <a:rPr lang="en-US" sz="2000" b="1" dirty="0">
-                <a:latin typeface="Arial" panose="020B0604020202020204" pitchFamily="34" charset="0"/>
-                <a:cs typeface="Arial" panose="020B0604020202020204" pitchFamily="34" charset="0"/>
-              </a:rPr>
-              <a:t>Specifications</a:t>
-            </a:r>
-          </a:p>
-          <a:p>
-            <a:pPr marR="0" lvl="0">
-              <a:lnSpc>
-                <a:spcPct val="150000"/>
-              </a:lnSpc>
-              <a:spcBef>
-                <a:spcPts val="0"/>
-              </a:spcBef>
-            </a:pPr>
-            <a:r>
-              <a:rPr lang="en-US" sz="2000" dirty="0">
-                <a:solidFill>
-                  <a:srgbClr val="303030"/>
-                </a:solidFill>
-                <a:effectLst/>
-                <a:latin typeface="Arial" panose="020B0604020202020204" pitchFamily="34" charset="0"/>
-                <a:ea typeface="Times New Roman" panose="02020603050405020304" pitchFamily="18" charset="0"/>
-                <a:cs typeface="Arial" panose="020B0604020202020204" pitchFamily="34" charset="0"/>
-              </a:rPr>
-              <a:t>Operating voltage: </a:t>
-            </a:r>
-            <a:r>
-              <a:rPr lang="en-US" sz="2000" dirty="0" err="1">
-                <a:solidFill>
-                  <a:srgbClr val="303030"/>
-                </a:solidFill>
-                <a:effectLst/>
-                <a:latin typeface="Arial" panose="020B0604020202020204" pitchFamily="34" charset="0"/>
-                <a:ea typeface="Times New Roman" panose="02020603050405020304" pitchFamily="18" charset="0"/>
-                <a:cs typeface="Arial" panose="020B0604020202020204" pitchFamily="34" charset="0"/>
-              </a:rPr>
-              <a:t>3.3V-5V</a:t>
-            </a:r>
-            <a:endParaRPr lang="en-US" sz="2000" dirty="0">
-              <a:solidFill>
-                <a:srgbClr val="303030"/>
-              </a:solidFill>
-              <a:effectLst/>
-              <a:latin typeface="Arial" panose="020B0604020202020204" pitchFamily="34" charset="0"/>
-              <a:ea typeface="Times New Roman" panose="02020603050405020304" pitchFamily="18" charset="0"/>
-              <a:cs typeface="Arial" panose="020B0604020202020204" pitchFamily="34" charset="0"/>
-            </a:endParaRPr>
-          </a:p>
-          <a:p>
-            <a:pPr marR="0" lvl="0">
-              <a:lnSpc>
-                <a:spcPct val="150000"/>
-              </a:lnSpc>
-              <a:spcBef>
-                <a:spcPts val="0"/>
-              </a:spcBef>
-            </a:pPr>
-            <a:r>
-              <a:rPr lang="en-US" sz="2000" dirty="0">
-                <a:solidFill>
-                  <a:srgbClr val="303030"/>
-                </a:solidFill>
-                <a:effectLst/>
-                <a:latin typeface="Arial" panose="020B0604020202020204" pitchFamily="34" charset="0"/>
-                <a:ea typeface="Times New Roman" panose="02020603050405020304" pitchFamily="18" charset="0"/>
-                <a:cs typeface="Arial" panose="020B0604020202020204" pitchFamily="34" charset="0"/>
-              </a:rPr>
-              <a:t>PCB Size: </a:t>
-            </a:r>
-            <a:r>
-              <a:rPr lang="en-US" sz="2000" dirty="0" err="1">
-                <a:solidFill>
-                  <a:srgbClr val="303030"/>
-                </a:solidFill>
-                <a:effectLst/>
-                <a:latin typeface="Arial" panose="020B0604020202020204" pitchFamily="34" charset="0"/>
-                <a:ea typeface="Times New Roman" panose="02020603050405020304" pitchFamily="18" charset="0"/>
-                <a:cs typeface="Arial" panose="020B0604020202020204" pitchFamily="34" charset="0"/>
-              </a:rPr>
-              <a:t>3cm</a:t>
-            </a:r>
-            <a:r>
-              <a:rPr lang="en-US" sz="2000" dirty="0">
-                <a:solidFill>
-                  <a:srgbClr val="303030"/>
-                </a:solidFill>
-                <a:effectLst/>
-                <a:latin typeface="Arial" panose="020B0604020202020204" pitchFamily="34" charset="0"/>
-                <a:ea typeface="Times New Roman" panose="02020603050405020304" pitchFamily="18" charset="0"/>
-                <a:cs typeface="Arial" panose="020B0604020202020204" pitchFamily="34" charset="0"/>
-              </a:rPr>
-              <a:t>*</a:t>
-            </a:r>
-            <a:r>
-              <a:rPr lang="en-US" sz="2000" dirty="0" err="1">
-                <a:solidFill>
-                  <a:srgbClr val="303030"/>
-                </a:solidFill>
-                <a:effectLst/>
-                <a:latin typeface="Arial" panose="020B0604020202020204" pitchFamily="34" charset="0"/>
-                <a:ea typeface="Times New Roman" panose="02020603050405020304" pitchFamily="18" charset="0"/>
-                <a:cs typeface="Arial" panose="020B0604020202020204" pitchFamily="34" charset="0"/>
-              </a:rPr>
-              <a:t>1.6cm</a:t>
-            </a:r>
-            <a:endParaRPr lang="en-US" sz="2000" dirty="0">
-              <a:solidFill>
-                <a:srgbClr val="303030"/>
-              </a:solidFill>
-              <a:effectLst/>
-              <a:latin typeface="Arial" panose="020B0604020202020204" pitchFamily="34" charset="0"/>
-              <a:ea typeface="Times New Roman" panose="02020603050405020304" pitchFamily="18" charset="0"/>
-              <a:cs typeface="Arial" panose="020B0604020202020204" pitchFamily="34" charset="0"/>
-            </a:endParaRPr>
-          </a:p>
-          <a:p>
-            <a:pPr marR="0" lvl="0">
-              <a:lnSpc>
-                <a:spcPct val="150000"/>
-              </a:lnSpc>
-              <a:spcBef>
-                <a:spcPts val="0"/>
-              </a:spcBef>
-            </a:pPr>
-            <a:r>
-              <a:rPr lang="en-US" sz="2000" dirty="0">
-                <a:solidFill>
-                  <a:srgbClr val="303030"/>
-                </a:solidFill>
-                <a:effectLst/>
-                <a:latin typeface="Arial" panose="020B0604020202020204" pitchFamily="34" charset="0"/>
-                <a:ea typeface="Times New Roman" panose="02020603050405020304" pitchFamily="18" charset="0"/>
-                <a:cs typeface="Arial" panose="020B0604020202020204" pitchFamily="34" charset="0"/>
-              </a:rPr>
-              <a:t>Green LED indicates power and light</a:t>
-            </a:r>
-          </a:p>
-          <a:p>
-            <a:pPr marR="0" lvl="0">
-              <a:lnSpc>
-                <a:spcPct val="150000"/>
-              </a:lnSpc>
-              <a:spcBef>
-                <a:spcPts val="0"/>
-              </a:spcBef>
-            </a:pPr>
-            <a:r>
-              <a:rPr lang="en-US" sz="2000" dirty="0">
-                <a:solidFill>
-                  <a:srgbClr val="303030"/>
-                </a:solidFill>
-                <a:effectLst/>
-                <a:latin typeface="Arial" panose="020B0604020202020204" pitchFamily="34" charset="0"/>
-                <a:ea typeface="Times New Roman" panose="02020603050405020304" pitchFamily="18" charset="0"/>
-                <a:cs typeface="Arial" panose="020B0604020202020204" pitchFamily="34" charset="0"/>
-              </a:rPr>
-              <a:t>Comparator IC: </a:t>
-            </a:r>
-            <a:r>
-              <a:rPr lang="en-US" sz="2000" dirty="0" err="1">
-                <a:solidFill>
-                  <a:srgbClr val="303030"/>
-                </a:solidFill>
-                <a:effectLst/>
-                <a:latin typeface="Arial" panose="020B0604020202020204" pitchFamily="34" charset="0"/>
-                <a:ea typeface="Times New Roman" panose="02020603050405020304" pitchFamily="18" charset="0"/>
-                <a:cs typeface="Arial" panose="020B0604020202020204" pitchFamily="34" charset="0"/>
-              </a:rPr>
-              <a:t>LM393</a:t>
-            </a:r>
-            <a:endParaRPr lang="en-US" sz="2000" dirty="0">
-              <a:solidFill>
-                <a:srgbClr val="303030"/>
-              </a:solidFill>
-              <a:effectLst/>
-              <a:latin typeface="Arial" panose="020B0604020202020204" pitchFamily="34" charset="0"/>
-              <a:ea typeface="Times New Roman" panose="02020603050405020304" pitchFamily="18" charset="0"/>
-              <a:cs typeface="Arial" panose="020B0604020202020204" pitchFamily="34" charset="0"/>
-            </a:endParaRPr>
-          </a:p>
-          <a:p>
-            <a:pPr marR="0" lvl="0">
-              <a:lnSpc>
-                <a:spcPct val="150000"/>
-              </a:lnSpc>
-              <a:spcBef>
-                <a:spcPts val="0"/>
-              </a:spcBef>
-            </a:pPr>
-            <a:r>
-              <a:rPr lang="en-US" sz="2000" dirty="0">
-                <a:solidFill>
-                  <a:srgbClr val="303030"/>
-                </a:solidFill>
-                <a:effectLst/>
-                <a:latin typeface="Arial" panose="020B0604020202020204" pitchFamily="34" charset="0"/>
-                <a:ea typeface="Times New Roman" panose="02020603050405020304" pitchFamily="18" charset="0"/>
-                <a:cs typeface="Arial" panose="020B0604020202020204" pitchFamily="34" charset="0"/>
-              </a:rPr>
-              <a:t>DO: Digital signal output (0 and 1)</a:t>
-            </a:r>
-          </a:p>
-          <a:p>
-            <a:pPr marR="0" lvl="0">
-              <a:lnSpc>
-                <a:spcPct val="150000"/>
-              </a:lnSpc>
-              <a:spcBef>
-                <a:spcPts val="0"/>
-              </a:spcBef>
-            </a:pPr>
-            <a:r>
-              <a:rPr lang="en-US" sz="2000" dirty="0">
-                <a:solidFill>
-                  <a:srgbClr val="303030"/>
-                </a:solidFill>
-                <a:effectLst/>
-                <a:latin typeface="Arial" panose="020B0604020202020204" pitchFamily="34" charset="0"/>
-                <a:ea typeface="Times New Roman" panose="02020603050405020304" pitchFamily="18" charset="0"/>
-                <a:cs typeface="Arial" panose="020B0604020202020204" pitchFamily="34" charset="0"/>
-              </a:rPr>
-              <a:t>AO: Analog Output (Analog signal)</a:t>
-            </a:r>
-          </a:p>
-          <a:p>
-            <a:pPr marL="0" marR="0" lvl="0" indent="457200">
-              <a:lnSpc>
-                <a:spcPct val="150000"/>
-              </a:lnSpc>
-              <a:spcBef>
-                <a:spcPts val="0"/>
-              </a:spcBef>
-              <a:buFont typeface="Wingdings" panose="05000000000000000000" pitchFamily="2" charset="2"/>
-              <a:buChar char="§"/>
-            </a:pPr>
-            <a:r>
-              <a:rPr lang="en-US" sz="2000" b="1" dirty="0">
-                <a:solidFill>
-                  <a:srgbClr val="303030"/>
-                </a:solidFill>
-                <a:latin typeface="Arial" panose="020B0604020202020204" pitchFamily="34" charset="0"/>
-                <a:ea typeface="Calibri" panose="020F0502020204030204" pitchFamily="34" charset="0"/>
-                <a:cs typeface="Arial" panose="020B0604020202020204" pitchFamily="34" charset="0"/>
-              </a:rPr>
-              <a:t>Application in the system</a:t>
-            </a:r>
-          </a:p>
-          <a:p>
-            <a:pPr marR="0" lvl="0">
-              <a:lnSpc>
-                <a:spcPct val="150000"/>
-              </a:lnSpc>
-              <a:spcBef>
-                <a:spcPts val="0"/>
-              </a:spcBef>
-            </a:pPr>
-            <a:r>
-              <a:rPr lang="en-US" sz="2000" dirty="0">
-                <a:solidFill>
-                  <a:srgbClr val="303030"/>
-                </a:solidFill>
-                <a:latin typeface="Arial" panose="020B0604020202020204" pitchFamily="34" charset="0"/>
-                <a:cs typeface="Arial" panose="020B0604020202020204" pitchFamily="34" charset="0"/>
-              </a:rPr>
-              <a:t>Living room, bedroom</a:t>
-            </a:r>
-            <a:endParaRPr lang="en-US" sz="2000" dirty="0">
-              <a:latin typeface="Arial" panose="020B0604020202020204" pitchFamily="34" charset="0"/>
-              <a:cs typeface="Arial" panose="020B0604020202020204" pitchFamily="34" charset="0"/>
-            </a:endParaRPr>
-          </a:p>
-        </p:txBody>
-      </p:sp>
-      <p:sp>
-        <p:nvSpPr>
-          <p:cNvPr id="4" name="Slide Number Placeholder 3">
-            <a:extLst>
-              <a:ext uri="{FF2B5EF4-FFF2-40B4-BE49-F238E27FC236}">
-                <a16:creationId xmlns:a16="http://schemas.microsoft.com/office/drawing/2014/main" id="{6CAB879D-D188-4DA3-8675-F8BCF379A12E}"/>
-              </a:ext>
-            </a:extLst>
-          </p:cNvPr>
-          <p:cNvSpPr>
-            <a:spLocks noGrp="1"/>
-          </p:cNvSpPr>
-          <p:nvPr>
-            <p:ph type="sldNum" sz="quarter" idx="12"/>
-          </p:nvPr>
-        </p:nvSpPr>
-        <p:spPr/>
-        <p:txBody>
-          <a:bodyPr/>
-          <a:lstStyle/>
-          <a:p>
-            <a:fld id="{9EA0BE3B-158A-4EDF-80DC-E394A0D1600F}" type="slidenum">
-              <a:rPr lang="en-US" smtClean="0"/>
-              <a:pPr/>
-              <a:t>27</a:t>
-            </a:fld>
-            <a:endParaRPr lang="en-US" dirty="0"/>
-          </a:p>
-        </p:txBody>
-      </p:sp>
-      <p:sp>
-        <p:nvSpPr>
-          <p:cNvPr id="6" name="TextBox 5">
-            <a:extLst>
-              <a:ext uri="{FF2B5EF4-FFF2-40B4-BE49-F238E27FC236}">
-                <a16:creationId xmlns:a16="http://schemas.microsoft.com/office/drawing/2014/main" id="{0E480320-39C8-725D-75BB-319B69AEBDFB}"/>
-              </a:ext>
-            </a:extLst>
-          </p:cNvPr>
-          <p:cNvSpPr txBox="1"/>
-          <p:nvPr/>
-        </p:nvSpPr>
-        <p:spPr>
-          <a:xfrm>
-            <a:off x="9372386" y="4893492"/>
-            <a:ext cx="2527325" cy="369332"/>
-          </a:xfrm>
-          <a:prstGeom prst="rect">
-            <a:avLst/>
-          </a:prstGeom>
-          <a:noFill/>
-        </p:spPr>
-        <p:txBody>
-          <a:bodyPr wrap="square" rtlCol="0">
-            <a:spAutoFit/>
-          </a:bodyPr>
-          <a:lstStyle/>
-          <a:p>
-            <a:pPr algn="ctr"/>
-            <a:r>
-              <a:rPr lang="en-US" u="sng" dirty="0"/>
-              <a:t>Light sensor</a:t>
-            </a:r>
-          </a:p>
-        </p:txBody>
-      </p:sp>
-      <p:pic>
-        <p:nvPicPr>
-          <p:cNvPr id="5" name="Picture 4" descr="Module-cảm-biến-ánh-sáng">
-            <a:extLst>
-              <a:ext uri="{FF2B5EF4-FFF2-40B4-BE49-F238E27FC236}">
-                <a16:creationId xmlns:a16="http://schemas.microsoft.com/office/drawing/2014/main" id="{8722A9BF-8D8F-76A4-5085-B7B25009302D}"/>
-              </a:ext>
-            </a:extLst>
-          </p:cNvPr>
-          <p:cNvPicPr>
-            <a:picLocks noChangeAspect="1"/>
-          </p:cNvPicPr>
-          <p:nvPr/>
-        </p:nvPicPr>
-        <p:blipFill>
-          <a:blip r:embed="rId2" cstate="print">
-            <a:extLst>
-              <a:ext uri="{28A0092B-C50C-407E-A947-70E740481C1C}">
-                <a14:useLocalDpi xmlns:a14="http://schemas.microsoft.com/office/drawing/2010/main" val="0"/>
-              </a:ext>
-            </a:extLst>
-          </a:blip>
-          <a:srcRect/>
-          <a:stretch>
-            <a:fillRect/>
-          </a:stretch>
-        </p:blipFill>
-        <p:spPr bwMode="auto">
-          <a:xfrm>
-            <a:off x="9255967" y="1679510"/>
-            <a:ext cx="2643744" cy="2836865"/>
-          </a:xfrm>
-          <a:prstGeom prst="rect">
-            <a:avLst/>
-          </a:prstGeom>
-          <a:noFill/>
-          <a:ln>
-            <a:noFill/>
-          </a:ln>
-        </p:spPr>
-      </p:pic>
-    </p:spTree>
-    <p:extLst>
-      <p:ext uri="{BB962C8B-B14F-4D97-AF65-F5344CB8AC3E}">
-        <p14:creationId xmlns:p14="http://schemas.microsoft.com/office/powerpoint/2010/main" val="2167936128"/>
-      </p:ext>
-    </p:extLst>
-  </p:cSld>
-  <p:clrMapOvr>
-    <a:masterClrMapping/>
-  </p:clrMapOvr>
-</p:sld>
-</file>
-
-<file path=ppt/slides/slide28.xml><?xml version="1.0" encoding="utf-8"?>
-<p:sld xmlns:a="http://schemas.openxmlformats.org/drawingml/2006/main" xmlns:r="http://schemas.openxmlformats.org/officeDocument/2006/relationships" xmlns:p="http://schemas.openxmlformats.org/presentationml/2006/main">
-  <p:cSld>
-    <p:spTree>
-      <p:nvGrpSpPr>
-        <p:cNvPr id="1" name=""/>
-        <p:cNvGrpSpPr/>
-        <p:nvPr/>
-      </p:nvGrpSpPr>
-      <p:grpSpPr>
-        <a:xfrm>
-          <a:off x="0" y="0"/>
-          <a:ext cx="0" cy="0"/>
-          <a:chOff x="0" y="0"/>
-          <a:chExt cx="0" cy="0"/>
-        </a:xfrm>
-      </p:grpSpPr>
-      <p:sp>
-        <p:nvSpPr>
-          <p:cNvPr id="2" name="Title 1">
-            <a:extLst>
-              <a:ext uri="{FF2B5EF4-FFF2-40B4-BE49-F238E27FC236}">
-                <a16:creationId xmlns:a16="http://schemas.microsoft.com/office/drawing/2014/main" id="{EF9B3AB5-95DF-4273-871C-843529DB7255}"/>
-              </a:ext>
-            </a:extLst>
-          </p:cNvPr>
-          <p:cNvSpPr>
-            <a:spLocks noGrp="1"/>
-          </p:cNvSpPr>
-          <p:nvPr>
-            <p:ph type="title"/>
-          </p:nvPr>
-        </p:nvSpPr>
-        <p:spPr/>
-        <p:txBody>
-          <a:bodyPr/>
-          <a:lstStyle/>
-          <a:p>
-            <a:r>
-              <a:rPr lang="en-US" dirty="0">
-                <a:latin typeface="Arial" panose="020B0604020202020204" pitchFamily="34" charset="0"/>
-                <a:cs typeface="Arial" panose="020B0604020202020204" pitchFamily="34" charset="0"/>
-              </a:rPr>
-              <a:t>Chapter 5: Design sensors module</a:t>
-            </a:r>
-            <a:endParaRPr lang="en-US" dirty="0"/>
-          </a:p>
-        </p:txBody>
-      </p:sp>
-      <p:sp>
-        <p:nvSpPr>
-          <p:cNvPr id="3" name="Content Placeholder 2">
-            <a:extLst>
-              <a:ext uri="{FF2B5EF4-FFF2-40B4-BE49-F238E27FC236}">
-                <a16:creationId xmlns:a16="http://schemas.microsoft.com/office/drawing/2014/main" id="{3573E091-9DCD-4DE7-96D1-A93E44E0F5B9}"/>
-              </a:ext>
-            </a:extLst>
-          </p:cNvPr>
-          <p:cNvSpPr>
-            <a:spLocks noGrp="1"/>
-          </p:cNvSpPr>
-          <p:nvPr>
-            <p:ph sz="quarter" idx="13"/>
-          </p:nvPr>
-        </p:nvSpPr>
-        <p:spPr>
-          <a:xfrm>
-            <a:off x="293560" y="827329"/>
-            <a:ext cx="11514528" cy="5346441"/>
-          </a:xfrm>
-        </p:spPr>
-        <p:txBody>
-          <a:bodyPr/>
-          <a:lstStyle/>
-          <a:p>
-            <a:pPr marL="0" indent="0">
-              <a:buNone/>
-            </a:pPr>
-            <a:r>
-              <a:rPr lang="en-US" sz="2000" b="1" dirty="0">
-                <a:latin typeface="Arial" panose="020B0604020202020204" pitchFamily="34" charset="0"/>
-                <a:cs typeface="Arial" panose="020B0604020202020204" pitchFamily="34" charset="0"/>
-              </a:rPr>
-              <a:t>VII. Gas sensor </a:t>
-            </a:r>
-            <a:r>
-              <a:rPr lang="en-US" sz="2000" b="1" dirty="0" err="1">
-                <a:latin typeface="Arial" panose="020B0604020202020204" pitchFamily="34" charset="0"/>
-                <a:cs typeface="Arial" panose="020B0604020202020204" pitchFamily="34" charset="0"/>
-              </a:rPr>
-              <a:t>MQ2</a:t>
-            </a:r>
-            <a:r>
-              <a:rPr lang="en-US" sz="2000" b="1" dirty="0">
-                <a:latin typeface="Arial" panose="020B0604020202020204" pitchFamily="34" charset="0"/>
-                <a:cs typeface="Arial" panose="020B0604020202020204" pitchFamily="34" charset="0"/>
-              </a:rPr>
-              <a:t> </a:t>
-            </a:r>
-          </a:p>
-          <a:p>
-            <a:pPr marL="0" indent="457200">
-              <a:lnSpc>
-                <a:spcPct val="150000"/>
-              </a:lnSpc>
-              <a:spcBef>
-                <a:spcPts val="0"/>
-              </a:spcBef>
-              <a:buFont typeface="Wingdings" panose="05000000000000000000" pitchFamily="2" charset="2"/>
-              <a:buChar char="§"/>
-            </a:pPr>
-            <a:r>
-              <a:rPr lang="en-US" sz="2000" b="1" dirty="0">
-                <a:latin typeface="Arial" panose="020B0604020202020204" pitchFamily="34" charset="0"/>
-                <a:cs typeface="Arial" panose="020B0604020202020204" pitchFamily="34" charset="0"/>
-              </a:rPr>
-              <a:t>Specifications</a:t>
-            </a:r>
-          </a:p>
-          <a:p>
-            <a:pPr marR="0" lvl="0">
-              <a:lnSpc>
-                <a:spcPct val="150000"/>
-              </a:lnSpc>
-              <a:spcBef>
-                <a:spcPts val="0"/>
-              </a:spcBef>
-            </a:pPr>
-            <a:r>
-              <a:rPr lang="en-US" sz="2000" dirty="0">
-                <a:solidFill>
-                  <a:srgbClr val="303030"/>
-                </a:solidFill>
-                <a:effectLst/>
-                <a:latin typeface="Arial" panose="020B0604020202020204" pitchFamily="34" charset="0"/>
-                <a:ea typeface="Times New Roman" panose="02020603050405020304" pitchFamily="18" charset="0"/>
-                <a:cs typeface="Arial" panose="020B0604020202020204" pitchFamily="34" charset="0"/>
-              </a:rPr>
-              <a:t>Operating Voltage: </a:t>
-            </a:r>
-            <a:r>
-              <a:rPr lang="en-US" sz="2000" dirty="0" err="1">
-                <a:solidFill>
-                  <a:srgbClr val="303030"/>
-                </a:solidFill>
-                <a:latin typeface="Arial" panose="020B0604020202020204" pitchFamily="34" charset="0"/>
-                <a:ea typeface="Times New Roman" panose="02020603050405020304" pitchFamily="18" charset="0"/>
-                <a:cs typeface="Arial" panose="020B0604020202020204" pitchFamily="34" charset="0"/>
-              </a:rPr>
-              <a:t>2</a:t>
-            </a:r>
-            <a:r>
-              <a:rPr lang="en-US" sz="2000" dirty="0" err="1">
-                <a:solidFill>
-                  <a:srgbClr val="303030"/>
-                </a:solidFill>
-                <a:effectLst/>
-                <a:latin typeface="Arial" panose="020B0604020202020204" pitchFamily="34" charset="0"/>
-                <a:ea typeface="Times New Roman" panose="02020603050405020304" pitchFamily="18" charset="0"/>
-                <a:cs typeface="Arial" panose="020B0604020202020204" pitchFamily="34" charset="0"/>
-              </a:rPr>
-              <a:t>.5V</a:t>
-            </a:r>
-            <a:r>
-              <a:rPr lang="en-US" sz="2000" dirty="0">
-                <a:solidFill>
-                  <a:srgbClr val="303030"/>
-                </a:solidFill>
-                <a:effectLst/>
-                <a:latin typeface="Arial" panose="020B0604020202020204" pitchFamily="34" charset="0"/>
-                <a:ea typeface="Times New Roman" panose="02020603050405020304" pitchFamily="18" charset="0"/>
-                <a:cs typeface="Arial" panose="020B0604020202020204" pitchFamily="34" charset="0"/>
-              </a:rPr>
-              <a:t> to </a:t>
-            </a:r>
-            <a:r>
-              <a:rPr lang="en-US" sz="2000" dirty="0" err="1">
-                <a:solidFill>
-                  <a:srgbClr val="303030"/>
-                </a:solidFill>
-                <a:effectLst/>
-                <a:latin typeface="Arial" panose="020B0604020202020204" pitchFamily="34" charset="0"/>
-                <a:ea typeface="Times New Roman" panose="02020603050405020304" pitchFamily="18" charset="0"/>
-                <a:cs typeface="Arial" panose="020B0604020202020204" pitchFamily="34" charset="0"/>
-              </a:rPr>
-              <a:t>5.5V</a:t>
-            </a:r>
-            <a:endParaRPr lang="en-US" sz="2000" dirty="0">
-              <a:effectLst/>
-              <a:latin typeface="Arial" panose="020B0604020202020204" pitchFamily="34" charset="0"/>
-              <a:ea typeface="Calibri" panose="020F0502020204030204" pitchFamily="34" charset="0"/>
-              <a:cs typeface="Arial" panose="020B0604020202020204" pitchFamily="34" charset="0"/>
-            </a:endParaRPr>
-          </a:p>
-          <a:p>
-            <a:pPr marR="0" lvl="0">
-              <a:lnSpc>
-                <a:spcPct val="150000"/>
-              </a:lnSpc>
-              <a:spcBef>
-                <a:spcPts val="0"/>
-              </a:spcBef>
-            </a:pPr>
-            <a:r>
-              <a:rPr lang="en-US" sz="2000" dirty="0">
-                <a:solidFill>
-                  <a:srgbClr val="303030"/>
-                </a:solidFill>
-                <a:effectLst/>
-                <a:latin typeface="Arial" panose="020B0604020202020204" pitchFamily="34" charset="0"/>
-                <a:ea typeface="Times New Roman" panose="02020603050405020304" pitchFamily="18" charset="0"/>
-                <a:cs typeface="Arial" panose="020B0604020202020204" pitchFamily="34" charset="0"/>
-              </a:rPr>
-              <a:t>Pins: </a:t>
-            </a:r>
-            <a:r>
-              <a:rPr lang="en-US" sz="2000" dirty="0" err="1">
-                <a:solidFill>
-                  <a:srgbClr val="303030"/>
-                </a:solidFill>
-                <a:effectLst/>
-                <a:latin typeface="Arial" panose="020B0604020202020204" pitchFamily="34" charset="0"/>
-                <a:ea typeface="Times New Roman" panose="02020603050405020304" pitchFamily="18" charset="0"/>
-                <a:cs typeface="Arial" panose="020B0604020202020204" pitchFamily="34" charset="0"/>
-              </a:rPr>
-              <a:t>Vcc</a:t>
-            </a:r>
-            <a:r>
-              <a:rPr lang="en-US" sz="2000" dirty="0">
-                <a:solidFill>
-                  <a:srgbClr val="303030"/>
-                </a:solidFill>
-                <a:effectLst/>
-                <a:latin typeface="Arial" panose="020B0604020202020204" pitchFamily="34" charset="0"/>
-                <a:ea typeface="Times New Roman" panose="02020603050405020304" pitchFamily="18" charset="0"/>
-                <a:cs typeface="Arial" panose="020B0604020202020204" pitchFamily="34" charset="0"/>
-              </a:rPr>
-              <a:t>, Digital Out, Analog Out, </a:t>
-            </a:r>
-            <a:r>
-              <a:rPr lang="en-US" sz="2000" dirty="0" err="1">
-                <a:solidFill>
-                  <a:srgbClr val="303030"/>
-                </a:solidFill>
-                <a:effectLst/>
-                <a:latin typeface="Arial" panose="020B0604020202020204" pitchFamily="34" charset="0"/>
-                <a:ea typeface="Times New Roman" panose="02020603050405020304" pitchFamily="18" charset="0"/>
-                <a:cs typeface="Arial" panose="020B0604020202020204" pitchFamily="34" charset="0"/>
-              </a:rPr>
-              <a:t>GND</a:t>
-            </a:r>
-            <a:endParaRPr lang="en-US" sz="2000" dirty="0">
-              <a:solidFill>
-                <a:srgbClr val="303030"/>
-              </a:solidFill>
-              <a:effectLst/>
-              <a:latin typeface="Arial" panose="020B0604020202020204" pitchFamily="34" charset="0"/>
-              <a:ea typeface="Times New Roman" panose="02020603050405020304" pitchFamily="18" charset="0"/>
-              <a:cs typeface="Arial" panose="020B0604020202020204" pitchFamily="34" charset="0"/>
-            </a:endParaRPr>
-          </a:p>
-          <a:p>
-            <a:pPr marR="0" lvl="0">
-              <a:lnSpc>
-                <a:spcPct val="150000"/>
-              </a:lnSpc>
-              <a:spcBef>
-                <a:spcPts val="0"/>
-              </a:spcBef>
-            </a:pPr>
-            <a:r>
-              <a:rPr lang="en-US" sz="2000" dirty="0">
-                <a:solidFill>
-                  <a:srgbClr val="303030"/>
-                </a:solidFill>
-                <a:latin typeface="Arial" panose="020B0604020202020204" pitchFamily="34" charset="0"/>
-                <a:ea typeface="Times New Roman" panose="02020603050405020304" pitchFamily="18" charset="0"/>
-                <a:cs typeface="Arial" panose="020B0604020202020204" pitchFamily="34" charset="0"/>
-              </a:rPr>
-              <a:t>Led signal</a:t>
-            </a:r>
-            <a:endParaRPr lang="en-US" sz="2000" dirty="0">
-              <a:solidFill>
-                <a:srgbClr val="303030"/>
-              </a:solidFill>
-              <a:effectLst/>
-              <a:latin typeface="Arial" panose="020B0604020202020204" pitchFamily="34" charset="0"/>
-              <a:ea typeface="Times New Roman" panose="02020603050405020304" pitchFamily="18" charset="0"/>
-              <a:cs typeface="Arial" panose="020B0604020202020204" pitchFamily="34" charset="0"/>
-            </a:endParaRPr>
-          </a:p>
-          <a:p>
-            <a:pPr marR="0" lvl="0">
-              <a:lnSpc>
-                <a:spcPct val="150000"/>
-              </a:lnSpc>
-              <a:spcBef>
-                <a:spcPts val="0"/>
-              </a:spcBef>
-            </a:pPr>
-            <a:r>
-              <a:rPr lang="en-US" sz="2000" dirty="0">
-                <a:solidFill>
-                  <a:srgbClr val="303030"/>
-                </a:solidFill>
-                <a:effectLst/>
-                <a:latin typeface="Arial" panose="020B0604020202020204" pitchFamily="34" charset="0"/>
-                <a:ea typeface="Times New Roman" panose="02020603050405020304" pitchFamily="18" charset="0"/>
-                <a:cs typeface="Arial" panose="020B0604020202020204" pitchFamily="34" charset="0"/>
-              </a:rPr>
-              <a:t>Size: </a:t>
-            </a:r>
-            <a:r>
-              <a:rPr lang="en-US" sz="2000" dirty="0" err="1">
-                <a:solidFill>
-                  <a:srgbClr val="303030"/>
-                </a:solidFill>
-                <a:effectLst/>
-                <a:latin typeface="Arial" panose="020B0604020202020204" pitchFamily="34" charset="0"/>
-                <a:ea typeface="Times New Roman" panose="02020603050405020304" pitchFamily="18" charset="0"/>
-                <a:cs typeface="Arial" panose="020B0604020202020204" pitchFamily="34" charset="0"/>
-              </a:rPr>
-              <a:t>40mmx21mm</a:t>
-            </a:r>
-            <a:endParaRPr lang="en-US" sz="2000" dirty="0">
-              <a:solidFill>
-                <a:srgbClr val="303030"/>
-              </a:solidFill>
-              <a:effectLst/>
-              <a:latin typeface="Arial" panose="020B0604020202020204" pitchFamily="34" charset="0"/>
-              <a:ea typeface="Times New Roman" panose="02020603050405020304" pitchFamily="18" charset="0"/>
-              <a:cs typeface="Arial" panose="020B0604020202020204" pitchFamily="34" charset="0"/>
-            </a:endParaRPr>
-          </a:p>
-          <a:p>
-            <a:pPr marL="0" marR="0" lvl="0" indent="457200">
-              <a:lnSpc>
-                <a:spcPct val="150000"/>
-              </a:lnSpc>
-              <a:spcBef>
-                <a:spcPts val="0"/>
-              </a:spcBef>
-              <a:buFont typeface="Wingdings" panose="05000000000000000000" pitchFamily="2" charset="2"/>
-              <a:buChar char="§"/>
-            </a:pPr>
-            <a:r>
-              <a:rPr lang="en-US" sz="2000" b="1" dirty="0">
-                <a:solidFill>
-                  <a:srgbClr val="303030"/>
-                </a:solidFill>
-                <a:latin typeface="Arial" panose="020B0604020202020204" pitchFamily="34" charset="0"/>
-                <a:ea typeface="Calibri" panose="020F0502020204030204" pitchFamily="34" charset="0"/>
-                <a:cs typeface="Arial" panose="020B0604020202020204" pitchFamily="34" charset="0"/>
-              </a:rPr>
-              <a:t>Application in the system</a:t>
-            </a:r>
-          </a:p>
-          <a:p>
-            <a:pPr marR="0" lvl="0">
-              <a:lnSpc>
-                <a:spcPct val="150000"/>
-              </a:lnSpc>
-              <a:spcBef>
-                <a:spcPts val="0"/>
-              </a:spcBef>
-            </a:pPr>
-            <a:r>
-              <a:rPr lang="en-US" sz="2000" dirty="0">
-                <a:solidFill>
-                  <a:srgbClr val="303030"/>
-                </a:solidFill>
-                <a:effectLst/>
-                <a:latin typeface="Arial" panose="020B0604020202020204" pitchFamily="34" charset="0"/>
-                <a:ea typeface="Calibri" panose="020F0502020204030204" pitchFamily="34" charset="0"/>
-                <a:cs typeface="Arial" panose="020B0604020202020204" pitchFamily="34" charset="0"/>
-              </a:rPr>
-              <a:t>Kitchen</a:t>
-            </a:r>
-          </a:p>
-          <a:p>
-            <a:pPr marR="0" lvl="0">
-              <a:lnSpc>
-                <a:spcPct val="150000"/>
-              </a:lnSpc>
-              <a:spcBef>
-                <a:spcPts val="0"/>
-              </a:spcBef>
-              <a:buFont typeface="Wingdings" panose="05000000000000000000" pitchFamily="2" charset="2"/>
-              <a:buChar char="§"/>
-            </a:pPr>
-            <a:r>
-              <a:rPr lang="en-US" sz="2000" b="1" dirty="0">
-                <a:solidFill>
-                  <a:srgbClr val="303030"/>
-                </a:solidFill>
-                <a:latin typeface="Arial" panose="020B0604020202020204" pitchFamily="34" charset="0"/>
-                <a:ea typeface="Calibri" panose="020F0502020204030204" pitchFamily="34" charset="0"/>
-                <a:cs typeface="Arial" panose="020B0604020202020204" pitchFamily="34" charset="0"/>
-              </a:rPr>
-              <a:t>Alarm block</a:t>
-            </a:r>
-          </a:p>
-          <a:p>
-            <a:pPr marR="0" lvl="0">
-              <a:lnSpc>
-                <a:spcPct val="150000"/>
-              </a:lnSpc>
-              <a:spcBef>
-                <a:spcPts val="0"/>
-              </a:spcBef>
-            </a:pPr>
-            <a:r>
-              <a:rPr lang="en-US" sz="2000" dirty="0" err="1">
-                <a:solidFill>
-                  <a:srgbClr val="303030"/>
-                </a:solidFill>
-                <a:effectLst/>
-                <a:latin typeface="Arial" panose="020B0604020202020204" pitchFamily="34" charset="0"/>
-                <a:ea typeface="Calibri" panose="020F0502020204030204" pitchFamily="34" charset="0"/>
-                <a:cs typeface="Arial" panose="020B0604020202020204" pitchFamily="34" charset="0"/>
-              </a:rPr>
-              <a:t>Dout</a:t>
-            </a:r>
-            <a:r>
-              <a:rPr lang="en-US" sz="2000" dirty="0">
-                <a:solidFill>
-                  <a:srgbClr val="303030"/>
-                </a:solidFill>
-                <a:effectLst/>
-                <a:latin typeface="Arial" panose="020B0604020202020204" pitchFamily="34" charset="0"/>
-                <a:ea typeface="Calibri" panose="020F0502020204030204" pitchFamily="34" charset="0"/>
-                <a:cs typeface="Arial" panose="020B0604020202020204" pitchFamily="34" charset="0"/>
-              </a:rPr>
-              <a:t> signal: low signal -&gt; gas detected, high signal -&gt; no gas</a:t>
-            </a:r>
-          </a:p>
-          <a:p>
-            <a:pPr marR="0" lvl="0">
-              <a:lnSpc>
-                <a:spcPct val="150000"/>
-              </a:lnSpc>
-              <a:spcBef>
-                <a:spcPts val="0"/>
-              </a:spcBef>
-            </a:pPr>
-            <a:r>
-              <a:rPr lang="en-US" sz="2000" dirty="0" err="1">
-                <a:solidFill>
-                  <a:srgbClr val="303030"/>
-                </a:solidFill>
-                <a:latin typeface="Arial" panose="020B0604020202020204" pitchFamily="34" charset="0"/>
-                <a:ea typeface="Calibri" panose="020F0502020204030204" pitchFamily="34" charset="0"/>
-                <a:cs typeface="Arial" panose="020B0604020202020204" pitchFamily="34" charset="0"/>
-              </a:rPr>
-              <a:t>Aout</a:t>
-            </a:r>
-            <a:r>
-              <a:rPr lang="en-US" sz="2000" dirty="0">
-                <a:solidFill>
-                  <a:srgbClr val="303030"/>
-                </a:solidFill>
-                <a:latin typeface="Arial" panose="020B0604020202020204" pitchFamily="34" charset="0"/>
-                <a:ea typeface="Calibri" panose="020F0502020204030204" pitchFamily="34" charset="0"/>
-                <a:cs typeface="Arial" panose="020B0604020202020204" pitchFamily="34" charset="0"/>
-              </a:rPr>
-              <a:t>: analog signal with 15 % setup =&gt; gas detected =&gt; 2 </a:t>
-            </a:r>
-            <a:r>
-              <a:rPr lang="en-US" sz="2000" dirty="0" err="1">
-                <a:solidFill>
-                  <a:srgbClr val="303030"/>
-                </a:solidFill>
-                <a:latin typeface="Arial" panose="020B0604020202020204" pitchFamily="34" charset="0"/>
-                <a:ea typeface="Calibri" panose="020F0502020204030204" pitchFamily="34" charset="0"/>
-                <a:cs typeface="Arial" panose="020B0604020202020204" pitchFamily="34" charset="0"/>
-              </a:rPr>
-              <a:t>leds</a:t>
-            </a:r>
-            <a:r>
-              <a:rPr lang="en-US" sz="2000" dirty="0">
-                <a:solidFill>
-                  <a:srgbClr val="303030"/>
-                </a:solidFill>
-                <a:latin typeface="Arial" panose="020B0604020202020204" pitchFamily="34" charset="0"/>
-                <a:ea typeface="Calibri" panose="020F0502020204030204" pitchFamily="34" charset="0"/>
-                <a:cs typeface="Arial" panose="020B0604020202020204" pitchFamily="34" charset="0"/>
-              </a:rPr>
-              <a:t> in module turns on =&gt; buzzer system is on</a:t>
-            </a:r>
-            <a:endParaRPr lang="en-US" sz="2000" dirty="0">
-              <a:solidFill>
-                <a:srgbClr val="303030"/>
-              </a:solidFill>
-              <a:effectLst/>
-              <a:latin typeface="Arial" panose="020B0604020202020204" pitchFamily="34" charset="0"/>
-              <a:ea typeface="Calibri" panose="020F0502020204030204" pitchFamily="34" charset="0"/>
-              <a:cs typeface="Arial" panose="020B0604020202020204" pitchFamily="34" charset="0"/>
-            </a:endParaRPr>
-          </a:p>
-          <a:p>
-            <a:pPr marL="0" indent="0">
-              <a:buNone/>
-            </a:pPr>
-            <a:endParaRPr lang="en-US" sz="2000" dirty="0">
-              <a:latin typeface="Arial" panose="020B0604020202020204" pitchFamily="34" charset="0"/>
-              <a:cs typeface="Arial" panose="020B0604020202020204" pitchFamily="34" charset="0"/>
-            </a:endParaRPr>
-          </a:p>
-        </p:txBody>
-      </p:sp>
-      <p:sp>
-        <p:nvSpPr>
-          <p:cNvPr id="4" name="Slide Number Placeholder 3">
-            <a:extLst>
-              <a:ext uri="{FF2B5EF4-FFF2-40B4-BE49-F238E27FC236}">
-                <a16:creationId xmlns:a16="http://schemas.microsoft.com/office/drawing/2014/main" id="{6CAB879D-D188-4DA3-8675-F8BCF379A12E}"/>
-              </a:ext>
-            </a:extLst>
-          </p:cNvPr>
-          <p:cNvSpPr>
-            <a:spLocks noGrp="1"/>
-          </p:cNvSpPr>
-          <p:nvPr>
-            <p:ph type="sldNum" sz="quarter" idx="12"/>
-          </p:nvPr>
-        </p:nvSpPr>
-        <p:spPr/>
-        <p:txBody>
-          <a:bodyPr/>
-          <a:lstStyle/>
-          <a:p>
-            <a:fld id="{9EA0BE3B-158A-4EDF-80DC-E394A0D1600F}" type="slidenum">
-              <a:rPr lang="en-US" smtClean="0"/>
-              <a:pPr/>
-              <a:t>28</a:t>
-            </a:fld>
-            <a:endParaRPr lang="en-US" dirty="0"/>
-          </a:p>
-        </p:txBody>
-      </p:sp>
-      <p:sp>
-        <p:nvSpPr>
-          <p:cNvPr id="6" name="TextBox 5">
-            <a:extLst>
-              <a:ext uri="{FF2B5EF4-FFF2-40B4-BE49-F238E27FC236}">
-                <a16:creationId xmlns:a16="http://schemas.microsoft.com/office/drawing/2014/main" id="{0E480320-39C8-725D-75BB-319B69AEBDFB}"/>
-              </a:ext>
-            </a:extLst>
-          </p:cNvPr>
-          <p:cNvSpPr txBox="1"/>
-          <p:nvPr/>
-        </p:nvSpPr>
-        <p:spPr>
-          <a:xfrm>
-            <a:off x="9358604" y="4739951"/>
-            <a:ext cx="2539836" cy="369332"/>
-          </a:xfrm>
-          <a:prstGeom prst="rect">
-            <a:avLst/>
-          </a:prstGeom>
-          <a:noFill/>
-        </p:spPr>
-        <p:txBody>
-          <a:bodyPr wrap="square" rtlCol="0">
-            <a:spAutoFit/>
-          </a:bodyPr>
-          <a:lstStyle/>
-          <a:p>
-            <a:pPr algn="ctr"/>
-            <a:r>
-              <a:rPr lang="en-US" u="sng" dirty="0"/>
-              <a:t>Gas sensor </a:t>
-            </a:r>
-            <a:r>
-              <a:rPr lang="en-US" u="sng" dirty="0" err="1"/>
-              <a:t>MQ2</a:t>
-            </a:r>
-            <a:endParaRPr lang="en-US" u="sng" dirty="0"/>
-          </a:p>
-        </p:txBody>
-      </p:sp>
-      <p:pic>
-        <p:nvPicPr>
-          <p:cNvPr id="7" name="Picture 6">
-            <a:extLst>
-              <a:ext uri="{FF2B5EF4-FFF2-40B4-BE49-F238E27FC236}">
-                <a16:creationId xmlns:a16="http://schemas.microsoft.com/office/drawing/2014/main" id="{DA2032D2-AA64-4B5C-A89E-6CA858DB98BE}"/>
-              </a:ext>
-            </a:extLst>
-          </p:cNvPr>
-          <p:cNvPicPr>
-            <a:picLocks noChangeAspect="1"/>
-          </p:cNvPicPr>
-          <p:nvPr/>
-        </p:nvPicPr>
-        <p:blipFill>
-          <a:blip r:embed="rId2">
-            <a:extLst>
-              <a:ext uri="{28A0092B-C50C-407E-A947-70E740481C1C}">
-                <a14:useLocalDpi xmlns:a14="http://schemas.microsoft.com/office/drawing/2010/main" val="0"/>
-              </a:ext>
-            </a:extLst>
-          </a:blip>
-          <a:srcRect/>
-          <a:stretch>
-            <a:fillRect/>
-          </a:stretch>
-        </p:blipFill>
-        <p:spPr bwMode="auto">
-          <a:xfrm>
-            <a:off x="9156510" y="1502229"/>
-            <a:ext cx="2741929" cy="2712813"/>
-          </a:xfrm>
-          <a:prstGeom prst="rect">
-            <a:avLst/>
-          </a:prstGeom>
-          <a:noFill/>
-          <a:ln>
-            <a:noFill/>
-          </a:ln>
-        </p:spPr>
-      </p:pic>
-    </p:spTree>
-    <p:extLst>
-      <p:ext uri="{BB962C8B-B14F-4D97-AF65-F5344CB8AC3E}">
-        <p14:creationId xmlns:p14="http://schemas.microsoft.com/office/powerpoint/2010/main" val="792403452"/>
-      </p:ext>
-    </p:extLst>
-  </p:cSld>
-  <p:clrMapOvr>
-    <a:masterClrMapping/>
-  </p:clrMapOvr>
-</p:sld>
-</file>
-
-<file path=ppt/slides/slide29.xml><?xml version="1.0" encoding="utf-8"?>
-<p:sld xmlns:a="http://schemas.openxmlformats.org/drawingml/2006/main" xmlns:r="http://schemas.openxmlformats.org/officeDocument/2006/relationships" xmlns:p="http://schemas.openxmlformats.org/presentationml/2006/main">
-  <p:cSld>
-    <p:spTree>
-      <p:nvGrpSpPr>
-        <p:cNvPr id="1" name=""/>
-        <p:cNvGrpSpPr/>
-        <p:nvPr/>
-      </p:nvGrpSpPr>
-      <p:grpSpPr>
-        <a:xfrm>
-          <a:off x="0" y="0"/>
-          <a:ext cx="0" cy="0"/>
-          <a:chOff x="0" y="0"/>
-          <a:chExt cx="0" cy="0"/>
-        </a:xfrm>
-      </p:grpSpPr>
-      <p:sp>
-        <p:nvSpPr>
-          <p:cNvPr id="2" name="Title 1">
-            <a:extLst>
-              <a:ext uri="{FF2B5EF4-FFF2-40B4-BE49-F238E27FC236}">
-                <a16:creationId xmlns:a16="http://schemas.microsoft.com/office/drawing/2014/main" id="{EF9B3AB5-95DF-4273-871C-843529DB7255}"/>
-              </a:ext>
-            </a:extLst>
-          </p:cNvPr>
-          <p:cNvSpPr>
-            <a:spLocks noGrp="1"/>
-          </p:cNvSpPr>
-          <p:nvPr>
-            <p:ph type="title"/>
-          </p:nvPr>
-        </p:nvSpPr>
-        <p:spPr/>
-        <p:txBody>
-          <a:bodyPr/>
-          <a:lstStyle/>
-          <a:p>
-            <a:r>
-              <a:rPr lang="en-US" dirty="0">
-                <a:latin typeface="Arial" panose="020B0604020202020204" pitchFamily="34" charset="0"/>
-                <a:cs typeface="Arial" panose="020B0604020202020204" pitchFamily="34" charset="0"/>
-              </a:rPr>
-              <a:t>Chapter 6: Blynk Application</a:t>
-            </a:r>
-            <a:endParaRPr lang="en-US" dirty="0"/>
-          </a:p>
-        </p:txBody>
-      </p:sp>
-      <p:sp>
-        <p:nvSpPr>
-          <p:cNvPr id="3" name="Content Placeholder 2">
-            <a:extLst>
-              <a:ext uri="{FF2B5EF4-FFF2-40B4-BE49-F238E27FC236}">
-                <a16:creationId xmlns:a16="http://schemas.microsoft.com/office/drawing/2014/main" id="{3573E091-9DCD-4DE7-96D1-A93E44E0F5B9}"/>
-              </a:ext>
-            </a:extLst>
-          </p:cNvPr>
-          <p:cNvSpPr>
-            <a:spLocks noGrp="1"/>
-          </p:cNvSpPr>
-          <p:nvPr>
-            <p:ph sz="quarter" idx="13"/>
-          </p:nvPr>
-        </p:nvSpPr>
-        <p:spPr>
-          <a:xfrm>
-            <a:off x="338736" y="905069"/>
-            <a:ext cx="11514528" cy="5206481"/>
-          </a:xfrm>
-        </p:spPr>
-        <p:txBody>
-          <a:bodyPr/>
-          <a:lstStyle/>
-          <a:p>
-            <a:pPr marL="0" indent="0">
-              <a:buNone/>
-            </a:pPr>
-            <a:r>
-              <a:rPr lang="en-US" sz="2000" b="1" dirty="0">
-                <a:latin typeface="Arial" panose="020B0604020202020204" pitchFamily="34" charset="0"/>
-                <a:cs typeface="Arial" panose="020B0604020202020204" pitchFamily="34" charset="0"/>
-              </a:rPr>
-              <a:t>I. Why use Blynk?</a:t>
-            </a:r>
-          </a:p>
-          <a:p>
-            <a:r>
-              <a:rPr lang="en-US" sz="2000" dirty="0">
-                <a:latin typeface="Arial" panose="020B0604020202020204" pitchFamily="34" charset="0"/>
-                <a:cs typeface="Arial" panose="020B0604020202020204" pitchFamily="34" charset="0"/>
-              </a:rPr>
-              <a:t>Blynk is actually an app on the phone, allowing users to create interfaces and control the device according to their personal preferences</a:t>
-            </a:r>
-          </a:p>
-          <a:p>
-            <a:r>
-              <a:rPr lang="en-US" sz="2000" dirty="0">
-                <a:latin typeface="Arial" panose="020B0604020202020204" pitchFamily="34" charset="0"/>
-                <a:cs typeface="Arial" panose="020B0604020202020204" pitchFamily="34" charset="0"/>
-              </a:rPr>
-              <a:t>Easy to use</a:t>
-            </a:r>
-          </a:p>
-          <a:p>
-            <a:r>
-              <a:rPr lang="en-US" sz="2000" dirty="0">
-                <a:latin typeface="Arial" panose="020B0604020202020204" pitchFamily="34" charset="0"/>
-                <a:cs typeface="Arial" panose="020B0604020202020204" pitchFamily="34" charset="0"/>
-              </a:rPr>
-              <a:t>Beautiful application with full function</a:t>
-            </a:r>
-          </a:p>
-          <a:p>
-            <a:r>
-              <a:rPr lang="en-US" sz="2000" dirty="0">
-                <a:latin typeface="Arial" panose="020B0604020202020204" pitchFamily="34" charset="0"/>
-                <a:cs typeface="Arial" panose="020B0604020202020204" pitchFamily="34" charset="0"/>
-              </a:rPr>
-              <a:t>Does need to build android and iOS application</a:t>
-            </a:r>
-          </a:p>
-          <a:p>
-            <a:r>
-              <a:rPr lang="en-US" sz="2000" dirty="0">
-                <a:latin typeface="Arial" panose="020B0604020202020204" pitchFamily="34" charset="0"/>
-                <a:cs typeface="Arial" panose="020B0604020202020204" pitchFamily="34" charset="0"/>
-              </a:rPr>
-              <a:t>Rapid testing, can be monitored anywhere with internet</a:t>
-            </a:r>
-          </a:p>
-          <a:p>
-            <a:pPr marL="0" indent="0">
-              <a:buNone/>
-            </a:pPr>
-            <a:r>
-              <a:rPr lang="en-US" sz="2000" b="1" dirty="0">
-                <a:latin typeface="Arial" panose="020B0604020202020204" pitchFamily="34" charset="0"/>
-                <a:cs typeface="Arial" panose="020B0604020202020204" pitchFamily="34" charset="0"/>
-              </a:rPr>
-              <a:t>II. How Blynk works with your system?</a:t>
-            </a:r>
-          </a:p>
-          <a:p>
-            <a:r>
-              <a:rPr lang="en-US" sz="2000" dirty="0">
-                <a:latin typeface="Arial" panose="020B0604020202020204" pitchFamily="34" charset="0"/>
-                <a:cs typeface="Arial" panose="020B0604020202020204" pitchFamily="34" charset="0"/>
-              </a:rPr>
-              <a:t>Node MCU </a:t>
-            </a:r>
-            <a:r>
-              <a:rPr lang="en-US" sz="2000" dirty="0" err="1">
-                <a:latin typeface="Arial" panose="020B0604020202020204" pitchFamily="34" charset="0"/>
-                <a:cs typeface="Arial" panose="020B0604020202020204" pitchFamily="34" charset="0"/>
-              </a:rPr>
-              <a:t>ESP32</a:t>
-            </a:r>
-            <a:r>
-              <a:rPr lang="en-US" sz="2000" dirty="0">
-                <a:latin typeface="Arial" panose="020B0604020202020204" pitchFamily="34" charset="0"/>
-                <a:cs typeface="Arial" panose="020B0604020202020204" pitchFamily="34" charset="0"/>
-              </a:rPr>
-              <a:t> connects to Blynk application via (</a:t>
-            </a:r>
-            <a:r>
-              <a:rPr lang="en-US" sz="2000" dirty="0" err="1">
-                <a:latin typeface="Arial" panose="020B0604020202020204" pitchFamily="34" charset="0"/>
-                <a:cs typeface="Arial" panose="020B0604020202020204" pitchFamily="34" charset="0"/>
-              </a:rPr>
-              <a:t>Blynk_auth_token,your_Wi-fi_name</a:t>
-            </a:r>
-            <a:r>
-              <a:rPr lang="en-US" sz="2000" dirty="0">
-                <a:latin typeface="Arial" panose="020B0604020202020204" pitchFamily="34" charset="0"/>
-                <a:cs typeface="Arial" panose="020B0604020202020204" pitchFamily="34" charset="0"/>
-              </a:rPr>
-              <a:t>,</a:t>
-            </a:r>
-          </a:p>
-          <a:p>
-            <a:pPr marL="0" indent="0">
-              <a:buNone/>
-            </a:pPr>
-            <a:r>
-              <a:rPr lang="en-US" sz="2000" dirty="0" err="1">
-                <a:latin typeface="Arial" panose="020B0604020202020204" pitchFamily="34" charset="0"/>
-                <a:cs typeface="Arial" panose="020B0604020202020204" pitchFamily="34" charset="0"/>
-              </a:rPr>
-              <a:t>your_Wi-fi_password</a:t>
-            </a:r>
-            <a:r>
-              <a:rPr lang="en-US" sz="2000" dirty="0">
-                <a:latin typeface="Arial" panose="020B0604020202020204" pitchFamily="34" charset="0"/>
-                <a:cs typeface="Arial" panose="020B0604020202020204" pitchFamily="34" charset="0"/>
-              </a:rPr>
-              <a:t>)</a:t>
-            </a:r>
-          </a:p>
-          <a:p>
-            <a:r>
-              <a:rPr lang="en-US" sz="2000" dirty="0">
-                <a:latin typeface="Arial" panose="020B0604020202020204" pitchFamily="34" charset="0"/>
-                <a:cs typeface="Arial" panose="020B0604020202020204" pitchFamily="34" charset="0"/>
-              </a:rPr>
-              <a:t>Blynk Server – responsible for all communication between the smartphone and the hardware. You can use Blynk Cloud or run your own Blynk server locally</a:t>
-            </a:r>
-          </a:p>
-          <a:p>
-            <a:r>
-              <a:rPr lang="en-US" sz="2000" dirty="0">
-                <a:latin typeface="Arial" panose="020B0604020202020204" pitchFamily="34" charset="0"/>
-                <a:cs typeface="Arial" panose="020B0604020202020204" pitchFamily="34" charset="0"/>
-              </a:rPr>
-              <a:t>The Blynk library – for all popular hardware platforms – allows to communicate with the server and process all incoming and outgoing commands</a:t>
-            </a:r>
-          </a:p>
-        </p:txBody>
-      </p:sp>
-      <p:sp>
-        <p:nvSpPr>
-          <p:cNvPr id="4" name="Slide Number Placeholder 3">
-            <a:extLst>
-              <a:ext uri="{FF2B5EF4-FFF2-40B4-BE49-F238E27FC236}">
-                <a16:creationId xmlns:a16="http://schemas.microsoft.com/office/drawing/2014/main" id="{6CAB879D-D188-4DA3-8675-F8BCF379A12E}"/>
-              </a:ext>
-            </a:extLst>
-          </p:cNvPr>
-          <p:cNvSpPr>
-            <a:spLocks noGrp="1"/>
-          </p:cNvSpPr>
-          <p:nvPr>
-            <p:ph type="sldNum" sz="quarter" idx="12"/>
-          </p:nvPr>
-        </p:nvSpPr>
-        <p:spPr/>
-        <p:txBody>
-          <a:bodyPr/>
-          <a:lstStyle/>
-          <a:p>
-            <a:fld id="{9EA0BE3B-158A-4EDF-80DC-E394A0D1600F}" type="slidenum">
-              <a:rPr lang="en-US" smtClean="0"/>
-              <a:pPr/>
-              <a:t>29</a:t>
-            </a:fld>
-            <a:endParaRPr lang="en-US" dirty="0"/>
-          </a:p>
-        </p:txBody>
-      </p:sp>
-    </p:spTree>
-    <p:extLst>
-      <p:ext uri="{BB962C8B-B14F-4D97-AF65-F5344CB8AC3E}">
-        <p14:creationId xmlns:p14="http://schemas.microsoft.com/office/powerpoint/2010/main" val="1575376884"/>
-      </p:ext>
-    </p:extLst>
-  </p:cSld>
-  <p:clrMapOvr>
-    <a:masterClrMapping/>
-  </p:clrMapOvr>
-</p:sld>
-</file>
-
 <file path=ppt/slides/slide3.xml><?xml version="1.0" encoding="utf-8"?>
 <p:sld xmlns:a="http://schemas.openxmlformats.org/drawingml/2006/main" xmlns:r="http://schemas.openxmlformats.org/officeDocument/2006/relationships" xmlns:p="http://schemas.openxmlformats.org/presentationml/2006/main">
   <p:cSld>
@@ -9737,750 +5182,6 @@
     <p:extLst>
       <p:ext uri="{BB962C8B-B14F-4D97-AF65-F5344CB8AC3E}">
         <p14:creationId xmlns:p14="http://schemas.microsoft.com/office/powerpoint/2010/main" val="485500544"/>
-      </p:ext>
-    </p:extLst>
-  </p:cSld>
-  <p:clrMapOvr>
-    <a:masterClrMapping/>
-  </p:clrMapOvr>
-</p:sld>
-</file>
-
-<file path=ppt/slides/slide30.xml><?xml version="1.0" encoding="utf-8"?>
-<p:sld xmlns:a="http://schemas.openxmlformats.org/drawingml/2006/main" xmlns:r="http://schemas.openxmlformats.org/officeDocument/2006/relationships" xmlns:p="http://schemas.openxmlformats.org/presentationml/2006/main">
-  <p:cSld>
-    <p:spTree>
-      <p:nvGrpSpPr>
-        <p:cNvPr id="1" name=""/>
-        <p:cNvGrpSpPr/>
-        <p:nvPr/>
-      </p:nvGrpSpPr>
-      <p:grpSpPr>
-        <a:xfrm>
-          <a:off x="0" y="0"/>
-          <a:ext cx="0" cy="0"/>
-          <a:chOff x="0" y="0"/>
-          <a:chExt cx="0" cy="0"/>
-        </a:xfrm>
-      </p:grpSpPr>
-      <p:sp>
-        <p:nvSpPr>
-          <p:cNvPr id="2" name="Title 1">
-            <a:extLst>
-              <a:ext uri="{FF2B5EF4-FFF2-40B4-BE49-F238E27FC236}">
-                <a16:creationId xmlns:a16="http://schemas.microsoft.com/office/drawing/2014/main" id="{C7A5D019-96A4-4D1E-AFB5-09D65C86E12D}"/>
-              </a:ext>
-            </a:extLst>
-          </p:cNvPr>
-          <p:cNvSpPr>
-            <a:spLocks noGrp="1"/>
-          </p:cNvSpPr>
-          <p:nvPr>
-            <p:ph type="title"/>
-          </p:nvPr>
-        </p:nvSpPr>
-        <p:spPr/>
-        <p:txBody>
-          <a:bodyPr/>
-          <a:lstStyle/>
-          <a:p>
-            <a:r>
-              <a:rPr lang="en-US" dirty="0">
-                <a:latin typeface="Arial" panose="020B0604020202020204" pitchFamily="34" charset="0"/>
-                <a:cs typeface="Arial" panose="020B0604020202020204" pitchFamily="34" charset="0"/>
-              </a:rPr>
-              <a:t>Chapter 8: Conclusion</a:t>
-            </a:r>
-            <a:endParaRPr lang="en-US" dirty="0"/>
-          </a:p>
-        </p:txBody>
-      </p:sp>
-      <p:sp>
-        <p:nvSpPr>
-          <p:cNvPr id="3" name="Text Placeholder 2">
-            <a:extLst>
-              <a:ext uri="{FF2B5EF4-FFF2-40B4-BE49-F238E27FC236}">
-                <a16:creationId xmlns:a16="http://schemas.microsoft.com/office/drawing/2014/main" id="{A5726603-7893-4AE0-9532-68058044B69D}"/>
-              </a:ext>
-            </a:extLst>
-          </p:cNvPr>
-          <p:cNvSpPr>
-            <a:spLocks noGrp="1"/>
-          </p:cNvSpPr>
-          <p:nvPr>
-            <p:ph type="body" sz="quarter" idx="13"/>
-          </p:nvPr>
-        </p:nvSpPr>
-        <p:spPr>
-          <a:xfrm>
-            <a:off x="337540" y="998376"/>
-            <a:ext cx="11515725" cy="4972850"/>
-          </a:xfrm>
-        </p:spPr>
-        <p:txBody>
-          <a:bodyPr/>
-          <a:lstStyle/>
-          <a:p>
-            <a:pPr marL="0" indent="0">
-              <a:buNone/>
-            </a:pPr>
-            <a:r>
-              <a:rPr lang="en-US" sz="2000" b="1" dirty="0">
-                <a:latin typeface="Arial" panose="020B0604020202020204" pitchFamily="34" charset="0"/>
-                <a:cs typeface="Arial" panose="020B0604020202020204" pitchFamily="34" charset="0"/>
-              </a:rPr>
-              <a:t>I. Results achieved</a:t>
-            </a:r>
-          </a:p>
-          <a:p>
-            <a:pPr>
-              <a:lnSpc>
-                <a:spcPct val="200000"/>
-              </a:lnSpc>
-            </a:pPr>
-            <a:r>
-              <a:rPr lang="en-US" sz="2000" dirty="0">
-                <a:latin typeface="Arial" panose="020B0604020202020204" pitchFamily="34" charset="0"/>
-                <a:cs typeface="Arial" panose="020B0604020202020204" pitchFamily="34" charset="0"/>
-              </a:rPr>
-              <a:t>Successfully designed a Smart Home model</a:t>
-            </a:r>
-          </a:p>
-          <a:p>
-            <a:pPr>
-              <a:lnSpc>
-                <a:spcPct val="200000"/>
-              </a:lnSpc>
-            </a:pPr>
-            <a:r>
-              <a:rPr lang="en-US" sz="2000" dirty="0">
-                <a:latin typeface="Arial" panose="020B0604020202020204" pitchFamily="34" charset="0"/>
-                <a:cs typeface="Arial" panose="020B0604020202020204" pitchFamily="34" charset="0"/>
-              </a:rPr>
-              <a:t>Know the usage situation and development trends of Smart Home in Vietnam and other countries in the world</a:t>
-            </a:r>
-          </a:p>
-          <a:p>
-            <a:pPr>
-              <a:lnSpc>
-                <a:spcPct val="200000"/>
-              </a:lnSpc>
-            </a:pPr>
-            <a:r>
-              <a:rPr lang="en-US" sz="2000" dirty="0">
-                <a:latin typeface="Arial" panose="020B0604020202020204" pitchFamily="34" charset="0"/>
-                <a:cs typeface="Arial" panose="020B0604020202020204" pitchFamily="34" charset="0"/>
-              </a:rPr>
-              <a:t>Learn the basis and meaning of sensors and collecting data sensors</a:t>
-            </a:r>
-          </a:p>
-          <a:p>
-            <a:pPr>
-              <a:lnSpc>
-                <a:spcPct val="200000"/>
-              </a:lnSpc>
-            </a:pPr>
-            <a:r>
-              <a:rPr lang="en-US" sz="2000" dirty="0">
-                <a:latin typeface="Arial" panose="020B0604020202020204" pitchFamily="34" charset="0"/>
-                <a:cs typeface="Arial" panose="020B0604020202020204" pitchFamily="34" charset="0"/>
-              </a:rPr>
-              <a:t>Learn the basis and meaning of controlling devices via the internet</a:t>
-            </a:r>
-          </a:p>
-          <a:p>
-            <a:pPr>
-              <a:lnSpc>
-                <a:spcPct val="200000"/>
-              </a:lnSpc>
-            </a:pPr>
-            <a:r>
-              <a:rPr lang="en-US" sz="2000" dirty="0">
-                <a:latin typeface="Arial" panose="020B0604020202020204" pitchFamily="34" charset="0"/>
-                <a:cs typeface="Arial" panose="020B0604020202020204" pitchFamily="34" charset="0"/>
-              </a:rPr>
-              <a:t>Understand the working principle of the modules in the system</a:t>
-            </a:r>
-          </a:p>
-        </p:txBody>
-      </p:sp>
-      <p:sp>
-        <p:nvSpPr>
-          <p:cNvPr id="6" name="Slide Number Placeholder 5">
-            <a:extLst>
-              <a:ext uri="{FF2B5EF4-FFF2-40B4-BE49-F238E27FC236}">
-                <a16:creationId xmlns:a16="http://schemas.microsoft.com/office/drawing/2014/main" id="{11E4677A-4F02-4478-B9B8-685D0B6264D3}"/>
-              </a:ext>
-            </a:extLst>
-          </p:cNvPr>
-          <p:cNvSpPr>
-            <a:spLocks noGrp="1"/>
-          </p:cNvSpPr>
-          <p:nvPr>
-            <p:ph type="sldNum" sz="quarter" idx="12"/>
-          </p:nvPr>
-        </p:nvSpPr>
-        <p:spPr/>
-        <p:txBody>
-          <a:bodyPr/>
-          <a:lstStyle/>
-          <a:p>
-            <a:fld id="{9EA0BE3B-158A-4EDF-80DC-E394A0D1600F}" type="slidenum">
-              <a:rPr lang="en-US" smtClean="0"/>
-              <a:pPr/>
-              <a:t>30</a:t>
-            </a:fld>
-            <a:endParaRPr lang="en-US"/>
-          </a:p>
-        </p:txBody>
-      </p:sp>
-    </p:spTree>
-    <p:extLst>
-      <p:ext uri="{BB962C8B-B14F-4D97-AF65-F5344CB8AC3E}">
-        <p14:creationId xmlns:p14="http://schemas.microsoft.com/office/powerpoint/2010/main" val="3505952789"/>
-      </p:ext>
-    </p:extLst>
-  </p:cSld>
-  <p:clrMapOvr>
-    <a:masterClrMapping/>
-  </p:clrMapOvr>
-</p:sld>
-</file>
-
-<file path=ppt/slides/slide31.xml><?xml version="1.0" encoding="utf-8"?>
-<p:sld xmlns:a="http://schemas.openxmlformats.org/drawingml/2006/main" xmlns:r="http://schemas.openxmlformats.org/officeDocument/2006/relationships" xmlns:p="http://schemas.openxmlformats.org/presentationml/2006/main">
-  <p:cSld>
-    <p:spTree>
-      <p:nvGrpSpPr>
-        <p:cNvPr id="1" name=""/>
-        <p:cNvGrpSpPr/>
-        <p:nvPr/>
-      </p:nvGrpSpPr>
-      <p:grpSpPr>
-        <a:xfrm>
-          <a:off x="0" y="0"/>
-          <a:ext cx="0" cy="0"/>
-          <a:chOff x="0" y="0"/>
-          <a:chExt cx="0" cy="0"/>
-        </a:xfrm>
-      </p:grpSpPr>
-      <p:sp>
-        <p:nvSpPr>
-          <p:cNvPr id="2" name="Title 1">
-            <a:extLst>
-              <a:ext uri="{FF2B5EF4-FFF2-40B4-BE49-F238E27FC236}">
-                <a16:creationId xmlns:a16="http://schemas.microsoft.com/office/drawing/2014/main" id="{570A90F0-81E4-70E3-16CD-27C018EBA858}"/>
-              </a:ext>
-            </a:extLst>
-          </p:cNvPr>
-          <p:cNvSpPr>
-            <a:spLocks noGrp="1"/>
-          </p:cNvSpPr>
-          <p:nvPr>
-            <p:ph type="title"/>
-          </p:nvPr>
-        </p:nvSpPr>
-        <p:spPr/>
-        <p:txBody>
-          <a:bodyPr/>
-          <a:lstStyle/>
-          <a:p>
-            <a:r>
-              <a:rPr lang="en-US" dirty="0">
-                <a:latin typeface="Arial" panose="020B0604020202020204" pitchFamily="34" charset="0"/>
-                <a:cs typeface="Arial" panose="020B0604020202020204" pitchFamily="34" charset="0"/>
-              </a:rPr>
-              <a:t>Chapter 8: Conclusion</a:t>
-            </a:r>
-            <a:endParaRPr lang="en-US" dirty="0"/>
-          </a:p>
-        </p:txBody>
-      </p:sp>
-      <p:sp>
-        <p:nvSpPr>
-          <p:cNvPr id="3" name="Text Placeholder 2">
-            <a:extLst>
-              <a:ext uri="{FF2B5EF4-FFF2-40B4-BE49-F238E27FC236}">
-                <a16:creationId xmlns:a16="http://schemas.microsoft.com/office/drawing/2014/main" id="{9E7D67A9-1C9F-F06F-4E7E-B1B3D587DAE6}"/>
-              </a:ext>
-            </a:extLst>
-          </p:cNvPr>
-          <p:cNvSpPr>
-            <a:spLocks noGrp="1"/>
-          </p:cNvSpPr>
-          <p:nvPr>
-            <p:ph type="body" sz="quarter" idx="13"/>
-          </p:nvPr>
-        </p:nvSpPr>
-        <p:spPr>
-          <a:xfrm>
-            <a:off x="337539" y="839755"/>
-            <a:ext cx="11515725" cy="5271796"/>
-          </a:xfrm>
-        </p:spPr>
-        <p:txBody>
-          <a:bodyPr/>
-          <a:lstStyle/>
-          <a:p>
-            <a:pPr marL="0" marR="0" lvl="0" indent="0">
-              <a:lnSpc>
-                <a:spcPct val="120000"/>
-              </a:lnSpc>
-              <a:spcBef>
-                <a:spcPts val="0"/>
-              </a:spcBef>
-              <a:spcAft>
-                <a:spcPts val="0"/>
-              </a:spcAft>
-              <a:buNone/>
-            </a:pPr>
-            <a:r>
-              <a:rPr lang="en-US" sz="2000" b="1" dirty="0">
-                <a:latin typeface="Arial" panose="020B0604020202020204" pitchFamily="34" charset="0"/>
-                <a:cs typeface="Arial" panose="020B0604020202020204" pitchFamily="34" charset="0"/>
-              </a:rPr>
-              <a:t>II. Future work</a:t>
-            </a:r>
-          </a:p>
-          <a:p>
-            <a:pPr marR="0" lvl="0">
-              <a:lnSpc>
-                <a:spcPct val="120000"/>
-              </a:lnSpc>
-              <a:spcBef>
-                <a:spcPts val="0"/>
-              </a:spcBef>
-              <a:spcAft>
-                <a:spcPts val="0"/>
-              </a:spcAft>
-            </a:pPr>
-            <a:r>
-              <a:rPr lang="en-US" sz="2000" dirty="0">
-                <a:effectLst/>
-                <a:latin typeface="Arial" panose="020B0604020202020204" pitchFamily="34" charset="0"/>
-                <a:ea typeface="Times New Roman" panose="02020603050405020304" pitchFamily="18" charset="0"/>
-                <a:cs typeface="Arial" panose="020B0604020202020204" pitchFamily="34" charset="0"/>
-              </a:rPr>
-              <a:t>Install surveillance camera system for the Smart Home</a:t>
-            </a:r>
-          </a:p>
-          <a:p>
-            <a:pPr marR="0" lvl="0">
-              <a:lnSpc>
-                <a:spcPct val="120000"/>
-              </a:lnSpc>
-              <a:spcBef>
-                <a:spcPts val="0"/>
-              </a:spcBef>
-              <a:spcAft>
-                <a:spcPts val="0"/>
-              </a:spcAft>
-            </a:pPr>
-            <a:r>
-              <a:rPr lang="en-US" sz="2000" dirty="0">
-                <a:effectLst/>
-                <a:latin typeface="Arial" panose="020B0604020202020204" pitchFamily="34" charset="0"/>
-                <a:ea typeface="Times New Roman" panose="02020603050405020304" pitchFamily="18" charset="0"/>
-                <a:cs typeface="Arial" panose="020B0604020202020204" pitchFamily="34" charset="0"/>
-              </a:rPr>
-              <a:t>Improve the accuracy of the value of sensors</a:t>
-            </a:r>
-          </a:p>
-          <a:p>
-            <a:pPr marR="0" lvl="0">
-              <a:lnSpc>
-                <a:spcPct val="120000"/>
-              </a:lnSpc>
-              <a:spcBef>
-                <a:spcPts val="0"/>
-              </a:spcBef>
-              <a:spcAft>
-                <a:spcPts val="0"/>
-              </a:spcAft>
-            </a:pPr>
-            <a:r>
-              <a:rPr lang="en-US" sz="2000" dirty="0">
-                <a:effectLst/>
-                <a:latin typeface="Arial" panose="020B0604020202020204" pitchFamily="34" charset="0"/>
-                <a:ea typeface="Times New Roman" panose="02020603050405020304" pitchFamily="18" charset="0"/>
-                <a:cs typeface="Arial" panose="020B0604020202020204" pitchFamily="34" charset="0"/>
-              </a:rPr>
-              <a:t>Improve the accuracy of the actuators block</a:t>
-            </a:r>
-          </a:p>
-          <a:p>
-            <a:pPr marR="0" lvl="0">
-              <a:lnSpc>
-                <a:spcPct val="120000"/>
-              </a:lnSpc>
-              <a:spcBef>
-                <a:spcPts val="0"/>
-              </a:spcBef>
-              <a:spcAft>
-                <a:spcPts val="0"/>
-              </a:spcAft>
-            </a:pPr>
-            <a:r>
-              <a:rPr lang="en-US" sz="2000" dirty="0">
-                <a:effectLst/>
-                <a:latin typeface="Arial" panose="020B0604020202020204" pitchFamily="34" charset="0"/>
-                <a:ea typeface="Times New Roman" panose="02020603050405020304" pitchFamily="18" charset="0"/>
-                <a:cs typeface="Arial" panose="020B0604020202020204" pitchFamily="34" charset="0"/>
-              </a:rPr>
-              <a:t>Improve the </a:t>
-            </a:r>
-            <a:r>
-              <a:rPr lang="en-US" sz="2000" dirty="0" err="1">
-                <a:effectLst/>
-                <a:latin typeface="Arial" panose="020B0604020202020204" pitchFamily="34" charset="0"/>
-                <a:ea typeface="Times New Roman" panose="02020603050405020304" pitchFamily="18" charset="0"/>
-                <a:cs typeface="Arial" panose="020B0604020202020204" pitchFamily="34" charset="0"/>
-              </a:rPr>
-              <a:t>gara</a:t>
-            </a:r>
-            <a:r>
-              <a:rPr lang="vi-VN" sz="2000" dirty="0">
-                <a:effectLst/>
-                <a:latin typeface="Arial" panose="020B0604020202020204" pitchFamily="34" charset="0"/>
-                <a:ea typeface="Times New Roman" panose="02020603050405020304" pitchFamily="18" charset="0"/>
-                <a:cs typeface="Arial" panose="020B0604020202020204" pitchFamily="34" charset="0"/>
-              </a:rPr>
-              <a:t>ge</a:t>
-            </a:r>
-            <a:r>
-              <a:rPr lang="en-US" sz="2000" dirty="0">
-                <a:effectLst/>
-                <a:latin typeface="Arial" panose="020B0604020202020204" pitchFamily="34" charset="0"/>
-                <a:ea typeface="Times New Roman" panose="02020603050405020304" pitchFamily="18" charset="0"/>
-                <a:cs typeface="Arial" panose="020B0604020202020204" pitchFamily="34" charset="0"/>
-              </a:rPr>
-              <a:t> system by allowing more than 1 vehicles stored in</a:t>
-            </a:r>
-          </a:p>
-          <a:p>
-            <a:pPr marR="0" lvl="0">
-              <a:lnSpc>
-                <a:spcPct val="120000"/>
-              </a:lnSpc>
-              <a:spcBef>
-                <a:spcPts val="0"/>
-              </a:spcBef>
-              <a:spcAft>
-                <a:spcPts val="0"/>
-              </a:spcAft>
-            </a:pPr>
-            <a:r>
-              <a:rPr lang="en-US" sz="2000" dirty="0">
-                <a:effectLst/>
-                <a:latin typeface="Arial" panose="020B0604020202020204" pitchFamily="34" charset="0"/>
-                <a:ea typeface="Times New Roman" panose="02020603050405020304" pitchFamily="18" charset="0"/>
-                <a:cs typeface="Arial" panose="020B0604020202020204" pitchFamily="34" charset="0"/>
-              </a:rPr>
-              <a:t>Improve the security of our living room by interacting magnetic card system or fingerprint system</a:t>
-            </a:r>
-          </a:p>
-          <a:p>
-            <a:pPr marR="0" lvl="0">
-              <a:lnSpc>
-                <a:spcPct val="120000"/>
-              </a:lnSpc>
-              <a:spcBef>
-                <a:spcPts val="0"/>
-              </a:spcBef>
-              <a:spcAft>
-                <a:spcPts val="0"/>
-              </a:spcAft>
-            </a:pPr>
-            <a:r>
-              <a:rPr lang="en-US" sz="2000" dirty="0">
-                <a:effectLst/>
-                <a:latin typeface="Arial" panose="020B0604020202020204" pitchFamily="34" charset="0"/>
-                <a:ea typeface="Times New Roman" panose="02020603050405020304" pitchFamily="18" charset="0"/>
-                <a:cs typeface="Arial" panose="020B0604020202020204" pitchFamily="34" charset="0"/>
-              </a:rPr>
-              <a:t>Improve door system working like the elevator door mechanism</a:t>
-            </a:r>
-          </a:p>
-          <a:p>
-            <a:pPr marR="0" lvl="0">
-              <a:lnSpc>
-                <a:spcPct val="120000"/>
-              </a:lnSpc>
-              <a:spcBef>
-                <a:spcPts val="0"/>
-              </a:spcBef>
-              <a:spcAft>
-                <a:spcPts val="0"/>
-              </a:spcAft>
-            </a:pPr>
-            <a:r>
-              <a:rPr lang="en-US" sz="2000" dirty="0">
-                <a:effectLst/>
-                <a:latin typeface="Arial" panose="020B0604020202020204" pitchFamily="34" charset="0"/>
-                <a:ea typeface="Times New Roman" panose="02020603050405020304" pitchFamily="18" charset="0"/>
-                <a:cs typeface="Arial" panose="020B0604020202020204" pitchFamily="34" charset="0"/>
-              </a:rPr>
-              <a:t>Improve the cooling system</a:t>
-            </a:r>
-          </a:p>
-          <a:p>
-            <a:pPr marR="0" lvl="0">
-              <a:lnSpc>
-                <a:spcPct val="120000"/>
-              </a:lnSpc>
-              <a:spcBef>
-                <a:spcPts val="0"/>
-              </a:spcBef>
-              <a:spcAft>
-                <a:spcPts val="0"/>
-              </a:spcAft>
-            </a:pPr>
-            <a:r>
-              <a:rPr lang="en-US" sz="2000" dirty="0">
-                <a:effectLst/>
-                <a:latin typeface="Arial" panose="020B0604020202020204" pitchFamily="34" charset="0"/>
-                <a:ea typeface="Times New Roman" panose="02020603050405020304" pitchFamily="18" charset="0"/>
-                <a:cs typeface="Arial" panose="020B0604020202020204" pitchFamily="34" charset="0"/>
-              </a:rPr>
-              <a:t>Improve the anti-theft system by image recognition</a:t>
-            </a:r>
-          </a:p>
-          <a:p>
-            <a:pPr marR="0" lvl="0">
-              <a:lnSpc>
-                <a:spcPct val="120000"/>
-              </a:lnSpc>
-              <a:spcBef>
-                <a:spcPts val="0"/>
-              </a:spcBef>
-              <a:spcAft>
-                <a:spcPts val="0"/>
-              </a:spcAft>
-            </a:pPr>
-            <a:r>
-              <a:rPr lang="en-US" sz="2000" dirty="0">
-                <a:effectLst/>
-                <a:latin typeface="Arial" panose="020B0604020202020204" pitchFamily="34" charset="0"/>
-                <a:ea typeface="Times New Roman" panose="02020603050405020304" pitchFamily="18" charset="0"/>
-                <a:cs typeface="Arial" panose="020B0604020202020204" pitchFamily="34" charset="0"/>
-              </a:rPr>
-              <a:t>Improve the mechanical system</a:t>
-            </a:r>
-          </a:p>
-          <a:p>
-            <a:pPr marR="0" lvl="0">
-              <a:lnSpc>
-                <a:spcPct val="120000"/>
-              </a:lnSpc>
-              <a:spcBef>
-                <a:spcPts val="0"/>
-              </a:spcBef>
-              <a:spcAft>
-                <a:spcPts val="0"/>
-              </a:spcAft>
-            </a:pPr>
-            <a:r>
-              <a:rPr lang="en-US" sz="2000" dirty="0">
-                <a:effectLst/>
-                <a:latin typeface="Arial" panose="020B0604020202020204" pitchFamily="34" charset="0"/>
-                <a:ea typeface="Times New Roman" panose="02020603050405020304" pitchFamily="18" charset="0"/>
-                <a:cs typeface="Arial" panose="020B0604020202020204" pitchFamily="34" charset="0"/>
-              </a:rPr>
-              <a:t>Application of monitoring and control systems in healthcare and education.</a:t>
-            </a:r>
-          </a:p>
-          <a:p>
-            <a:pPr marR="0" lvl="0">
-              <a:lnSpc>
-                <a:spcPct val="120000"/>
-              </a:lnSpc>
-              <a:spcBef>
-                <a:spcPts val="0"/>
-              </a:spcBef>
-              <a:spcAft>
-                <a:spcPts val="0"/>
-              </a:spcAft>
-            </a:pPr>
-            <a:r>
-              <a:rPr lang="en-US" sz="2000" dirty="0">
-                <a:effectLst/>
-                <a:latin typeface="Arial" panose="020B0604020202020204" pitchFamily="34" charset="0"/>
-                <a:ea typeface="Times New Roman" panose="02020603050405020304" pitchFamily="18" charset="0"/>
-                <a:cs typeface="Arial" panose="020B0604020202020204" pitchFamily="34" charset="0"/>
-              </a:rPr>
-              <a:t>Control smart devices through voice</a:t>
-            </a:r>
-          </a:p>
-          <a:p>
-            <a:pPr marR="0" lvl="0">
-              <a:lnSpc>
-                <a:spcPct val="120000"/>
-              </a:lnSpc>
-              <a:spcBef>
-                <a:spcPts val="0"/>
-              </a:spcBef>
-              <a:spcAft>
-                <a:spcPts val="0"/>
-              </a:spcAft>
-            </a:pPr>
-            <a:r>
-              <a:rPr lang="en-US" sz="2000" dirty="0">
-                <a:effectLst/>
-                <a:latin typeface="Arial" panose="020B0604020202020204" pitchFamily="34" charset="0"/>
-                <a:ea typeface="Times New Roman" panose="02020603050405020304" pitchFamily="18" charset="0"/>
-                <a:cs typeface="Arial" panose="020B0604020202020204" pitchFamily="34" charset="0"/>
-              </a:rPr>
-              <a:t>Build a management software on mobile devices, and a management software on the web, which can automatically notify users of adverse conditions.</a:t>
-            </a:r>
-          </a:p>
-        </p:txBody>
-      </p:sp>
-      <p:sp>
-        <p:nvSpPr>
-          <p:cNvPr id="4" name="Slide Number Placeholder 3">
-            <a:extLst>
-              <a:ext uri="{FF2B5EF4-FFF2-40B4-BE49-F238E27FC236}">
-                <a16:creationId xmlns:a16="http://schemas.microsoft.com/office/drawing/2014/main" id="{2AA1CB4B-9B0E-46ED-483C-0C851941943C}"/>
-              </a:ext>
-            </a:extLst>
-          </p:cNvPr>
-          <p:cNvSpPr>
-            <a:spLocks noGrp="1"/>
-          </p:cNvSpPr>
-          <p:nvPr>
-            <p:ph type="sldNum" sz="quarter" idx="12"/>
-          </p:nvPr>
-        </p:nvSpPr>
-        <p:spPr/>
-        <p:txBody>
-          <a:bodyPr/>
-          <a:lstStyle/>
-          <a:p>
-            <a:fld id="{9EA0BE3B-158A-4EDF-80DC-E394A0D1600F}" type="slidenum">
-              <a:rPr lang="en-US" smtClean="0"/>
-              <a:pPr/>
-              <a:t>31</a:t>
-            </a:fld>
-            <a:endParaRPr lang="en-US"/>
-          </a:p>
-        </p:txBody>
-      </p:sp>
-    </p:spTree>
-    <p:extLst>
-      <p:ext uri="{BB962C8B-B14F-4D97-AF65-F5344CB8AC3E}">
-        <p14:creationId xmlns:p14="http://schemas.microsoft.com/office/powerpoint/2010/main" val="3845654399"/>
-      </p:ext>
-    </p:extLst>
-  </p:cSld>
-  <p:clrMapOvr>
-    <a:masterClrMapping/>
-  </p:clrMapOvr>
-</p:sld>
-</file>
-
-<file path=ppt/slides/slide32.xml><?xml version="1.0" encoding="utf-8"?>
-<p:sld xmlns:a="http://schemas.openxmlformats.org/drawingml/2006/main" xmlns:r="http://schemas.openxmlformats.org/officeDocument/2006/relationships" xmlns:p="http://schemas.openxmlformats.org/presentationml/2006/main">
-  <p:cSld>
-    <p:spTree>
-      <p:nvGrpSpPr>
-        <p:cNvPr id="1" name=""/>
-        <p:cNvGrpSpPr/>
-        <p:nvPr/>
-      </p:nvGrpSpPr>
-      <p:grpSpPr>
-        <a:xfrm>
-          <a:off x="0" y="0"/>
-          <a:ext cx="0" cy="0"/>
-          <a:chOff x="0" y="0"/>
-          <a:chExt cx="0" cy="0"/>
-        </a:xfrm>
-      </p:grpSpPr>
-      <p:sp>
-        <p:nvSpPr>
-          <p:cNvPr id="2" name="Title 6">
-            <a:extLst>
-              <a:ext uri="{FF2B5EF4-FFF2-40B4-BE49-F238E27FC236}">
-                <a16:creationId xmlns:a16="http://schemas.microsoft.com/office/drawing/2014/main" id="{5945A2BB-ABB6-48FB-A491-502474D93E34}"/>
-              </a:ext>
-            </a:extLst>
-          </p:cNvPr>
-          <p:cNvSpPr txBox="1">
-            <a:spLocks/>
-          </p:cNvSpPr>
-          <p:nvPr/>
-        </p:nvSpPr>
-        <p:spPr>
-          <a:xfrm>
-            <a:off x="5605763" y="2869457"/>
-            <a:ext cx="5422456" cy="971304"/>
-          </a:xfrm>
-          <a:prstGeom prst="rect">
-            <a:avLst/>
-          </a:prstGeom>
-        </p:spPr>
-        <p:txBody>
-          <a:bodyPr/>
-          <a:lstStyle>
-            <a:lvl1pPr algn="l" defTabSz="914400" rtl="0" eaLnBrk="1" latinLnBrk="0" hangingPunct="1">
-              <a:lnSpc>
-                <a:spcPct val="90000"/>
-              </a:lnSpc>
-              <a:spcBef>
-                <a:spcPct val="0"/>
-              </a:spcBef>
-              <a:buNone/>
-              <a:defRPr sz="7200" b="1" kern="1200">
-                <a:solidFill>
-                  <a:srgbClr val="C00000"/>
-                </a:solidFill>
-                <a:latin typeface="Lato" panose="020F0502020204030203" pitchFamily="34" charset="0"/>
-                <a:ea typeface="Lato" panose="020F0502020204030203" pitchFamily="34" charset="0"/>
-                <a:cs typeface="Lato" panose="020F0502020204030203" pitchFamily="34" charset="0"/>
-              </a:defRPr>
-            </a:lvl1pPr>
-          </a:lstStyle>
-          <a:p>
-            <a:r>
-              <a:rPr lang="en-US" sz="6000" dirty="0"/>
-              <a:t>THANK YOU !</a:t>
-            </a:r>
-          </a:p>
-        </p:txBody>
-      </p:sp>
-      <p:sp>
-        <p:nvSpPr>
-          <p:cNvPr id="3" name="Slide Number Placeholder 2">
-            <a:extLst>
-              <a:ext uri="{FF2B5EF4-FFF2-40B4-BE49-F238E27FC236}">
-                <a16:creationId xmlns:a16="http://schemas.microsoft.com/office/drawing/2014/main" id="{B255FE58-BA70-418C-863F-55066B6675FB}"/>
-              </a:ext>
-            </a:extLst>
-          </p:cNvPr>
-          <p:cNvSpPr>
-            <a:spLocks noGrp="1"/>
-          </p:cNvSpPr>
-          <p:nvPr>
-            <p:ph type="sldNum" sz="quarter" idx="12"/>
-          </p:nvPr>
-        </p:nvSpPr>
-        <p:spPr/>
-        <p:txBody>
-          <a:bodyPr/>
-          <a:lstStyle/>
-          <a:p>
-            <a:fld id="{9EA0BE3B-158A-4EDF-80DC-E394A0D1600F}" type="slidenum">
-              <a:rPr lang="en-US" smtClean="0"/>
-              <a:pPr/>
-              <a:t>32</a:t>
-            </a:fld>
-            <a:endParaRPr lang="en-US"/>
-          </a:p>
-        </p:txBody>
-      </p:sp>
-    </p:spTree>
-    <p:extLst>
-      <p:ext uri="{BB962C8B-B14F-4D97-AF65-F5344CB8AC3E}">
-        <p14:creationId xmlns:p14="http://schemas.microsoft.com/office/powerpoint/2010/main" val="2790627162"/>
       </p:ext>
     </p:extLst>
   </p:cSld>
@@ -11217,7 +5918,10 @@
               <a:buNone/>
             </a:pPr>
             <a:r>
-              <a:rPr lang="en-US" b="1" dirty="0"/>
+              <a:rPr lang="en-US" sz="2000" b="1" dirty="0">
+                <a:latin typeface="Arial" panose="020B0604020202020204" pitchFamily="34" charset="0"/>
+                <a:cs typeface="Arial" panose="020B0604020202020204" pitchFamily="34" charset="0"/>
+              </a:rPr>
               <a:t>2. Components</a:t>
             </a:r>
           </a:p>
@@ -11244,14 +5948,14 @@
           <p:nvPr>
             <p:extLst>
               <p:ext uri="{D42A27DB-BD31-4B8C-83A1-F6EECF244321}">
-                <p14:modId xmlns:p14="http://schemas.microsoft.com/office/powerpoint/2010/main" val="1186242809"/>
+                <p14:modId xmlns:p14="http://schemas.microsoft.com/office/powerpoint/2010/main" val="420447650"/>
               </p:ext>
             </p:extLst>
           </p:nvPr>
         </p:nvGraphicFramePr>
         <p:xfrm>
           <a:off x="832374" y="1642454"/>
-          <a:ext cx="10727655" cy="4328445"/>
+          <a:ext cx="10727655" cy="4509991"/>
         </p:xfrm>
         <a:graphic>
           <a:graphicData uri="http://schemas.openxmlformats.org/drawingml/2006/table">
@@ -11352,6 +6056,10 @@
                         <a:buChar char="•"/>
                       </a:pPr>
                       <a:r>
+                        <a:rPr lang="en-US" sz="1200" dirty="0"/>
+                        <a:t>Operating Voltage</a:t>
+                      </a:r>
+                      <a:r>
                         <a:rPr lang="en-US" sz="1200" kern="1200" dirty="0">
                           <a:solidFill>
                             <a:schemeClr val="dk1"/>
@@ -11360,7 +6068,7 @@
                           <a:ea typeface="+mn-ea"/>
                           <a:cs typeface="+mn-cs"/>
                         </a:rPr>
-                        <a:t>Voltage operation: 3.3 – 5.5V</a:t>
+                        <a:t>: 3.3 to 5.5V DC</a:t>
                       </a:r>
                     </a:p>
                     <a:p>
@@ -11394,7 +6102,7 @@
                           <a:ea typeface="+mn-ea"/>
                           <a:cs typeface="+mn-cs"/>
                         </a:rPr>
-                        <a:t>Temperature range: 0 – 50 degree</a:t>
+                        <a:t>Temperature range: 0 – 50 degree C</a:t>
                       </a:r>
                     </a:p>
                   </a:txBody>
@@ -11452,6 +6160,20 @@
                     <a:bodyPr/>
                     <a:lstStyle/>
                     <a:p>
+                      <a:pPr marL="171450" indent="-171450">
+                        <a:buFont typeface="Arial" panose="020B0604020202020204" pitchFamily="34" charset="0"/>
+                        <a:buChar char="•"/>
+                      </a:pPr>
+                      <a:r>
+                        <a:rPr lang="en-US" sz="1200" dirty="0"/>
+                        <a:t>Operating Voltage: 5V</a:t>
+                      </a:r>
+                    </a:p>
+                    <a:p>
+                      <a:pPr marL="171450" indent="-171450">
+                        <a:buFont typeface="Arial" panose="020B0604020202020204" pitchFamily="34" charset="0"/>
+                        <a:buChar char="•"/>
+                      </a:pPr>
                       <a:endParaRPr lang="en-US" sz="1200" dirty="0"/>
                     </a:p>
                   </a:txBody>
@@ -11499,7 +6221,34 @@
                     <a:bodyPr/>
                     <a:lstStyle/>
                     <a:p>
-                      <a:endParaRPr lang="en-US" sz="1200"/>
+                      <a:pPr marL="171450" indent="-171450">
+                        <a:buFont typeface="Arial" panose="020B0604020202020204" pitchFamily="34" charset="0"/>
+                        <a:buChar char="•"/>
+                      </a:pPr>
+                      <a:r>
+                        <a:rPr lang="en-US" sz="1200" dirty="0"/>
+                        <a:t>Operating Voltage: 3 to 15V DC</a:t>
+                      </a:r>
+                    </a:p>
+                    <a:p>
+                      <a:pPr marL="171450" indent="-171450">
+                        <a:buFont typeface="Arial" panose="020B0604020202020204" pitchFamily="34" charset="0"/>
+                        <a:buChar char="•"/>
+                      </a:pPr>
+                      <a:r>
+                        <a:rPr lang="pl-PL" sz="1200" dirty="0"/>
+                        <a:t>Cooling power: 50 W, 90 W, 120 W</a:t>
+                      </a:r>
+                    </a:p>
+                    <a:p>
+                      <a:pPr marL="171450" indent="-171450">
+                        <a:buFont typeface="Arial" panose="020B0604020202020204" pitchFamily="34" charset="0"/>
+                        <a:buChar char="•"/>
+                      </a:pPr>
+                      <a:r>
+                        <a:rPr lang="en-US" sz="1200" dirty="0"/>
+                        <a:t>2-sided temperature difference: up to 67 degree C</a:t>
+                      </a:r>
                     </a:p>
                   </a:txBody>
                   <a:tcPr/>
@@ -11527,7 +6276,7 @@
                   </a:ext>
                 </a:extLst>
               </a:tr>
-              <a:tr h="641414">
+              <a:tr h="494799">
                 <a:tc>
                   <a:txBody>
                     <a:bodyPr/>
@@ -11546,7 +6295,34 @@
                     <a:bodyPr/>
                     <a:lstStyle/>
                     <a:p>
-                      <a:endParaRPr lang="en-US" sz="1200" dirty="0"/>
+                      <a:pPr marL="171450" indent="-171450">
+                        <a:buFont typeface="Arial" panose="020B0604020202020204" pitchFamily="34" charset="0"/>
+                        <a:buChar char="•"/>
+                      </a:pPr>
+                      <a:r>
+                        <a:rPr lang="en-US" sz="1200" dirty="0"/>
+                        <a:t>Operating Voltage: 3.5 to 5.5V DC</a:t>
+                      </a:r>
+                    </a:p>
+                    <a:p>
+                      <a:pPr marL="171450" indent="-171450">
+                        <a:buFont typeface="Arial" panose="020B0604020202020204" pitchFamily="34" charset="0"/>
+                        <a:buChar char="•"/>
+                      </a:pPr>
+                      <a:r>
+                        <a:rPr lang="en-US" sz="1200" dirty="0"/>
+                        <a:t>2 operating modes: (L) no repeat activation,(H) repeat activation</a:t>
+                      </a:r>
+                    </a:p>
+                    <a:p>
+                      <a:pPr marL="171450" indent="-171450">
+                        <a:buFont typeface="Arial" panose="020B0604020202020204" pitchFamily="34" charset="0"/>
+                        <a:buChar char="•"/>
+                      </a:pPr>
+                      <a:r>
+                        <a:rPr lang="en-US" sz="1200" dirty="0"/>
+                        <a:t>Scan angle &lt; 100 degrees.</a:t>
+                      </a:r>
                     </a:p>
                   </a:txBody>
                   <a:tcPr/>
@@ -11606,7 +6382,34 @@
                     <a:bodyPr/>
                     <a:lstStyle/>
                     <a:p>
-                      <a:endParaRPr lang="en-US" sz="1200"/>
+                      <a:pPr marL="171450" indent="-171450">
+                        <a:buFont typeface="Arial" panose="020B0604020202020204" pitchFamily="34" charset="0"/>
+                        <a:buChar char="•"/>
+                      </a:pPr>
+                      <a:r>
+                        <a:rPr lang="en-US" sz="1200" dirty="0"/>
+                        <a:t>Operating Voltage: 3.3 to 5V DC</a:t>
+                      </a:r>
+                    </a:p>
+                    <a:p>
+                      <a:pPr marL="171450" indent="-171450">
+                        <a:buFont typeface="Arial" panose="020B0604020202020204" pitchFamily="34" charset="0"/>
+                        <a:buChar char="•"/>
+                      </a:pPr>
+                      <a:r>
+                        <a:rPr lang="en-US" sz="1200" dirty="0"/>
+                        <a:t>Comparator IC: LM393</a:t>
+                      </a:r>
+                    </a:p>
+                    <a:p>
+                      <a:pPr marL="171450" indent="-171450">
+                        <a:buFont typeface="Arial" panose="020B0604020202020204" pitchFamily="34" charset="0"/>
+                        <a:buChar char="•"/>
+                      </a:pPr>
+                      <a:r>
+                        <a:rPr lang="en-US" sz="1200" dirty="0"/>
+                        <a:t>Analog output</a:t>
+                      </a:r>
                     </a:p>
                   </a:txBody>
                   <a:tcPr/>
@@ -11653,6 +6456,30 @@
                     <a:bodyPr/>
                     <a:lstStyle/>
                     <a:p>
+                      <a:pPr marL="171450" indent="-171450">
+                        <a:buFont typeface="Arial" panose="020B0604020202020204" pitchFamily="34" charset="0"/>
+                        <a:buChar char="•"/>
+                      </a:pPr>
+                      <a:r>
+                        <a:rPr lang="en-US" sz="1200" dirty="0"/>
+                        <a:t>Operating Voltage: 3.3 to 5V DC</a:t>
+                      </a:r>
+                    </a:p>
+                    <a:p>
+                      <a:pPr marL="171450" indent="-171450">
+                        <a:buFont typeface="Arial" panose="020B0604020202020204" pitchFamily="34" charset="0"/>
+                        <a:buChar char="•"/>
+                      </a:pPr>
+                      <a:r>
+                        <a:rPr lang="en-US" sz="1200" dirty="0"/>
+                        <a:t>Comparator IC: LM393</a:t>
+                      </a:r>
+                    </a:p>
+                    <a:p>
+                      <a:pPr marL="0" indent="0">
+                        <a:buFont typeface="Arial" panose="020B0604020202020204" pitchFamily="34" charset="0"/>
+                        <a:buNone/>
+                      </a:pPr>
                       <a:endParaRPr lang="en-US" sz="1200" dirty="0"/>
                     </a:p>
                   </a:txBody>
@@ -11841,14 +6668,14 @@
           <p:nvPr>
             <p:extLst>
               <p:ext uri="{D42A27DB-BD31-4B8C-83A1-F6EECF244321}">
-                <p14:modId xmlns:p14="http://schemas.microsoft.com/office/powerpoint/2010/main" val="968470020"/>
+                <p14:modId xmlns:p14="http://schemas.microsoft.com/office/powerpoint/2010/main" val="2843778165"/>
               </p:ext>
             </p:extLst>
           </p:nvPr>
         </p:nvGraphicFramePr>
         <p:xfrm>
           <a:off x="849154" y="1575342"/>
-          <a:ext cx="10777989" cy="4392624"/>
+          <a:ext cx="10777989" cy="4483626"/>
         </p:xfrm>
         <a:graphic>
           <a:graphicData uri="http://schemas.openxmlformats.org/drawingml/2006/table">
@@ -11947,7 +6774,34 @@
                     <a:bodyPr/>
                     <a:lstStyle/>
                     <a:p>
-                      <a:endParaRPr lang="en-US" sz="1200" dirty="0"/>
+                      <a:pPr marL="171450" indent="-171450">
+                        <a:buFont typeface="Arial" panose="020B0604020202020204" pitchFamily="34" charset="0"/>
+                        <a:buChar char="•"/>
+                      </a:pPr>
+                      <a:r>
+                        <a:rPr lang="en-US" sz="1200" dirty="0"/>
+                        <a:t>Operating Voltage: 5V</a:t>
+                      </a:r>
+                    </a:p>
+                    <a:p>
+                      <a:pPr marL="171450" indent="-171450">
+                        <a:buFont typeface="Arial" panose="020B0604020202020204" pitchFamily="34" charset="0"/>
+                        <a:buChar char="•"/>
+                      </a:pPr>
+                      <a:r>
+                        <a:rPr lang="en-US" sz="1200" dirty="0"/>
+                        <a:t>Highly sensitive for LPG, Propane and Hydrogen </a:t>
+                      </a:r>
+                    </a:p>
+                    <a:p>
+                      <a:pPr marL="171450" indent="-171450">
+                        <a:buFont typeface="Arial" panose="020B0604020202020204" pitchFamily="34" charset="0"/>
+                        <a:buChar char="•"/>
+                      </a:pPr>
+                      <a:r>
+                        <a:rPr lang="en-US" sz="1200" dirty="0"/>
+                        <a:t>Analog output</a:t>
+                      </a:r>
                     </a:p>
                   </a:txBody>
                   <a:tcPr/>
@@ -11994,7 +6848,7 @@
                     <a:bodyPr/>
                     <a:lstStyle/>
                     <a:p>
-                      <a:endParaRPr lang="en-US" sz="1200"/>
+                      <a:endParaRPr lang="en-US" sz="1200" dirty="0"/>
                     </a:p>
                   </a:txBody>
                   <a:tcPr/>
@@ -12108,7 +6962,7 @@
                     <a:bodyPr/>
                     <a:lstStyle/>
                     <a:p>
-                      <a:endParaRPr lang="en-US" sz="1200"/>
+                      <a:endParaRPr lang="en-US" sz="1200" dirty="0"/>
                     </a:p>
                   </a:txBody>
                   <a:tcPr/>
@@ -12218,7 +7072,7 @@
                       </a:pPr>
                       <a:r>
                         <a:rPr lang="en-US" sz="1200" dirty="0"/>
-                        <a:t>Control block</a:t>
+                        <a:t>Control block for sensors</a:t>
                       </a:r>
                     </a:p>
                   </a:txBody>
@@ -12265,7 +7119,7 @@
                       </a:pPr>
                       <a:r>
                         <a:rPr lang="en-US" sz="1200" dirty="0"/>
-                        <a:t>Control block</a:t>
+                        <a:t>Control block for actuators</a:t>
                       </a:r>
                     </a:p>
                   </a:txBody>

--- a/POWERPOINT/GraduationThesis_pp.pptx
+++ b/POWERPOINT/GraduationThesis_pp.pptx
@@ -5,29 +5,28 @@
     <p:sldMasterId id="2147483648" r:id="rId1"/>
   </p:sldMasterIdLst>
   <p:notesMasterIdLst>
-    <p:notesMasterId r:id="rId19"/>
+    <p:notesMasterId r:id="rId18"/>
   </p:notesMasterIdLst>
   <p:handoutMasterIdLst>
-    <p:handoutMasterId r:id="rId20"/>
+    <p:handoutMasterId r:id="rId19"/>
   </p:handoutMasterIdLst>
   <p:sldIdLst>
     <p:sldId id="259" r:id="rId2"/>
     <p:sldId id="256" r:id="rId3"/>
     <p:sldId id="263" r:id="rId4"/>
-    <p:sldId id="257" r:id="rId5"/>
-    <p:sldId id="283" r:id="rId6"/>
-    <p:sldId id="260" r:id="rId7"/>
-    <p:sldId id="284" r:id="rId8"/>
-    <p:sldId id="276" r:id="rId9"/>
-    <p:sldId id="285" r:id="rId10"/>
-    <p:sldId id="275" r:id="rId11"/>
-    <p:sldId id="291" r:id="rId12"/>
-    <p:sldId id="292" r:id="rId13"/>
-    <p:sldId id="293" r:id="rId14"/>
-    <p:sldId id="294" r:id="rId15"/>
-    <p:sldId id="281" r:id="rId16"/>
-    <p:sldId id="282" r:id="rId17"/>
-    <p:sldId id="262" r:id="rId18"/>
+    <p:sldId id="283" r:id="rId5"/>
+    <p:sldId id="260" r:id="rId6"/>
+    <p:sldId id="284" r:id="rId7"/>
+    <p:sldId id="276" r:id="rId8"/>
+    <p:sldId id="285" r:id="rId9"/>
+    <p:sldId id="275" r:id="rId10"/>
+    <p:sldId id="291" r:id="rId11"/>
+    <p:sldId id="292" r:id="rId12"/>
+    <p:sldId id="293" r:id="rId13"/>
+    <p:sldId id="294" r:id="rId14"/>
+    <p:sldId id="281" r:id="rId15"/>
+    <p:sldId id="282" r:id="rId16"/>
+    <p:sldId id="262" r:id="rId17"/>
   </p:sldIdLst>
   <p:sldSz cx="12192000" cy="6858000"/>
   <p:notesSz cx="6858000" cy="9144000"/>
@@ -3290,10 +3289,10 @@
       </p:sp>
       <p:pic>
         <p:nvPicPr>
-          <p:cNvPr id="6" name="Picture 5" descr="Diagram&#10;&#10;Description automatically generated">
-            <a:extLst>
-              <a:ext uri="{FF2B5EF4-FFF2-40B4-BE49-F238E27FC236}">
-                <a16:creationId xmlns:a16="http://schemas.microsoft.com/office/drawing/2014/main" id="{5E45C01D-8F11-4075-EA0E-FF2123E0A0FB}"/>
+          <p:cNvPr id="5" name="Picture 4" descr="Diagram&#10;&#10;Description automatically generated">
+            <a:extLst>
+              <a:ext uri="{FF2B5EF4-FFF2-40B4-BE49-F238E27FC236}">
+                <a16:creationId xmlns:a16="http://schemas.microsoft.com/office/drawing/2014/main" id="{2D86A62D-E4A5-0DC9-B7F3-F6F8F456D6AF}"/>
               </a:ext>
             </a:extLst>
           </p:cNvPr>
@@ -3310,26 +3309,31 @@
               </a:ext>
             </a:extLst>
           </a:blip>
+          <a:srcRect/>
           <a:stretch>
             <a:fillRect/>
           </a:stretch>
         </p:blipFill>
-        <p:spPr>
+        <p:spPr bwMode="auto">
           <a:xfrm>
-            <a:off x="7864902" y="1058844"/>
-            <a:ext cx="3882338" cy="5181843"/>
+            <a:off x="7314366" y="890032"/>
+            <a:ext cx="4137296" cy="5216706"/>
           </a:xfrm>
           <a:prstGeom prst="rect">
             <a:avLst/>
           </a:prstGeom>
+          <a:noFill/>
+          <a:ln>
+            <a:noFill/>
+          </a:ln>
         </p:spPr>
       </p:pic>
       <p:sp>
         <p:nvSpPr>
-          <p:cNvPr id="9" name="TextBox 8">
-            <a:extLst>
-              <a:ext uri="{FF2B5EF4-FFF2-40B4-BE49-F238E27FC236}">
-                <a16:creationId xmlns:a16="http://schemas.microsoft.com/office/drawing/2014/main" id="{EEA1A176-880C-187A-F1AE-ED6C4E8801C0}"/>
+          <p:cNvPr id="6" name="TextBox 5">
+            <a:extLst>
+              <a:ext uri="{FF2B5EF4-FFF2-40B4-BE49-F238E27FC236}">
+                <a16:creationId xmlns:a16="http://schemas.microsoft.com/office/drawing/2014/main" id="{F5E377C1-8F5E-4DFF-4392-63815A465CF3}"/>
               </a:ext>
             </a:extLst>
           </p:cNvPr>
@@ -3360,11 +3364,11 @@
                 <a:latin typeface="Arial" panose="020B0604020202020204" pitchFamily="34" charset="0"/>
                 <a:cs typeface="Arial" panose="020B0604020202020204" pitchFamily="34" charset="0"/>
               </a:rPr>
-              <a:t>1. Living Room</a:t>
-            </a:r>
-          </a:p>
-          <a:p>
-            <a:pPr>
+              <a:t>2. Bedroom</a:t>
+            </a:r>
+          </a:p>
+          <a:p>
+            <a:pPr marL="342900" indent="-342900">
               <a:buFontTx/>
               <a:buChar char="-"/>
             </a:pPr>
@@ -3373,11 +3377,11 @@
                 <a:latin typeface="Arial" panose="020B0604020202020204" pitchFamily="34" charset="0"/>
                 <a:cs typeface="Arial" panose="020B0604020202020204" pitchFamily="34" charset="0"/>
               </a:rPr>
-              <a:t> Turn on/off the light, fan, door, alarm system by using button.</a:t>
-            </a:r>
-          </a:p>
-          <a:p>
-            <a:pPr>
+              <a:t>Turn on/off the light and air conditioning system by using button.</a:t>
+            </a:r>
+          </a:p>
+          <a:p>
+            <a:pPr marL="342900" indent="-342900">
               <a:buFontTx/>
               <a:buChar char="-"/>
             </a:pPr>
@@ -3386,11 +3390,11 @@
                 <a:latin typeface="Arial" panose="020B0604020202020204" pitchFamily="34" charset="0"/>
                 <a:cs typeface="Arial" panose="020B0604020202020204" pitchFamily="34" charset="0"/>
               </a:rPr>
-              <a:t> Monitor the temperature and humidity</a:t>
-            </a:r>
-          </a:p>
-          <a:p>
-            <a:pPr>
+              <a:t>Display the temperature and humidity  in the LCD.</a:t>
+            </a:r>
+          </a:p>
+          <a:p>
+            <a:pPr marL="342900" indent="-342900">
               <a:buFontTx/>
               <a:buChar char="-"/>
             </a:pPr>
@@ -3399,11 +3403,11 @@
                 <a:latin typeface="Arial" panose="020B0604020202020204" pitchFamily="34" charset="0"/>
                 <a:cs typeface="Arial" panose="020B0604020202020204" pitchFamily="34" charset="0"/>
               </a:rPr>
-              <a:t> Display the temperature and humidity in the LCD.</a:t>
-            </a:r>
-          </a:p>
-          <a:p>
-            <a:pPr>
+              <a:t>Turn on/off the light by using Blynk application.</a:t>
+            </a:r>
+          </a:p>
+          <a:p>
+            <a:pPr marL="342900" indent="-342900">
               <a:buFontTx/>
               <a:buChar char="-"/>
             </a:pPr>
@@ -3412,7 +3416,20 @@
                 <a:latin typeface="Arial" panose="020B0604020202020204" pitchFamily="34" charset="0"/>
                 <a:cs typeface="Arial" panose="020B0604020202020204" pitchFamily="34" charset="0"/>
               </a:rPr>
-              <a:t> Turn on the light automatically when someone is in the stair.</a:t>
+              <a:t>Control the curtain automatically by the light sensor.</a:t>
+            </a:r>
+          </a:p>
+          <a:p>
+            <a:pPr marL="342900" indent="-342900">
+              <a:buFontTx/>
+              <a:buChar char="-"/>
+            </a:pPr>
+            <a:r>
+              <a:rPr lang="en-US" sz="2000" dirty="0">
+                <a:latin typeface="Arial" panose="020B0604020202020204" pitchFamily="34" charset="0"/>
+                <a:cs typeface="Arial" panose="020B0604020202020204" pitchFamily="34" charset="0"/>
+              </a:rPr>
+              <a:t>Control the curtain system by using Blynk application.</a:t>
             </a:r>
           </a:p>
         </p:txBody>
@@ -3420,7 +3437,7 @@
     </p:spTree>
     <p:extLst>
       <p:ext uri="{BB962C8B-B14F-4D97-AF65-F5344CB8AC3E}">
-        <p14:creationId xmlns:p14="http://schemas.microsoft.com/office/powerpoint/2010/main" val="3092172967"/>
+        <p14:creationId xmlns:p14="http://schemas.microsoft.com/office/powerpoint/2010/main" val="3552922780"/>
       </p:ext>
     </p:extLst>
   </p:cSld>
@@ -3472,241 +3489,6 @@
               <a:rPr lang="en-US" smtClean="0"/>
               <a:pPr/>
               <a:t>11</a:t>
-            </a:fld>
-            <a:endParaRPr lang="en-US" dirty="0"/>
-          </a:p>
-        </p:txBody>
-      </p:sp>
-      <p:sp>
-        <p:nvSpPr>
-          <p:cNvPr id="3" name="Title 2">
-            <a:extLst>
-              <a:ext uri="{FF2B5EF4-FFF2-40B4-BE49-F238E27FC236}">
-                <a16:creationId xmlns:a16="http://schemas.microsoft.com/office/drawing/2014/main" id="{D464386B-4481-50C4-C487-1684898562AF}"/>
-              </a:ext>
-            </a:extLst>
-          </p:cNvPr>
-          <p:cNvSpPr>
-            <a:spLocks noGrp="1"/>
-          </p:cNvSpPr>
-          <p:nvPr>
-            <p:ph type="title"/>
-          </p:nvPr>
-        </p:nvSpPr>
-        <p:spPr/>
-        <p:txBody>
-          <a:bodyPr/>
-          <a:lstStyle/>
-          <a:p>
-            <a:r>
-              <a:rPr lang="en-US" dirty="0"/>
-              <a:t>Chapter 3: Detail Working Principle</a:t>
-            </a:r>
-          </a:p>
-        </p:txBody>
-      </p:sp>
-      <p:pic>
-        <p:nvPicPr>
-          <p:cNvPr id="5" name="Picture 4" descr="Diagram&#10;&#10;Description automatically generated">
-            <a:extLst>
-              <a:ext uri="{FF2B5EF4-FFF2-40B4-BE49-F238E27FC236}">
-                <a16:creationId xmlns:a16="http://schemas.microsoft.com/office/drawing/2014/main" id="{2D86A62D-E4A5-0DC9-B7F3-F6F8F456D6AF}"/>
-              </a:ext>
-            </a:extLst>
-          </p:cNvPr>
-          <p:cNvPicPr>
-            <a:picLocks noChangeAspect="1"/>
-          </p:cNvPicPr>
-          <p:nvPr/>
-        </p:nvPicPr>
-        <p:blipFill>
-          <a:blip r:embed="rId2">
-            <a:extLst>
-              <a:ext uri="{28A0092B-C50C-407E-A947-70E740481C1C}">
-                <a14:useLocalDpi xmlns:a14="http://schemas.microsoft.com/office/drawing/2010/main" val="0"/>
-              </a:ext>
-            </a:extLst>
-          </a:blip>
-          <a:srcRect/>
-          <a:stretch>
-            <a:fillRect/>
-          </a:stretch>
-        </p:blipFill>
-        <p:spPr bwMode="auto">
-          <a:xfrm>
-            <a:off x="7314366" y="890032"/>
-            <a:ext cx="4137296" cy="5216706"/>
-          </a:xfrm>
-          <a:prstGeom prst="rect">
-            <a:avLst/>
-          </a:prstGeom>
-          <a:noFill/>
-          <a:ln>
-            <a:noFill/>
-          </a:ln>
-        </p:spPr>
-      </p:pic>
-      <p:sp>
-        <p:nvSpPr>
-          <p:cNvPr id="6" name="TextBox 5">
-            <a:extLst>
-              <a:ext uri="{FF2B5EF4-FFF2-40B4-BE49-F238E27FC236}">
-                <a16:creationId xmlns:a16="http://schemas.microsoft.com/office/drawing/2014/main" id="{F5E377C1-8F5E-4DFF-4392-63815A465CF3}"/>
-              </a:ext>
-            </a:extLst>
-          </p:cNvPr>
-          <p:cNvSpPr txBox="1"/>
-          <p:nvPr/>
-        </p:nvSpPr>
-        <p:spPr>
-          <a:xfrm>
-            <a:off x="234892" y="890032"/>
-            <a:ext cx="6920917" cy="2246769"/>
-          </a:xfrm>
-          <a:prstGeom prst="rect">
-            <a:avLst/>
-          </a:prstGeom>
-          <a:noFill/>
-        </p:spPr>
-        <p:txBody>
-          <a:bodyPr wrap="square" rtlCol="0">
-            <a:spAutoFit/>
-          </a:bodyPr>
-          <a:lstStyle/>
-          <a:p>
-            <a:pPr marL="0" indent="0">
-              <a:buNone/>
-            </a:pPr>
-            <a:r>
-              <a:rPr lang="en-US" sz="2000" b="1" dirty="0">
-                <a:latin typeface="Arial" panose="020B0604020202020204" pitchFamily="34" charset="0"/>
-                <a:cs typeface="Arial" panose="020B0604020202020204" pitchFamily="34" charset="0"/>
-              </a:rPr>
-              <a:t>2. Bedroom</a:t>
-            </a:r>
-          </a:p>
-          <a:p>
-            <a:pPr marL="342900" indent="-342900">
-              <a:buFontTx/>
-              <a:buChar char="-"/>
-            </a:pPr>
-            <a:r>
-              <a:rPr lang="en-US" sz="2000" dirty="0">
-                <a:latin typeface="Arial" panose="020B0604020202020204" pitchFamily="34" charset="0"/>
-                <a:cs typeface="Arial" panose="020B0604020202020204" pitchFamily="34" charset="0"/>
-              </a:rPr>
-              <a:t>Turn on/off the light and air conditioning system by using button.</a:t>
-            </a:r>
-          </a:p>
-          <a:p>
-            <a:pPr marL="342900" indent="-342900">
-              <a:buFontTx/>
-              <a:buChar char="-"/>
-            </a:pPr>
-            <a:r>
-              <a:rPr lang="en-US" sz="2000" dirty="0">
-                <a:latin typeface="Arial" panose="020B0604020202020204" pitchFamily="34" charset="0"/>
-                <a:cs typeface="Arial" panose="020B0604020202020204" pitchFamily="34" charset="0"/>
-              </a:rPr>
-              <a:t>Display the temperature and humidity  in the LCD.</a:t>
-            </a:r>
-          </a:p>
-          <a:p>
-            <a:pPr marL="342900" indent="-342900">
-              <a:buFontTx/>
-              <a:buChar char="-"/>
-            </a:pPr>
-            <a:r>
-              <a:rPr lang="en-US" sz="2000" dirty="0">
-                <a:latin typeface="Arial" panose="020B0604020202020204" pitchFamily="34" charset="0"/>
-                <a:cs typeface="Arial" panose="020B0604020202020204" pitchFamily="34" charset="0"/>
-              </a:rPr>
-              <a:t>Turn on/off the light by using Blynk application.</a:t>
-            </a:r>
-          </a:p>
-          <a:p>
-            <a:pPr marL="342900" indent="-342900">
-              <a:buFontTx/>
-              <a:buChar char="-"/>
-            </a:pPr>
-            <a:r>
-              <a:rPr lang="en-US" sz="2000" dirty="0">
-                <a:latin typeface="Arial" panose="020B0604020202020204" pitchFamily="34" charset="0"/>
-                <a:cs typeface="Arial" panose="020B0604020202020204" pitchFamily="34" charset="0"/>
-              </a:rPr>
-              <a:t>Control the curtain automatically by the light sensor.</a:t>
-            </a:r>
-          </a:p>
-          <a:p>
-            <a:pPr marL="342900" indent="-342900">
-              <a:buFontTx/>
-              <a:buChar char="-"/>
-            </a:pPr>
-            <a:r>
-              <a:rPr lang="en-US" sz="2000" dirty="0">
-                <a:latin typeface="Arial" panose="020B0604020202020204" pitchFamily="34" charset="0"/>
-                <a:cs typeface="Arial" panose="020B0604020202020204" pitchFamily="34" charset="0"/>
-              </a:rPr>
-              <a:t>Control the curtain system by using Blynk application.</a:t>
-            </a:r>
-          </a:p>
-        </p:txBody>
-      </p:sp>
-    </p:spTree>
-    <p:extLst>
-      <p:ext uri="{BB962C8B-B14F-4D97-AF65-F5344CB8AC3E}">
-        <p14:creationId xmlns:p14="http://schemas.microsoft.com/office/powerpoint/2010/main" val="3552922780"/>
-      </p:ext>
-    </p:extLst>
-  </p:cSld>
-  <p:clrMapOvr>
-    <a:masterClrMapping/>
-  </p:clrMapOvr>
-</p:sld>
-</file>
-
-<file path=ppt/slides/slide12.xml><?xml version="1.0" encoding="utf-8"?>
-<p:sld xmlns:a="http://schemas.openxmlformats.org/drawingml/2006/main" xmlns:r="http://schemas.openxmlformats.org/officeDocument/2006/relationships" xmlns:p="http://schemas.openxmlformats.org/presentationml/2006/main">
-  <p:cSld>
-    <p:spTree>
-      <p:nvGrpSpPr>
-        <p:cNvPr id="1" name=""/>
-        <p:cNvGrpSpPr/>
-        <p:nvPr/>
-      </p:nvGrpSpPr>
-      <p:grpSpPr>
-        <a:xfrm>
-          <a:off x="0" y="0"/>
-          <a:ext cx="0" cy="0"/>
-          <a:chOff x="0" y="0"/>
-          <a:chExt cx="0" cy="0"/>
-        </a:xfrm>
-      </p:grpSpPr>
-      <p:sp>
-        <p:nvSpPr>
-          <p:cNvPr id="2" name="Slide Number Placeholder 1">
-            <a:extLst>
-              <a:ext uri="{FF2B5EF4-FFF2-40B4-BE49-F238E27FC236}">
-                <a16:creationId xmlns:a16="http://schemas.microsoft.com/office/drawing/2014/main" id="{8CCF93E7-052F-DFB5-50AB-7B23885A48A9}"/>
-              </a:ext>
-            </a:extLst>
-          </p:cNvPr>
-          <p:cNvSpPr>
-            <a:spLocks noGrp="1"/>
-          </p:cNvSpPr>
-          <p:nvPr>
-            <p:ph type="sldNum" sz="quarter" idx="12"/>
-          </p:nvPr>
-        </p:nvSpPr>
-        <p:spPr/>
-        <p:txBody>
-          <a:bodyPr/>
-          <a:lstStyle/>
-          <a:p>
-            <a:fld id="{9EA0BE3B-158A-4EDF-80DC-E394A0D1600F}" type="slidenum">
-              <a:rPr lang="en-US" smtClean="0"/>
-              <a:pPr/>
-              <a:t>12</a:t>
             </a:fld>
             <a:endParaRPr lang="en-US" dirty="0"/>
           </a:p>
@@ -3901,7 +3683,7 @@
 </p:sld>
 </file>
 
-<file path=ppt/slides/slide13.xml><?xml version="1.0" encoding="utf-8"?>
+<file path=ppt/slides/slide12.xml><?xml version="1.0" encoding="utf-8"?>
 <p:sld xmlns:a="http://schemas.openxmlformats.org/drawingml/2006/main" xmlns:r="http://schemas.openxmlformats.org/officeDocument/2006/relationships" xmlns:p="http://schemas.openxmlformats.org/presentationml/2006/main">
   <p:cSld>
     <p:spTree>
@@ -3942,7 +3724,7 @@
             <a:fld id="{9EA0BE3B-158A-4EDF-80DC-E394A0D1600F}" type="slidenum">
               <a:rPr lang="en-US" smtClean="0"/>
               <a:pPr/>
-              <a:t>13</a:t>
+              <a:t>12</a:t>
             </a:fld>
             <a:endParaRPr lang="en-US" dirty="0"/>
           </a:p>
@@ -4124,7 +3906,7 @@
 </p:sld>
 </file>
 
-<file path=ppt/slides/slide14.xml><?xml version="1.0" encoding="utf-8"?>
+<file path=ppt/slides/slide13.xml><?xml version="1.0" encoding="utf-8"?>
 <p:sld xmlns:a="http://schemas.openxmlformats.org/drawingml/2006/main" xmlns:r="http://schemas.openxmlformats.org/officeDocument/2006/relationships" xmlns:p="http://schemas.openxmlformats.org/presentationml/2006/main">
   <p:cSld>
     <p:spTree>
@@ -4165,7 +3947,7 @@
             <a:fld id="{9EA0BE3B-158A-4EDF-80DC-E394A0D1600F}" type="slidenum">
               <a:rPr lang="en-US" smtClean="0"/>
               <a:pPr/>
-              <a:t>14</a:t>
+              <a:t>13</a:t>
             </a:fld>
             <a:endParaRPr lang="en-US" dirty="0"/>
           </a:p>
@@ -4338,6 +4120,258 @@
     <p:extLst>
       <p:ext uri="{BB962C8B-B14F-4D97-AF65-F5344CB8AC3E}">
         <p14:creationId xmlns:p14="http://schemas.microsoft.com/office/powerpoint/2010/main" val="2513351027"/>
+      </p:ext>
+    </p:extLst>
+  </p:cSld>
+  <p:clrMapOvr>
+    <a:masterClrMapping/>
+  </p:clrMapOvr>
+</p:sld>
+</file>
+
+<file path=ppt/slides/slide14.xml><?xml version="1.0" encoding="utf-8"?>
+<p:sld xmlns:a="http://schemas.openxmlformats.org/drawingml/2006/main" xmlns:r="http://schemas.openxmlformats.org/officeDocument/2006/relationships" xmlns:p="http://schemas.openxmlformats.org/presentationml/2006/main">
+  <p:cSld>
+    <p:spTree>
+      <p:nvGrpSpPr>
+        <p:cNvPr id="1" name=""/>
+        <p:cNvGrpSpPr/>
+        <p:nvPr/>
+      </p:nvGrpSpPr>
+      <p:grpSpPr>
+        <a:xfrm>
+          <a:off x="0" y="0"/>
+          <a:ext cx="0" cy="0"/>
+          <a:chOff x="0" y="0"/>
+          <a:chExt cx="0" cy="0"/>
+        </a:xfrm>
+      </p:grpSpPr>
+      <p:sp>
+        <p:nvSpPr>
+          <p:cNvPr id="2" name="Slide Number Placeholder 1">
+            <a:extLst>
+              <a:ext uri="{FF2B5EF4-FFF2-40B4-BE49-F238E27FC236}">
+                <a16:creationId xmlns:a16="http://schemas.microsoft.com/office/drawing/2014/main" id="{22D0692B-6AC5-CD02-A594-FE5926425275}"/>
+              </a:ext>
+            </a:extLst>
+          </p:cNvPr>
+          <p:cNvSpPr>
+            <a:spLocks noGrp="1"/>
+          </p:cNvSpPr>
+          <p:nvPr>
+            <p:ph type="sldNum" sz="quarter" idx="12"/>
+          </p:nvPr>
+        </p:nvSpPr>
+        <p:spPr/>
+        <p:txBody>
+          <a:bodyPr/>
+          <a:lstStyle/>
+          <a:p>
+            <a:fld id="{9EA0BE3B-158A-4EDF-80DC-E394A0D1600F}" type="slidenum">
+              <a:rPr lang="en-US" smtClean="0"/>
+              <a:pPr/>
+              <a:t>14</a:t>
+            </a:fld>
+            <a:endParaRPr lang="en-US" dirty="0"/>
+          </a:p>
+        </p:txBody>
+      </p:sp>
+      <p:sp>
+        <p:nvSpPr>
+          <p:cNvPr id="3" name="Title 2">
+            <a:extLst>
+              <a:ext uri="{FF2B5EF4-FFF2-40B4-BE49-F238E27FC236}">
+                <a16:creationId xmlns:a16="http://schemas.microsoft.com/office/drawing/2014/main" id="{73357C92-F0C8-E4C7-DA86-7E9BF3AF93E8}"/>
+              </a:ext>
+            </a:extLst>
+          </p:cNvPr>
+          <p:cNvSpPr>
+            <a:spLocks noGrp="1"/>
+          </p:cNvSpPr>
+          <p:nvPr>
+            <p:ph type="title"/>
+          </p:nvPr>
+        </p:nvSpPr>
+        <p:spPr/>
+        <p:txBody>
+          <a:bodyPr/>
+          <a:lstStyle/>
+          <a:p>
+            <a:r>
+              <a:rPr lang="en-US" dirty="0"/>
+              <a:t>Chapter 4: Blynk Application </a:t>
+            </a:r>
+          </a:p>
+        </p:txBody>
+      </p:sp>
+      <p:sp>
+        <p:nvSpPr>
+          <p:cNvPr id="4" name="Content Placeholder 3">
+            <a:extLst>
+              <a:ext uri="{FF2B5EF4-FFF2-40B4-BE49-F238E27FC236}">
+                <a16:creationId xmlns:a16="http://schemas.microsoft.com/office/drawing/2014/main" id="{EACBEE1F-6EF4-F435-8979-DE95114F2313}"/>
+              </a:ext>
+            </a:extLst>
+          </p:cNvPr>
+          <p:cNvSpPr>
+            <a:spLocks noGrp="1"/>
+          </p:cNvSpPr>
+          <p:nvPr>
+            <p:ph sz="quarter" idx="13"/>
+          </p:nvPr>
+        </p:nvSpPr>
+        <p:spPr>
+          <a:xfrm>
+            <a:off x="338736" y="907841"/>
+            <a:ext cx="11514528" cy="5249677"/>
+          </a:xfrm>
+        </p:spPr>
+        <p:txBody>
+          <a:bodyPr/>
+          <a:lstStyle/>
+          <a:p>
+            <a:pPr marL="0" indent="0">
+              <a:buNone/>
+            </a:pPr>
+            <a:r>
+              <a:rPr lang="en-US" sz="2000" b="1" dirty="0">
+                <a:latin typeface="Arial" panose="020B0604020202020204" pitchFamily="34" charset="0"/>
+                <a:cs typeface="Arial" panose="020B0604020202020204" pitchFamily="34" charset="0"/>
+              </a:rPr>
+              <a:t>1. Why use Blynk?</a:t>
+            </a:r>
+          </a:p>
+          <a:p>
+            <a:pPr>
+              <a:buFontTx/>
+              <a:buChar char="-"/>
+            </a:pPr>
+            <a:r>
+              <a:rPr lang="en-US" sz="2000" dirty="0">
+                <a:latin typeface="Arial" panose="020B0604020202020204" pitchFamily="34" charset="0"/>
+                <a:cs typeface="Arial" panose="020B0604020202020204" pitchFamily="34" charset="0"/>
+              </a:rPr>
+              <a:t>Blynk is an app on the phone, allowing users to create interfaces and control the device according to their personal preferences</a:t>
+            </a:r>
+          </a:p>
+          <a:p>
+            <a:pPr>
+              <a:buFontTx/>
+              <a:buChar char="-"/>
+            </a:pPr>
+            <a:r>
+              <a:rPr lang="en-US" sz="2000" dirty="0">
+                <a:latin typeface="Arial" panose="020B0604020202020204" pitchFamily="34" charset="0"/>
+                <a:cs typeface="Arial" panose="020B0604020202020204" pitchFamily="34" charset="0"/>
+              </a:rPr>
+              <a:t>Easy to use</a:t>
+            </a:r>
+          </a:p>
+          <a:p>
+            <a:pPr>
+              <a:buFontTx/>
+              <a:buChar char="-"/>
+            </a:pPr>
+            <a:r>
+              <a:rPr lang="en-US" sz="2000" dirty="0">
+                <a:latin typeface="Arial" panose="020B0604020202020204" pitchFamily="34" charset="0"/>
+                <a:cs typeface="Arial" panose="020B0604020202020204" pitchFamily="34" charset="0"/>
+              </a:rPr>
+              <a:t>Beautiful application with full function</a:t>
+            </a:r>
+          </a:p>
+          <a:p>
+            <a:pPr>
+              <a:buFontTx/>
+              <a:buChar char="-"/>
+            </a:pPr>
+            <a:r>
+              <a:rPr lang="en-US" sz="2000" dirty="0">
+                <a:latin typeface="Arial" panose="020B0604020202020204" pitchFamily="34" charset="0"/>
+                <a:cs typeface="Arial" panose="020B0604020202020204" pitchFamily="34" charset="0"/>
+              </a:rPr>
+              <a:t>Does need to build android and iOS application</a:t>
+            </a:r>
+          </a:p>
+          <a:p>
+            <a:pPr>
+              <a:buFontTx/>
+              <a:buChar char="-"/>
+            </a:pPr>
+            <a:r>
+              <a:rPr lang="en-US" sz="2000" dirty="0">
+                <a:latin typeface="Arial" panose="020B0604020202020204" pitchFamily="34" charset="0"/>
+                <a:cs typeface="Arial" panose="020B0604020202020204" pitchFamily="34" charset="0"/>
+              </a:rPr>
+              <a:t>Rapid testing, can be monitored anywhere with internet</a:t>
+            </a:r>
+          </a:p>
+          <a:p>
+            <a:pPr marL="0" indent="0">
+              <a:buNone/>
+            </a:pPr>
+            <a:r>
+              <a:rPr lang="en-US" sz="2000" b="1" dirty="0">
+                <a:latin typeface="Arial" panose="020B0604020202020204" pitchFamily="34" charset="0"/>
+                <a:cs typeface="Arial" panose="020B0604020202020204" pitchFamily="34" charset="0"/>
+              </a:rPr>
+              <a:t>2. How Blynk works with your system?</a:t>
+            </a:r>
+          </a:p>
+          <a:p>
+            <a:pPr>
+              <a:buFontTx/>
+              <a:buChar char="-"/>
+            </a:pPr>
+            <a:r>
+              <a:rPr lang="en-US" sz="2000" dirty="0">
+                <a:latin typeface="Arial" panose="020B0604020202020204" pitchFamily="34" charset="0"/>
+                <a:cs typeface="Arial" panose="020B0604020202020204" pitchFamily="34" charset="0"/>
+              </a:rPr>
+              <a:t>Node MCU ESP32 connects to Blynk application</a:t>
+            </a:r>
+          </a:p>
+          <a:p>
+            <a:pPr>
+              <a:buFontTx/>
+              <a:buChar char="-"/>
+            </a:pPr>
+            <a:r>
+              <a:rPr lang="en-US" sz="2000" dirty="0">
+                <a:latin typeface="Arial" panose="020B0604020202020204" pitchFamily="34" charset="0"/>
+                <a:cs typeface="Arial" panose="020B0604020202020204" pitchFamily="34" charset="0"/>
+              </a:rPr>
+              <a:t>Blynk Server – responsible for all communication between the smartphone and the hardware. You can use Blynk Cloud or run your own Blynk server locally</a:t>
+            </a:r>
+          </a:p>
+          <a:p>
+            <a:pPr>
+              <a:buFontTx/>
+              <a:buChar char="-"/>
+            </a:pPr>
+            <a:r>
+              <a:rPr lang="en-US" sz="2000" dirty="0">
+                <a:latin typeface="Arial" panose="020B0604020202020204" pitchFamily="34" charset="0"/>
+                <a:cs typeface="Arial" panose="020B0604020202020204" pitchFamily="34" charset="0"/>
+              </a:rPr>
+              <a:t>The Blynk library – for all popular hardware platforms – allows to communicate with the server and process all incoming and outgoing commands</a:t>
+            </a:r>
+          </a:p>
+          <a:p>
+            <a:pPr marL="0" indent="0">
+              <a:buNone/>
+            </a:pPr>
+            <a:endParaRPr lang="en-US" sz="2000" dirty="0">
+              <a:latin typeface="Arial" panose="020B0604020202020204" pitchFamily="34" charset="0"/>
+              <a:cs typeface="Arial" panose="020B0604020202020204" pitchFamily="34" charset="0"/>
+            </a:endParaRPr>
+          </a:p>
+        </p:txBody>
+      </p:sp>
+    </p:spTree>
+    <p:extLst>
+      <p:ext uri="{BB962C8B-B14F-4D97-AF65-F5344CB8AC3E}">
+        <p14:creationId xmlns:p14="http://schemas.microsoft.com/office/powerpoint/2010/main" val="257908950"/>
       </p:ext>
     </p:extLst>
   </p:cSld>
@@ -4369,7 +4403,7 @@
           <p:cNvPr id="2" name="Slide Number Placeholder 1">
             <a:extLst>
               <a:ext uri="{FF2B5EF4-FFF2-40B4-BE49-F238E27FC236}">
-                <a16:creationId xmlns:a16="http://schemas.microsoft.com/office/drawing/2014/main" id="{22D0692B-6AC5-CD02-A594-FE5926425275}"/>
+                <a16:creationId xmlns:a16="http://schemas.microsoft.com/office/drawing/2014/main" id="{7C06DA1D-5602-2F3F-4649-68C56744B1CA}"/>
               </a:ext>
             </a:extLst>
           </p:cNvPr>
@@ -4399,7 +4433,7 @@
           <p:cNvPr id="3" name="Title 2">
             <a:extLst>
               <a:ext uri="{FF2B5EF4-FFF2-40B4-BE49-F238E27FC236}">
-                <a16:creationId xmlns:a16="http://schemas.microsoft.com/office/drawing/2014/main" id="{73357C92-F0C8-E4C7-DA86-7E9BF3AF93E8}"/>
+                <a16:creationId xmlns:a16="http://schemas.microsoft.com/office/drawing/2014/main" id="{0DE5AA33-1E9E-1D00-FD9E-1F96E9264A16}"/>
               </a:ext>
             </a:extLst>
           </p:cNvPr>
@@ -4417,17 +4451,17 @@
           <a:p>
             <a:r>
               <a:rPr lang="en-US" dirty="0"/>
-              <a:t>Chapter 4: Blynk Application </a:t>
+              <a:t>Chapter 5: Result And Conclusion</a:t>
             </a:r>
           </a:p>
         </p:txBody>
       </p:sp>
       <p:sp>
         <p:nvSpPr>
-          <p:cNvPr id="4" name="Content Placeholder 3">
-            <a:extLst>
-              <a:ext uri="{FF2B5EF4-FFF2-40B4-BE49-F238E27FC236}">
-                <a16:creationId xmlns:a16="http://schemas.microsoft.com/office/drawing/2014/main" id="{EACBEE1F-6EF4-F435-8979-DE95114F2313}"/>
+          <p:cNvPr id="5" name="Content Placeholder 3">
+            <a:extLst>
+              <a:ext uri="{FF2B5EF4-FFF2-40B4-BE49-F238E27FC236}">
+                <a16:creationId xmlns:a16="http://schemas.microsoft.com/office/drawing/2014/main" id="{00ADDE29-D2F2-13C9-D0DC-358BC99E5D0E}"/>
               </a:ext>
             </a:extLst>
           </p:cNvPr>
@@ -4456,258 +4490,6 @@
                 <a:latin typeface="Arial" panose="020B0604020202020204" pitchFamily="34" charset="0"/>
                 <a:cs typeface="Arial" panose="020B0604020202020204" pitchFamily="34" charset="0"/>
               </a:rPr>
-              <a:t>1. Why use Blynk?</a:t>
-            </a:r>
-          </a:p>
-          <a:p>
-            <a:pPr>
-              <a:buFontTx/>
-              <a:buChar char="-"/>
-            </a:pPr>
-            <a:r>
-              <a:rPr lang="en-US" sz="2000" dirty="0">
-                <a:latin typeface="Arial" panose="020B0604020202020204" pitchFamily="34" charset="0"/>
-                <a:cs typeface="Arial" panose="020B0604020202020204" pitchFamily="34" charset="0"/>
-              </a:rPr>
-              <a:t>Blynk is an app on the phone, allowing users to create interfaces and control the device according to their personal preferences</a:t>
-            </a:r>
-          </a:p>
-          <a:p>
-            <a:pPr>
-              <a:buFontTx/>
-              <a:buChar char="-"/>
-            </a:pPr>
-            <a:r>
-              <a:rPr lang="en-US" sz="2000" dirty="0">
-                <a:latin typeface="Arial" panose="020B0604020202020204" pitchFamily="34" charset="0"/>
-                <a:cs typeface="Arial" panose="020B0604020202020204" pitchFamily="34" charset="0"/>
-              </a:rPr>
-              <a:t>Easy to use</a:t>
-            </a:r>
-          </a:p>
-          <a:p>
-            <a:pPr>
-              <a:buFontTx/>
-              <a:buChar char="-"/>
-            </a:pPr>
-            <a:r>
-              <a:rPr lang="en-US" sz="2000" dirty="0">
-                <a:latin typeface="Arial" panose="020B0604020202020204" pitchFamily="34" charset="0"/>
-                <a:cs typeface="Arial" panose="020B0604020202020204" pitchFamily="34" charset="0"/>
-              </a:rPr>
-              <a:t>Beautiful application with full function</a:t>
-            </a:r>
-          </a:p>
-          <a:p>
-            <a:pPr>
-              <a:buFontTx/>
-              <a:buChar char="-"/>
-            </a:pPr>
-            <a:r>
-              <a:rPr lang="en-US" sz="2000" dirty="0">
-                <a:latin typeface="Arial" panose="020B0604020202020204" pitchFamily="34" charset="0"/>
-                <a:cs typeface="Arial" panose="020B0604020202020204" pitchFamily="34" charset="0"/>
-              </a:rPr>
-              <a:t>Does need to build android and iOS application</a:t>
-            </a:r>
-          </a:p>
-          <a:p>
-            <a:pPr>
-              <a:buFontTx/>
-              <a:buChar char="-"/>
-            </a:pPr>
-            <a:r>
-              <a:rPr lang="en-US" sz="2000" dirty="0">
-                <a:latin typeface="Arial" panose="020B0604020202020204" pitchFamily="34" charset="0"/>
-                <a:cs typeface="Arial" panose="020B0604020202020204" pitchFamily="34" charset="0"/>
-              </a:rPr>
-              <a:t>Rapid testing, can be monitored anywhere with internet</a:t>
-            </a:r>
-          </a:p>
-          <a:p>
-            <a:pPr marL="0" indent="0">
-              <a:buNone/>
-            </a:pPr>
-            <a:r>
-              <a:rPr lang="en-US" sz="2000" b="1" dirty="0">
-                <a:latin typeface="Arial" panose="020B0604020202020204" pitchFamily="34" charset="0"/>
-                <a:cs typeface="Arial" panose="020B0604020202020204" pitchFamily="34" charset="0"/>
-              </a:rPr>
-              <a:t>2. How Blynk works with your system?</a:t>
-            </a:r>
-          </a:p>
-          <a:p>
-            <a:pPr>
-              <a:buFontTx/>
-              <a:buChar char="-"/>
-            </a:pPr>
-            <a:r>
-              <a:rPr lang="en-US" sz="2000" dirty="0">
-                <a:latin typeface="Arial" panose="020B0604020202020204" pitchFamily="34" charset="0"/>
-                <a:cs typeface="Arial" panose="020B0604020202020204" pitchFamily="34" charset="0"/>
-              </a:rPr>
-              <a:t>Node MCU ESP32 connects to Blynk application</a:t>
-            </a:r>
-          </a:p>
-          <a:p>
-            <a:pPr>
-              <a:buFontTx/>
-              <a:buChar char="-"/>
-            </a:pPr>
-            <a:r>
-              <a:rPr lang="en-US" sz="2000" dirty="0">
-                <a:latin typeface="Arial" panose="020B0604020202020204" pitchFamily="34" charset="0"/>
-                <a:cs typeface="Arial" panose="020B0604020202020204" pitchFamily="34" charset="0"/>
-              </a:rPr>
-              <a:t>Blynk Server – responsible for all communication between the smartphone and the hardware. You can use Blynk Cloud or run your own Blynk server locally</a:t>
-            </a:r>
-          </a:p>
-          <a:p>
-            <a:pPr>
-              <a:buFontTx/>
-              <a:buChar char="-"/>
-            </a:pPr>
-            <a:r>
-              <a:rPr lang="en-US" sz="2000" dirty="0">
-                <a:latin typeface="Arial" panose="020B0604020202020204" pitchFamily="34" charset="0"/>
-                <a:cs typeface="Arial" panose="020B0604020202020204" pitchFamily="34" charset="0"/>
-              </a:rPr>
-              <a:t>The Blynk library – for all popular hardware platforms – allows to communicate with the server and process all incoming and outgoing commands</a:t>
-            </a:r>
-          </a:p>
-          <a:p>
-            <a:pPr marL="0" indent="0">
-              <a:buNone/>
-            </a:pPr>
-            <a:endParaRPr lang="en-US" sz="2000" dirty="0">
-              <a:latin typeface="Arial" panose="020B0604020202020204" pitchFamily="34" charset="0"/>
-              <a:cs typeface="Arial" panose="020B0604020202020204" pitchFamily="34" charset="0"/>
-            </a:endParaRPr>
-          </a:p>
-        </p:txBody>
-      </p:sp>
-    </p:spTree>
-    <p:extLst>
-      <p:ext uri="{BB962C8B-B14F-4D97-AF65-F5344CB8AC3E}">
-        <p14:creationId xmlns:p14="http://schemas.microsoft.com/office/powerpoint/2010/main" val="257908950"/>
-      </p:ext>
-    </p:extLst>
-  </p:cSld>
-  <p:clrMapOvr>
-    <a:masterClrMapping/>
-  </p:clrMapOvr>
-</p:sld>
-</file>
-
-<file path=ppt/slides/slide16.xml><?xml version="1.0" encoding="utf-8"?>
-<p:sld xmlns:a="http://schemas.openxmlformats.org/drawingml/2006/main" xmlns:r="http://schemas.openxmlformats.org/officeDocument/2006/relationships" xmlns:p="http://schemas.openxmlformats.org/presentationml/2006/main">
-  <p:cSld>
-    <p:spTree>
-      <p:nvGrpSpPr>
-        <p:cNvPr id="1" name=""/>
-        <p:cNvGrpSpPr/>
-        <p:nvPr/>
-      </p:nvGrpSpPr>
-      <p:grpSpPr>
-        <a:xfrm>
-          <a:off x="0" y="0"/>
-          <a:ext cx="0" cy="0"/>
-          <a:chOff x="0" y="0"/>
-          <a:chExt cx="0" cy="0"/>
-        </a:xfrm>
-      </p:grpSpPr>
-      <p:sp>
-        <p:nvSpPr>
-          <p:cNvPr id="2" name="Slide Number Placeholder 1">
-            <a:extLst>
-              <a:ext uri="{FF2B5EF4-FFF2-40B4-BE49-F238E27FC236}">
-                <a16:creationId xmlns:a16="http://schemas.microsoft.com/office/drawing/2014/main" id="{7C06DA1D-5602-2F3F-4649-68C56744B1CA}"/>
-              </a:ext>
-            </a:extLst>
-          </p:cNvPr>
-          <p:cNvSpPr>
-            <a:spLocks noGrp="1"/>
-          </p:cNvSpPr>
-          <p:nvPr>
-            <p:ph type="sldNum" sz="quarter" idx="12"/>
-          </p:nvPr>
-        </p:nvSpPr>
-        <p:spPr/>
-        <p:txBody>
-          <a:bodyPr/>
-          <a:lstStyle/>
-          <a:p>
-            <a:fld id="{9EA0BE3B-158A-4EDF-80DC-E394A0D1600F}" type="slidenum">
-              <a:rPr lang="en-US" smtClean="0"/>
-              <a:pPr/>
-              <a:t>16</a:t>
-            </a:fld>
-            <a:endParaRPr lang="en-US" dirty="0"/>
-          </a:p>
-        </p:txBody>
-      </p:sp>
-      <p:sp>
-        <p:nvSpPr>
-          <p:cNvPr id="3" name="Title 2">
-            <a:extLst>
-              <a:ext uri="{FF2B5EF4-FFF2-40B4-BE49-F238E27FC236}">
-                <a16:creationId xmlns:a16="http://schemas.microsoft.com/office/drawing/2014/main" id="{0DE5AA33-1E9E-1D00-FD9E-1F96E9264A16}"/>
-              </a:ext>
-            </a:extLst>
-          </p:cNvPr>
-          <p:cNvSpPr>
-            <a:spLocks noGrp="1"/>
-          </p:cNvSpPr>
-          <p:nvPr>
-            <p:ph type="title"/>
-          </p:nvPr>
-        </p:nvSpPr>
-        <p:spPr/>
-        <p:txBody>
-          <a:bodyPr/>
-          <a:lstStyle/>
-          <a:p>
-            <a:r>
-              <a:rPr lang="en-US" dirty="0"/>
-              <a:t>Chapter 5: Result And Conclusion</a:t>
-            </a:r>
-          </a:p>
-        </p:txBody>
-      </p:sp>
-      <p:sp>
-        <p:nvSpPr>
-          <p:cNvPr id="5" name="Content Placeholder 3">
-            <a:extLst>
-              <a:ext uri="{FF2B5EF4-FFF2-40B4-BE49-F238E27FC236}">
-                <a16:creationId xmlns:a16="http://schemas.microsoft.com/office/drawing/2014/main" id="{00ADDE29-D2F2-13C9-D0DC-358BC99E5D0E}"/>
-              </a:ext>
-            </a:extLst>
-          </p:cNvPr>
-          <p:cNvSpPr>
-            <a:spLocks noGrp="1"/>
-          </p:cNvSpPr>
-          <p:nvPr>
-            <p:ph sz="quarter" idx="13"/>
-          </p:nvPr>
-        </p:nvSpPr>
-        <p:spPr>
-          <a:xfrm>
-            <a:off x="338736" y="907841"/>
-            <a:ext cx="11514528" cy="5249677"/>
-          </a:xfrm>
-        </p:spPr>
-        <p:txBody>
-          <a:bodyPr/>
-          <a:lstStyle/>
-          <a:p>
-            <a:pPr marL="0" indent="0">
-              <a:buNone/>
-            </a:pPr>
-            <a:r>
-              <a:rPr lang="en-US" sz="2000" b="1" dirty="0">
-                <a:latin typeface="Arial" panose="020B0604020202020204" pitchFamily="34" charset="0"/>
-                <a:cs typeface="Arial" panose="020B0604020202020204" pitchFamily="34" charset="0"/>
-              </a:rPr>
               <a:t>1. Result</a:t>
             </a:r>
           </a:p>
@@ -4909,7 +4691,7 @@
 </p:sld>
 </file>
 
-<file path=ppt/slides/slide17.xml><?xml version="1.0" encoding="utf-8"?>
+<file path=ppt/slides/slide16.xml><?xml version="1.0" encoding="utf-8"?>
 <p:sld xmlns:a="http://schemas.openxmlformats.org/drawingml/2006/main" xmlns:r="http://schemas.openxmlformats.org/officeDocument/2006/relationships" xmlns:p="http://schemas.openxmlformats.org/presentationml/2006/main">
   <p:cSld>
     <p:spTree>
@@ -5002,7 +4784,7 @@
             <a:fld id="{9EA0BE3B-158A-4EDF-80DC-E394A0D1600F}" type="slidenum">
               <a:rPr lang="en-US" smtClean="0"/>
               <a:pPr/>
-              <a:t>17</a:t>
+              <a:t>16</a:t>
             </a:fld>
             <a:endParaRPr lang="en-US"/>
           </a:p>
@@ -5056,18 +4838,344 @@
         </p:nvSpPr>
         <p:spPr>
           <a:xfrm>
-            <a:off x="3788899" y="2461847"/>
-            <a:ext cx="4614203" cy="1934307"/>
+            <a:off x="1912691" y="1933342"/>
+            <a:ext cx="8581936" cy="960860"/>
           </a:xfrm>
         </p:spPr>
         <p:txBody>
           <a:bodyPr/>
           <a:lstStyle/>
           <a:p>
-            <a:endParaRPr lang="en-US" dirty="0"/>
+            <a:r>
+              <a:rPr lang="en-US" sz="3000" b="1" dirty="0">
+                <a:effectLst/>
+              </a:rPr>
+              <a:t>INTERNET COMMUNICATION, MANAGEMENT AND CONTROL SYSTEM DESIGN</a:t>
+            </a:r>
+            <a:endParaRPr lang="en-US" sz="3000" dirty="0"/>
           </a:p>
         </p:txBody>
       </p:sp>
+      <p:graphicFrame>
+        <p:nvGraphicFramePr>
+          <p:cNvPr id="3" name="Table 4">
+            <a:extLst>
+              <a:ext uri="{FF2B5EF4-FFF2-40B4-BE49-F238E27FC236}">
+                <a16:creationId xmlns:a16="http://schemas.microsoft.com/office/drawing/2014/main" id="{C7999DEF-CCAD-02B5-2A74-40F39DD7763A}"/>
+              </a:ext>
+            </a:extLst>
+          </p:cNvPr>
+          <p:cNvGraphicFramePr>
+            <a:graphicFrameLocks noGrp="1"/>
+          </p:cNvGraphicFramePr>
+          <p:nvPr>
+            <p:extLst>
+              <p:ext uri="{D42A27DB-BD31-4B8C-83A1-F6EECF244321}">
+                <p14:modId xmlns:p14="http://schemas.microsoft.com/office/powerpoint/2010/main" val="2414613967"/>
+              </p:ext>
+            </p:extLst>
+          </p:nvPr>
+        </p:nvGraphicFramePr>
+        <p:xfrm>
+          <a:off x="2032000" y="3840371"/>
+          <a:ext cx="8128000" cy="1112520"/>
+        </p:xfrm>
+        <a:graphic>
+          <a:graphicData uri="http://schemas.openxmlformats.org/drawingml/2006/table">
+            <a:tbl>
+              <a:tblPr>
+                <a:tableStyleId>{5C22544A-7EE6-4342-B048-85BDC9FD1C3A}</a:tableStyleId>
+              </a:tblPr>
+              <a:tblGrid>
+                <a:gridCol w="4064000">
+                  <a:extLst>
+                    <a:ext uri="{9D8B030D-6E8A-4147-A177-3AD203B41FA5}">
+                      <a16:colId xmlns:a16="http://schemas.microsoft.com/office/drawing/2014/main" val="3773754813"/>
+                    </a:ext>
+                  </a:extLst>
+                </a:gridCol>
+                <a:gridCol w="4064000">
+                  <a:extLst>
+                    <a:ext uri="{9D8B030D-6E8A-4147-A177-3AD203B41FA5}">
+                      <a16:colId xmlns:a16="http://schemas.microsoft.com/office/drawing/2014/main" val="2805280668"/>
+                    </a:ext>
+                  </a:extLst>
+                </a:gridCol>
+              </a:tblGrid>
+              <a:tr h="370840">
+                <a:tc>
+                  <a:txBody>
+                    <a:bodyPr/>
+                    <a:lstStyle/>
+                    <a:p>
+                      <a:pPr algn="ctr"/>
+                      <a:r>
+                        <a:rPr lang="en-US" dirty="0">
+                          <a:solidFill>
+                            <a:schemeClr val="bg1"/>
+                          </a:solidFill>
+                          <a:latin typeface="Arial" panose="020B0604020202020204" pitchFamily="34" charset="0"/>
+                          <a:cs typeface="Arial" panose="020B0604020202020204" pitchFamily="34" charset="0"/>
+                        </a:rPr>
+                        <a:t>Instruction</a:t>
+                      </a:r>
+                    </a:p>
+                  </a:txBody>
+                  <a:tcPr>
+                    <a:lnL w="12700" cmpd="sng">
+                      <a:noFill/>
+                    </a:lnL>
+                    <a:lnR w="12700" cmpd="sng">
+                      <a:noFill/>
+                    </a:lnR>
+                    <a:lnT w="12700" cmpd="sng">
+                      <a:noFill/>
+                    </a:lnT>
+                    <a:lnB w="12700" cmpd="sng">
+                      <a:noFill/>
+                    </a:lnB>
+                    <a:lnTlToBr w="12700" cmpd="sng">
+                      <a:noFill/>
+                      <a:prstDash val="solid"/>
+                    </a:lnTlToBr>
+                    <a:lnBlToTr w="12700" cmpd="sng">
+                      <a:noFill/>
+                      <a:prstDash val="solid"/>
+                    </a:lnBlToTr>
+                    <a:noFill/>
+                  </a:tcPr>
+                </a:tc>
+                <a:tc>
+                  <a:txBody>
+                    <a:bodyPr/>
+                    <a:lstStyle/>
+                    <a:p>
+                      <a:pPr algn="ctr"/>
+                      <a:r>
+                        <a:rPr lang="en-US" dirty="0">
+                          <a:solidFill>
+                            <a:schemeClr val="bg1"/>
+                          </a:solidFill>
+                          <a:latin typeface="Arial" panose="020B0604020202020204" pitchFamily="34" charset="0"/>
+                          <a:cs typeface="Arial" panose="020B0604020202020204" pitchFamily="34" charset="0"/>
+                        </a:rPr>
+                        <a:t>TS. Dang Van My</a:t>
+                      </a:r>
+                    </a:p>
+                  </a:txBody>
+                  <a:tcPr>
+                    <a:lnL w="12700" cmpd="sng">
+                      <a:noFill/>
+                    </a:lnL>
+                    <a:lnR w="12700" cmpd="sng">
+                      <a:noFill/>
+                    </a:lnR>
+                    <a:lnT w="12700" cmpd="sng">
+                      <a:noFill/>
+                    </a:lnT>
+                    <a:lnB w="12700" cmpd="sng">
+                      <a:noFill/>
+                    </a:lnB>
+                    <a:lnTlToBr w="12700" cmpd="sng">
+                      <a:noFill/>
+                      <a:prstDash val="solid"/>
+                    </a:lnTlToBr>
+                    <a:lnBlToTr w="12700" cmpd="sng">
+                      <a:noFill/>
+                      <a:prstDash val="solid"/>
+                    </a:lnBlToTr>
+                    <a:noFill/>
+                  </a:tcPr>
+                </a:tc>
+                <a:extLst>
+                  <a:ext uri="{0D108BD9-81ED-4DB2-BD59-A6C34878D82A}">
+                    <a16:rowId xmlns:a16="http://schemas.microsoft.com/office/drawing/2014/main" val="2105783575"/>
+                  </a:ext>
+                </a:extLst>
+              </a:tr>
+              <a:tr h="370840">
+                <a:tc>
+                  <a:txBody>
+                    <a:bodyPr/>
+                    <a:lstStyle/>
+                    <a:p>
+                      <a:pPr algn="ctr"/>
+                      <a:r>
+                        <a:rPr lang="en-US" dirty="0">
+                          <a:solidFill>
+                            <a:schemeClr val="bg1"/>
+                          </a:solidFill>
+                          <a:latin typeface="Arial" panose="020B0604020202020204" pitchFamily="34" charset="0"/>
+                          <a:cs typeface="Arial" panose="020B0604020202020204" pitchFamily="34" charset="0"/>
+                        </a:rPr>
+                        <a:t>Members</a:t>
+                      </a:r>
+                    </a:p>
+                  </a:txBody>
+                  <a:tcPr>
+                    <a:lnL w="12700" cmpd="sng">
+                      <a:noFill/>
+                    </a:lnL>
+                    <a:lnR w="12700" cmpd="sng">
+                      <a:noFill/>
+                    </a:lnR>
+                    <a:lnT w="12700" cmpd="sng">
+                      <a:noFill/>
+                    </a:lnT>
+                    <a:lnB w="12700" cmpd="sng">
+                      <a:noFill/>
+                    </a:lnB>
+                    <a:lnTlToBr w="12700" cmpd="sng">
+                      <a:noFill/>
+                      <a:prstDash val="solid"/>
+                    </a:lnTlToBr>
+                    <a:lnBlToTr w="12700" cmpd="sng">
+                      <a:noFill/>
+                      <a:prstDash val="solid"/>
+                    </a:lnBlToTr>
+                    <a:noFill/>
+                  </a:tcPr>
+                </a:tc>
+                <a:tc>
+                  <a:txBody>
+                    <a:bodyPr/>
+                    <a:lstStyle/>
+                    <a:p>
+                      <a:pPr algn="ctr"/>
+                      <a:r>
+                        <a:rPr lang="en-US" dirty="0">
+                          <a:solidFill>
+                            <a:schemeClr val="bg1"/>
+                          </a:solidFill>
+                          <a:latin typeface="Arial" panose="020B0604020202020204" pitchFamily="34" charset="0"/>
+                          <a:cs typeface="Arial" panose="020B0604020202020204" pitchFamily="34" charset="0"/>
+                        </a:rPr>
+                        <a:t>Tran Van Nguyen – 20181911</a:t>
+                      </a:r>
+                    </a:p>
+                  </a:txBody>
+                  <a:tcPr>
+                    <a:lnL w="12700" cmpd="sng">
+                      <a:noFill/>
+                    </a:lnL>
+                    <a:lnR w="12700" cmpd="sng">
+                      <a:noFill/>
+                    </a:lnR>
+                    <a:lnT w="12700" cmpd="sng">
+                      <a:noFill/>
+                    </a:lnT>
+                    <a:lnB w="12700" cmpd="sng">
+                      <a:noFill/>
+                    </a:lnB>
+                    <a:lnTlToBr w="12700" cmpd="sng">
+                      <a:noFill/>
+                      <a:prstDash val="solid"/>
+                    </a:lnTlToBr>
+                    <a:lnBlToTr w="12700" cmpd="sng">
+                      <a:noFill/>
+                      <a:prstDash val="solid"/>
+                    </a:lnBlToTr>
+                    <a:noFill/>
+                  </a:tcPr>
+                </a:tc>
+                <a:extLst>
+                  <a:ext uri="{0D108BD9-81ED-4DB2-BD59-A6C34878D82A}">
+                    <a16:rowId xmlns:a16="http://schemas.microsoft.com/office/drawing/2014/main" val="808534339"/>
+                  </a:ext>
+                </a:extLst>
+              </a:tr>
+              <a:tr h="370840">
+                <a:tc>
+                  <a:txBody>
+                    <a:bodyPr/>
+                    <a:lstStyle/>
+                    <a:p>
+                      <a:pPr algn="ctr"/>
+                      <a:endParaRPr lang="en-US" dirty="0">
+                        <a:solidFill>
+                          <a:schemeClr val="bg1"/>
+                        </a:solidFill>
+                        <a:latin typeface="Arial" panose="020B0604020202020204" pitchFamily="34" charset="0"/>
+                        <a:cs typeface="Arial" panose="020B0604020202020204" pitchFamily="34" charset="0"/>
+                      </a:endParaRPr>
+                    </a:p>
+                  </a:txBody>
+                  <a:tcPr>
+                    <a:lnL w="12700" cmpd="sng">
+                      <a:noFill/>
+                    </a:lnL>
+                    <a:lnR w="12700" cmpd="sng">
+                      <a:noFill/>
+                    </a:lnR>
+                    <a:lnT w="12700" cmpd="sng">
+                      <a:noFill/>
+                    </a:lnT>
+                    <a:lnB w="12700" cmpd="sng">
+                      <a:noFill/>
+                    </a:lnB>
+                    <a:lnTlToBr w="12700" cmpd="sng">
+                      <a:noFill/>
+                      <a:prstDash val="solid"/>
+                    </a:lnTlToBr>
+                    <a:lnBlToTr w="12700" cmpd="sng">
+                      <a:noFill/>
+                      <a:prstDash val="solid"/>
+                    </a:lnBlToTr>
+                    <a:noFill/>
+                  </a:tcPr>
+                </a:tc>
+                <a:tc>
+                  <a:txBody>
+                    <a:bodyPr/>
+                    <a:lstStyle/>
+                    <a:p>
+                      <a:pPr algn="ctr"/>
+                      <a:r>
+                        <a:rPr lang="en-US" dirty="0">
+                          <a:solidFill>
+                            <a:schemeClr val="bg1"/>
+                          </a:solidFill>
+                          <a:latin typeface="Arial" panose="020B0604020202020204" pitchFamily="34" charset="0"/>
+                          <a:cs typeface="Arial" panose="020B0604020202020204" pitchFamily="34" charset="0"/>
+                        </a:rPr>
+                        <a:t>Nguyen Duc Minh – 20181905  </a:t>
+                      </a:r>
+                    </a:p>
+                  </a:txBody>
+                  <a:tcPr>
+                    <a:lnL w="12700" cmpd="sng">
+                      <a:noFill/>
+                    </a:lnL>
+                    <a:lnR w="12700" cmpd="sng">
+                      <a:noFill/>
+                    </a:lnR>
+                    <a:lnT w="12700" cmpd="sng">
+                      <a:noFill/>
+                    </a:lnT>
+                    <a:lnB w="12700" cmpd="sng">
+                      <a:noFill/>
+                    </a:lnB>
+                    <a:lnTlToBr w="12700" cmpd="sng">
+                      <a:noFill/>
+                      <a:prstDash val="solid"/>
+                    </a:lnTlToBr>
+                    <a:lnBlToTr w="12700" cmpd="sng">
+                      <a:noFill/>
+                      <a:prstDash val="solid"/>
+                    </a:lnBlToTr>
+                    <a:noFill/>
+                  </a:tcPr>
+                </a:tc>
+                <a:extLst>
+                  <a:ext uri="{0D108BD9-81ED-4DB2-BD59-A6C34878D82A}">
+                    <a16:rowId xmlns:a16="http://schemas.microsoft.com/office/drawing/2014/main" val="1412018059"/>
+                  </a:ext>
+                </a:extLst>
+              </a:tr>
+            </a:tbl>
+          </a:graphicData>
+        </a:graphic>
+      </p:graphicFrame>
     </p:spTree>
     <p:extLst>
       <p:ext uri="{BB962C8B-B14F-4D97-AF65-F5344CB8AC3E}">
@@ -5119,7 +5227,58 @@
           <a:bodyPr/>
           <a:lstStyle/>
           <a:p>
-            <a:endParaRPr lang="en-US"/>
+            <a:r>
+              <a:rPr lang="en-US" sz="2000" dirty="0">
+                <a:latin typeface="Arial" panose="020B0604020202020204" pitchFamily="34" charset="0"/>
+                <a:cs typeface="Arial" panose="020B0604020202020204" pitchFamily="34" charset="0"/>
+              </a:rPr>
+              <a:t>Chap 1: Smart Home Overview</a:t>
+            </a:r>
+          </a:p>
+          <a:p>
+            <a:r>
+              <a:rPr lang="en-US" sz="2000" dirty="0">
+                <a:latin typeface="Arial" panose="020B0604020202020204" pitchFamily="34" charset="0"/>
+                <a:cs typeface="Arial" panose="020B0604020202020204" pitchFamily="34" charset="0"/>
+              </a:rPr>
+              <a:t>Chap 2: General Architecture of Our Smart Home</a:t>
+            </a:r>
+          </a:p>
+          <a:p>
+            <a:r>
+              <a:rPr lang="en-US" sz="2000" dirty="0">
+                <a:latin typeface="Arial" panose="020B0604020202020204" pitchFamily="34" charset="0"/>
+                <a:cs typeface="Arial" panose="020B0604020202020204" pitchFamily="34" charset="0"/>
+              </a:rPr>
+              <a:t>Chap 3: Detail Working Principle</a:t>
+            </a:r>
+          </a:p>
+          <a:p>
+            <a:r>
+              <a:rPr lang="en-US" sz="2000" dirty="0">
+                <a:latin typeface="Arial" panose="020B0604020202020204" pitchFamily="34" charset="0"/>
+                <a:cs typeface="Arial" panose="020B0604020202020204" pitchFamily="34" charset="0"/>
+              </a:rPr>
+              <a:t>Chap 4: Communication</a:t>
+            </a:r>
+          </a:p>
+          <a:p>
+            <a:r>
+              <a:rPr lang="en-US" sz="2000" dirty="0">
+                <a:latin typeface="Arial" panose="020B0604020202020204" pitchFamily="34" charset="0"/>
+                <a:cs typeface="Arial" panose="020B0604020202020204" pitchFamily="34" charset="0"/>
+              </a:rPr>
+              <a:t>Chap 5: Blynk Application</a:t>
+            </a:r>
+          </a:p>
+          <a:p>
+            <a:r>
+              <a:rPr lang="en-US" sz="2000" dirty="0">
+                <a:latin typeface="Arial" panose="020B0604020202020204" pitchFamily="34" charset="0"/>
+                <a:cs typeface="Arial" panose="020B0604020202020204" pitchFamily="34" charset="0"/>
+              </a:rPr>
+              <a:t>Chap 6: Result and Conclusion</a:t>
+            </a:r>
           </a:p>
         </p:txBody>
       </p:sp>
@@ -5144,7 +5303,10 @@
           <a:bodyPr/>
           <a:lstStyle/>
           <a:p>
-            <a:endParaRPr lang="en-US"/>
+            <a:r>
+              <a:rPr lang="en-US" dirty="0"/>
+              <a:t>Table of Contents</a:t>
+            </a:r>
           </a:p>
         </p:txBody>
       </p:sp>
@@ -5208,158 +5370,12 @@
           <a:chExt cx="0" cy="0"/>
         </a:xfrm>
       </p:grpSpPr>
-      <p:pic>
-        <p:nvPicPr>
-          <p:cNvPr id="2" name="Picture 3" descr="Text&#10;&#10;Description automatically generated">
-            <a:extLst>
-              <a:ext uri="{FF2B5EF4-FFF2-40B4-BE49-F238E27FC236}">
-                <a16:creationId xmlns:a16="http://schemas.microsoft.com/office/drawing/2014/main" id="{737FC17F-78B9-4DA3-B1E3-B6651CB17456}"/>
-              </a:ext>
-            </a:extLst>
-          </p:cNvPr>
-          <p:cNvPicPr>
-            <a:picLocks noChangeAspect="1"/>
-          </p:cNvPicPr>
-          <p:nvPr/>
-        </p:nvPicPr>
-        <p:blipFill>
-          <a:blip r:embed="rId2">
-            <a:extLst>
-              <a:ext uri="{28A0092B-C50C-407E-A947-70E740481C1C}">
-                <a14:useLocalDpi xmlns:a14="http://schemas.microsoft.com/office/drawing/2010/main" val="0"/>
-              </a:ext>
-            </a:extLst>
-          </a:blip>
-          <a:stretch>
-            <a:fillRect/>
-          </a:stretch>
-        </p:blipFill>
-        <p:spPr>
-          <a:xfrm>
-            <a:off x="386638" y="284379"/>
-            <a:ext cx="3174367" cy="1153516"/>
-          </a:xfrm>
-          <a:prstGeom prst="rect">
-            <a:avLst/>
-          </a:prstGeom>
-        </p:spPr>
-      </p:pic>
       <p:sp>
         <p:nvSpPr>
-          <p:cNvPr id="3" name="Title 6">
-            <a:extLst>
-              <a:ext uri="{FF2B5EF4-FFF2-40B4-BE49-F238E27FC236}">
-                <a16:creationId xmlns:a16="http://schemas.microsoft.com/office/drawing/2014/main" id="{5702E00C-3125-4CD1-A5F8-64723BF48E3E}"/>
-              </a:ext>
-            </a:extLst>
-          </p:cNvPr>
-          <p:cNvSpPr txBox="1">
-            <a:spLocks/>
-          </p:cNvSpPr>
-          <p:nvPr/>
-        </p:nvSpPr>
-        <p:spPr>
-          <a:xfrm>
-            <a:off x="386633" y="2219413"/>
-            <a:ext cx="7342483" cy="848792"/>
-          </a:xfrm>
-          <a:prstGeom prst="rect">
-            <a:avLst/>
-          </a:prstGeom>
-        </p:spPr>
-        <p:txBody>
-          <a:bodyPr/>
-          <a:lstStyle>
-            <a:lvl1pPr algn="l" defTabSz="914400" rtl="0" eaLnBrk="1" latinLnBrk="0" hangingPunct="1">
-              <a:lnSpc>
-                <a:spcPct val="90000"/>
-              </a:lnSpc>
-              <a:spcBef>
-                <a:spcPct val="0"/>
-              </a:spcBef>
-              <a:buNone/>
-              <a:defRPr sz="5400" b="1" kern="1200">
-                <a:solidFill>
-                  <a:srgbClr val="C00000"/>
-                </a:solidFill>
-                <a:latin typeface="Lato" panose="020F0502020204030203" pitchFamily="34" charset="0"/>
-                <a:ea typeface="Lato" panose="020F0502020204030203" pitchFamily="34" charset="0"/>
-                <a:cs typeface="Lato" panose="020F0502020204030203" pitchFamily="34" charset="0"/>
-              </a:defRPr>
-            </a:lvl1pPr>
-          </a:lstStyle>
-          <a:p>
-            <a:r>
-              <a:rPr lang="en-US" dirty="0"/>
-              <a:t>PRESENTATION TITLE</a:t>
-            </a:r>
-          </a:p>
-        </p:txBody>
-      </p:sp>
-      <p:sp>
-        <p:nvSpPr>
-          <p:cNvPr id="4" name="Title 6">
-            <a:extLst>
-              <a:ext uri="{FF2B5EF4-FFF2-40B4-BE49-F238E27FC236}">
-                <a16:creationId xmlns:a16="http://schemas.microsoft.com/office/drawing/2014/main" id="{72BF49D9-2FCE-4950-8B1C-F580CC18F4C9}"/>
-              </a:ext>
-            </a:extLst>
-          </p:cNvPr>
-          <p:cNvSpPr txBox="1">
-            <a:spLocks/>
-          </p:cNvSpPr>
-          <p:nvPr/>
-        </p:nvSpPr>
-        <p:spPr>
-          <a:xfrm>
-            <a:off x="386633" y="3365404"/>
-            <a:ext cx="7342483" cy="848793"/>
-          </a:xfrm>
-          <a:prstGeom prst="rect">
-            <a:avLst/>
-          </a:prstGeom>
-        </p:spPr>
-        <p:txBody>
-          <a:bodyPr/>
-          <a:lstStyle>
-            <a:lvl1pPr algn="l" defTabSz="914400" rtl="0" eaLnBrk="1" latinLnBrk="0" hangingPunct="1">
-              <a:lnSpc>
-                <a:spcPct val="90000"/>
-              </a:lnSpc>
-              <a:spcBef>
-                <a:spcPct val="0"/>
-              </a:spcBef>
-              <a:buNone/>
-              <a:defRPr sz="5400" b="1" kern="1200">
-                <a:solidFill>
-                  <a:srgbClr val="C00000"/>
-                </a:solidFill>
-                <a:latin typeface="Lato" panose="020F0502020204030203" pitchFamily="34" charset="0"/>
-                <a:ea typeface="Lato" panose="020F0502020204030203" pitchFamily="34" charset="0"/>
-                <a:cs typeface="Lato" panose="020F0502020204030203" pitchFamily="34" charset="0"/>
-              </a:defRPr>
-            </a:lvl1pPr>
-          </a:lstStyle>
-          <a:p>
-            <a:r>
-              <a:rPr lang="en-US" sz="2800" b="0" dirty="0"/>
-              <a:t>SUBTITLE. SUBTITLE. SUBTITLE.</a:t>
-            </a:r>
-          </a:p>
-          <a:p>
-            <a:r>
-              <a:rPr lang="en-US" sz="2800" b="0" dirty="0"/>
-              <a:t>SUBTITLE. SUBTITLE.</a:t>
-            </a:r>
-          </a:p>
-        </p:txBody>
-      </p:sp>
-      <p:sp>
-        <p:nvSpPr>
-          <p:cNvPr id="9" name="Slide Number Placeholder 8">
-            <a:extLst>
-              <a:ext uri="{FF2B5EF4-FFF2-40B4-BE49-F238E27FC236}">
-                <a16:creationId xmlns:a16="http://schemas.microsoft.com/office/drawing/2014/main" id="{99BF4829-01AB-4F75-A03B-DF4FC4C312C6}"/>
+          <p:cNvPr id="2" name="Slide Number Placeholder 1">
+            <a:extLst>
+              <a:ext uri="{FF2B5EF4-FFF2-40B4-BE49-F238E27FC236}">
+                <a16:creationId xmlns:a16="http://schemas.microsoft.com/office/drawing/2014/main" id="{72EEA757-C256-112E-0707-FDCBC539372D}"/>
               </a:ext>
             </a:extLst>
           </p:cNvPr>
@@ -5380,14 +5396,214 @@
               <a:pPr/>
               <a:t>4</a:t>
             </a:fld>
-            <a:endParaRPr lang="en-US"/>
+            <a:endParaRPr lang="en-US" dirty="0"/>
           </a:p>
         </p:txBody>
       </p:sp>
+      <p:sp>
+        <p:nvSpPr>
+          <p:cNvPr id="3" name="Title 2">
+            <a:extLst>
+              <a:ext uri="{FF2B5EF4-FFF2-40B4-BE49-F238E27FC236}">
+                <a16:creationId xmlns:a16="http://schemas.microsoft.com/office/drawing/2014/main" id="{D300672D-4A57-53D4-1F04-50805E9543F2}"/>
+              </a:ext>
+            </a:extLst>
+          </p:cNvPr>
+          <p:cNvSpPr>
+            <a:spLocks noGrp="1"/>
+          </p:cNvSpPr>
+          <p:nvPr>
+            <p:ph type="title"/>
+          </p:nvPr>
+        </p:nvSpPr>
+        <p:spPr/>
+        <p:txBody>
+          <a:bodyPr/>
+          <a:lstStyle/>
+          <a:p>
+            <a:r>
+              <a:rPr lang="en-US" dirty="0"/>
+              <a:t>Chapter 1: Smart Home Overview</a:t>
+            </a:r>
+          </a:p>
+        </p:txBody>
+      </p:sp>
+      <p:sp>
+        <p:nvSpPr>
+          <p:cNvPr id="5" name="TextBox 4">
+            <a:extLst>
+              <a:ext uri="{FF2B5EF4-FFF2-40B4-BE49-F238E27FC236}">
+                <a16:creationId xmlns:a16="http://schemas.microsoft.com/office/drawing/2014/main" id="{5A69056C-8573-EE5B-AEEE-D68C1E0CDA46}"/>
+              </a:ext>
+            </a:extLst>
+          </p:cNvPr>
+          <p:cNvSpPr txBox="1"/>
+          <p:nvPr/>
+        </p:nvSpPr>
+        <p:spPr>
+          <a:xfrm>
+            <a:off x="378873" y="1035213"/>
+            <a:ext cx="10452682" cy="1631216"/>
+          </a:xfrm>
+          <a:prstGeom prst="rect">
+            <a:avLst/>
+          </a:prstGeom>
+          <a:noFill/>
+        </p:spPr>
+        <p:txBody>
+          <a:bodyPr wrap="square" rtlCol="0">
+            <a:spAutoFit/>
+          </a:bodyPr>
+          <a:lstStyle/>
+          <a:p>
+            <a:pPr marL="342900" indent="-342900">
+              <a:buFontTx/>
+              <a:buChar char="-"/>
+            </a:pPr>
+            <a:r>
+              <a:rPr lang="en-US" sz="2000" dirty="0">
+                <a:latin typeface="Arial" panose="020B0604020202020204" pitchFamily="34" charset="0"/>
+                <a:cs typeface="Arial" panose="020B0604020202020204" pitchFamily="34" charset="0"/>
+              </a:rPr>
+              <a:t>Currently, smart home has been a potential market, the largest market is in NA.</a:t>
+            </a:r>
+          </a:p>
+          <a:p>
+            <a:pPr marL="342900" indent="-342900">
+              <a:buFontTx/>
+              <a:buChar char="-"/>
+            </a:pPr>
+            <a:r>
+              <a:rPr lang="en-US" sz="2000" dirty="0">
+                <a:latin typeface="Arial" panose="020B0604020202020204" pitchFamily="34" charset="0"/>
+                <a:cs typeface="Arial" panose="020B0604020202020204" pitchFamily="34" charset="0"/>
+              </a:rPr>
+              <a:t>In Viet Nam, many manufactures enter this market : BKAV, </a:t>
+            </a:r>
+            <a:r>
+              <a:rPr lang="en-US" sz="2000" dirty="0" err="1">
+                <a:latin typeface="Arial" panose="020B0604020202020204" pitchFamily="34" charset="0"/>
+                <a:cs typeface="Arial" panose="020B0604020202020204" pitchFamily="34" charset="0"/>
+              </a:rPr>
+              <a:t>Lumi</a:t>
+            </a:r>
+            <a:r>
+              <a:rPr lang="en-US" sz="2000" dirty="0">
+                <a:latin typeface="Arial" panose="020B0604020202020204" pitchFamily="34" charset="0"/>
+                <a:cs typeface="Arial" panose="020B0604020202020204" pitchFamily="34" charset="0"/>
+              </a:rPr>
+              <a:t> Smart Home, …</a:t>
+            </a:r>
+          </a:p>
+          <a:p>
+            <a:pPr marL="342900" indent="-342900">
+              <a:buFontTx/>
+              <a:buChar char="-"/>
+            </a:pPr>
+            <a:r>
+              <a:rPr lang="en-US" sz="2000" dirty="0">
+                <a:latin typeface="Arial" panose="020B0604020202020204" pitchFamily="34" charset="0"/>
+                <a:cs typeface="Arial" panose="020B0604020202020204" pitchFamily="34" charset="0"/>
+              </a:rPr>
+              <a:t>The intelligence of a house: Automation, Security, Entertainment and Remote control.</a:t>
+            </a:r>
+          </a:p>
+          <a:p>
+            <a:pPr marL="342900" indent="-342900">
+              <a:buFontTx/>
+              <a:buChar char="-"/>
+            </a:pPr>
+            <a:r>
+              <a:rPr lang="en-US" sz="2000" dirty="0">
+                <a:latin typeface="Arial" panose="020B0604020202020204" pitchFamily="34" charset="0"/>
+                <a:cs typeface="Arial" panose="020B0604020202020204" pitchFamily="34" charset="0"/>
+              </a:rPr>
+              <a:t>A basic design with capabilities such as: Intrusion warning, gas warning, automatic door system, security camera system, entertainment system…</a:t>
+            </a:r>
+          </a:p>
+        </p:txBody>
+      </p:sp>
+      <p:pic>
+        <p:nvPicPr>
+          <p:cNvPr id="7" name="Picture 6" descr="Smart Home Market Size Worldwide (2017–2026) | Oberlo">
+            <a:extLst>
+              <a:ext uri="{FF2B5EF4-FFF2-40B4-BE49-F238E27FC236}">
+                <a16:creationId xmlns:a16="http://schemas.microsoft.com/office/drawing/2014/main" id="{2B987EB1-A8FF-5479-DE5F-60A873813C9D}"/>
+              </a:ext>
+            </a:extLst>
+          </p:cNvPr>
+          <p:cNvPicPr>
+            <a:picLocks noChangeAspect="1"/>
+          </p:cNvPicPr>
+          <p:nvPr/>
+        </p:nvPicPr>
+        <p:blipFill>
+          <a:blip r:embed="rId2" cstate="print">
+            <a:extLst>
+              <a:ext uri="{28A0092B-C50C-407E-A947-70E740481C1C}">
+                <a14:useLocalDpi xmlns:a14="http://schemas.microsoft.com/office/drawing/2010/main" val="0"/>
+              </a:ext>
+            </a:extLst>
+          </a:blip>
+          <a:srcRect/>
+          <a:stretch>
+            <a:fillRect/>
+          </a:stretch>
+        </p:blipFill>
+        <p:spPr bwMode="auto">
+          <a:xfrm>
+            <a:off x="575880" y="2923022"/>
+            <a:ext cx="5304224" cy="2711470"/>
+          </a:xfrm>
+          <a:prstGeom prst="rect">
+            <a:avLst/>
+          </a:prstGeom>
+          <a:noFill/>
+          <a:ln>
+            <a:noFill/>
+          </a:ln>
+        </p:spPr>
+      </p:pic>
+      <p:pic>
+        <p:nvPicPr>
+          <p:cNvPr id="8" name="Picture 7" descr="Diagram&#10;&#10;Description automatically generated">
+            <a:extLst>
+              <a:ext uri="{FF2B5EF4-FFF2-40B4-BE49-F238E27FC236}">
+                <a16:creationId xmlns:a16="http://schemas.microsoft.com/office/drawing/2014/main" id="{00A9A73B-113A-7006-EBF5-448F9AB897DC}"/>
+              </a:ext>
+            </a:extLst>
+          </p:cNvPr>
+          <p:cNvPicPr>
+            <a:picLocks noChangeAspect="1"/>
+          </p:cNvPicPr>
+          <p:nvPr/>
+        </p:nvPicPr>
+        <p:blipFill>
+          <a:blip r:embed="rId3">
+            <a:extLst>
+              <a:ext uri="{28A0092B-C50C-407E-A947-70E740481C1C}">
+                <a14:useLocalDpi xmlns:a14="http://schemas.microsoft.com/office/drawing/2010/main" val="0"/>
+              </a:ext>
+            </a:extLst>
+          </a:blip>
+          <a:stretch>
+            <a:fillRect/>
+          </a:stretch>
+        </p:blipFill>
+        <p:spPr>
+          <a:xfrm>
+            <a:off x="6311899" y="2923022"/>
+            <a:ext cx="5304222" cy="2769302"/>
+          </a:xfrm>
+          <a:prstGeom prst="rect">
+            <a:avLst/>
+          </a:prstGeom>
+        </p:spPr>
+      </p:pic>
     </p:spTree>
     <p:extLst>
       <p:ext uri="{BB962C8B-B14F-4D97-AF65-F5344CB8AC3E}">
-        <p14:creationId xmlns:p14="http://schemas.microsoft.com/office/powerpoint/2010/main" val="743172911"/>
+        <p14:creationId xmlns:p14="http://schemas.microsoft.com/office/powerpoint/2010/main" val="2239395536"/>
       </p:ext>
     </p:extLst>
   </p:cSld>
@@ -5416,10 +5632,156 @@
       </p:grpSpPr>
       <p:sp>
         <p:nvSpPr>
-          <p:cNvPr id="2" name="Slide Number Placeholder 1">
-            <a:extLst>
-              <a:ext uri="{FF2B5EF4-FFF2-40B4-BE49-F238E27FC236}">
-                <a16:creationId xmlns:a16="http://schemas.microsoft.com/office/drawing/2014/main" id="{72EEA757-C256-112E-0707-FDCBC539372D}"/>
+          <p:cNvPr id="2" name="Title 1">
+            <a:extLst>
+              <a:ext uri="{FF2B5EF4-FFF2-40B4-BE49-F238E27FC236}">
+                <a16:creationId xmlns:a16="http://schemas.microsoft.com/office/drawing/2014/main" id="{EF9B3AB5-95DF-4273-871C-843529DB7255}"/>
+              </a:ext>
+            </a:extLst>
+          </p:cNvPr>
+          <p:cNvSpPr>
+            <a:spLocks noGrp="1"/>
+          </p:cNvSpPr>
+          <p:nvPr>
+            <p:ph type="title"/>
+          </p:nvPr>
+        </p:nvSpPr>
+        <p:spPr/>
+        <p:txBody>
+          <a:bodyPr/>
+          <a:lstStyle/>
+          <a:p>
+            <a:r>
+              <a:rPr lang="en-US" dirty="0"/>
+              <a:t>Chapter 2: General Architecture Of The Smart Home</a:t>
+            </a:r>
+          </a:p>
+        </p:txBody>
+      </p:sp>
+      <p:sp>
+        <p:nvSpPr>
+          <p:cNvPr id="3" name="Content Placeholder 2">
+            <a:extLst>
+              <a:ext uri="{FF2B5EF4-FFF2-40B4-BE49-F238E27FC236}">
+                <a16:creationId xmlns:a16="http://schemas.microsoft.com/office/drawing/2014/main" id="{3573E091-9DCD-4DE7-96D1-A93E44E0F5B9}"/>
+              </a:ext>
+            </a:extLst>
+          </p:cNvPr>
+          <p:cNvSpPr>
+            <a:spLocks noGrp="1"/>
+          </p:cNvSpPr>
+          <p:nvPr>
+            <p:ph sz="quarter" idx="13"/>
+          </p:nvPr>
+        </p:nvSpPr>
+        <p:spPr/>
+        <p:txBody>
+          <a:bodyPr/>
+          <a:lstStyle/>
+          <a:p>
+            <a:pPr marL="514350" indent="-514350">
+              <a:buAutoNum type="arabicPeriod"/>
+            </a:pPr>
+            <a:r>
+              <a:rPr lang="en-US" sz="2000" b="1" dirty="0">
+                <a:latin typeface="Arial" panose="020B0604020202020204" pitchFamily="34" charset="0"/>
+                <a:cs typeface="Arial" panose="020B0604020202020204" pitchFamily="34" charset="0"/>
+              </a:rPr>
+              <a:t>Function</a:t>
+            </a:r>
+          </a:p>
+          <a:p>
+            <a:pPr>
+              <a:buFontTx/>
+              <a:buChar char="-"/>
+            </a:pPr>
+            <a:r>
+              <a:rPr lang="en-US" sz="2000" dirty="0">
+                <a:latin typeface="Arial" panose="020B0604020202020204" pitchFamily="34" charset="0"/>
+                <a:cs typeface="Arial" panose="020B0604020202020204" pitchFamily="34" charset="0"/>
+              </a:rPr>
+              <a:t>Monitor the temperature and humidity</a:t>
+            </a:r>
+          </a:p>
+          <a:p>
+            <a:pPr>
+              <a:buFontTx/>
+              <a:buChar char="-"/>
+            </a:pPr>
+            <a:r>
+              <a:rPr lang="en-US" sz="2000" dirty="0">
+                <a:latin typeface="Arial" panose="020B0604020202020204" pitchFamily="34" charset="0"/>
+                <a:cs typeface="Arial" panose="020B0604020202020204" pitchFamily="34" charset="0"/>
+              </a:rPr>
+              <a:t>Open main door using the password</a:t>
+            </a:r>
+          </a:p>
+          <a:p>
+            <a:pPr>
+              <a:buFontTx/>
+              <a:buChar char="-"/>
+            </a:pPr>
+            <a:r>
+              <a:rPr lang="en-US" sz="2000" dirty="0">
+                <a:latin typeface="Arial" panose="020B0604020202020204" pitchFamily="34" charset="0"/>
+                <a:cs typeface="Arial" panose="020B0604020202020204" pitchFamily="34" charset="0"/>
+              </a:rPr>
+              <a:t>Open/Close clothesline automatically according to weather</a:t>
+            </a:r>
+          </a:p>
+          <a:p>
+            <a:pPr>
+              <a:buFontTx/>
+              <a:buChar char="-"/>
+            </a:pPr>
+            <a:r>
+              <a:rPr lang="en-US" sz="2000" dirty="0">
+                <a:latin typeface="Arial" panose="020B0604020202020204" pitchFamily="34" charset="0"/>
+                <a:cs typeface="Arial" panose="020B0604020202020204" pitchFamily="34" charset="0"/>
+              </a:rPr>
+              <a:t>Turn on/off “Movie Mode” entertainment room</a:t>
+            </a:r>
+          </a:p>
+          <a:p>
+            <a:pPr>
+              <a:buFontTx/>
+              <a:buChar char="-"/>
+            </a:pPr>
+            <a:r>
+              <a:rPr lang="en-US" sz="2000" dirty="0">
+                <a:latin typeface="Arial" panose="020B0604020202020204" pitchFamily="34" charset="0"/>
+                <a:cs typeface="Arial" panose="020B0604020202020204" pitchFamily="34" charset="0"/>
+              </a:rPr>
+              <a:t>Control light, fan, air conditioning, door by remote control system</a:t>
+            </a:r>
+          </a:p>
+          <a:p>
+            <a:pPr>
+              <a:buFontTx/>
+              <a:buChar char="-"/>
+            </a:pPr>
+            <a:r>
+              <a:rPr lang="en-US" sz="2000" dirty="0">
+                <a:latin typeface="Arial" panose="020B0604020202020204" pitchFamily="34" charset="0"/>
+                <a:cs typeface="Arial" panose="020B0604020202020204" pitchFamily="34" charset="0"/>
+              </a:rPr>
+              <a:t>Alarm system </a:t>
+            </a:r>
+          </a:p>
+          <a:p>
+            <a:pPr marL="0" indent="0">
+              <a:buNone/>
+            </a:pPr>
+            <a:endParaRPr lang="en-US" dirty="0"/>
+          </a:p>
+        </p:txBody>
+      </p:sp>
+      <p:sp>
+        <p:nvSpPr>
+          <p:cNvPr id="4" name="Slide Number Placeholder 3">
+            <a:extLst>
+              <a:ext uri="{FF2B5EF4-FFF2-40B4-BE49-F238E27FC236}">
+                <a16:creationId xmlns:a16="http://schemas.microsoft.com/office/drawing/2014/main" id="{6CAB879D-D188-4DA3-8675-F8BCF379A12E}"/>
               </a:ext>
             </a:extLst>
           </p:cNvPr>
@@ -5444,66 +5806,10 @@
           </a:p>
         </p:txBody>
       </p:sp>
-      <p:sp>
-        <p:nvSpPr>
-          <p:cNvPr id="3" name="Title 2">
-            <a:extLst>
-              <a:ext uri="{FF2B5EF4-FFF2-40B4-BE49-F238E27FC236}">
-                <a16:creationId xmlns:a16="http://schemas.microsoft.com/office/drawing/2014/main" id="{D300672D-4A57-53D4-1F04-50805E9543F2}"/>
-              </a:ext>
-            </a:extLst>
-          </p:cNvPr>
-          <p:cNvSpPr>
-            <a:spLocks noGrp="1"/>
-          </p:cNvSpPr>
-          <p:nvPr>
-            <p:ph type="title"/>
-          </p:nvPr>
-        </p:nvSpPr>
-        <p:spPr/>
-        <p:txBody>
-          <a:bodyPr/>
-          <a:lstStyle/>
-          <a:p>
-            <a:r>
-              <a:rPr lang="en-US" dirty="0"/>
-              <a:t>Chapter 1: Smart Home Overview</a:t>
-            </a:r>
-          </a:p>
-        </p:txBody>
-      </p:sp>
-      <p:sp>
-        <p:nvSpPr>
-          <p:cNvPr id="4" name="Content Placeholder 3">
-            <a:extLst>
-              <a:ext uri="{FF2B5EF4-FFF2-40B4-BE49-F238E27FC236}">
-                <a16:creationId xmlns:a16="http://schemas.microsoft.com/office/drawing/2014/main" id="{D8CDFE33-31F2-0D96-40CD-4BF4E386A79C}"/>
-              </a:ext>
-            </a:extLst>
-          </p:cNvPr>
-          <p:cNvSpPr>
-            <a:spLocks noGrp="1"/>
-          </p:cNvSpPr>
-          <p:nvPr>
-            <p:ph sz="quarter" idx="13"/>
-          </p:nvPr>
-        </p:nvSpPr>
-        <p:spPr/>
-        <p:txBody>
-          <a:bodyPr/>
-          <a:lstStyle/>
-          <a:p>
-            <a:pPr marL="0" indent="0">
-              <a:buNone/>
-            </a:pPr>
-            <a:endParaRPr lang="en-US" dirty="0"/>
-          </a:p>
-        </p:txBody>
-      </p:sp>
     </p:spTree>
     <p:extLst>
       <p:ext uri="{BB962C8B-B14F-4D97-AF65-F5344CB8AC3E}">
-        <p14:creationId xmlns:p14="http://schemas.microsoft.com/office/powerpoint/2010/main" val="2239395536"/>
+        <p14:creationId xmlns:p14="http://schemas.microsoft.com/office/powerpoint/2010/main" val="221433772"/>
       </p:ext>
     </p:extLst>
   </p:cSld>
@@ -5532,10 +5838,40 @@
       </p:grpSpPr>
       <p:sp>
         <p:nvSpPr>
-          <p:cNvPr id="2" name="Title 1">
-            <a:extLst>
-              <a:ext uri="{FF2B5EF4-FFF2-40B4-BE49-F238E27FC236}">
-                <a16:creationId xmlns:a16="http://schemas.microsoft.com/office/drawing/2014/main" id="{EF9B3AB5-95DF-4273-871C-843529DB7255}"/>
+          <p:cNvPr id="2" name="Slide Number Placeholder 1">
+            <a:extLst>
+              <a:ext uri="{FF2B5EF4-FFF2-40B4-BE49-F238E27FC236}">
+                <a16:creationId xmlns:a16="http://schemas.microsoft.com/office/drawing/2014/main" id="{C6E4702A-231C-6647-533D-9AD41EB38A3A}"/>
+              </a:ext>
+            </a:extLst>
+          </p:cNvPr>
+          <p:cNvSpPr>
+            <a:spLocks noGrp="1"/>
+          </p:cNvSpPr>
+          <p:nvPr>
+            <p:ph type="sldNum" sz="quarter" idx="12"/>
+          </p:nvPr>
+        </p:nvSpPr>
+        <p:spPr/>
+        <p:txBody>
+          <a:bodyPr/>
+          <a:lstStyle/>
+          <a:p>
+            <a:fld id="{9EA0BE3B-158A-4EDF-80DC-E394A0D1600F}" type="slidenum">
+              <a:rPr lang="en-US" smtClean="0"/>
+              <a:pPr/>
+              <a:t>6</a:t>
+            </a:fld>
+            <a:endParaRPr lang="en-US" dirty="0"/>
+          </a:p>
+        </p:txBody>
+      </p:sp>
+      <p:sp>
+        <p:nvSpPr>
+          <p:cNvPr id="3" name="Title 2">
+            <a:extLst>
+              <a:ext uri="{FF2B5EF4-FFF2-40B4-BE49-F238E27FC236}">
+                <a16:creationId xmlns:a16="http://schemas.microsoft.com/office/drawing/2014/main" id="{06210EF0-1882-B92A-A5C3-E652996A0F5C}"/>
               </a:ext>
             </a:extLst>
           </p:cNvPr>
@@ -5558,137 +5894,42 @@
           </a:p>
         </p:txBody>
       </p:sp>
-      <p:sp>
-        <p:nvSpPr>
-          <p:cNvPr id="3" name="Content Placeholder 2">
-            <a:extLst>
-              <a:ext uri="{FF2B5EF4-FFF2-40B4-BE49-F238E27FC236}">
-                <a16:creationId xmlns:a16="http://schemas.microsoft.com/office/drawing/2014/main" id="{3573E091-9DCD-4DE7-96D1-A93E44E0F5B9}"/>
-              </a:ext>
-            </a:extLst>
-          </p:cNvPr>
-          <p:cNvSpPr>
-            <a:spLocks noGrp="1"/>
-          </p:cNvSpPr>
+      <p:pic>
+        <p:nvPicPr>
+          <p:cNvPr id="5" name="Content Placeholder 4" descr="A screenshot of a computer&#10;&#10;Description automatically generated with low confidence">
+            <a:extLst>
+              <a:ext uri="{FF2B5EF4-FFF2-40B4-BE49-F238E27FC236}">
+                <a16:creationId xmlns:a16="http://schemas.microsoft.com/office/drawing/2014/main" id="{391D803D-4F44-24B8-32CF-153532481A4D}"/>
+              </a:ext>
+            </a:extLst>
+          </p:cNvPr>
+          <p:cNvPicPr>
+            <a:picLocks noGrp="1" noChangeAspect="1"/>
+          </p:cNvPicPr>
           <p:nvPr>
             <p:ph sz="quarter" idx="13"/>
           </p:nvPr>
-        </p:nvSpPr>
-        <p:spPr/>
-        <p:txBody>
-          <a:bodyPr/>
-          <a:lstStyle/>
-          <a:p>
-            <a:pPr marL="514350" indent="-514350">
-              <a:buAutoNum type="arabicPeriod"/>
-            </a:pPr>
-            <a:r>
-              <a:rPr lang="en-US" b="1" dirty="0"/>
-              <a:t>Function</a:t>
-            </a:r>
-          </a:p>
-          <a:p>
-            <a:pPr>
-              <a:buFontTx/>
-              <a:buChar char="-"/>
-            </a:pPr>
-            <a:r>
-              <a:rPr lang="en-US" dirty="0"/>
-              <a:t>Monitor the temperature and humidity</a:t>
-            </a:r>
-          </a:p>
-          <a:p>
-            <a:pPr>
-              <a:buFontTx/>
-              <a:buChar char="-"/>
-            </a:pPr>
-            <a:r>
-              <a:rPr lang="en-US" dirty="0"/>
-              <a:t>Open main door using the password</a:t>
-            </a:r>
-          </a:p>
-          <a:p>
-            <a:pPr>
-              <a:buFontTx/>
-              <a:buChar char="-"/>
-            </a:pPr>
-            <a:r>
-              <a:rPr lang="en-US" dirty="0"/>
-              <a:t>Open/Close clothesline automatically according to weather</a:t>
-            </a:r>
-          </a:p>
-          <a:p>
-            <a:pPr>
-              <a:buFontTx/>
-              <a:buChar char="-"/>
-            </a:pPr>
-            <a:r>
-              <a:rPr lang="en-US" dirty="0"/>
-              <a:t>Turn on/off “Movie Mode” entertainment room</a:t>
-            </a:r>
-          </a:p>
-          <a:p>
-            <a:pPr>
-              <a:buFontTx/>
-              <a:buChar char="-"/>
-            </a:pPr>
-            <a:r>
-              <a:rPr lang="en-US" dirty="0"/>
-              <a:t>Control light, fan, air conditioning, door by remote control system</a:t>
-            </a:r>
-          </a:p>
-          <a:p>
-            <a:pPr>
-              <a:buFontTx/>
-              <a:buChar char="-"/>
-            </a:pPr>
-            <a:r>
-              <a:rPr lang="en-US" dirty="0"/>
-              <a:t>Alarm system </a:t>
-            </a:r>
-          </a:p>
-          <a:p>
-            <a:pPr marL="0" indent="0">
-              <a:buNone/>
-            </a:pPr>
-            <a:endParaRPr lang="en-US" dirty="0"/>
-          </a:p>
-        </p:txBody>
-      </p:sp>
-      <p:sp>
-        <p:nvSpPr>
-          <p:cNvPr id="4" name="Slide Number Placeholder 3">
-            <a:extLst>
-              <a:ext uri="{FF2B5EF4-FFF2-40B4-BE49-F238E27FC236}">
-                <a16:creationId xmlns:a16="http://schemas.microsoft.com/office/drawing/2014/main" id="{6CAB879D-D188-4DA3-8675-F8BCF379A12E}"/>
-              </a:ext>
-            </a:extLst>
-          </p:cNvPr>
-          <p:cNvSpPr>
-            <a:spLocks noGrp="1"/>
-          </p:cNvSpPr>
-          <p:nvPr>
-            <p:ph type="sldNum" sz="quarter" idx="12"/>
-          </p:nvPr>
-        </p:nvSpPr>
-        <p:spPr/>
-        <p:txBody>
-          <a:bodyPr/>
-          <a:lstStyle/>
-          <a:p>
-            <a:fld id="{9EA0BE3B-158A-4EDF-80DC-E394A0D1600F}" type="slidenum">
-              <a:rPr lang="en-US" smtClean="0"/>
-              <a:pPr/>
-              <a:t>6</a:t>
-            </a:fld>
-            <a:endParaRPr lang="en-US" dirty="0"/>
-          </a:p>
-        </p:txBody>
-      </p:sp>
+        </p:nvPicPr>
+        <p:blipFill>
+          <a:blip r:embed="rId2"/>
+          <a:stretch>
+            <a:fillRect/>
+          </a:stretch>
+        </p:blipFill>
+        <p:spPr>
+          <a:xfrm>
+            <a:off x="780295" y="1791316"/>
+            <a:ext cx="4946475" cy="3275368"/>
+          </a:xfrm>
+          <a:prstGeom prst="rect">
+            <a:avLst/>
+          </a:prstGeom>
+        </p:spPr>
+      </p:pic>
     </p:spTree>
     <p:extLst>
       <p:ext uri="{BB962C8B-B14F-4D97-AF65-F5344CB8AC3E}">
-        <p14:creationId xmlns:p14="http://schemas.microsoft.com/office/powerpoint/2010/main" val="221433772"/>
+        <p14:creationId xmlns:p14="http://schemas.microsoft.com/office/powerpoint/2010/main" val="83216402"/>
       </p:ext>
     </p:extLst>
   </p:cSld>
@@ -5720,7 +5961,7 @@
           <p:cNvPr id="2" name="Slide Number Placeholder 1">
             <a:extLst>
               <a:ext uri="{FF2B5EF4-FFF2-40B4-BE49-F238E27FC236}">
-                <a16:creationId xmlns:a16="http://schemas.microsoft.com/office/drawing/2014/main" id="{C6E4702A-231C-6647-533D-9AD41EB38A3A}"/>
+                <a16:creationId xmlns:a16="http://schemas.microsoft.com/office/drawing/2014/main" id="{826C9118-78CD-4FEC-C481-545B2E96C881}"/>
               </a:ext>
             </a:extLst>
           </p:cNvPr>
@@ -5750,7 +5991,7 @@
           <p:cNvPr id="3" name="Title 2">
             <a:extLst>
               <a:ext uri="{FF2B5EF4-FFF2-40B4-BE49-F238E27FC236}">
-                <a16:creationId xmlns:a16="http://schemas.microsoft.com/office/drawing/2014/main" id="{06210EF0-1882-B92A-A5C3-E652996A0F5C}"/>
+                <a16:creationId xmlns:a16="http://schemas.microsoft.com/office/drawing/2014/main" id="{BED7AF73-DC17-735E-5EE0-1E1C973DB7F0}"/>
               </a:ext>
             </a:extLst>
           </p:cNvPr>
@@ -5773,126 +6014,6 @@
           </a:p>
         </p:txBody>
       </p:sp>
-      <p:pic>
-        <p:nvPicPr>
-          <p:cNvPr id="5" name="Content Placeholder 4" descr="A screenshot of a computer&#10;&#10;Description automatically generated with low confidence">
-            <a:extLst>
-              <a:ext uri="{FF2B5EF4-FFF2-40B4-BE49-F238E27FC236}">
-                <a16:creationId xmlns:a16="http://schemas.microsoft.com/office/drawing/2014/main" id="{391D803D-4F44-24B8-32CF-153532481A4D}"/>
-              </a:ext>
-            </a:extLst>
-          </p:cNvPr>
-          <p:cNvPicPr>
-            <a:picLocks noGrp="1" noChangeAspect="1"/>
-          </p:cNvPicPr>
-          <p:nvPr>
-            <p:ph sz="quarter" idx="13"/>
-          </p:nvPr>
-        </p:nvPicPr>
-        <p:blipFill>
-          <a:blip r:embed="rId2"/>
-          <a:stretch>
-            <a:fillRect/>
-          </a:stretch>
-        </p:blipFill>
-        <p:spPr>
-          <a:xfrm>
-            <a:off x="2512535" y="877183"/>
-            <a:ext cx="7049484" cy="4667901"/>
-          </a:xfrm>
-          <a:prstGeom prst="rect">
-            <a:avLst/>
-          </a:prstGeom>
-        </p:spPr>
-      </p:pic>
-    </p:spTree>
-    <p:extLst>
-      <p:ext uri="{BB962C8B-B14F-4D97-AF65-F5344CB8AC3E}">
-        <p14:creationId xmlns:p14="http://schemas.microsoft.com/office/powerpoint/2010/main" val="83216402"/>
-      </p:ext>
-    </p:extLst>
-  </p:cSld>
-  <p:clrMapOvr>
-    <a:masterClrMapping/>
-  </p:clrMapOvr>
-</p:sld>
-</file>
-
-<file path=ppt/slides/slide8.xml><?xml version="1.0" encoding="utf-8"?>
-<p:sld xmlns:a="http://schemas.openxmlformats.org/drawingml/2006/main" xmlns:r="http://schemas.openxmlformats.org/officeDocument/2006/relationships" xmlns:p="http://schemas.openxmlformats.org/presentationml/2006/main">
-  <p:cSld>
-    <p:spTree>
-      <p:nvGrpSpPr>
-        <p:cNvPr id="1" name=""/>
-        <p:cNvGrpSpPr/>
-        <p:nvPr/>
-      </p:nvGrpSpPr>
-      <p:grpSpPr>
-        <a:xfrm>
-          <a:off x="0" y="0"/>
-          <a:ext cx="0" cy="0"/>
-          <a:chOff x="0" y="0"/>
-          <a:chExt cx="0" cy="0"/>
-        </a:xfrm>
-      </p:grpSpPr>
-      <p:sp>
-        <p:nvSpPr>
-          <p:cNvPr id="2" name="Slide Number Placeholder 1">
-            <a:extLst>
-              <a:ext uri="{FF2B5EF4-FFF2-40B4-BE49-F238E27FC236}">
-                <a16:creationId xmlns:a16="http://schemas.microsoft.com/office/drawing/2014/main" id="{826C9118-78CD-4FEC-C481-545B2E96C881}"/>
-              </a:ext>
-            </a:extLst>
-          </p:cNvPr>
-          <p:cNvSpPr>
-            <a:spLocks noGrp="1"/>
-          </p:cNvSpPr>
-          <p:nvPr>
-            <p:ph type="sldNum" sz="quarter" idx="12"/>
-          </p:nvPr>
-        </p:nvSpPr>
-        <p:spPr/>
-        <p:txBody>
-          <a:bodyPr/>
-          <a:lstStyle/>
-          <a:p>
-            <a:fld id="{9EA0BE3B-158A-4EDF-80DC-E394A0D1600F}" type="slidenum">
-              <a:rPr lang="en-US" smtClean="0"/>
-              <a:pPr/>
-              <a:t>8</a:t>
-            </a:fld>
-            <a:endParaRPr lang="en-US" dirty="0"/>
-          </a:p>
-        </p:txBody>
-      </p:sp>
-      <p:sp>
-        <p:nvSpPr>
-          <p:cNvPr id="3" name="Title 2">
-            <a:extLst>
-              <a:ext uri="{FF2B5EF4-FFF2-40B4-BE49-F238E27FC236}">
-                <a16:creationId xmlns:a16="http://schemas.microsoft.com/office/drawing/2014/main" id="{BED7AF73-DC17-735E-5EE0-1E1C973DB7F0}"/>
-              </a:ext>
-            </a:extLst>
-          </p:cNvPr>
-          <p:cNvSpPr>
-            <a:spLocks noGrp="1"/>
-          </p:cNvSpPr>
-          <p:nvPr>
-            <p:ph type="title"/>
-          </p:nvPr>
-        </p:nvSpPr>
-        <p:spPr/>
-        <p:txBody>
-          <a:bodyPr/>
-          <a:lstStyle/>
-          <a:p>
-            <a:r>
-              <a:rPr lang="en-US" dirty="0"/>
-              <a:t>Chapter 2: General Architecture Of The Smart Home</a:t>
-            </a:r>
-          </a:p>
-        </p:txBody>
-      </p:sp>
       <p:sp>
         <p:nvSpPr>
           <p:cNvPr id="4" name="Content Placeholder 3">
@@ -5948,7 +6069,7 @@
           <p:nvPr>
             <p:extLst>
               <p:ext uri="{D42A27DB-BD31-4B8C-83A1-F6EECF244321}">
-                <p14:modId xmlns:p14="http://schemas.microsoft.com/office/powerpoint/2010/main" val="420447650"/>
+                <p14:modId xmlns:p14="http://schemas.microsoft.com/office/powerpoint/2010/main" val="1706955212"/>
               </p:ext>
             </p:extLst>
           </p:nvPr>
@@ -6166,7 +6287,7 @@
                       </a:pPr>
                       <a:r>
                         <a:rPr lang="en-US" sz="1200" dirty="0"/>
-                        <a:t>Operating Voltage: 5V</a:t>
+                        <a:t>Operating Voltage: 3.3 to 5V</a:t>
                       </a:r>
                     </a:p>
                     <a:p>
@@ -6174,7 +6295,10 @@
                         <a:buFont typeface="Arial" panose="020B0604020202020204" pitchFamily="34" charset="0"/>
                         <a:buChar char="•"/>
                       </a:pPr>
-                      <a:endParaRPr lang="en-US" sz="1200" dirty="0"/>
+                      <a:r>
+                        <a:rPr lang="en-US" sz="1200" dirty="0"/>
+                        <a:t>Analog output: 0 – 5V</a:t>
+                      </a:r>
                     </a:p>
                   </a:txBody>
                   <a:tcPr/>
@@ -6535,7 +6659,7 @@
 </p:sld>
 </file>
 
-<file path=ppt/slides/slide9.xml><?xml version="1.0" encoding="utf-8"?>
+<file path=ppt/slides/slide8.xml><?xml version="1.0" encoding="utf-8"?>
 <p:sld xmlns:a="http://schemas.openxmlformats.org/drawingml/2006/main" xmlns:r="http://schemas.openxmlformats.org/officeDocument/2006/relationships" xmlns:p="http://schemas.openxmlformats.org/presentationml/2006/main">
   <p:cSld>
     <p:spTree>
@@ -6576,7 +6700,7 @@
             <a:fld id="{9EA0BE3B-158A-4EDF-80DC-E394A0D1600F}" type="slidenum">
               <a:rPr lang="en-US" smtClean="0"/>
               <a:pPr/>
-              <a:t>9</a:t>
+              <a:t>8</a:t>
             </a:fld>
             <a:endParaRPr lang="en-US" dirty="0"/>
           </a:p>
@@ -6626,16 +6750,48 @@
             <p:ph sz="quarter" idx="13"/>
           </p:nvPr>
         </p:nvSpPr>
-        <p:spPr/>
+        <p:spPr>
+          <a:xfrm>
+            <a:off x="338736" y="907842"/>
+            <a:ext cx="11514528" cy="4909124"/>
+          </a:xfrm>
+        </p:spPr>
         <p:txBody>
           <a:bodyPr/>
           <a:lstStyle/>
           <a:p>
-            <a:pPr marL="0" indent="0">
+            <a:pPr marL="0" marR="0" lvl="0" indent="0" algn="l" defTabSz="914377" rtl="0" eaLnBrk="1" fontAlgn="auto" latinLnBrk="0" hangingPunct="1">
+              <a:lnSpc>
+                <a:spcPct val="90000"/>
+              </a:lnSpc>
+              <a:spcBef>
+                <a:spcPts val="1000"/>
+              </a:spcBef>
+              <a:spcAft>
+                <a:spcPts val="0"/>
+              </a:spcAft>
+              <a:buClrTx/>
+              <a:buSzTx/>
+              <a:buFont typeface="Arial" panose="020B0604020202020204" pitchFamily="34" charset="0"/>
               <a:buNone/>
+              <a:tabLst/>
+              <a:defRPr/>
             </a:pPr>
             <a:r>
-              <a:rPr lang="en-US" b="1" dirty="0"/>
+              <a:rPr kumimoji="0" lang="en-US" sz="2000" b="1" i="0" u="none" strike="noStrike" kern="1200" cap="none" spc="0" normalizeH="0" baseline="0" noProof="0" dirty="0">
+                <a:ln>
+                  <a:noFill/>
+                </a:ln>
+                <a:solidFill>
+                  <a:prstClr val="black"/>
+                </a:solidFill>
+                <a:effectLst/>
+                <a:uLnTx/>
+                <a:uFillTx/>
+                <a:latin typeface="Arial" panose="020B0604020202020204" pitchFamily="34" charset="0"/>
+                <a:ea typeface="Lato" panose="020F0502020204030203" pitchFamily="34" charset="0"/>
+                <a:cs typeface="Arial" panose="020B0604020202020204" pitchFamily="34" charset="0"/>
+              </a:rPr>
               <a:t>2. Components</a:t>
             </a:r>
           </a:p>
@@ -6668,14 +6824,14 @@
           <p:nvPr>
             <p:extLst>
               <p:ext uri="{D42A27DB-BD31-4B8C-83A1-F6EECF244321}">
-                <p14:modId xmlns:p14="http://schemas.microsoft.com/office/powerpoint/2010/main" val="2843778165"/>
+                <p14:modId xmlns:p14="http://schemas.microsoft.com/office/powerpoint/2010/main" val="3086332120"/>
               </p:ext>
             </p:extLst>
           </p:nvPr>
         </p:nvGraphicFramePr>
         <p:xfrm>
-          <a:off x="849154" y="1575342"/>
-          <a:ext cx="10777989" cy="4483626"/>
+          <a:off x="707005" y="1278944"/>
+          <a:ext cx="10777989" cy="4671215"/>
         </p:xfrm>
         <a:graphic>
           <a:graphicData uri="http://schemas.openxmlformats.org/drawingml/2006/table">
@@ -6706,7 +6862,7 @@
                   </a:extLst>
                 </a:gridCol>
               </a:tblGrid>
-              <a:tr h="549078">
+              <a:tr h="587370">
                 <a:tc>
                   <a:txBody>
                     <a:bodyPr/>
@@ -6755,7 +6911,7 @@
                   </a:ext>
                 </a:extLst>
               </a:tr>
-              <a:tr h="549078">
+              <a:tr h="684719">
                 <a:tc>
                   <a:txBody>
                     <a:bodyPr/>
@@ -6763,7 +6919,7 @@
                     <a:p>
                       <a:r>
                         <a:rPr lang="en-US" sz="1200" dirty="0"/>
-                        <a:t>6. MQ2 Gas Sensor</a:t>
+                        <a:t>7. MQ2 Gas Sensor</a:t>
                       </a:r>
                     </a:p>
                   </a:txBody>
@@ -6790,8 +6946,13 @@
                       </a:pPr>
                       <a:r>
                         <a:rPr lang="en-US" sz="1200" dirty="0"/>
-                        <a:t>Highly sensitive for LPG, Propane and Hydrogen </a:t>
+                        <a:t>Sensing Resistance: 10 to 50 k</a:t>
                       </a:r>
+                      <a:r>
+                        <a:rPr lang="el-GR" sz="1200" dirty="0"/>
+                        <a:t>Ω</a:t>
+                      </a:r>
+                      <a:endParaRPr lang="en-US" sz="1200" dirty="0"/>
                     </a:p>
                     <a:p>
                       <a:pPr marL="171450" indent="-171450">
@@ -6800,7 +6961,7 @@
                       </a:pPr>
                       <a:r>
                         <a:rPr lang="en-US" sz="1200" dirty="0"/>
-                        <a:t>Analog output</a:t>
+                        <a:t>Concentration Scope: 200 to 10000 ppm</a:t>
                       </a:r>
                     </a:p>
                   </a:txBody>
@@ -6829,7 +6990,7 @@
                   </a:ext>
                 </a:extLst>
               </a:tr>
-              <a:tr h="549078">
+              <a:tr h="517775">
                 <a:tc>
                   <a:txBody>
                     <a:bodyPr/>
@@ -6837,7 +6998,7 @@
                     <a:p>
                       <a:r>
                         <a:rPr lang="en-US" sz="1200" dirty="0"/>
-                        <a:t>7. SG90 Servo Motor</a:t>
+                        <a:t>8. SG90 Servo Motor</a:t>
                       </a:r>
                     </a:p>
                   </a:txBody>
@@ -6848,7 +7009,24 @@
                     <a:bodyPr/>
                     <a:lstStyle/>
                     <a:p>
-                      <a:endParaRPr lang="en-US" sz="1200" dirty="0"/>
+                      <a:pPr marL="171450" indent="-171450">
+                        <a:buFont typeface="Arial" panose="020B0604020202020204" pitchFamily="34" charset="0"/>
+                        <a:buChar char="•"/>
+                      </a:pPr>
+                      <a:r>
+                        <a:rPr lang="en-US" sz="1200" dirty="0"/>
+                        <a:t>Operating Voltage: 4.8 to 6 VDC</a:t>
+                      </a:r>
+                    </a:p>
+                    <a:p>
+                      <a:pPr marL="171450" indent="-171450">
+                        <a:buFont typeface="Arial" panose="020B0604020202020204" pitchFamily="34" charset="0"/>
+                        <a:buChar char="•"/>
+                      </a:pPr>
+                      <a:r>
+                        <a:rPr lang="en-US" sz="1200" dirty="0"/>
+                        <a:t>Torque: 2.0kg/cm(4.8V)</a:t>
+                      </a:r>
                     </a:p>
                   </a:txBody>
                   <a:tcPr/>
@@ -6876,7 +7054,7 @@
                   </a:ext>
                 </a:extLst>
               </a:tr>
-              <a:tr h="549078">
+              <a:tr h="534687">
                 <a:tc>
                   <a:txBody>
                     <a:bodyPr/>
@@ -6884,23 +7062,13 @@
                     <a:p>
                       <a:r>
                         <a:rPr lang="en-US" sz="1200" dirty="0"/>
-                        <a:t>8. </a:t>
+                        <a:t>9.</a:t>
                       </a:r>
                       <a:r>
-                        <a:rPr lang="nb-NO" sz="1200" dirty="0"/>
-                        <a:t>5,6V/2,1A DC stepper motor </a:t>
+                        <a:rPr lang="pt-BR" sz="1200" dirty="0"/>
+                        <a:t> MG996 RC Servo Motor</a:t>
                       </a:r>
                       <a:endParaRPr lang="en-US" sz="1200" dirty="0"/>
-                    </a:p>
-                  </a:txBody>
-                  <a:tcPr/>
-                </a:tc>
-                <a:tc>
-                  <a:txBody>
-                    <a:bodyPr/>
-                    <a:lstStyle/>
-                    <a:p>
-                      <a:endParaRPr lang="en-US" sz="1200"/>
                     </a:p>
                   </a:txBody>
                   <a:tcPr/>
@@ -6916,7 +7084,7 @@
                       </a:pPr>
                       <a:r>
                         <a:rPr lang="en-US" sz="1200" dirty="0"/>
-                        <a:t>Clothesline</a:t>
+                        <a:t>Operating Voltage: 4.8 to 6 VDC</a:t>
                       </a:r>
                     </a:p>
                     <a:p>
@@ -6926,7 +7094,24 @@
                       </a:pPr>
                       <a:r>
                         <a:rPr lang="en-US" sz="1200" dirty="0"/>
-                        <a:t>Curtain</a:t>
+                        <a:t>Torque: 9.4kg/cm (4.8V)</a:t>
+                      </a:r>
+                    </a:p>
+                  </a:txBody>
+                  <a:tcPr/>
+                </a:tc>
+                <a:tc>
+                  <a:txBody>
+                    <a:bodyPr/>
+                    <a:lstStyle/>
+                    <a:p>
+                      <a:pPr marL="171450" indent="-171450">
+                        <a:buFont typeface="Arial" panose="020B0604020202020204" pitchFamily="34" charset="0"/>
+                        <a:buChar char="•"/>
+                      </a:pPr>
+                      <a:r>
+                        <a:rPr lang="en-US" sz="1200" dirty="0"/>
+                        <a:t>Garage</a:t>
                       </a:r>
                     </a:p>
                   </a:txBody>
@@ -6934,11 +7119,11 @@
                 </a:tc>
                 <a:extLst>
                   <a:ext uri="{0D108BD9-81ED-4DB2-BD59-A6C34878D82A}">
-                    <a16:rowId xmlns:a16="http://schemas.microsoft.com/office/drawing/2014/main" val="2484543275"/>
+                    <a16:rowId xmlns:a16="http://schemas.microsoft.com/office/drawing/2014/main" val="1326469597"/>
                   </a:ext>
                 </a:extLst>
               </a:tr>
-              <a:tr h="549078">
+              <a:tr h="560560">
                 <a:tc>
                   <a:txBody>
                     <a:bodyPr/>
@@ -6946,11 +7131,11 @@
                     <a:p>
                       <a:r>
                         <a:rPr lang="en-US" sz="1200" dirty="0"/>
-                        <a:t>9.</a:t>
+                        <a:t>10. </a:t>
                       </a:r>
                       <a:r>
-                        <a:rPr lang="pt-BR" sz="1200" dirty="0"/>
-                        <a:t> MG996 RC Servo Motor</a:t>
+                        <a:rPr lang="nb-NO" sz="1200" dirty="0"/>
+                        <a:t>5,6V/2,1A DC stepper motor </a:t>
                       </a:r>
                       <a:endParaRPr lang="en-US" sz="1200" dirty="0"/>
                     </a:p>
@@ -6978,7 +7163,7 @@
                       </a:pPr>
                       <a:r>
                         <a:rPr lang="en-US" sz="1200" dirty="0"/>
-                        <a:t>Garage</a:t>
+                        <a:t>Clothesline</a:t>
                       </a:r>
                     </a:p>
                   </a:txBody>
@@ -6986,11 +7171,11 @@
                 </a:tc>
                 <a:extLst>
                   <a:ext uri="{0D108BD9-81ED-4DB2-BD59-A6C34878D82A}">
-                    <a16:rowId xmlns:a16="http://schemas.microsoft.com/office/drawing/2014/main" val="2838694756"/>
+                    <a16:rowId xmlns:a16="http://schemas.microsoft.com/office/drawing/2014/main" val="2484543275"/>
                   </a:ext>
                 </a:extLst>
               </a:tr>
-              <a:tr h="549078">
+              <a:tr h="569183">
                 <a:tc>
                   <a:txBody>
                     <a:bodyPr/>
@@ -6998,7 +7183,7 @@
                     <a:p>
                       <a:r>
                         <a:rPr lang="en-US" sz="1200" dirty="0"/>
-                        <a:t>10. 17HS8401 Stepper Motor</a:t>
+                        <a:t>11. 17HS8401 Stepper Motor</a:t>
                       </a:r>
                     </a:p>
                   </a:txBody>
@@ -7025,7 +7210,7 @@
                       </a:pPr>
                       <a:r>
                         <a:rPr lang="en-US" sz="1200" dirty="0"/>
-                        <a:t>Control motor</a:t>
+                        <a:t>Curtain</a:t>
                       </a:r>
                     </a:p>
                   </a:txBody>
@@ -7037,7 +7222,7 @@
                   </a:ext>
                 </a:extLst>
               </a:tr>
-              <a:tr h="549078">
+              <a:tr h="629551">
                 <a:tc>
                   <a:txBody>
                     <a:bodyPr/>
@@ -7045,7 +7230,7 @@
                     <a:p>
                       <a:r>
                         <a:rPr lang="en-US" sz="1200" dirty="0"/>
-                        <a:t>11. Arduino Nano</a:t>
+                        <a:t>12. Arduino Nano</a:t>
                       </a:r>
                     </a:p>
                   </a:txBody>
@@ -7084,7 +7269,7 @@
                   </a:ext>
                 </a:extLst>
               </a:tr>
-              <a:tr h="549078">
+              <a:tr h="587370">
                 <a:tc>
                   <a:txBody>
                     <a:bodyPr/>
@@ -7092,7 +7277,7 @@
                     <a:p>
                       <a:r>
                         <a:rPr lang="en-US" sz="1200" dirty="0"/>
-                        <a:t>12. ESP32</a:t>
+                        <a:t>13. ESP32</a:t>
                       </a:r>
                     </a:p>
                   </a:txBody>
@@ -7139,6 +7324,223 @@
     <p:extLst>
       <p:ext uri="{BB962C8B-B14F-4D97-AF65-F5344CB8AC3E}">
         <p14:creationId xmlns:p14="http://schemas.microsoft.com/office/powerpoint/2010/main" val="588611801"/>
+      </p:ext>
+    </p:extLst>
+  </p:cSld>
+  <p:clrMapOvr>
+    <a:masterClrMapping/>
+  </p:clrMapOvr>
+</p:sld>
+</file>
+
+<file path=ppt/slides/slide9.xml><?xml version="1.0" encoding="utf-8"?>
+<p:sld xmlns:a="http://schemas.openxmlformats.org/drawingml/2006/main" xmlns:r="http://schemas.openxmlformats.org/officeDocument/2006/relationships" xmlns:p="http://schemas.openxmlformats.org/presentationml/2006/main">
+  <p:cSld>
+    <p:spTree>
+      <p:nvGrpSpPr>
+        <p:cNvPr id="1" name=""/>
+        <p:cNvGrpSpPr/>
+        <p:nvPr/>
+      </p:nvGrpSpPr>
+      <p:grpSpPr>
+        <a:xfrm>
+          <a:off x="0" y="0"/>
+          <a:ext cx="0" cy="0"/>
+          <a:chOff x="0" y="0"/>
+          <a:chExt cx="0" cy="0"/>
+        </a:xfrm>
+      </p:grpSpPr>
+      <p:sp>
+        <p:nvSpPr>
+          <p:cNvPr id="2" name="Slide Number Placeholder 1">
+            <a:extLst>
+              <a:ext uri="{FF2B5EF4-FFF2-40B4-BE49-F238E27FC236}">
+                <a16:creationId xmlns:a16="http://schemas.microsoft.com/office/drawing/2014/main" id="{8CCF93E7-052F-DFB5-50AB-7B23885A48A9}"/>
+              </a:ext>
+            </a:extLst>
+          </p:cNvPr>
+          <p:cNvSpPr>
+            <a:spLocks noGrp="1"/>
+          </p:cNvSpPr>
+          <p:nvPr>
+            <p:ph type="sldNum" sz="quarter" idx="12"/>
+          </p:nvPr>
+        </p:nvSpPr>
+        <p:spPr/>
+        <p:txBody>
+          <a:bodyPr/>
+          <a:lstStyle/>
+          <a:p>
+            <a:fld id="{9EA0BE3B-158A-4EDF-80DC-E394A0D1600F}" type="slidenum">
+              <a:rPr lang="en-US" smtClean="0"/>
+              <a:pPr/>
+              <a:t>9</a:t>
+            </a:fld>
+            <a:endParaRPr lang="en-US" dirty="0"/>
+          </a:p>
+        </p:txBody>
+      </p:sp>
+      <p:sp>
+        <p:nvSpPr>
+          <p:cNvPr id="3" name="Title 2">
+            <a:extLst>
+              <a:ext uri="{FF2B5EF4-FFF2-40B4-BE49-F238E27FC236}">
+                <a16:creationId xmlns:a16="http://schemas.microsoft.com/office/drawing/2014/main" id="{D464386B-4481-50C4-C487-1684898562AF}"/>
+              </a:ext>
+            </a:extLst>
+          </p:cNvPr>
+          <p:cNvSpPr>
+            <a:spLocks noGrp="1"/>
+          </p:cNvSpPr>
+          <p:nvPr>
+            <p:ph type="title"/>
+          </p:nvPr>
+        </p:nvSpPr>
+        <p:spPr/>
+        <p:txBody>
+          <a:bodyPr/>
+          <a:lstStyle/>
+          <a:p>
+            <a:r>
+              <a:rPr lang="en-US" dirty="0"/>
+              <a:t>Chapter 3: Detail Working Principle</a:t>
+            </a:r>
+          </a:p>
+        </p:txBody>
+      </p:sp>
+      <p:pic>
+        <p:nvPicPr>
+          <p:cNvPr id="6" name="Picture 5" descr="Diagram&#10;&#10;Description automatically generated">
+            <a:extLst>
+              <a:ext uri="{FF2B5EF4-FFF2-40B4-BE49-F238E27FC236}">
+                <a16:creationId xmlns:a16="http://schemas.microsoft.com/office/drawing/2014/main" id="{5E45C01D-8F11-4075-EA0E-FF2123E0A0FB}"/>
+              </a:ext>
+            </a:extLst>
+          </p:cNvPr>
+          <p:cNvPicPr>
+            <a:picLocks noChangeAspect="1"/>
+          </p:cNvPicPr>
+          <p:nvPr/>
+        </p:nvPicPr>
+        <p:blipFill>
+          <a:blip r:embed="rId2">
+            <a:extLst>
+              <a:ext uri="{28A0092B-C50C-407E-A947-70E740481C1C}">
+                <a14:useLocalDpi xmlns:a14="http://schemas.microsoft.com/office/drawing/2010/main" val="0"/>
+              </a:ext>
+            </a:extLst>
+          </a:blip>
+          <a:stretch>
+            <a:fillRect/>
+          </a:stretch>
+        </p:blipFill>
+        <p:spPr>
+          <a:xfrm>
+            <a:off x="7864902" y="1058844"/>
+            <a:ext cx="3882338" cy="5181843"/>
+          </a:xfrm>
+          <a:prstGeom prst="rect">
+            <a:avLst/>
+          </a:prstGeom>
+        </p:spPr>
+      </p:pic>
+      <p:sp>
+        <p:nvSpPr>
+          <p:cNvPr id="9" name="TextBox 8">
+            <a:extLst>
+              <a:ext uri="{FF2B5EF4-FFF2-40B4-BE49-F238E27FC236}">
+                <a16:creationId xmlns:a16="http://schemas.microsoft.com/office/drawing/2014/main" id="{EEA1A176-880C-187A-F1AE-ED6C4E8801C0}"/>
+              </a:ext>
+            </a:extLst>
+          </p:cNvPr>
+          <p:cNvSpPr txBox="1"/>
+          <p:nvPr/>
+        </p:nvSpPr>
+        <p:spPr>
+          <a:xfrm>
+            <a:off x="234892" y="890032"/>
+            <a:ext cx="6920917" cy="2246769"/>
+          </a:xfrm>
+          <a:prstGeom prst="rect">
+            <a:avLst/>
+          </a:prstGeom>
+          <a:noFill/>
+        </p:spPr>
+        <p:txBody>
+          <a:bodyPr wrap="square" rtlCol="0">
+            <a:spAutoFit/>
+          </a:bodyPr>
+          <a:lstStyle/>
+          <a:p>
+            <a:pPr marL="0" indent="0">
+              <a:buNone/>
+            </a:pPr>
+            <a:r>
+              <a:rPr lang="en-US" sz="2000" b="1" dirty="0">
+                <a:latin typeface="Arial" panose="020B0604020202020204" pitchFamily="34" charset="0"/>
+                <a:cs typeface="Arial" panose="020B0604020202020204" pitchFamily="34" charset="0"/>
+              </a:rPr>
+              <a:t>1. Living Room</a:t>
+            </a:r>
+          </a:p>
+          <a:p>
+            <a:pPr>
+              <a:buFontTx/>
+              <a:buChar char="-"/>
+            </a:pPr>
+            <a:r>
+              <a:rPr lang="en-US" sz="2000" dirty="0">
+                <a:latin typeface="Arial" panose="020B0604020202020204" pitchFamily="34" charset="0"/>
+                <a:cs typeface="Arial" panose="020B0604020202020204" pitchFamily="34" charset="0"/>
+              </a:rPr>
+              <a:t> Turn on/off the light, fan, door, alarm system by using button.</a:t>
+            </a:r>
+          </a:p>
+          <a:p>
+            <a:pPr>
+              <a:buFontTx/>
+              <a:buChar char="-"/>
+            </a:pPr>
+            <a:r>
+              <a:rPr lang="en-US" sz="2000" dirty="0">
+                <a:latin typeface="Arial" panose="020B0604020202020204" pitchFamily="34" charset="0"/>
+                <a:cs typeface="Arial" panose="020B0604020202020204" pitchFamily="34" charset="0"/>
+              </a:rPr>
+              <a:t> Monitor the temperature and humidity</a:t>
+            </a:r>
+          </a:p>
+          <a:p>
+            <a:pPr>
+              <a:buFontTx/>
+              <a:buChar char="-"/>
+            </a:pPr>
+            <a:r>
+              <a:rPr lang="en-US" sz="2000" dirty="0">
+                <a:latin typeface="Arial" panose="020B0604020202020204" pitchFamily="34" charset="0"/>
+                <a:cs typeface="Arial" panose="020B0604020202020204" pitchFamily="34" charset="0"/>
+              </a:rPr>
+              <a:t> Display the temperature and humidity in the LCD.</a:t>
+            </a:r>
+          </a:p>
+          <a:p>
+            <a:pPr>
+              <a:buFontTx/>
+              <a:buChar char="-"/>
+            </a:pPr>
+            <a:r>
+              <a:rPr lang="en-US" sz="2000" dirty="0">
+                <a:latin typeface="Arial" panose="020B0604020202020204" pitchFamily="34" charset="0"/>
+                <a:cs typeface="Arial" panose="020B0604020202020204" pitchFamily="34" charset="0"/>
+              </a:rPr>
+              <a:t> Turn on the light automatically when someone is in the stair.</a:t>
+            </a:r>
+          </a:p>
+        </p:txBody>
+      </p:sp>
+    </p:spTree>
+    <p:extLst>
+      <p:ext uri="{BB962C8B-B14F-4D97-AF65-F5344CB8AC3E}">
+        <p14:creationId xmlns:p14="http://schemas.microsoft.com/office/powerpoint/2010/main" val="3092172967"/>
       </p:ext>
     </p:extLst>
   </p:cSld>

--- a/POWERPOINT/GraduationThesis_pp.pptx
+++ b/POWERPOINT/GraduationThesis_pp.pptx
@@ -5,10 +5,10 @@
     <p:sldMasterId id="2147483648" r:id="rId1"/>
   </p:sldMasterIdLst>
   <p:notesMasterIdLst>
-    <p:notesMasterId r:id="rId18"/>
+    <p:notesMasterId r:id="rId19"/>
   </p:notesMasterIdLst>
   <p:handoutMasterIdLst>
-    <p:handoutMasterId r:id="rId19"/>
+    <p:handoutMasterId r:id="rId20"/>
   </p:handoutMasterIdLst>
   <p:sldIdLst>
     <p:sldId id="259" r:id="rId2"/>
@@ -25,8 +25,9 @@
     <p:sldId id="293" r:id="rId13"/>
     <p:sldId id="294" r:id="rId14"/>
     <p:sldId id="281" r:id="rId15"/>
-    <p:sldId id="282" r:id="rId16"/>
-    <p:sldId id="262" r:id="rId17"/>
+    <p:sldId id="295" r:id="rId16"/>
+    <p:sldId id="282" r:id="rId17"/>
+    <p:sldId id="262" r:id="rId18"/>
   </p:sldIdLst>
   <p:sldSz cx="12192000" cy="6858000"/>
   <p:notesSz cx="6858000" cy="9144000"/>
@@ -227,7 +228,7 @@
           <a:p>
             <a:fld id="{48B45424-6BAC-416C-8F6C-5F9DE854A36B}" type="datetimeFigureOut">
               <a:rPr lang="en-US" smtClean="0"/>
-              <a:t>8/15/2022</a:t>
+              <a:t>8/16/2022</a:t>
             </a:fld>
             <a:endParaRPr lang="en-US"/>
           </a:p>
@@ -405,7 +406,7 @@
           <a:p>
             <a:fld id="{6B733702-C25A-40B9-9167-54BAA79B29B0}" type="datetimeFigureOut">
               <a:rPr lang="en-US" smtClean="0"/>
-              <a:t>8/15/2022</a:t>
+              <a:t>8/16/2022</a:t>
             </a:fld>
             <a:endParaRPr lang="en-US"/>
           </a:p>
@@ -749,7 +750,7 @@
             <a:fld id="{58E92B09-5AF4-4E86-A8BE-E866F0E2C017}" type="datetime1">
               <a:rPr lang="en-US" smtClean="0"/>
               <a:pPr/>
-              <a:t>8/15/2022</a:t>
+              <a:t>8/16/2022</a:t>
             </a:fld>
             <a:endParaRPr lang="en-US"/>
           </a:p>
@@ -941,7 +942,7 @@
             <a:fld id="{F70EAA40-3A53-4A3D-924A-D38F1059C7D5}" type="datetime1">
               <a:rPr lang="en-US" smtClean="0"/>
               <a:pPr/>
-              <a:t>8/15/2022</a:t>
+              <a:t>8/16/2022</a:t>
             </a:fld>
             <a:endParaRPr lang="en-US"/>
           </a:p>
@@ -1281,7 +1282,7 @@
             <a:fld id="{B3ACFEBC-8634-4116-B617-2BE5C2034C2C}" type="datetime1">
               <a:rPr lang="en-US" smtClean="0"/>
               <a:pPr/>
-              <a:t>8/15/2022</a:t>
+              <a:t>8/16/2022</a:t>
             </a:fld>
             <a:endParaRPr lang="en-US"/>
           </a:p>
@@ -1756,7 +1757,7 @@
             <a:fld id="{8CDB0C24-DFE0-41C5-B02D-FC32F5C22F7C}" type="datetime1">
               <a:rPr lang="en-US" smtClean="0"/>
               <a:pPr/>
-              <a:t>8/15/2022</a:t>
+              <a:t>8/16/2022</a:t>
             </a:fld>
             <a:endParaRPr lang="en-US"/>
           </a:p>
@@ -1946,7 +1947,7 @@
             <a:fld id="{EEBFCEF3-2DDE-476B-8A96-303EC557333C}" type="datetime1">
               <a:rPr lang="en-US" smtClean="0"/>
               <a:pPr/>
-              <a:t>8/15/2022</a:t>
+              <a:t>8/16/2022</a:t>
             </a:fld>
             <a:endParaRPr lang="en-US"/>
           </a:p>
@@ -2286,7 +2287,7 @@
             <a:fld id="{19A9EFEF-A194-4819-82D7-1112425D0E86}" type="datetime1">
               <a:rPr lang="en-US" smtClean="0"/>
               <a:pPr/>
-              <a:t>8/15/2022</a:t>
+              <a:t>8/16/2022</a:t>
             </a:fld>
             <a:endParaRPr lang="en-US"/>
           </a:p>
@@ -2611,7 +2612,7 @@
             <a:fld id="{82F65D4C-DEE4-4C7B-91C4-D6D57A523E98}" type="datetime1">
               <a:rPr lang="en-US" smtClean="0"/>
               <a:pPr/>
-              <a:t>8/15/2022</a:t>
+              <a:t>8/16/2022</a:t>
             </a:fld>
             <a:endParaRPr lang="en-US"/>
           </a:p>
@@ -4403,7 +4404,7 @@
           <p:cNvPr id="2" name="Slide Number Placeholder 1">
             <a:extLst>
               <a:ext uri="{FF2B5EF4-FFF2-40B4-BE49-F238E27FC236}">
-                <a16:creationId xmlns:a16="http://schemas.microsoft.com/office/drawing/2014/main" id="{7C06DA1D-5602-2F3F-4649-68C56744B1CA}"/>
+                <a16:creationId xmlns:a16="http://schemas.microsoft.com/office/drawing/2014/main" id="{1AF536BD-058C-880A-D628-B6AF6292C727}"/>
               </a:ext>
             </a:extLst>
           </p:cNvPr>
@@ -4423,6 +4424,292 @@
               <a:rPr lang="en-US" smtClean="0"/>
               <a:pPr/>
               <a:t>15</a:t>
+            </a:fld>
+            <a:endParaRPr lang="en-US" dirty="0"/>
+          </a:p>
+        </p:txBody>
+      </p:sp>
+      <p:sp>
+        <p:nvSpPr>
+          <p:cNvPr id="3" name="Title 2">
+            <a:extLst>
+              <a:ext uri="{FF2B5EF4-FFF2-40B4-BE49-F238E27FC236}">
+                <a16:creationId xmlns:a16="http://schemas.microsoft.com/office/drawing/2014/main" id="{DB2F3F49-5B51-2BF6-150D-B696777CD7DF}"/>
+              </a:ext>
+            </a:extLst>
+          </p:cNvPr>
+          <p:cNvSpPr>
+            <a:spLocks noGrp="1"/>
+          </p:cNvSpPr>
+          <p:nvPr>
+            <p:ph type="title"/>
+          </p:nvPr>
+        </p:nvSpPr>
+        <p:spPr/>
+        <p:txBody>
+          <a:bodyPr/>
+          <a:lstStyle/>
+          <a:p>
+            <a:r>
+              <a:rPr lang="en-US" dirty="0"/>
+              <a:t>Chapter 5: Communication</a:t>
+            </a:r>
+          </a:p>
+        </p:txBody>
+      </p:sp>
+      <p:sp>
+        <p:nvSpPr>
+          <p:cNvPr id="4" name="Content Placeholder 3">
+            <a:extLst>
+              <a:ext uri="{FF2B5EF4-FFF2-40B4-BE49-F238E27FC236}">
+                <a16:creationId xmlns:a16="http://schemas.microsoft.com/office/drawing/2014/main" id="{D448BBD0-B4BB-2572-9F81-1D144EF2F228}"/>
+              </a:ext>
+            </a:extLst>
+          </p:cNvPr>
+          <p:cNvSpPr>
+            <a:spLocks noGrp="1"/>
+          </p:cNvSpPr>
+          <p:nvPr>
+            <p:ph sz="quarter" idx="13"/>
+          </p:nvPr>
+        </p:nvSpPr>
+        <p:spPr/>
+        <p:txBody>
+          <a:bodyPr/>
+          <a:lstStyle/>
+          <a:p>
+            <a:pPr marL="457200" indent="-457200">
+              <a:buAutoNum type="arabicPeriod"/>
+            </a:pPr>
+            <a:r>
+              <a:rPr lang="en-US" sz="2000" dirty="0">
+                <a:latin typeface="Arial" panose="020B0604020202020204" pitchFamily="34" charset="0"/>
+                <a:cs typeface="Arial" panose="020B0604020202020204" pitchFamily="34" charset="0"/>
+              </a:rPr>
+              <a:t>UART Protocol</a:t>
+            </a:r>
+          </a:p>
+          <a:p>
+            <a:pPr lvl="1">
+              <a:buFontTx/>
+              <a:buChar char="-"/>
+            </a:pPr>
+            <a:r>
+              <a:rPr lang="en-US" sz="1600" dirty="0">
+                <a:latin typeface="Arial" panose="020B0604020202020204" pitchFamily="34" charset="0"/>
+                <a:cs typeface="Arial" panose="020B0604020202020204" pitchFamily="34" charset="0"/>
+              </a:rPr>
+              <a:t>Something here</a:t>
+            </a:r>
+          </a:p>
+          <a:p>
+            <a:pPr lvl="1">
+              <a:buFontTx/>
+              <a:buChar char="-"/>
+            </a:pPr>
+            <a:r>
+              <a:rPr lang="en-US" sz="1600" dirty="0">
+                <a:latin typeface="Arial" panose="020B0604020202020204" pitchFamily="34" charset="0"/>
+                <a:cs typeface="Arial" panose="020B0604020202020204" pitchFamily="34" charset="0"/>
+              </a:rPr>
+              <a:t>Something here</a:t>
+            </a:r>
+          </a:p>
+          <a:p>
+            <a:pPr lvl="1">
+              <a:buFontTx/>
+              <a:buChar char="-"/>
+            </a:pPr>
+            <a:r>
+              <a:rPr lang="en-US" sz="1600" dirty="0">
+                <a:latin typeface="Arial" panose="020B0604020202020204" pitchFamily="34" charset="0"/>
+                <a:cs typeface="Arial" panose="020B0604020202020204" pitchFamily="34" charset="0"/>
+              </a:rPr>
+              <a:t>Something here</a:t>
+            </a:r>
+          </a:p>
+          <a:p>
+            <a:pPr marL="457200" indent="-457200">
+              <a:buAutoNum type="arabicPeriod"/>
+            </a:pPr>
+            <a:r>
+              <a:rPr lang="en-US" sz="2000" dirty="0">
+                <a:latin typeface="Arial" panose="020B0604020202020204" pitchFamily="34" charset="0"/>
+                <a:cs typeface="Arial" panose="020B0604020202020204" pitchFamily="34" charset="0"/>
+              </a:rPr>
+              <a:t>I2C Protocol</a:t>
+            </a:r>
+          </a:p>
+          <a:p>
+            <a:pPr lvl="1">
+              <a:buFontTx/>
+              <a:buChar char="-"/>
+            </a:pPr>
+            <a:r>
+              <a:rPr lang="en-US" sz="1600" dirty="0">
+                <a:latin typeface="Arial" panose="020B0604020202020204" pitchFamily="34" charset="0"/>
+                <a:cs typeface="Arial" panose="020B0604020202020204" pitchFamily="34" charset="0"/>
+              </a:rPr>
+              <a:t>Something here</a:t>
+            </a:r>
+          </a:p>
+          <a:p>
+            <a:pPr lvl="1">
+              <a:buFontTx/>
+              <a:buChar char="-"/>
+            </a:pPr>
+            <a:r>
+              <a:rPr lang="en-US" sz="1600" dirty="0">
+                <a:latin typeface="Arial" panose="020B0604020202020204" pitchFamily="34" charset="0"/>
+                <a:cs typeface="Arial" panose="020B0604020202020204" pitchFamily="34" charset="0"/>
+              </a:rPr>
+              <a:t>Something here</a:t>
+            </a:r>
+          </a:p>
+          <a:p>
+            <a:pPr lvl="1">
+              <a:buFontTx/>
+              <a:buChar char="-"/>
+            </a:pPr>
+            <a:r>
+              <a:rPr lang="en-US" sz="1600" dirty="0">
+                <a:latin typeface="Arial" panose="020B0604020202020204" pitchFamily="34" charset="0"/>
+                <a:cs typeface="Arial" panose="020B0604020202020204" pitchFamily="34" charset="0"/>
+              </a:rPr>
+              <a:t>Something here</a:t>
+            </a:r>
+          </a:p>
+          <a:p>
+            <a:pPr marL="457200" indent="-457200">
+              <a:buAutoNum type="arabicPeriod"/>
+            </a:pPr>
+            <a:r>
+              <a:rPr lang="en-US" sz="2000" dirty="0">
+                <a:latin typeface="Arial" panose="020B0604020202020204" pitchFamily="34" charset="0"/>
+                <a:cs typeface="Arial" panose="020B0604020202020204" pitchFamily="34" charset="0"/>
+              </a:rPr>
+              <a:t>Wi-Fi Protocol</a:t>
+            </a:r>
+          </a:p>
+          <a:p>
+            <a:pPr lvl="1">
+              <a:buFontTx/>
+              <a:buChar char="-"/>
+            </a:pPr>
+            <a:r>
+              <a:rPr lang="en-US" sz="1600" dirty="0">
+                <a:latin typeface="Arial" panose="020B0604020202020204" pitchFamily="34" charset="0"/>
+                <a:cs typeface="Arial" panose="020B0604020202020204" pitchFamily="34" charset="0"/>
+              </a:rPr>
+              <a:t>Something here</a:t>
+            </a:r>
+          </a:p>
+          <a:p>
+            <a:pPr lvl="1">
+              <a:buFontTx/>
+              <a:buChar char="-"/>
+            </a:pPr>
+            <a:r>
+              <a:rPr lang="en-US" sz="1600" dirty="0">
+                <a:latin typeface="Arial" panose="020B0604020202020204" pitchFamily="34" charset="0"/>
+                <a:cs typeface="Arial" panose="020B0604020202020204" pitchFamily="34" charset="0"/>
+              </a:rPr>
+              <a:t>Something here </a:t>
+            </a:r>
+          </a:p>
+          <a:p>
+            <a:pPr lvl="1">
+              <a:buFontTx/>
+              <a:buChar char="-"/>
+            </a:pPr>
+            <a:r>
+              <a:rPr lang="en-US" sz="1600" dirty="0">
+                <a:latin typeface="Arial" panose="020B0604020202020204" pitchFamily="34" charset="0"/>
+                <a:cs typeface="Arial" panose="020B0604020202020204" pitchFamily="34" charset="0"/>
+              </a:rPr>
+              <a:t>Something here</a:t>
+            </a:r>
+          </a:p>
+          <a:p>
+            <a:pPr lvl="1">
+              <a:buFontTx/>
+              <a:buChar char="-"/>
+            </a:pPr>
+            <a:r>
+              <a:rPr lang="en-US" sz="1600" dirty="0">
+                <a:latin typeface="Arial" panose="020B0604020202020204" pitchFamily="34" charset="0"/>
+                <a:cs typeface="Arial" panose="020B0604020202020204" pitchFamily="34" charset="0"/>
+              </a:rPr>
+              <a:t>Something here</a:t>
+            </a:r>
+          </a:p>
+          <a:p>
+            <a:pPr lvl="1">
+              <a:buFontTx/>
+              <a:buChar char="-"/>
+            </a:pPr>
+            <a:endParaRPr lang="en-US" sz="1600" dirty="0">
+              <a:latin typeface="Arial" panose="020B0604020202020204" pitchFamily="34" charset="0"/>
+              <a:cs typeface="Arial" panose="020B0604020202020204" pitchFamily="34" charset="0"/>
+            </a:endParaRPr>
+          </a:p>
+        </p:txBody>
+      </p:sp>
+    </p:spTree>
+    <p:extLst>
+      <p:ext uri="{BB962C8B-B14F-4D97-AF65-F5344CB8AC3E}">
+        <p14:creationId xmlns:p14="http://schemas.microsoft.com/office/powerpoint/2010/main" val="3061339860"/>
+      </p:ext>
+    </p:extLst>
+  </p:cSld>
+  <p:clrMapOvr>
+    <a:masterClrMapping/>
+  </p:clrMapOvr>
+</p:sld>
+</file>
+
+<file path=ppt/slides/slide16.xml><?xml version="1.0" encoding="utf-8"?>
+<p:sld xmlns:a="http://schemas.openxmlformats.org/drawingml/2006/main" xmlns:r="http://schemas.openxmlformats.org/officeDocument/2006/relationships" xmlns:p="http://schemas.openxmlformats.org/presentationml/2006/main">
+  <p:cSld>
+    <p:spTree>
+      <p:nvGrpSpPr>
+        <p:cNvPr id="1" name=""/>
+        <p:cNvGrpSpPr/>
+        <p:nvPr/>
+      </p:nvGrpSpPr>
+      <p:grpSpPr>
+        <a:xfrm>
+          <a:off x="0" y="0"/>
+          <a:ext cx="0" cy="0"/>
+          <a:chOff x="0" y="0"/>
+          <a:chExt cx="0" cy="0"/>
+        </a:xfrm>
+      </p:grpSpPr>
+      <p:sp>
+        <p:nvSpPr>
+          <p:cNvPr id="2" name="Slide Number Placeholder 1">
+            <a:extLst>
+              <a:ext uri="{FF2B5EF4-FFF2-40B4-BE49-F238E27FC236}">
+                <a16:creationId xmlns:a16="http://schemas.microsoft.com/office/drawing/2014/main" id="{7C06DA1D-5602-2F3F-4649-68C56744B1CA}"/>
+              </a:ext>
+            </a:extLst>
+          </p:cNvPr>
+          <p:cNvSpPr>
+            <a:spLocks noGrp="1"/>
+          </p:cNvSpPr>
+          <p:nvPr>
+            <p:ph type="sldNum" sz="quarter" idx="12"/>
+          </p:nvPr>
+        </p:nvSpPr>
+        <p:spPr/>
+        <p:txBody>
+          <a:bodyPr/>
+          <a:lstStyle/>
+          <a:p>
+            <a:fld id="{9EA0BE3B-158A-4EDF-80DC-E394A0D1600F}" type="slidenum">
+              <a:rPr lang="en-US" smtClean="0"/>
+              <a:pPr/>
+              <a:t>16</a:t>
             </a:fld>
             <a:endParaRPr lang="en-US" dirty="0"/>
           </a:p>
@@ -4558,7 +4845,7 @@
                 <a:latin typeface="Arial" panose="020B0604020202020204" pitchFamily="34" charset="0"/>
                 <a:cs typeface="Arial" panose="020B0604020202020204" pitchFamily="34" charset="0"/>
               </a:rPr>
-              <a:t>2. How Blynk works with your system?</a:t>
+              <a:t>2. Conclusion and Future Work</a:t>
             </a:r>
           </a:p>
           <a:p>
@@ -4691,7 +4978,7 @@
 </p:sld>
 </file>
 
-<file path=ppt/slides/slide16.xml><?xml version="1.0" encoding="utf-8"?>
+<file path=ppt/slides/slide17.xml><?xml version="1.0" encoding="utf-8"?>
 <p:sld xmlns:a="http://schemas.openxmlformats.org/drawingml/2006/main" xmlns:r="http://schemas.openxmlformats.org/officeDocument/2006/relationships" xmlns:p="http://schemas.openxmlformats.org/presentationml/2006/main">
   <p:cSld>
     <p:spTree>
@@ -4784,7 +5071,7 @@
             <a:fld id="{9EA0BE3B-158A-4EDF-80DC-E394A0D1600F}" type="slidenum">
               <a:rPr lang="en-US" smtClean="0"/>
               <a:pPr/>
-              <a:t>16</a:t>
+              <a:t>17</a:t>
             </a:fld>
             <a:endParaRPr lang="en-US"/>
           </a:p>
@@ -4838,7 +5125,7 @@
         </p:nvSpPr>
         <p:spPr>
           <a:xfrm>
-            <a:off x="1912691" y="1933342"/>
+            <a:off x="1805032" y="2468140"/>
             <a:ext cx="8581936" cy="960860"/>
           </a:xfrm>
         </p:spPr>
@@ -4871,13 +5158,13 @@
           <p:nvPr>
             <p:extLst>
               <p:ext uri="{D42A27DB-BD31-4B8C-83A1-F6EECF244321}">
-                <p14:modId xmlns:p14="http://schemas.microsoft.com/office/powerpoint/2010/main" val="2414613967"/>
+                <p14:modId xmlns:p14="http://schemas.microsoft.com/office/powerpoint/2010/main" val="3829745322"/>
               </p:ext>
             </p:extLst>
           </p:nvPr>
         </p:nvGraphicFramePr>
         <p:xfrm>
-          <a:off x="2032000" y="3840371"/>
+          <a:off x="2032000" y="4293376"/>
           <a:ext cx="8128000" cy="1112520"/>
         </p:xfrm>
         <a:graphic>
@@ -5593,7 +5880,7 @@
         <p:spPr>
           <a:xfrm>
             <a:off x="6311899" y="2923022"/>
-            <a:ext cx="5304222" cy="2769302"/>
+            <a:ext cx="5197796" cy="2713738"/>
           </a:xfrm>
           <a:prstGeom prst="rect">
             <a:avLst/>
@@ -6030,7 +6317,12 @@
             <p:ph sz="quarter" idx="13"/>
           </p:nvPr>
         </p:nvSpPr>
-        <p:spPr/>
+        <p:spPr>
+          <a:xfrm>
+            <a:off x="338735" y="890032"/>
+            <a:ext cx="11514528" cy="4909124"/>
+          </a:xfrm>
+        </p:spPr>
         <p:txBody>
           <a:bodyPr/>
           <a:lstStyle/>
@@ -6069,13 +6361,13 @@
           <p:nvPr>
             <p:extLst>
               <p:ext uri="{D42A27DB-BD31-4B8C-83A1-F6EECF244321}">
-                <p14:modId xmlns:p14="http://schemas.microsoft.com/office/powerpoint/2010/main" val="1706955212"/>
+                <p14:modId xmlns:p14="http://schemas.microsoft.com/office/powerpoint/2010/main" val="3386640399"/>
               </p:ext>
             </p:extLst>
           </p:nvPr>
         </p:nvGraphicFramePr>
         <p:xfrm>
-          <a:off x="832374" y="1642454"/>
+          <a:off x="732172" y="1457977"/>
           <a:ext cx="10727655" cy="4509991"/>
         </p:xfrm>
         <a:graphic>
@@ -6113,6 +6405,7 @@
                     <a:bodyPr/>
                     <a:lstStyle/>
                     <a:p>
+                      <a:pPr algn="ctr"/>
                       <a:r>
                         <a:rPr lang="en-US" sz="1200" dirty="0"/>
                         <a:t>Components</a:t>
@@ -6126,6 +6419,7 @@
                     <a:bodyPr/>
                     <a:lstStyle/>
                     <a:p>
+                      <a:pPr algn="ctr"/>
                       <a:r>
                         <a:rPr lang="en-US" sz="1200" dirty="0"/>
                         <a:t>Specification</a:t>
@@ -6139,6 +6433,7 @@
                     <a:bodyPr/>
                     <a:lstStyle/>
                     <a:p>
+                      <a:pPr algn="ctr"/>
                       <a:r>
                         <a:rPr lang="en-US" sz="1200" dirty="0"/>
                         <a:t>Application</a:t>
@@ -6824,14 +7119,14 @@
           <p:nvPr>
             <p:extLst>
               <p:ext uri="{D42A27DB-BD31-4B8C-83A1-F6EECF244321}">
-                <p14:modId xmlns:p14="http://schemas.microsoft.com/office/powerpoint/2010/main" val="3086332120"/>
+                <p14:modId xmlns:p14="http://schemas.microsoft.com/office/powerpoint/2010/main" val="470535932"/>
               </p:ext>
             </p:extLst>
           </p:nvPr>
         </p:nvGraphicFramePr>
         <p:xfrm>
-          <a:off x="707005" y="1278944"/>
-          <a:ext cx="10777989" cy="4671215"/>
+          <a:off x="707005" y="1485479"/>
+          <a:ext cx="10777989" cy="4101410"/>
         </p:xfrm>
         <a:graphic>
           <a:graphicData uri="http://schemas.openxmlformats.org/drawingml/2006/table">
@@ -6862,7 +7157,7 @@
                   </a:extLst>
                 </a:gridCol>
               </a:tblGrid>
-              <a:tr h="587370">
+              <a:tr h="443989">
                 <a:tc>
                   <a:txBody>
                     <a:bodyPr/>
@@ -7123,7 +7418,7 @@
                   </a:ext>
                 </a:extLst>
               </a:tr>
-              <a:tr h="560560">
+              <a:tr h="569183">
                 <a:tc>
                   <a:txBody>
                     <a:bodyPr/>
@@ -7131,13 +7426,8 @@
                     <a:p>
                       <a:r>
                         <a:rPr lang="en-US" sz="1200" dirty="0"/>
-                        <a:t>10. </a:t>
+                        <a:t>10. 17HS8401 Stepper Motor</a:t>
                       </a:r>
-                      <a:r>
-                        <a:rPr lang="nb-NO" sz="1200" dirty="0"/>
-                        <a:t>5,6V/2,1A DC stepper motor </a:t>
-                      </a:r>
-                      <a:endParaRPr lang="en-US" sz="1200" dirty="0"/>
                     </a:p>
                   </a:txBody>
                   <a:tcPr/>
@@ -7147,7 +7437,34 @@
                     <a:bodyPr/>
                     <a:lstStyle/>
                     <a:p>
-                      <a:endParaRPr lang="en-US" sz="1200" dirty="0"/>
+                      <a:pPr marL="171450" indent="-171450">
+                        <a:buFont typeface="Arial" panose="020B0604020202020204" pitchFamily="34" charset="0"/>
+                        <a:buChar char="•"/>
+                      </a:pPr>
+                      <a:r>
+                        <a:rPr lang="en-US" sz="1200" dirty="0"/>
+                        <a:t>Rated Current: 1.7A</a:t>
+                      </a:r>
+                    </a:p>
+                    <a:p>
+                      <a:pPr marL="171450" indent="-171450">
+                        <a:buFont typeface="Arial" panose="020B0604020202020204" pitchFamily="34" charset="0"/>
+                        <a:buChar char="•"/>
+                      </a:pPr>
+                      <a:r>
+                        <a:rPr lang="en-US" sz="1200" dirty="0"/>
+                        <a:t>Step Angle : 1.8 degree</a:t>
+                      </a:r>
+                    </a:p>
+                    <a:p>
+                      <a:pPr marL="171450" indent="-171450">
+                        <a:buFont typeface="Arial" panose="020B0604020202020204" pitchFamily="34" charset="0"/>
+                        <a:buChar char="•"/>
+                      </a:pPr>
+                      <a:r>
+                        <a:rPr lang="en-US" sz="1200" dirty="0"/>
+                        <a:t>Use with A4988 driver</a:t>
+                      </a:r>
                     </a:p>
                   </a:txBody>
                   <a:tcPr/>
@@ -7166,43 +7483,6 @@
                         <a:t>Clothesline</a:t>
                       </a:r>
                     </a:p>
-                  </a:txBody>
-                  <a:tcPr/>
-                </a:tc>
-                <a:extLst>
-                  <a:ext uri="{0D108BD9-81ED-4DB2-BD59-A6C34878D82A}">
-                    <a16:rowId xmlns:a16="http://schemas.microsoft.com/office/drawing/2014/main" val="2484543275"/>
-                  </a:ext>
-                </a:extLst>
-              </a:tr>
-              <a:tr h="569183">
-                <a:tc>
-                  <a:txBody>
-                    <a:bodyPr/>
-                    <a:lstStyle/>
-                    <a:p>
-                      <a:r>
-                        <a:rPr lang="en-US" sz="1200" dirty="0"/>
-                        <a:t>11. 17HS8401 Stepper Motor</a:t>
-                      </a:r>
-                    </a:p>
-                  </a:txBody>
-                  <a:tcPr/>
-                </a:tc>
-                <a:tc>
-                  <a:txBody>
-                    <a:bodyPr/>
-                    <a:lstStyle/>
-                    <a:p>
-                      <a:endParaRPr lang="en-US" sz="1200" dirty="0"/>
-                    </a:p>
-                  </a:txBody>
-                  <a:tcPr/>
-                </a:tc>
-                <a:tc>
-                  <a:txBody>
-                    <a:bodyPr/>
-                    <a:lstStyle/>
                     <a:p>
                       <a:pPr marL="171450" indent="-171450">
                         <a:buFont typeface="Arial" panose="020B0604020202020204" pitchFamily="34" charset="0"/>
@@ -7230,7 +7510,7 @@
                     <a:p>
                       <a:r>
                         <a:rPr lang="en-US" sz="1200" dirty="0"/>
-                        <a:t>12. Arduino Nano</a:t>
+                        <a:t>11. Arduino Nano</a:t>
                       </a:r>
                     </a:p>
                   </a:txBody>
@@ -7241,7 +7521,34 @@
                     <a:bodyPr/>
                     <a:lstStyle/>
                     <a:p>
-                      <a:endParaRPr lang="en-US" sz="1200" dirty="0"/>
+                      <a:pPr marL="171450" indent="-171450">
+                        <a:buFont typeface="Arial" panose="020B0604020202020204" pitchFamily="34" charset="0"/>
+                        <a:buChar char="•"/>
+                      </a:pPr>
+                      <a:r>
+                        <a:rPr lang="en-US" sz="1200" dirty="0"/>
+                        <a:t>14 digital I/O pins</a:t>
+                      </a:r>
+                    </a:p>
+                    <a:p>
+                      <a:pPr marL="171450" indent="-171450">
+                        <a:buFont typeface="Arial" panose="020B0604020202020204" pitchFamily="34" charset="0"/>
+                        <a:buChar char="•"/>
+                      </a:pPr>
+                      <a:r>
+                        <a:rPr lang="en-US" sz="1200" dirty="0"/>
+                        <a:t>8 analog I/O pins</a:t>
+                      </a:r>
+                    </a:p>
+                    <a:p>
+                      <a:pPr marL="171450" indent="-171450">
+                        <a:buFont typeface="Arial" panose="020B0604020202020204" pitchFamily="34" charset="0"/>
+                        <a:buChar char="•"/>
+                      </a:pPr>
+                      <a:r>
+                        <a:rPr lang="en-US" sz="1200" dirty="0"/>
+                        <a:t>Support many of communication protocol</a:t>
+                      </a:r>
                     </a:p>
                   </a:txBody>
                   <a:tcPr/>
@@ -7277,7 +7584,7 @@
                     <a:p>
                       <a:r>
                         <a:rPr lang="en-US" sz="1200" dirty="0"/>
-                        <a:t>13. ESP32</a:t>
+                        <a:t>12. ESP32 Development Board</a:t>
                       </a:r>
                     </a:p>
                   </a:txBody>
@@ -7288,7 +7595,34 @@
                     <a:bodyPr/>
                     <a:lstStyle/>
                     <a:p>
-                      <a:endParaRPr lang="en-US" sz="1200" dirty="0"/>
+                      <a:pPr marL="171450" indent="-171450">
+                        <a:buFont typeface="Arial" panose="020B0604020202020204" pitchFamily="34" charset="0"/>
+                        <a:buChar char="•"/>
+                      </a:pPr>
+                      <a:r>
+                        <a:rPr lang="en-US" sz="1200" dirty="0"/>
+                        <a:t>30 I/O pins</a:t>
+                      </a:r>
+                    </a:p>
+                    <a:p>
+                      <a:pPr marL="171450" indent="-171450">
+                        <a:buFont typeface="Arial" panose="020B0604020202020204" pitchFamily="34" charset="0"/>
+                        <a:buChar char="•"/>
+                      </a:pPr>
+                      <a:r>
+                        <a:rPr lang="en-US" sz="1200" dirty="0"/>
+                        <a:t>Has Wi-Fi and Bluetooth built-in.</a:t>
+                      </a:r>
+                    </a:p>
+                    <a:p>
+                      <a:pPr marL="171450" indent="-171450">
+                        <a:buFont typeface="Arial" panose="020B0604020202020204" pitchFamily="34" charset="0"/>
+                        <a:buChar char="•"/>
+                      </a:pPr>
+                      <a:r>
+                        <a:rPr lang="en-US" sz="1200" dirty="0"/>
+                        <a:t>Has wide variety of peripherals</a:t>
+                      </a:r>
                     </a:p>
                   </a:txBody>
                   <a:tcPr/>

--- a/POWERPOINT/GraduationThesis_pp.pptx
+++ b/POWERPOINT/GraduationThesis_pp.pptx
@@ -24,8 +24,8 @@
     <p:sldId id="292" r:id="rId12"/>
     <p:sldId id="293" r:id="rId13"/>
     <p:sldId id="294" r:id="rId14"/>
-    <p:sldId id="281" r:id="rId15"/>
-    <p:sldId id="295" r:id="rId16"/>
+    <p:sldId id="295" r:id="rId15"/>
+    <p:sldId id="281" r:id="rId16"/>
     <p:sldId id="282" r:id="rId17"/>
     <p:sldId id="262" r:id="rId18"/>
   </p:sldIdLst>
@@ -4152,7 +4152,7 @@
           <p:cNvPr id="2" name="Slide Number Placeholder 1">
             <a:extLst>
               <a:ext uri="{FF2B5EF4-FFF2-40B4-BE49-F238E27FC236}">
-                <a16:creationId xmlns:a16="http://schemas.microsoft.com/office/drawing/2014/main" id="{22D0692B-6AC5-CD02-A594-FE5926425275}"/>
+                <a16:creationId xmlns:a16="http://schemas.microsoft.com/office/drawing/2014/main" id="{1AF536BD-058C-880A-D628-B6AF6292C727}"/>
               </a:ext>
             </a:extLst>
           </p:cNvPr>
@@ -4182,7 +4182,7 @@
           <p:cNvPr id="3" name="Title 2">
             <a:extLst>
               <a:ext uri="{FF2B5EF4-FFF2-40B4-BE49-F238E27FC236}">
-                <a16:creationId xmlns:a16="http://schemas.microsoft.com/office/drawing/2014/main" id="{73357C92-F0C8-E4C7-DA86-7E9BF3AF93E8}"/>
+                <a16:creationId xmlns:a16="http://schemas.microsoft.com/office/drawing/2014/main" id="{DB2F3F49-5B51-2BF6-150D-B696777CD7DF}"/>
               </a:ext>
             </a:extLst>
           </p:cNvPr>
@@ -4200,7 +4200,7 @@
           <a:p>
             <a:r>
               <a:rPr lang="en-US" dirty="0"/>
-              <a:t>Chapter 4: Blynk Application </a:t>
+              <a:t>Chapter 4: Communication</a:t>
             </a:r>
           </a:p>
         </p:txBody>
@@ -4210,7 +4210,7 @@
           <p:cNvPr id="4" name="Content Placeholder 3">
             <a:extLst>
               <a:ext uri="{FF2B5EF4-FFF2-40B4-BE49-F238E27FC236}">
-                <a16:creationId xmlns:a16="http://schemas.microsoft.com/office/drawing/2014/main" id="{EACBEE1F-6EF4-F435-8979-DE95114F2313}"/>
+                <a16:creationId xmlns:a16="http://schemas.microsoft.com/office/drawing/2014/main" id="{D448BBD0-B4BB-2572-9F81-1D144EF2F228}"/>
               </a:ext>
             </a:extLst>
           </p:cNvPr>
@@ -4221,158 +4221,118 @@
             <p:ph sz="quarter" idx="13"/>
           </p:nvPr>
         </p:nvSpPr>
-        <p:spPr>
-          <a:xfrm>
-            <a:off x="338736" y="907841"/>
-            <a:ext cx="11514528" cy="5249677"/>
-          </a:xfrm>
-        </p:spPr>
+        <p:spPr/>
         <p:txBody>
           <a:bodyPr/>
           <a:lstStyle/>
           <a:p>
-            <a:pPr marL="0" indent="0">
-              <a:buNone/>
-            </a:pPr>
-            <a:r>
-              <a:rPr lang="en-US" sz="2000" b="1" dirty="0">
-                <a:latin typeface="Arial" panose="020B0604020202020204" pitchFamily="34" charset="0"/>
-                <a:cs typeface="Arial" panose="020B0604020202020204" pitchFamily="34" charset="0"/>
-              </a:rPr>
-              <a:t>1. Why use Blynk?</a:t>
-            </a:r>
-          </a:p>
-          <a:p>
-            <a:pPr>
-              <a:buFontTx/>
-              <a:buChar char="-"/>
+            <a:pPr marL="457200" indent="-457200">
+              <a:buAutoNum type="arabicPeriod"/>
             </a:pPr>
             <a:r>
               <a:rPr lang="en-US" sz="2000" dirty="0">
                 <a:latin typeface="Arial" panose="020B0604020202020204" pitchFamily="34" charset="0"/>
                 <a:cs typeface="Arial" panose="020B0604020202020204" pitchFamily="34" charset="0"/>
               </a:rPr>
-              <a:t>Blynk is an app on the phone, allowing users to create interfaces and control the device according to their personal preferences</a:t>
-            </a:r>
-          </a:p>
-          <a:p>
-            <a:pPr>
+              <a:t>UART Protocol</a:t>
+            </a:r>
+          </a:p>
+          <a:p>
+            <a:pPr lvl="1">
               <a:buFontTx/>
               <a:buChar char="-"/>
+            </a:pPr>
+            <a:r>
+              <a:rPr lang="en-US" sz="1600" dirty="0">
+                <a:latin typeface="Arial" panose="020B0604020202020204" pitchFamily="34" charset="0"/>
+                <a:cs typeface="Arial" panose="020B0604020202020204" pitchFamily="34" charset="0"/>
+              </a:rPr>
+              <a:t>Something here</a:t>
+            </a:r>
+          </a:p>
+          <a:p>
+            <a:pPr lvl="1">
+              <a:buFontTx/>
+              <a:buChar char="-"/>
+            </a:pPr>
+            <a:r>
+              <a:rPr lang="en-US" sz="1600" dirty="0">
+                <a:latin typeface="Arial" panose="020B0604020202020204" pitchFamily="34" charset="0"/>
+                <a:cs typeface="Arial" panose="020B0604020202020204" pitchFamily="34" charset="0"/>
+              </a:rPr>
+              <a:t>Something here</a:t>
+            </a:r>
+          </a:p>
+          <a:p>
+            <a:pPr lvl="1">
+              <a:buFontTx/>
+              <a:buChar char="-"/>
+            </a:pPr>
+            <a:r>
+              <a:rPr lang="en-US" sz="1600" dirty="0">
+                <a:latin typeface="Arial" panose="020B0604020202020204" pitchFamily="34" charset="0"/>
+                <a:cs typeface="Arial" panose="020B0604020202020204" pitchFamily="34" charset="0"/>
+              </a:rPr>
+              <a:t>Something here</a:t>
+            </a:r>
+          </a:p>
+          <a:p>
+            <a:pPr marL="457200" indent="-457200">
+              <a:buAutoNum type="arabicPeriod"/>
             </a:pPr>
             <a:r>
               <a:rPr lang="en-US" sz="2000" dirty="0">
                 <a:latin typeface="Arial" panose="020B0604020202020204" pitchFamily="34" charset="0"/>
                 <a:cs typeface="Arial" panose="020B0604020202020204" pitchFamily="34" charset="0"/>
               </a:rPr>
-              <a:t>Easy to use</a:t>
-            </a:r>
-          </a:p>
-          <a:p>
-            <a:pPr>
+              <a:t>I2C Protocol</a:t>
+            </a:r>
+          </a:p>
+          <a:p>
+            <a:pPr lvl="1">
               <a:buFontTx/>
               <a:buChar char="-"/>
             </a:pPr>
             <a:r>
-              <a:rPr lang="en-US" sz="2000" dirty="0">
+              <a:rPr lang="en-US" sz="1600" dirty="0">
                 <a:latin typeface="Arial" panose="020B0604020202020204" pitchFamily="34" charset="0"/>
                 <a:cs typeface="Arial" panose="020B0604020202020204" pitchFamily="34" charset="0"/>
               </a:rPr>
-              <a:t>Beautiful application with full function</a:t>
-            </a:r>
-          </a:p>
-          <a:p>
-            <a:pPr>
+              <a:t>Something here</a:t>
+            </a:r>
+          </a:p>
+          <a:p>
+            <a:pPr lvl="1">
               <a:buFontTx/>
               <a:buChar char="-"/>
             </a:pPr>
             <a:r>
-              <a:rPr lang="en-US" sz="2000" dirty="0">
+              <a:rPr lang="en-US" sz="1600" dirty="0">
                 <a:latin typeface="Arial" panose="020B0604020202020204" pitchFamily="34" charset="0"/>
                 <a:cs typeface="Arial" panose="020B0604020202020204" pitchFamily="34" charset="0"/>
               </a:rPr>
-              <a:t>Does need to build android and iOS application</a:t>
-            </a:r>
-          </a:p>
-          <a:p>
-            <a:pPr>
+              <a:t>Something here</a:t>
+            </a:r>
+          </a:p>
+          <a:p>
+            <a:pPr lvl="1">
               <a:buFontTx/>
               <a:buChar char="-"/>
             </a:pPr>
             <a:r>
-              <a:rPr lang="en-US" sz="2000" dirty="0">
+              <a:rPr lang="en-US" sz="1600" dirty="0">
                 <a:latin typeface="Arial" panose="020B0604020202020204" pitchFamily="34" charset="0"/>
                 <a:cs typeface="Arial" panose="020B0604020202020204" pitchFamily="34" charset="0"/>
               </a:rPr>
-              <a:t>Rapid testing, can be monitored anywhere with internet</a:t>
-            </a:r>
-          </a:p>
-          <a:p>
-            <a:pPr marL="0" indent="0">
-              <a:buNone/>
-            </a:pPr>
-            <a:r>
-              <a:rPr lang="en-US" sz="2000" b="1" dirty="0">
-                <a:latin typeface="Arial" panose="020B0604020202020204" pitchFamily="34" charset="0"/>
-                <a:cs typeface="Arial" panose="020B0604020202020204" pitchFamily="34" charset="0"/>
-              </a:rPr>
-              <a:t>2. How Blynk works with your system?</a:t>
-            </a:r>
-          </a:p>
-          <a:p>
-            <a:pPr>
-              <a:buFontTx/>
-              <a:buChar char="-"/>
-            </a:pPr>
-            <a:r>
-              <a:rPr lang="en-US" sz="2000" dirty="0">
-                <a:latin typeface="Arial" panose="020B0604020202020204" pitchFamily="34" charset="0"/>
-                <a:cs typeface="Arial" panose="020B0604020202020204" pitchFamily="34" charset="0"/>
-              </a:rPr>
-              <a:t>Node MCU ESP32 connects to Blynk application</a:t>
-            </a:r>
-          </a:p>
-          <a:p>
-            <a:pPr>
-              <a:buFontTx/>
-              <a:buChar char="-"/>
-            </a:pPr>
-            <a:r>
-              <a:rPr lang="en-US" sz="2000" dirty="0">
-                <a:latin typeface="Arial" panose="020B0604020202020204" pitchFamily="34" charset="0"/>
-                <a:cs typeface="Arial" panose="020B0604020202020204" pitchFamily="34" charset="0"/>
-              </a:rPr>
-              <a:t>Blynk Server – responsible for all communication between the smartphone and the hardware. You can use Blynk Cloud or run your own Blynk server locally</a:t>
-            </a:r>
-          </a:p>
-          <a:p>
-            <a:pPr>
-              <a:buFontTx/>
-              <a:buChar char="-"/>
-            </a:pPr>
-            <a:r>
-              <a:rPr lang="en-US" sz="2000" dirty="0">
-                <a:latin typeface="Arial" panose="020B0604020202020204" pitchFamily="34" charset="0"/>
-                <a:cs typeface="Arial" panose="020B0604020202020204" pitchFamily="34" charset="0"/>
-              </a:rPr>
-              <a:t>The Blynk library – for all popular hardware platforms – allows to communicate with the server and process all incoming and outgoing commands</a:t>
-            </a:r>
-          </a:p>
-          <a:p>
-            <a:pPr marL="0" indent="0">
-              <a:buNone/>
-            </a:pPr>
-            <a:endParaRPr lang="en-US" sz="2000" dirty="0">
-              <a:latin typeface="Arial" panose="020B0604020202020204" pitchFamily="34" charset="0"/>
-              <a:cs typeface="Arial" panose="020B0604020202020204" pitchFamily="34" charset="0"/>
-            </a:endParaRPr>
+              <a:t>Something here</a:t>
+            </a:r>
           </a:p>
         </p:txBody>
       </p:sp>
     </p:spTree>
     <p:extLst>
       <p:ext uri="{BB962C8B-B14F-4D97-AF65-F5344CB8AC3E}">
-        <p14:creationId xmlns:p14="http://schemas.microsoft.com/office/powerpoint/2010/main" val="257908950"/>
+        <p14:creationId xmlns:p14="http://schemas.microsoft.com/office/powerpoint/2010/main" val="3061339860"/>
       </p:ext>
     </p:extLst>
   </p:cSld>
@@ -4404,7 +4364,7 @@
           <p:cNvPr id="2" name="Slide Number Placeholder 1">
             <a:extLst>
               <a:ext uri="{FF2B5EF4-FFF2-40B4-BE49-F238E27FC236}">
-                <a16:creationId xmlns:a16="http://schemas.microsoft.com/office/drawing/2014/main" id="{1AF536BD-058C-880A-D628-B6AF6292C727}"/>
+                <a16:creationId xmlns:a16="http://schemas.microsoft.com/office/drawing/2014/main" id="{22D0692B-6AC5-CD02-A594-FE5926425275}"/>
               </a:ext>
             </a:extLst>
           </p:cNvPr>
@@ -4434,7 +4394,7 @@
           <p:cNvPr id="3" name="Title 2">
             <a:extLst>
               <a:ext uri="{FF2B5EF4-FFF2-40B4-BE49-F238E27FC236}">
-                <a16:creationId xmlns:a16="http://schemas.microsoft.com/office/drawing/2014/main" id="{DB2F3F49-5B51-2BF6-150D-B696777CD7DF}"/>
+                <a16:creationId xmlns:a16="http://schemas.microsoft.com/office/drawing/2014/main" id="{73357C92-F0C8-E4C7-DA86-7E9BF3AF93E8}"/>
               </a:ext>
             </a:extLst>
           </p:cNvPr>
@@ -4452,7 +4412,7 @@
           <a:p>
             <a:r>
               <a:rPr lang="en-US" dirty="0"/>
-              <a:t>Chapter 5: Communication</a:t>
+              <a:t>Chapter 5: Blynk Application </a:t>
             </a:r>
           </a:p>
         </p:txBody>
@@ -4462,7 +4422,7 @@
           <p:cNvPr id="4" name="Content Placeholder 3">
             <a:extLst>
               <a:ext uri="{FF2B5EF4-FFF2-40B4-BE49-F238E27FC236}">
-                <a16:creationId xmlns:a16="http://schemas.microsoft.com/office/drawing/2014/main" id="{D448BBD0-B4BB-2572-9F81-1D144EF2F228}"/>
+                <a16:creationId xmlns:a16="http://schemas.microsoft.com/office/drawing/2014/main" id="{EACBEE1F-6EF4-F435-8979-DE95114F2313}"/>
               </a:ext>
             </a:extLst>
           </p:cNvPr>
@@ -4473,182 +4433,148 @@
             <p:ph sz="quarter" idx="13"/>
           </p:nvPr>
         </p:nvSpPr>
-        <p:spPr/>
+        <p:spPr>
+          <a:xfrm>
+            <a:off x="338736" y="907841"/>
+            <a:ext cx="11514528" cy="5249677"/>
+          </a:xfrm>
+        </p:spPr>
         <p:txBody>
           <a:bodyPr/>
           <a:lstStyle/>
           <a:p>
-            <a:pPr marL="457200" indent="-457200">
-              <a:buAutoNum type="arabicPeriod"/>
+            <a:pPr marL="0" indent="0">
+              <a:buNone/>
+            </a:pPr>
+            <a:r>
+              <a:rPr lang="en-US" sz="2000" b="1" dirty="0">
+                <a:latin typeface="Arial" panose="020B0604020202020204" pitchFamily="34" charset="0"/>
+                <a:cs typeface="Arial" panose="020B0604020202020204" pitchFamily="34" charset="0"/>
+              </a:rPr>
+              <a:t>1. Why use Blynk?</a:t>
+            </a:r>
+          </a:p>
+          <a:p>
+            <a:pPr>
+              <a:buFontTx/>
+              <a:buChar char="-"/>
             </a:pPr>
             <a:r>
               <a:rPr lang="en-US" sz="2000" dirty="0">
                 <a:latin typeface="Arial" panose="020B0604020202020204" pitchFamily="34" charset="0"/>
                 <a:cs typeface="Arial" panose="020B0604020202020204" pitchFamily="34" charset="0"/>
               </a:rPr>
-              <a:t>UART Protocol</a:t>
-            </a:r>
-          </a:p>
-          <a:p>
-            <a:pPr lvl="1">
+              <a:t>Blynk is an app on the phone, allowing users to create interfaces and control the device according to their personal preferences</a:t>
+            </a:r>
+          </a:p>
+          <a:p>
+            <a:pPr>
               <a:buFontTx/>
               <a:buChar char="-"/>
-            </a:pPr>
-            <a:r>
-              <a:rPr lang="en-US" sz="1600" dirty="0">
-                <a:latin typeface="Arial" panose="020B0604020202020204" pitchFamily="34" charset="0"/>
-                <a:cs typeface="Arial" panose="020B0604020202020204" pitchFamily="34" charset="0"/>
-              </a:rPr>
-              <a:t>Something here</a:t>
-            </a:r>
-          </a:p>
-          <a:p>
-            <a:pPr lvl="1">
-              <a:buFontTx/>
-              <a:buChar char="-"/>
-            </a:pPr>
-            <a:r>
-              <a:rPr lang="en-US" sz="1600" dirty="0">
-                <a:latin typeface="Arial" panose="020B0604020202020204" pitchFamily="34" charset="0"/>
-                <a:cs typeface="Arial" panose="020B0604020202020204" pitchFamily="34" charset="0"/>
-              </a:rPr>
-              <a:t>Something here</a:t>
-            </a:r>
-          </a:p>
-          <a:p>
-            <a:pPr lvl="1">
-              <a:buFontTx/>
-              <a:buChar char="-"/>
-            </a:pPr>
-            <a:r>
-              <a:rPr lang="en-US" sz="1600" dirty="0">
-                <a:latin typeface="Arial" panose="020B0604020202020204" pitchFamily="34" charset="0"/>
-                <a:cs typeface="Arial" panose="020B0604020202020204" pitchFamily="34" charset="0"/>
-              </a:rPr>
-              <a:t>Something here</a:t>
-            </a:r>
-          </a:p>
-          <a:p>
-            <a:pPr marL="457200" indent="-457200">
-              <a:buAutoNum type="arabicPeriod"/>
             </a:pPr>
             <a:r>
               <a:rPr lang="en-US" sz="2000" dirty="0">
                 <a:latin typeface="Arial" panose="020B0604020202020204" pitchFamily="34" charset="0"/>
                 <a:cs typeface="Arial" panose="020B0604020202020204" pitchFamily="34" charset="0"/>
               </a:rPr>
-              <a:t>I2C Protocol</a:t>
-            </a:r>
-          </a:p>
-          <a:p>
-            <a:pPr lvl="1">
+              <a:t>Easy to use</a:t>
+            </a:r>
+          </a:p>
+          <a:p>
+            <a:pPr>
               <a:buFontTx/>
               <a:buChar char="-"/>
-            </a:pPr>
-            <a:r>
-              <a:rPr lang="en-US" sz="1600" dirty="0">
-                <a:latin typeface="Arial" panose="020B0604020202020204" pitchFamily="34" charset="0"/>
-                <a:cs typeface="Arial" panose="020B0604020202020204" pitchFamily="34" charset="0"/>
-              </a:rPr>
-              <a:t>Something here</a:t>
-            </a:r>
-          </a:p>
-          <a:p>
-            <a:pPr lvl="1">
-              <a:buFontTx/>
-              <a:buChar char="-"/>
-            </a:pPr>
-            <a:r>
-              <a:rPr lang="en-US" sz="1600" dirty="0">
-                <a:latin typeface="Arial" panose="020B0604020202020204" pitchFamily="34" charset="0"/>
-                <a:cs typeface="Arial" panose="020B0604020202020204" pitchFamily="34" charset="0"/>
-              </a:rPr>
-              <a:t>Something here</a:t>
-            </a:r>
-          </a:p>
-          <a:p>
-            <a:pPr lvl="1">
-              <a:buFontTx/>
-              <a:buChar char="-"/>
-            </a:pPr>
-            <a:r>
-              <a:rPr lang="en-US" sz="1600" dirty="0">
-                <a:latin typeface="Arial" panose="020B0604020202020204" pitchFamily="34" charset="0"/>
-                <a:cs typeface="Arial" panose="020B0604020202020204" pitchFamily="34" charset="0"/>
-              </a:rPr>
-              <a:t>Something here</a:t>
-            </a:r>
-          </a:p>
-          <a:p>
-            <a:pPr marL="457200" indent="-457200">
-              <a:buAutoNum type="arabicPeriod"/>
             </a:pPr>
             <a:r>
               <a:rPr lang="en-US" sz="2000" dirty="0">
                 <a:latin typeface="Arial" panose="020B0604020202020204" pitchFamily="34" charset="0"/>
                 <a:cs typeface="Arial" panose="020B0604020202020204" pitchFamily="34" charset="0"/>
               </a:rPr>
-              <a:t>Wi-Fi Protocol</a:t>
-            </a:r>
-          </a:p>
-          <a:p>
-            <a:pPr lvl="1">
+              <a:t>Beautiful application with full function</a:t>
+            </a:r>
+          </a:p>
+          <a:p>
+            <a:pPr>
               <a:buFontTx/>
               <a:buChar char="-"/>
             </a:pPr>
             <a:r>
-              <a:rPr lang="en-US" sz="1600" dirty="0">
+              <a:rPr lang="en-US" sz="2000" dirty="0">
                 <a:latin typeface="Arial" panose="020B0604020202020204" pitchFamily="34" charset="0"/>
                 <a:cs typeface="Arial" panose="020B0604020202020204" pitchFamily="34" charset="0"/>
               </a:rPr>
-              <a:t>Something here</a:t>
-            </a:r>
-          </a:p>
-          <a:p>
-            <a:pPr lvl="1">
+              <a:t>Does need to build android and iOS application</a:t>
+            </a:r>
+          </a:p>
+          <a:p>
+            <a:pPr>
               <a:buFontTx/>
               <a:buChar char="-"/>
             </a:pPr>
             <a:r>
-              <a:rPr lang="en-US" sz="1600" dirty="0">
+              <a:rPr lang="en-US" sz="2000" dirty="0">
                 <a:latin typeface="Arial" panose="020B0604020202020204" pitchFamily="34" charset="0"/>
                 <a:cs typeface="Arial" panose="020B0604020202020204" pitchFamily="34" charset="0"/>
               </a:rPr>
-              <a:t>Something here </a:t>
-            </a:r>
-          </a:p>
-          <a:p>
-            <a:pPr lvl="1">
+              <a:t>Rapid testing, can be monitored anywhere with internet</a:t>
+            </a:r>
+          </a:p>
+          <a:p>
+            <a:pPr marL="0" indent="0">
+              <a:buNone/>
+            </a:pPr>
+            <a:r>
+              <a:rPr lang="en-US" sz="2000" b="1" dirty="0">
+                <a:latin typeface="Arial" panose="020B0604020202020204" pitchFamily="34" charset="0"/>
+                <a:cs typeface="Arial" panose="020B0604020202020204" pitchFamily="34" charset="0"/>
+              </a:rPr>
+              <a:t>2. How Blynk works with your system?</a:t>
+            </a:r>
+          </a:p>
+          <a:p>
+            <a:pPr>
               <a:buFontTx/>
               <a:buChar char="-"/>
             </a:pPr>
             <a:r>
-              <a:rPr lang="en-US" sz="1600" dirty="0">
+              <a:rPr lang="en-US" sz="2000" dirty="0">
                 <a:latin typeface="Arial" panose="020B0604020202020204" pitchFamily="34" charset="0"/>
                 <a:cs typeface="Arial" panose="020B0604020202020204" pitchFamily="34" charset="0"/>
               </a:rPr>
-              <a:t>Something here</a:t>
-            </a:r>
-          </a:p>
-          <a:p>
-            <a:pPr lvl="1">
+              <a:t>Node MCU ESP32 connects to Blynk application</a:t>
+            </a:r>
+          </a:p>
+          <a:p>
+            <a:pPr>
               <a:buFontTx/>
               <a:buChar char="-"/>
             </a:pPr>
             <a:r>
-              <a:rPr lang="en-US" sz="1600" dirty="0">
+              <a:rPr lang="en-US" sz="2000" dirty="0">
                 <a:latin typeface="Arial" panose="020B0604020202020204" pitchFamily="34" charset="0"/>
                 <a:cs typeface="Arial" panose="020B0604020202020204" pitchFamily="34" charset="0"/>
               </a:rPr>
-              <a:t>Something here</a:t>
-            </a:r>
-          </a:p>
-          <a:p>
-            <a:pPr lvl="1">
+              <a:t>Blynk Server – responsible for all communication between the smartphone and the hardware. You can use Blynk Cloud or run your own Blynk server locally</a:t>
+            </a:r>
+          </a:p>
+          <a:p>
+            <a:pPr>
               <a:buFontTx/>
               <a:buChar char="-"/>
             </a:pPr>
-            <a:endParaRPr lang="en-US" sz="1600" dirty="0">
+            <a:r>
+              <a:rPr lang="en-US" sz="2000" dirty="0">
+                <a:latin typeface="Arial" panose="020B0604020202020204" pitchFamily="34" charset="0"/>
+                <a:cs typeface="Arial" panose="020B0604020202020204" pitchFamily="34" charset="0"/>
+              </a:rPr>
+              <a:t>The Blynk library – for all popular hardware platforms – allows to communicate with the server and process all incoming and outgoing commands</a:t>
+            </a:r>
+          </a:p>
+          <a:p>
+            <a:pPr marL="0" indent="0">
+              <a:buNone/>
+            </a:pPr>
+            <a:endParaRPr lang="en-US" sz="2000" dirty="0">
               <a:latin typeface="Arial" panose="020B0604020202020204" pitchFamily="34" charset="0"/>
               <a:cs typeface="Arial" panose="020B0604020202020204" pitchFamily="34" charset="0"/>
             </a:endParaRPr>
@@ -4658,7 +4584,7 @@
     </p:spTree>
     <p:extLst>
       <p:ext uri="{BB962C8B-B14F-4D97-AF65-F5344CB8AC3E}">
-        <p14:creationId xmlns:p14="http://schemas.microsoft.com/office/powerpoint/2010/main" val="3061339860"/>
+        <p14:creationId xmlns:p14="http://schemas.microsoft.com/office/powerpoint/2010/main" val="257908950"/>
       </p:ext>
     </p:extLst>
   </p:cSld>
@@ -4738,7 +4664,7 @@
           <a:p>
             <a:r>
               <a:rPr lang="en-US" dirty="0"/>
-              <a:t>Chapter 5: Result And Conclusion</a:t>
+              <a:t>Chapter 6: Result And Conclusion</a:t>
             </a:r>
           </a:p>
         </p:txBody>
@@ -5514,6 +5440,11 @@
           <a:bodyPr/>
           <a:lstStyle/>
           <a:p>
+            <a:pPr>
+              <a:lnSpc>
+                <a:spcPct val="200000"/>
+              </a:lnSpc>
+            </a:pPr>
             <a:r>
               <a:rPr lang="en-US" sz="2000" dirty="0">
                 <a:latin typeface="Arial" panose="020B0604020202020204" pitchFamily="34" charset="0"/>
@@ -5523,6 +5454,11 @@
             </a:r>
           </a:p>
           <a:p>
+            <a:pPr>
+              <a:lnSpc>
+                <a:spcPct val="200000"/>
+              </a:lnSpc>
+            </a:pPr>
             <a:r>
               <a:rPr lang="en-US" sz="2000" dirty="0">
                 <a:latin typeface="Arial" panose="020B0604020202020204" pitchFamily="34" charset="0"/>
@@ -5532,6 +5468,11 @@
             </a:r>
           </a:p>
           <a:p>
+            <a:pPr>
+              <a:lnSpc>
+                <a:spcPct val="200000"/>
+              </a:lnSpc>
+            </a:pPr>
             <a:r>
               <a:rPr lang="en-US" sz="2000" dirty="0">
                 <a:latin typeface="Arial" panose="020B0604020202020204" pitchFamily="34" charset="0"/>
@@ -5541,6 +5482,11 @@
             </a:r>
           </a:p>
           <a:p>
+            <a:pPr>
+              <a:lnSpc>
+                <a:spcPct val="200000"/>
+              </a:lnSpc>
+            </a:pPr>
             <a:r>
               <a:rPr lang="en-US" sz="2000" dirty="0">
                 <a:latin typeface="Arial" panose="020B0604020202020204" pitchFamily="34" charset="0"/>
@@ -5550,6 +5496,11 @@
             </a:r>
           </a:p>
           <a:p>
+            <a:pPr>
+              <a:lnSpc>
+                <a:spcPct val="200000"/>
+              </a:lnSpc>
+            </a:pPr>
             <a:r>
               <a:rPr lang="en-US" sz="2000" dirty="0">
                 <a:latin typeface="Arial" panose="020B0604020202020204" pitchFamily="34" charset="0"/>
@@ -5559,6 +5510,11 @@
             </a:r>
           </a:p>
           <a:p>
+            <a:pPr>
+              <a:lnSpc>
+                <a:spcPct val="200000"/>
+              </a:lnSpc>
+            </a:pPr>
             <a:r>
               <a:rPr lang="en-US" sz="2000" dirty="0">
                 <a:latin typeface="Arial" panose="020B0604020202020204" pitchFamily="34" charset="0"/>
@@ -6026,7 +5982,7 @@
                 <a:latin typeface="Arial" panose="020B0604020202020204" pitchFamily="34" charset="0"/>
                 <a:cs typeface="Arial" panose="020B0604020202020204" pitchFamily="34" charset="0"/>
               </a:rPr>
-              <a:t>Turn on/off “Movie Mode” entertainment room</a:t>
+              <a:t>Turn on/off “Movie Mode” in the entertainment room</a:t>
             </a:r>
           </a:p>
           <a:p>
@@ -6205,8 +6161,44 @@
         </p:blipFill>
         <p:spPr>
           <a:xfrm>
-            <a:off x="780295" y="1791316"/>
-            <a:ext cx="4946475" cy="3275368"/>
+            <a:off x="338736" y="1791316"/>
+            <a:ext cx="5808273" cy="3846018"/>
+          </a:xfrm>
+          <a:prstGeom prst="rect">
+            <a:avLst/>
+          </a:prstGeom>
+        </p:spPr>
+      </p:pic>
+      <p:pic>
+        <p:nvPicPr>
+          <p:cNvPr id="6" name="Picture 5">
+            <a:extLst>
+              <a:ext uri="{FF2B5EF4-FFF2-40B4-BE49-F238E27FC236}">
+                <a16:creationId xmlns:a16="http://schemas.microsoft.com/office/drawing/2014/main" id="{52BED271-409F-5C11-6136-AB206B2632B1}"/>
+              </a:ext>
+            </a:extLst>
+          </p:cNvPr>
+          <p:cNvPicPr>
+            <a:picLocks noChangeAspect="1"/>
+          </p:cNvPicPr>
+          <p:nvPr/>
+        </p:nvPicPr>
+        <p:blipFill>
+          <a:blip r:embed="rId3">
+            <a:extLst>
+              <a:ext uri="{28A0092B-C50C-407E-A947-70E740481C1C}">
+                <a14:useLocalDpi xmlns:a14="http://schemas.microsoft.com/office/drawing/2010/main" val="0"/>
+              </a:ext>
+            </a:extLst>
+          </a:blip>
+          <a:stretch>
+            <a:fillRect/>
+          </a:stretch>
+        </p:blipFill>
+        <p:spPr>
+          <a:xfrm>
+            <a:off x="6381750" y="1891020"/>
+            <a:ext cx="5371563" cy="3646609"/>
           </a:xfrm>
           <a:prstGeom prst="rect">
             <a:avLst/>
